--- a/real_time_shelf_tracking/void_detect/P_n_G.pptx
+++ b/real_time_shelf_tracking/void_detect/P_n_G.pptx
@@ -5,8 +5,8 @@
     <p:sldMasterId id="2147483660" r:id="rId1"/>
   </p:sldMasterIdLst>
   <p:sldIdLst>
-    <p:sldId id="256" r:id="rId2"/>
-    <p:sldId id="257" r:id="rId3"/>
+    <p:sldId id="257" r:id="rId2"/>
+    <p:sldId id="256" r:id="rId3"/>
     <p:sldId id="258" r:id="rId4"/>
     <p:sldId id="259" r:id="rId5"/>
   </p:sldIdLst>
@@ -119,6 +119,7 @@
 <p1510:revInfo xmlns:a="http://schemas.openxmlformats.org/drawingml/2006/main" xmlns:r="http://schemas.openxmlformats.org/officeDocument/2006/relationships" xmlns:p1510="http://schemas.microsoft.com/office/powerpoint/2015/10/main">
   <p1510:revLst>
     <p1510:client id="{67D4AA62-AD2C-417B-91CC-B8B49FA111DF}" v="806" dt="2020-05-24T15:45:30.955"/>
+    <p1510:client id="{EA246123-14B2-4286-9736-59D6423DCD60}" v="1380" dt="2020-05-24T16:54:45.689"/>
   </p1510:revLst>
 </p1510:revInfo>
 </file>
@@ -2984,6 +2985,106 @@
           <a:chExt cx="0" cy="0"/>
         </a:xfrm>
       </p:grpSpPr>
+      <p:sp>
+        <p:nvSpPr>
+          <p:cNvPr id="13" name="Rectangle 12">
+            <a:extLst>
+              <a:ext uri="{FF2B5EF4-FFF2-40B4-BE49-F238E27FC236}">
+                <a16:creationId xmlns:a16="http://schemas.microsoft.com/office/drawing/2014/main" id="{766B5552-F982-43B4-8DEB-2ED86B2AAFC9}"/>
+              </a:ext>
+            </a:extLst>
+          </p:cNvPr>
+          <p:cNvSpPr/>
+          <p:nvPr/>
+        </p:nvSpPr>
+        <p:spPr>
+          <a:xfrm>
+            <a:off x="5903847" y="1315279"/>
+            <a:ext cx="6095995" cy="5389216"/>
+          </a:xfrm>
+          <a:prstGeom prst="rect">
+            <a:avLst/>
+          </a:prstGeom>
+          <a:solidFill>
+            <a:schemeClr val="bg2"/>
+          </a:solidFill>
+        </p:spPr>
+        <p:style>
+          <a:lnRef idx="2">
+            <a:schemeClr val="accent1">
+              <a:shade val="50000"/>
+            </a:schemeClr>
+          </a:lnRef>
+          <a:fillRef idx="1">
+            <a:schemeClr val="accent1"/>
+          </a:fillRef>
+          <a:effectRef idx="0">
+            <a:schemeClr val="accent1"/>
+          </a:effectRef>
+          <a:fontRef idx="minor">
+            <a:schemeClr val="lt1"/>
+          </a:fontRef>
+        </p:style>
+        <p:txBody>
+          <a:bodyPr rtlCol="0" anchor="ctr"/>
+          <a:lstStyle/>
+          <a:p>
+            <a:pPr algn="ctr"/>
+            <a:endParaRPr lang="en-US"/>
+          </a:p>
+        </p:txBody>
+      </p:sp>
+      <p:sp>
+        <p:nvSpPr>
+          <p:cNvPr id="8" name="Rectangle 7">
+            <a:extLst>
+              <a:ext uri="{FF2B5EF4-FFF2-40B4-BE49-F238E27FC236}">
+                <a16:creationId xmlns:a16="http://schemas.microsoft.com/office/drawing/2014/main" id="{7196E884-72C9-4737-9768-6B0EDD960297}"/>
+              </a:ext>
+            </a:extLst>
+          </p:cNvPr>
+          <p:cNvSpPr/>
+          <p:nvPr/>
+        </p:nvSpPr>
+        <p:spPr>
+          <a:xfrm>
+            <a:off x="94977" y="1315279"/>
+            <a:ext cx="5731561" cy="5389216"/>
+          </a:xfrm>
+          <a:prstGeom prst="rect">
+            <a:avLst/>
+          </a:prstGeom>
+          <a:solidFill>
+            <a:schemeClr val="bg2"/>
+          </a:solidFill>
+        </p:spPr>
+        <p:style>
+          <a:lnRef idx="2">
+            <a:schemeClr val="accent1">
+              <a:shade val="50000"/>
+            </a:schemeClr>
+          </a:lnRef>
+          <a:fillRef idx="1">
+            <a:schemeClr val="accent1"/>
+          </a:fillRef>
+          <a:effectRef idx="0">
+            <a:schemeClr val="accent1"/>
+          </a:effectRef>
+          <a:fontRef idx="minor">
+            <a:schemeClr val="lt1"/>
+          </a:fontRef>
+        </p:style>
+        <p:txBody>
+          <a:bodyPr rtlCol="0" anchor="ctr"/>
+          <a:lstStyle/>
+          <a:p>
+            <a:pPr algn="ctr"/>
+            <a:endParaRPr lang="en-US" dirty="0">
+              <a:cs typeface="Calibri"/>
+            </a:endParaRPr>
+          </a:p>
+        </p:txBody>
+      </p:sp>
       <p:pic>
         <p:nvPicPr>
           <p:cNvPr id="2" name="Picture 2" descr="A picture containing drawing&#10;&#10;Description generated with very high confidence">
@@ -3006,8 +3107,8 @@
         </p:blipFill>
         <p:spPr>
           <a:xfrm>
-            <a:off x="10942014" y="6271866"/>
-            <a:ext cx="1252056" cy="586962"/>
+            <a:off x="10886799" y="6249781"/>
+            <a:ext cx="1307271" cy="609047"/>
           </a:xfrm>
           <a:prstGeom prst="rect">
             <a:avLst/>
@@ -3028,8 +3129,8 @@
         </p:nvSpPr>
         <p:spPr>
           <a:xfrm>
-            <a:off x="373271" y="108226"/>
-            <a:ext cx="11346067" cy="461665"/>
+            <a:off x="152401" y="97182"/>
+            <a:ext cx="12505632" cy="461665"/>
           </a:xfrm>
           <a:prstGeom prst="rect">
             <a:avLst/>
@@ -3055,19 +3156,7 @@
                 <a:latin typeface="Arial"/>
                 <a:cs typeface="Calibri"/>
               </a:rPr>
-              <a:t>Real-Time Shelf Inventory </a:t>
-            </a:r>
-            <a:r>
-              <a:rPr lang="en-US" sz="2400" b="1" dirty="0">
-                <a:solidFill>
-                  <a:schemeClr val="bg2">
-                    <a:lumMod val="25000"/>
-                  </a:schemeClr>
-                </a:solidFill>
-                <a:latin typeface="Arial"/>
-                <a:cs typeface="Calibri"/>
-              </a:rPr>
-              <a:t>Tracking with Deep learning and Computer Vision</a:t>
+              <a:t>Real-Time Out of Stock Prediction in Stores and On-Shelves Inventory Tracking</a:t>
             </a:r>
           </a:p>
         </p:txBody>
@@ -3115,10 +3204,10 @@
       </p:cxnSp>
       <p:sp>
         <p:nvSpPr>
-          <p:cNvPr id="8" name="TextBox 7">
+          <p:cNvPr id="6" name="TextBox 5">
             <a:extLst>
               <a:ext uri="{FF2B5EF4-FFF2-40B4-BE49-F238E27FC236}">
-                <a16:creationId xmlns:a16="http://schemas.microsoft.com/office/drawing/2014/main" id="{C362BCE3-AB1C-4D5B-A725-95AF4207F8A9}"/>
+                <a16:creationId xmlns:a16="http://schemas.microsoft.com/office/drawing/2014/main" id="{7D5AE8D1-FA57-4D47-A01F-F2D579B3D78F}"/>
               </a:ext>
             </a:extLst>
           </p:cNvPr>
@@ -3128,7 +3217,7 @@
         <p:spPr>
           <a:xfrm>
             <a:off x="196574" y="671442"/>
-            <a:ext cx="11776764" cy="338554"/>
+            <a:ext cx="11942416" cy="830997"/>
           </a:xfrm>
           <a:prstGeom prst="rect">
             <a:avLst/>
@@ -3150,9 +3239,15 @@
                 <a:ea typeface="+mn-lt"/>
                 <a:cs typeface="+mn-lt"/>
               </a:rPr>
-              <a:t>The key objective is to track on shelf inventories in real time to ensure that products are never run Out of stock from the shelves.</a:t>
+              <a:t>The Solution objective is to minimize OOS (out of stock) at stores and improve overall customer experience and satisfaction by ensuring the products are always available on the shelves as well as in stock with the stores.</a:t>
             </a:r>
             <a:endParaRPr lang="en-US" sz="1600">
+              <a:ea typeface="+mn-lt"/>
+              <a:cs typeface="+mn-lt"/>
+            </a:endParaRPr>
+          </a:p>
+          <a:p>
+            <a:endParaRPr lang="en-US" sz="1600" dirty="0">
               <a:latin typeface="Arial"/>
               <a:cs typeface="Calibri"/>
             </a:endParaRPr>
@@ -3161,108 +3256,10 @@
       </p:sp>
       <p:sp>
         <p:nvSpPr>
-          <p:cNvPr id="5" name="Rectangle 4">
+          <p:cNvPr id="9" name="TextBox 8">
             <a:extLst>
               <a:ext uri="{FF2B5EF4-FFF2-40B4-BE49-F238E27FC236}">
-                <a16:creationId xmlns:a16="http://schemas.microsoft.com/office/drawing/2014/main" id="{15B7F26C-EA7C-4BD2-B666-7CF582218A01}"/>
-              </a:ext>
-            </a:extLst>
-          </p:cNvPr>
-          <p:cNvSpPr/>
-          <p:nvPr/>
-        </p:nvSpPr>
-        <p:spPr>
-          <a:xfrm>
-            <a:off x="194367" y="1149626"/>
-            <a:ext cx="5687390" cy="5190435"/>
-          </a:xfrm>
-          <a:prstGeom prst="rect">
-            <a:avLst/>
-          </a:prstGeom>
-          <a:solidFill>
-            <a:schemeClr val="bg2"/>
-          </a:solidFill>
-        </p:spPr>
-        <p:style>
-          <a:lnRef idx="2">
-            <a:schemeClr val="accent1">
-              <a:shade val="50000"/>
-            </a:schemeClr>
-          </a:lnRef>
-          <a:fillRef idx="1">
-            <a:schemeClr val="accent1"/>
-          </a:fillRef>
-          <a:effectRef idx="0">
-            <a:schemeClr val="accent1"/>
-          </a:effectRef>
-          <a:fontRef idx="minor">
-            <a:schemeClr val="lt1"/>
-          </a:fontRef>
-        </p:style>
-        <p:txBody>
-          <a:bodyPr rtlCol="0" anchor="ctr"/>
-          <a:lstStyle/>
-          <a:p>
-            <a:pPr algn="ctr"/>
-            <a:endParaRPr lang="en-US"/>
-          </a:p>
-        </p:txBody>
-      </p:sp>
-      <p:sp>
-        <p:nvSpPr>
-          <p:cNvPr id="7" name="Rectangle 6">
-            <a:extLst>
-              <a:ext uri="{FF2B5EF4-FFF2-40B4-BE49-F238E27FC236}">
-                <a16:creationId xmlns:a16="http://schemas.microsoft.com/office/drawing/2014/main" id="{EFA165F3-CBA3-469C-BF1D-7C9F7DAB4087}"/>
-              </a:ext>
-            </a:extLst>
-          </p:cNvPr>
-          <p:cNvSpPr/>
-          <p:nvPr/>
-        </p:nvSpPr>
-        <p:spPr>
-          <a:xfrm>
-            <a:off x="6312452" y="1149626"/>
-            <a:ext cx="5720522" cy="5190433"/>
-          </a:xfrm>
-          <a:prstGeom prst="rect">
-            <a:avLst/>
-          </a:prstGeom>
-          <a:solidFill>
-            <a:schemeClr val="bg2"/>
-          </a:solidFill>
-        </p:spPr>
-        <p:style>
-          <a:lnRef idx="2">
-            <a:schemeClr val="accent1">
-              <a:shade val="50000"/>
-            </a:schemeClr>
-          </a:lnRef>
-          <a:fillRef idx="1">
-            <a:schemeClr val="accent1"/>
-          </a:fillRef>
-          <a:effectRef idx="0">
-            <a:schemeClr val="accent1"/>
-          </a:effectRef>
-          <a:fontRef idx="minor">
-            <a:schemeClr val="lt1"/>
-          </a:fontRef>
-        </p:style>
-        <p:txBody>
-          <a:bodyPr rtlCol="0" anchor="ctr"/>
-          <a:lstStyle/>
-          <a:p>
-            <a:pPr algn="ctr"/>
-            <a:endParaRPr lang="en-US"/>
-          </a:p>
-        </p:txBody>
-      </p:sp>
-      <p:sp>
-        <p:nvSpPr>
-          <p:cNvPr id="6" name="TextBox 5">
-            <a:extLst>
-              <a:ext uri="{FF2B5EF4-FFF2-40B4-BE49-F238E27FC236}">
-                <a16:creationId xmlns:a16="http://schemas.microsoft.com/office/drawing/2014/main" id="{C811F8FC-6B91-4686-BBB6-32E1B8150731}"/>
+                <a16:creationId xmlns:a16="http://schemas.microsoft.com/office/drawing/2014/main" id="{378E24D4-A833-4D86-A2D6-5CE872FBAA6E}"/>
               </a:ext>
             </a:extLst>
           </p:cNvPr>
@@ -3271,13 +3268,15 @@
         </p:nvSpPr>
         <p:spPr>
           <a:xfrm>
-            <a:off x="460927" y="1211883"/>
-            <a:ext cx="2743200" cy="369332"/>
+            <a:off x="4823791" y="1311964"/>
+            <a:ext cx="2003287" cy="369332"/>
           </a:xfrm>
           <a:prstGeom prst="rect">
             <a:avLst/>
           </a:prstGeom>
-          <a:noFill/>
+          <a:solidFill>
+            <a:schemeClr val="tx1"/>
+          </a:solidFill>
         </p:spPr>
         <p:txBody>
           <a:bodyPr rot="0" spcFirstLastPara="0" vertOverflow="overflow" horzOverflow="overflow" vert="horz" wrap="square" lIns="91440" tIns="45720" rIns="91440" bIns="45720" numCol="1" spcCol="0" rtlCol="0" fromWordArt="0" anchor="t" anchorCtr="0" forceAA="0" compatLnSpc="1">
@@ -3288,11 +3287,21 @@
           </a:bodyPr>
           <a:lstStyle/>
           <a:p>
-            <a:pPr algn="l"/>
-            <a:r>
-              <a:rPr lang="en-US"/>
-              <a:t>Click to add text</a:t>
-            </a:r>
+            <a:r>
+              <a:rPr lang="en-US" b="1">
+                <a:solidFill>
+                  <a:schemeClr val="bg1"/>
+                </a:solidFill>
+                <a:cs typeface="Calibri"/>
+              </a:rPr>
+              <a:t>Solution Overview</a:t>
+            </a:r>
+            <a:endParaRPr lang="en-US" b="1" dirty="0">
+              <a:solidFill>
+                <a:schemeClr val="bg1"/>
+              </a:solidFill>
+              <a:cs typeface="Calibri"/>
+            </a:endParaRPr>
           </a:p>
         </p:txBody>
       </p:sp>
@@ -3301,7 +3310,7 @@
           <p:cNvPr id="10" name="TextBox 9">
             <a:extLst>
               <a:ext uri="{FF2B5EF4-FFF2-40B4-BE49-F238E27FC236}">
-                <a16:creationId xmlns:a16="http://schemas.microsoft.com/office/drawing/2014/main" id="{A78138AB-74C2-47BC-B4EE-A41AA344F92C}"/>
+                <a16:creationId xmlns:a16="http://schemas.microsoft.com/office/drawing/2014/main" id="{E569263D-12E3-4BD0-9A94-AA1FB4C9F45F}"/>
               </a:ext>
             </a:extLst>
           </p:cNvPr>
@@ -3310,13 +3319,15 @@
         </p:nvSpPr>
         <p:spPr>
           <a:xfrm>
-            <a:off x="6766753" y="1300231"/>
-            <a:ext cx="2743200" cy="369332"/>
+            <a:off x="638313" y="1455530"/>
+            <a:ext cx="3703982" cy="646331"/>
           </a:xfrm>
           <a:prstGeom prst="rect">
             <a:avLst/>
           </a:prstGeom>
-          <a:noFill/>
+          <a:solidFill>
+            <a:schemeClr val="accent4"/>
+          </a:solidFill>
         </p:spPr>
         <p:txBody>
           <a:bodyPr rot="0" spcFirstLastPara="0" vertOverflow="overflow" horzOverflow="overflow" vert="horz" wrap="square" lIns="91440" tIns="45720" rIns="91440" bIns="45720" numCol="1" spcCol="0" rtlCol="0" fromWordArt="0" anchor="t" anchorCtr="0" forceAA="0" compatLnSpc="1">
@@ -3327,18 +3338,120 @@
           </a:bodyPr>
           <a:lstStyle/>
           <a:p>
-            <a:pPr algn="l"/>
-            <a:r>
-              <a:rPr lang="en-US"/>
-              <a:t>Click to add text</a:t>
-            </a:r>
+            <a:r>
+              <a:rPr lang="en-US" b="1">
+                <a:cs typeface="Calibri"/>
+              </a:rPr>
+              <a:t>Ensuring on shelf availability using </a:t>
+            </a:r>
+            <a:r>
+              <a:rPr lang="en-US" b="1" dirty="0">
+                <a:cs typeface="Calibri"/>
+              </a:rPr>
+              <a:t>Deep Learning and Computer Vision</a:t>
+            </a:r>
+          </a:p>
+        </p:txBody>
+      </p:sp>
+      <p:sp>
+        <p:nvSpPr>
+          <p:cNvPr id="11" name="TextBox 10">
+            <a:extLst>
+              <a:ext uri="{FF2B5EF4-FFF2-40B4-BE49-F238E27FC236}">
+                <a16:creationId xmlns:a16="http://schemas.microsoft.com/office/drawing/2014/main" id="{F3ACB173-F257-4A7F-998B-D3398B3D3558}"/>
+              </a:ext>
+            </a:extLst>
+          </p:cNvPr>
+          <p:cNvSpPr txBox="1"/>
+          <p:nvPr/>
+        </p:nvSpPr>
+        <p:spPr>
+          <a:xfrm>
+            <a:off x="7871792" y="1455529"/>
+            <a:ext cx="3284328" cy="646331"/>
+          </a:xfrm>
+          <a:prstGeom prst="rect">
+            <a:avLst/>
+          </a:prstGeom>
+          <a:solidFill>
+            <a:schemeClr val="accent4"/>
+          </a:solidFill>
+        </p:spPr>
+        <p:txBody>
+          <a:bodyPr rot="0" spcFirstLastPara="0" vertOverflow="overflow" horzOverflow="overflow" vert="horz" wrap="square" lIns="91440" tIns="45720" rIns="91440" bIns="45720" numCol="1" spcCol="0" rtlCol="0" fromWordArt="0" anchor="t" anchorCtr="0" forceAA="0" compatLnSpc="1">
+            <a:prstTxWarp prst="textNoShape">
+              <a:avLst/>
+            </a:prstTxWarp>
+            <a:spAutoFit/>
+          </a:bodyPr>
+          <a:lstStyle/>
+          <a:p>
+            <a:r>
+              <a:rPr lang="en-US" b="1" dirty="0">
+                <a:cs typeface="Calibri"/>
+              </a:rPr>
+              <a:t>Ensuring In Store Availability </a:t>
+            </a:r>
+            <a:r>
+              <a:rPr lang="en-US" b="1">
+                <a:cs typeface="Calibri"/>
+              </a:rPr>
+              <a:t>of Stock Using </a:t>
+            </a:r>
+            <a:r>
+              <a:rPr lang="en-US" b="1" dirty="0">
+                <a:cs typeface="Calibri"/>
+              </a:rPr>
+              <a:t>Predictive analytics</a:t>
+            </a:r>
+          </a:p>
+        </p:txBody>
+      </p:sp>
+      <p:sp>
+        <p:nvSpPr>
+          <p:cNvPr id="14" name="TextBox 13">
+            <a:extLst>
+              <a:ext uri="{FF2B5EF4-FFF2-40B4-BE49-F238E27FC236}">
+                <a16:creationId xmlns:a16="http://schemas.microsoft.com/office/drawing/2014/main" id="{AE4C5E6E-5623-4F2A-B15B-2B919436B6EA}"/>
+              </a:ext>
+            </a:extLst>
+          </p:cNvPr>
+          <p:cNvSpPr txBox="1"/>
+          <p:nvPr/>
+        </p:nvSpPr>
+        <p:spPr>
+          <a:xfrm>
+            <a:off x="306319" y="2415622"/>
+            <a:ext cx="5150678" cy="369332"/>
+          </a:xfrm>
+          <a:prstGeom prst="rect">
+            <a:avLst/>
+          </a:prstGeom>
+          <a:noFill/>
+        </p:spPr>
+        <p:txBody>
+          <a:bodyPr rot="0" spcFirstLastPara="0" vertOverflow="overflow" horzOverflow="overflow" vert="horz" wrap="square" lIns="91440" tIns="45720" rIns="91440" bIns="45720" numCol="1" spcCol="0" rtlCol="0" fromWordArt="0" anchor="t" anchorCtr="0" forceAA="0" compatLnSpc="1">
+            <a:prstTxWarp prst="textNoShape">
+              <a:avLst/>
+            </a:prstTxWarp>
+            <a:spAutoFit/>
+          </a:bodyPr>
+          <a:lstStyle/>
+          <a:p>
+            <a:pPr marL="285750" indent="-285750" algn="l">
+              <a:buFont typeface="Arial"/>
+              <a:buChar char="•"/>
+            </a:pPr>
+            <a:endParaRPr lang="en-US" dirty="0">
+              <a:cs typeface="Calibri"/>
+            </a:endParaRPr>
           </a:p>
         </p:txBody>
       </p:sp>
     </p:spTree>
     <p:extLst>
       <p:ext uri="{BB962C8B-B14F-4D97-AF65-F5344CB8AC3E}">
-        <p14:creationId xmlns:p14="http://schemas.microsoft.com/office/powerpoint/2010/main" val="109857222"/>
+        <p14:creationId xmlns:p14="http://schemas.microsoft.com/office/powerpoint/2010/main" val="171579204"/>
       </p:ext>
     </p:extLst>
   </p:cSld>
@@ -3387,8 +3500,8 @@
         </p:blipFill>
         <p:spPr>
           <a:xfrm>
-            <a:off x="10599668" y="6117258"/>
-            <a:ext cx="1594402" cy="741570"/>
+            <a:off x="10942014" y="6271866"/>
+            <a:ext cx="1252056" cy="586962"/>
           </a:xfrm>
           <a:prstGeom prst="rect">
             <a:avLst/>
@@ -3436,17 +3549,20 @@
                 <a:latin typeface="Arial"/>
                 <a:cs typeface="Calibri"/>
               </a:rPr>
-              <a:t>Predicting Out of Stock</a:t>
-            </a:r>
-            <a:endParaRPr lang="en-US" sz="2400" b="1" dirty="0">
-              <a:solidFill>
-                <a:schemeClr val="bg2">
-                  <a:lumMod val="25000"/>
-                </a:schemeClr>
-              </a:solidFill>
-              <a:latin typeface="Arial"/>
-              <a:cs typeface="Calibri"/>
-            </a:endParaRPr>
+              <a:t>Real-Time Shelf Inventory </a:t>
+            </a:r>
+            <a:r>
+              <a:rPr lang="en-US" sz="2400" b="1" dirty="0">
+                <a:solidFill>
+                  <a:schemeClr val="bg2">
+                    <a:lumMod val="25000"/>
+                  </a:schemeClr>
+                </a:solidFill>
+                <a:latin typeface="Arial"/>
+                <a:cs typeface="Calibri"/>
+              </a:rPr>
+              <a:t>Tracking with Deep learning and Computer Vision</a:t>
+            </a:r>
           </a:p>
         </p:txBody>
       </p:sp>
@@ -3491,10 +3607,232 @@
           </a:fontRef>
         </p:style>
       </p:cxnSp>
+      <p:sp>
+        <p:nvSpPr>
+          <p:cNvPr id="8" name="TextBox 7">
+            <a:extLst>
+              <a:ext uri="{FF2B5EF4-FFF2-40B4-BE49-F238E27FC236}">
+                <a16:creationId xmlns:a16="http://schemas.microsoft.com/office/drawing/2014/main" id="{C362BCE3-AB1C-4D5B-A725-95AF4207F8A9}"/>
+              </a:ext>
+            </a:extLst>
+          </p:cNvPr>
+          <p:cNvSpPr txBox="1"/>
+          <p:nvPr/>
+        </p:nvSpPr>
+        <p:spPr>
+          <a:xfrm>
+            <a:off x="196574" y="671442"/>
+            <a:ext cx="11776764" cy="338554"/>
+          </a:xfrm>
+          <a:prstGeom prst="rect">
+            <a:avLst/>
+          </a:prstGeom>
+          <a:noFill/>
+        </p:spPr>
+        <p:txBody>
+          <a:bodyPr rot="0" spcFirstLastPara="0" vertOverflow="overflow" horzOverflow="overflow" vert="horz" wrap="square" lIns="91440" tIns="45720" rIns="91440" bIns="45720" numCol="1" spcCol="0" rtlCol="0" fromWordArt="0" anchor="t" anchorCtr="0" forceAA="0" compatLnSpc="1">
+            <a:prstTxWarp prst="textNoShape">
+              <a:avLst/>
+            </a:prstTxWarp>
+            <a:spAutoFit/>
+          </a:bodyPr>
+          <a:lstStyle/>
+          <a:p>
+            <a:r>
+              <a:rPr lang="en-US" sz="1600">
+                <a:latin typeface="Arial"/>
+                <a:ea typeface="+mn-lt"/>
+                <a:cs typeface="+mn-lt"/>
+              </a:rPr>
+              <a:t>The key objective is to track on shelf inventories in real time to ensure that products are never run Out of stock from the shelves.</a:t>
+            </a:r>
+            <a:endParaRPr lang="en-US" sz="1600">
+              <a:latin typeface="Arial"/>
+              <a:cs typeface="Calibri"/>
+            </a:endParaRPr>
+          </a:p>
+        </p:txBody>
+      </p:sp>
+      <p:sp>
+        <p:nvSpPr>
+          <p:cNvPr id="5" name="Rectangle 4">
+            <a:extLst>
+              <a:ext uri="{FF2B5EF4-FFF2-40B4-BE49-F238E27FC236}">
+                <a16:creationId xmlns:a16="http://schemas.microsoft.com/office/drawing/2014/main" id="{15B7F26C-EA7C-4BD2-B666-7CF582218A01}"/>
+              </a:ext>
+            </a:extLst>
+          </p:cNvPr>
+          <p:cNvSpPr/>
+          <p:nvPr/>
+        </p:nvSpPr>
+        <p:spPr>
+          <a:xfrm>
+            <a:off x="194367" y="1149626"/>
+            <a:ext cx="5687390" cy="5190435"/>
+          </a:xfrm>
+          <a:prstGeom prst="rect">
+            <a:avLst/>
+          </a:prstGeom>
+          <a:solidFill>
+            <a:schemeClr val="bg2"/>
+          </a:solidFill>
+        </p:spPr>
+        <p:style>
+          <a:lnRef idx="2">
+            <a:schemeClr val="accent1">
+              <a:shade val="50000"/>
+            </a:schemeClr>
+          </a:lnRef>
+          <a:fillRef idx="1">
+            <a:schemeClr val="accent1"/>
+          </a:fillRef>
+          <a:effectRef idx="0">
+            <a:schemeClr val="accent1"/>
+          </a:effectRef>
+          <a:fontRef idx="minor">
+            <a:schemeClr val="lt1"/>
+          </a:fontRef>
+        </p:style>
+        <p:txBody>
+          <a:bodyPr rtlCol="0" anchor="ctr"/>
+          <a:lstStyle/>
+          <a:p>
+            <a:pPr algn="ctr"/>
+            <a:endParaRPr lang="en-US"/>
+          </a:p>
+        </p:txBody>
+      </p:sp>
+      <p:sp>
+        <p:nvSpPr>
+          <p:cNvPr id="7" name="Rectangle 6">
+            <a:extLst>
+              <a:ext uri="{FF2B5EF4-FFF2-40B4-BE49-F238E27FC236}">
+                <a16:creationId xmlns:a16="http://schemas.microsoft.com/office/drawing/2014/main" id="{EFA165F3-CBA3-469C-BF1D-7C9F7DAB4087}"/>
+              </a:ext>
+            </a:extLst>
+          </p:cNvPr>
+          <p:cNvSpPr/>
+          <p:nvPr/>
+        </p:nvSpPr>
+        <p:spPr>
+          <a:xfrm>
+            <a:off x="6312452" y="1149626"/>
+            <a:ext cx="5720522" cy="5190433"/>
+          </a:xfrm>
+          <a:prstGeom prst="rect">
+            <a:avLst/>
+          </a:prstGeom>
+          <a:solidFill>
+            <a:schemeClr val="bg2"/>
+          </a:solidFill>
+        </p:spPr>
+        <p:style>
+          <a:lnRef idx="2">
+            <a:schemeClr val="accent1">
+              <a:shade val="50000"/>
+            </a:schemeClr>
+          </a:lnRef>
+          <a:fillRef idx="1">
+            <a:schemeClr val="accent1"/>
+          </a:fillRef>
+          <a:effectRef idx="0">
+            <a:schemeClr val="accent1"/>
+          </a:effectRef>
+          <a:fontRef idx="minor">
+            <a:schemeClr val="lt1"/>
+          </a:fontRef>
+        </p:style>
+        <p:txBody>
+          <a:bodyPr rtlCol="0" anchor="ctr"/>
+          <a:lstStyle/>
+          <a:p>
+            <a:pPr algn="ctr"/>
+            <a:endParaRPr lang="en-US"/>
+          </a:p>
+        </p:txBody>
+      </p:sp>
+      <p:sp>
+        <p:nvSpPr>
+          <p:cNvPr id="6" name="TextBox 5">
+            <a:extLst>
+              <a:ext uri="{FF2B5EF4-FFF2-40B4-BE49-F238E27FC236}">
+                <a16:creationId xmlns:a16="http://schemas.microsoft.com/office/drawing/2014/main" id="{C811F8FC-6B91-4686-BBB6-32E1B8150731}"/>
+              </a:ext>
+            </a:extLst>
+          </p:cNvPr>
+          <p:cNvSpPr txBox="1"/>
+          <p:nvPr/>
+        </p:nvSpPr>
+        <p:spPr>
+          <a:xfrm>
+            <a:off x="460927" y="1211883"/>
+            <a:ext cx="2743200" cy="369332"/>
+          </a:xfrm>
+          <a:prstGeom prst="rect">
+            <a:avLst/>
+          </a:prstGeom>
+          <a:noFill/>
+        </p:spPr>
+        <p:txBody>
+          <a:bodyPr rot="0" spcFirstLastPara="0" vertOverflow="overflow" horzOverflow="overflow" vert="horz" wrap="square" lIns="91440" tIns="45720" rIns="91440" bIns="45720" numCol="1" spcCol="0" rtlCol="0" fromWordArt="0" anchor="t" anchorCtr="0" forceAA="0" compatLnSpc="1">
+            <a:prstTxWarp prst="textNoShape">
+              <a:avLst/>
+            </a:prstTxWarp>
+            <a:spAutoFit/>
+          </a:bodyPr>
+          <a:lstStyle/>
+          <a:p>
+            <a:pPr algn="l"/>
+            <a:r>
+              <a:rPr lang="en-US"/>
+              <a:t>Click to add text</a:t>
+            </a:r>
+          </a:p>
+        </p:txBody>
+      </p:sp>
+      <p:sp>
+        <p:nvSpPr>
+          <p:cNvPr id="10" name="TextBox 9">
+            <a:extLst>
+              <a:ext uri="{FF2B5EF4-FFF2-40B4-BE49-F238E27FC236}">
+                <a16:creationId xmlns:a16="http://schemas.microsoft.com/office/drawing/2014/main" id="{A78138AB-74C2-47BC-B4EE-A41AA344F92C}"/>
+              </a:ext>
+            </a:extLst>
+          </p:cNvPr>
+          <p:cNvSpPr txBox="1"/>
+          <p:nvPr/>
+        </p:nvSpPr>
+        <p:spPr>
+          <a:xfrm>
+            <a:off x="6766753" y="1300231"/>
+            <a:ext cx="2743200" cy="369332"/>
+          </a:xfrm>
+          <a:prstGeom prst="rect">
+            <a:avLst/>
+          </a:prstGeom>
+          <a:noFill/>
+        </p:spPr>
+        <p:txBody>
+          <a:bodyPr rot="0" spcFirstLastPara="0" vertOverflow="overflow" horzOverflow="overflow" vert="horz" wrap="square" lIns="91440" tIns="45720" rIns="91440" bIns="45720" numCol="1" spcCol="0" rtlCol="0" fromWordArt="0" anchor="t" anchorCtr="0" forceAA="0" compatLnSpc="1">
+            <a:prstTxWarp prst="textNoShape">
+              <a:avLst/>
+            </a:prstTxWarp>
+            <a:spAutoFit/>
+          </a:bodyPr>
+          <a:lstStyle/>
+          <a:p>
+            <a:pPr algn="l"/>
+            <a:r>
+              <a:rPr lang="en-US"/>
+              <a:t>Click to add text</a:t>
+            </a:r>
+          </a:p>
+        </p:txBody>
+      </p:sp>
     </p:spTree>
     <p:extLst>
       <p:ext uri="{BB962C8B-B14F-4D97-AF65-F5344CB8AC3E}">
-        <p14:creationId xmlns:p14="http://schemas.microsoft.com/office/powerpoint/2010/main" val="171579204"/>
+        <p14:creationId xmlns:p14="http://schemas.microsoft.com/office/powerpoint/2010/main" val="109857222"/>
       </p:ext>
     </p:extLst>
   </p:cSld>

--- a/real_time_shelf_tracking/void_detect/P_n_G.pptx
+++ b/real_time_shelf_tracking/void_detect/P_n_G.pptx
@@ -2999,7 +2999,7 @@
         </p:nvSpPr>
         <p:spPr>
           <a:xfrm>
-            <a:off x="5903847" y="1315279"/>
+            <a:off x="5898736" y="1315279"/>
             <a:ext cx="6095995" cy="5389216"/>
           </a:xfrm>
           <a:prstGeom prst="rect">
@@ -3216,7 +3216,7 @@
         </p:nvSpPr>
         <p:spPr>
           <a:xfrm>
-            <a:off x="196574" y="671442"/>
+            <a:off x="193676" y="671053"/>
             <a:ext cx="11942416" cy="830997"/>
           </a:xfrm>
           <a:prstGeom prst="rect">
@@ -3390,19 +3390,7 @@
               <a:rPr lang="en-US" b="1" dirty="0">
                 <a:cs typeface="Calibri"/>
               </a:rPr>
-              <a:t>Ensuring In Store Availability </a:t>
-            </a:r>
-            <a:r>
-              <a:rPr lang="en-US" b="1">
-                <a:cs typeface="Calibri"/>
-              </a:rPr>
-              <a:t>of Stock Using </a:t>
-            </a:r>
-            <a:r>
-              <a:rPr lang="en-US" b="1" dirty="0">
-                <a:cs typeface="Calibri"/>
-              </a:rPr>
-              <a:t>Predictive analytics</a:t>
+              <a:t>Ensuring In Store Availability of Stock Using Predictive analytics</a:t>
             </a:r>
           </a:p>
         </p:txBody>
@@ -3667,7 +3655,7 @@
         </p:nvSpPr>
         <p:spPr>
           <a:xfrm>
-            <a:off x="194367" y="1149626"/>
+            <a:off x="193676" y="1149626"/>
             <a:ext cx="5687390" cy="5190435"/>
           </a:xfrm>
           <a:prstGeom prst="rect">
@@ -3698,7 +3686,7 @@
           <a:lstStyle/>
           <a:p>
             <a:pPr algn="ctr"/>
-            <a:endParaRPr lang="en-US"/>
+            <a:endParaRPr lang="en-US" dirty="0"/>
           </a:p>
         </p:txBody>
       </p:sp>
@@ -3784,7 +3772,7 @@
           <a:p>
             <a:pPr algn="l"/>
             <a:r>
-              <a:rPr lang="en-US"/>
+              <a:rPr lang="en-US" dirty="0"/>
               <a:t>Click to add text</a:t>
             </a:r>
           </a:p>
@@ -3921,7 +3909,7 @@
           <a:lstStyle/>
           <a:p>
             <a:r>
-              <a:rPr lang="en-US" sz="2400" b="1" dirty="0">
+              <a:rPr lang="en-IN" sz="2400" b="1" dirty="0">
                 <a:solidFill>
                   <a:schemeClr val="bg2">
                     <a:lumMod val="25000"/>
@@ -3930,19 +3918,7 @@
                 <a:latin typeface="Arial"/>
                 <a:cs typeface="Calibri"/>
               </a:rPr>
-              <a:t>Real-Time Shelf inventory </a:t>
-            </a:r>
-            <a:r>
-              <a:rPr lang="en-US" sz="2400" b="1">
-                <a:solidFill>
-                  <a:schemeClr val="bg2">
-                    <a:lumMod val="25000"/>
-                  </a:schemeClr>
-                </a:solidFill>
-                <a:latin typeface="Arial"/>
-                <a:cs typeface="Calibri"/>
-              </a:rPr>
-              <a:t>Tracking with Deep learning and Computer Vision</a:t>
+              <a:t>Analysis of Sales trend for a product in a store using Predictive Analysis</a:t>
             </a:r>
             <a:endParaRPr lang="en-US" sz="2400" b="1" dirty="0">
               <a:solidFill>
@@ -3970,7 +3946,7 @@
         </p:nvCxnSpPr>
         <p:spPr>
           <a:xfrm flipV="1">
-            <a:off x="193676" y="563631"/>
+            <a:off x="193676" y="569891"/>
             <a:ext cx="11672954" cy="1"/>
           </a:xfrm>
           <a:prstGeom prst="straightConnector1">
@@ -3997,6 +3973,86 @@
           </a:fontRef>
         </p:style>
       </p:cxnSp>
+      <p:sp>
+        <p:nvSpPr>
+          <p:cNvPr id="5" name="TextBox 4">
+            <a:extLst>
+              <a:ext uri="{FF2B5EF4-FFF2-40B4-BE49-F238E27FC236}">
+                <a16:creationId xmlns:a16="http://schemas.microsoft.com/office/drawing/2014/main" id="{ECB5E3B8-096A-4FD0-8D4E-D6DA9C60476F}"/>
+              </a:ext>
+            </a:extLst>
+          </p:cNvPr>
+          <p:cNvSpPr txBox="1"/>
+          <p:nvPr/>
+        </p:nvSpPr>
+        <p:spPr>
+          <a:xfrm>
+            <a:off x="489527" y="960582"/>
+            <a:ext cx="11028218" cy="2031325"/>
+          </a:xfrm>
+          <a:prstGeom prst="rect">
+            <a:avLst/>
+          </a:prstGeom>
+          <a:noFill/>
+        </p:spPr>
+        <p:txBody>
+          <a:bodyPr wrap="square" rtlCol="0">
+            <a:spAutoFit/>
+          </a:bodyPr>
+          <a:lstStyle/>
+          <a:p>
+            <a:pPr marL="285750" indent="-285750">
+              <a:buFont typeface="Arial" panose="020B0604020202020204" pitchFamily="34" charset="0"/>
+              <a:buChar char="•"/>
+            </a:pPr>
+            <a:r>
+              <a:rPr lang="en-IN" dirty="0"/>
+              <a:t>Extract transaction of last 6 months for a store and calculate hourly demand of the products available in that store.</a:t>
+            </a:r>
+          </a:p>
+          <a:p>
+            <a:pPr marL="285750" indent="-285750">
+              <a:buFont typeface="Arial" panose="020B0604020202020204" pitchFamily="34" charset="0"/>
+              <a:buChar char="•"/>
+            </a:pPr>
+            <a:r>
+              <a:rPr lang="en-IN" dirty="0"/>
+              <a:t>Remove non preforming or low performing products based on analysis of hourly trend per weekday of the product.</a:t>
+            </a:r>
+          </a:p>
+          <a:p>
+            <a:pPr marL="285750" indent="-285750">
+              <a:buFont typeface="Arial" panose="020B0604020202020204" pitchFamily="34" charset="0"/>
+              <a:buChar char="•"/>
+            </a:pPr>
+            <a:r>
+              <a:rPr lang="en-IN" dirty="0"/>
+              <a:t>Select top 100 best fast moving products and set the diamond line for these product watch their trend.</a:t>
+            </a:r>
+          </a:p>
+          <a:p>
+            <a:pPr marL="285750" indent="-285750">
+              <a:buFont typeface="Arial" panose="020B0604020202020204" pitchFamily="34" charset="0"/>
+              <a:buChar char="•"/>
+            </a:pPr>
+            <a:r>
+              <a:rPr lang="en-IN" dirty="0"/>
+              <a:t>Calculate hourly/weekly and monthly run rate as KPI for these fast moving product.</a:t>
+            </a:r>
+          </a:p>
+          <a:p>
+            <a:pPr marL="285750" indent="-285750">
+              <a:buFont typeface="Arial" panose="020B0604020202020204" pitchFamily="34" charset="0"/>
+              <a:buChar char="•"/>
+            </a:pPr>
+            <a:r>
+              <a:rPr lang="en-IN" dirty="0"/>
+              <a:t>Train the model using linear regression and predict the hourly run rate for these diamond line products. </a:t>
+            </a:r>
+            <a:endParaRPr lang="en-US" dirty="0"/>
+          </a:p>
+        </p:txBody>
+      </p:sp>
     </p:spTree>
     <p:extLst>
       <p:ext uri="{BB962C8B-B14F-4D97-AF65-F5344CB8AC3E}">

--- a/real_time_shelf_tracking/void_detect/P_n_G.pptx
+++ b/real_time_shelf_tracking/void_detect/P_n_G.pptx
@@ -9,6 +9,7 @@
     <p:sldId id="256" r:id="rId3"/>
     <p:sldId id="258" r:id="rId4"/>
     <p:sldId id="259" r:id="rId5"/>
+    <p:sldId id="260" r:id="rId6"/>
   </p:sldIdLst>
   <p:sldSz cx="12192000" cy="6858000"/>
   <p:notesSz cx="6858000" cy="9144000"/>
@@ -119,9 +120,2517 @@
 <p1510:revInfo xmlns:a="http://schemas.openxmlformats.org/drawingml/2006/main" xmlns:r="http://schemas.openxmlformats.org/officeDocument/2006/relationships" xmlns:p1510="http://schemas.microsoft.com/office/powerpoint/2015/10/main">
   <p1510:revLst>
     <p1510:client id="{67D4AA62-AD2C-417B-91CC-B8B49FA111DF}" v="806" dt="2020-05-24T15:45:30.955"/>
-    <p1510:client id="{EA246123-14B2-4286-9736-59D6423DCD60}" v="1380" dt="2020-05-24T16:54:45.689"/>
+    <p1510:client id="{D7B4D332-C2EB-49A9-8650-F11971D926BC}" v="3192" dt="2020-05-24T18:12:30.162"/>
+    <p1510:client id="{EA246123-14B2-4286-9736-59D6423DCD60}" v="4381" dt="2020-05-24T17:41:35.853"/>
   </p1510:revLst>
 </p1510:revInfo>
+</file>
+
+<file path=ppt/diagrams/colors1.xml><?xml version="1.0" encoding="utf-8"?>
+<dgm:colorsDef xmlns:dgm="http://schemas.openxmlformats.org/drawingml/2006/diagram" xmlns:a="http://schemas.openxmlformats.org/drawingml/2006/main" uniqueId="urn:microsoft.com/office/officeart/2005/8/colors/colorful1">
+  <dgm:title val=""/>
+  <dgm:desc val=""/>
+  <dgm:catLst>
+    <dgm:cat type="colorful" pri="10100"/>
+  </dgm:catLst>
+  <dgm:styleLbl name="node0">
+    <dgm:fillClrLst meth="repeat">
+      <a:schemeClr val="accent1"/>
+    </dgm:fillClrLst>
+    <dgm:linClrLst meth="repeat">
+      <a:schemeClr val="lt1"/>
+    </dgm:linClrLst>
+    <dgm:effectClrLst/>
+    <dgm:txLinClrLst/>
+    <dgm:txFillClrLst/>
+    <dgm:txEffectClrLst/>
+  </dgm:styleLbl>
+  <dgm:styleLbl name="node1">
+    <dgm:fillClrLst meth="repeat">
+      <a:schemeClr val="accent2"/>
+      <a:schemeClr val="accent3"/>
+      <a:schemeClr val="accent4"/>
+      <a:schemeClr val="accent5"/>
+      <a:schemeClr val="accent6"/>
+    </dgm:fillClrLst>
+    <dgm:linClrLst meth="repeat">
+      <a:schemeClr val="lt1"/>
+    </dgm:linClrLst>
+    <dgm:effectClrLst/>
+    <dgm:txLinClrLst/>
+    <dgm:txFillClrLst/>
+    <dgm:txEffectClrLst/>
+  </dgm:styleLbl>
+  <dgm:styleLbl name="alignNode1">
+    <dgm:fillClrLst meth="repeat">
+      <a:schemeClr val="accent2"/>
+      <a:schemeClr val="accent3"/>
+      <a:schemeClr val="accent4"/>
+      <a:schemeClr val="accent5"/>
+      <a:schemeClr val="accent6"/>
+    </dgm:fillClrLst>
+    <dgm:linClrLst meth="repeat">
+      <a:schemeClr val="accent2"/>
+      <a:schemeClr val="accent3"/>
+      <a:schemeClr val="accent4"/>
+      <a:schemeClr val="accent5"/>
+      <a:schemeClr val="accent6"/>
+    </dgm:linClrLst>
+    <dgm:effectClrLst/>
+    <dgm:txLinClrLst/>
+    <dgm:txFillClrLst/>
+    <dgm:txEffectClrLst/>
+  </dgm:styleLbl>
+  <dgm:styleLbl name="lnNode1">
+    <dgm:fillClrLst meth="repeat">
+      <a:schemeClr val="accent2"/>
+      <a:schemeClr val="accent3"/>
+      <a:schemeClr val="accent4"/>
+      <a:schemeClr val="accent5"/>
+      <a:schemeClr val="accent6"/>
+    </dgm:fillClrLst>
+    <dgm:linClrLst meth="repeat">
+      <a:schemeClr val="lt1"/>
+    </dgm:linClrLst>
+    <dgm:effectClrLst/>
+    <dgm:txLinClrLst/>
+    <dgm:txFillClrLst/>
+    <dgm:txEffectClrLst/>
+  </dgm:styleLbl>
+  <dgm:styleLbl name="vennNode1">
+    <dgm:fillClrLst meth="repeat">
+      <a:schemeClr val="accent2">
+        <a:alpha val="50000"/>
+      </a:schemeClr>
+      <a:schemeClr val="accent3">
+        <a:alpha val="50000"/>
+      </a:schemeClr>
+      <a:schemeClr val="accent4">
+        <a:alpha val="50000"/>
+      </a:schemeClr>
+      <a:schemeClr val="accent5">
+        <a:alpha val="50000"/>
+      </a:schemeClr>
+      <a:schemeClr val="accent6">
+        <a:alpha val="50000"/>
+      </a:schemeClr>
+    </dgm:fillClrLst>
+    <dgm:linClrLst meth="repeat">
+      <a:schemeClr val="lt1"/>
+    </dgm:linClrLst>
+    <dgm:effectClrLst/>
+    <dgm:txLinClrLst/>
+    <dgm:txFillClrLst/>
+    <dgm:txEffectClrLst/>
+  </dgm:styleLbl>
+  <dgm:styleLbl name="node2">
+    <dgm:fillClrLst>
+      <a:schemeClr val="accent2"/>
+    </dgm:fillClrLst>
+    <dgm:linClrLst meth="repeat">
+      <a:schemeClr val="lt1"/>
+    </dgm:linClrLst>
+    <dgm:effectClrLst/>
+    <dgm:txLinClrLst/>
+    <dgm:txFillClrLst/>
+    <dgm:txEffectClrLst/>
+  </dgm:styleLbl>
+  <dgm:styleLbl name="node3">
+    <dgm:fillClrLst>
+      <a:schemeClr val="accent3"/>
+    </dgm:fillClrLst>
+    <dgm:linClrLst meth="repeat">
+      <a:schemeClr val="lt1"/>
+    </dgm:linClrLst>
+    <dgm:effectClrLst/>
+    <dgm:txLinClrLst/>
+    <dgm:txFillClrLst/>
+    <dgm:txEffectClrLst/>
+  </dgm:styleLbl>
+  <dgm:styleLbl name="node4">
+    <dgm:fillClrLst>
+      <a:schemeClr val="accent4"/>
+    </dgm:fillClrLst>
+    <dgm:linClrLst meth="repeat">
+      <a:schemeClr val="lt1"/>
+    </dgm:linClrLst>
+    <dgm:effectClrLst/>
+    <dgm:txLinClrLst/>
+    <dgm:txFillClrLst/>
+    <dgm:txEffectClrLst/>
+  </dgm:styleLbl>
+  <dgm:styleLbl name="fgImgPlace1">
+    <dgm:fillClrLst meth="repeat">
+      <a:schemeClr val="accent2">
+        <a:tint val="50000"/>
+      </a:schemeClr>
+      <a:schemeClr val="accent3">
+        <a:tint val="50000"/>
+      </a:schemeClr>
+      <a:schemeClr val="accent4">
+        <a:tint val="50000"/>
+      </a:schemeClr>
+      <a:schemeClr val="accent5">
+        <a:tint val="50000"/>
+      </a:schemeClr>
+      <a:schemeClr val="accent6">
+        <a:tint val="50000"/>
+      </a:schemeClr>
+    </dgm:fillClrLst>
+    <dgm:linClrLst meth="repeat">
+      <a:schemeClr val="lt1"/>
+    </dgm:linClrLst>
+    <dgm:effectClrLst/>
+    <dgm:txLinClrLst/>
+    <dgm:txFillClrLst meth="repeat">
+      <a:schemeClr val="lt1"/>
+    </dgm:txFillClrLst>
+    <dgm:txEffectClrLst/>
+  </dgm:styleLbl>
+  <dgm:styleLbl name="alignImgPlace1">
+    <dgm:fillClrLst>
+      <a:schemeClr val="accent1">
+        <a:tint val="50000"/>
+      </a:schemeClr>
+      <a:schemeClr val="accent2">
+        <a:tint val="20000"/>
+      </a:schemeClr>
+    </dgm:fillClrLst>
+    <dgm:linClrLst meth="repeat">
+      <a:schemeClr val="lt1"/>
+    </dgm:linClrLst>
+    <dgm:effectClrLst/>
+    <dgm:txLinClrLst/>
+    <dgm:txFillClrLst meth="repeat">
+      <a:schemeClr val="lt1"/>
+    </dgm:txFillClrLst>
+    <dgm:txEffectClrLst/>
+  </dgm:styleLbl>
+  <dgm:styleLbl name="bgImgPlace1">
+    <dgm:fillClrLst>
+      <a:schemeClr val="accent1">
+        <a:tint val="50000"/>
+      </a:schemeClr>
+      <a:schemeClr val="accent2">
+        <a:tint val="20000"/>
+      </a:schemeClr>
+    </dgm:fillClrLst>
+    <dgm:linClrLst meth="repeat">
+      <a:schemeClr val="lt1"/>
+    </dgm:linClrLst>
+    <dgm:effectClrLst/>
+    <dgm:txLinClrLst/>
+    <dgm:txFillClrLst meth="repeat">
+      <a:schemeClr val="lt1"/>
+    </dgm:txFillClrLst>
+    <dgm:txEffectClrLst/>
+  </dgm:styleLbl>
+  <dgm:styleLbl name="sibTrans2D1">
+    <dgm:fillClrLst meth="repeat">
+      <a:schemeClr val="accent2"/>
+      <a:schemeClr val="accent3"/>
+      <a:schemeClr val="accent4"/>
+      <a:schemeClr val="accent5"/>
+      <a:schemeClr val="accent6"/>
+    </dgm:fillClrLst>
+    <dgm:linClrLst meth="cycle">
+      <a:schemeClr val="lt1"/>
+    </dgm:linClrLst>
+    <dgm:effectClrLst/>
+    <dgm:txLinClrLst/>
+    <dgm:txFillClrLst/>
+    <dgm:txEffectClrLst/>
+  </dgm:styleLbl>
+  <dgm:styleLbl name="fgSibTrans2D1">
+    <dgm:fillClrLst meth="repeat">
+      <a:schemeClr val="accent2"/>
+      <a:schemeClr val="accent3"/>
+      <a:schemeClr val="accent4"/>
+      <a:schemeClr val="accent5"/>
+      <a:schemeClr val="accent6"/>
+    </dgm:fillClrLst>
+    <dgm:linClrLst meth="cycle">
+      <a:schemeClr val="lt1"/>
+    </dgm:linClrLst>
+    <dgm:effectClrLst/>
+    <dgm:txLinClrLst/>
+    <dgm:txFillClrLst meth="repeat">
+      <a:schemeClr val="lt1"/>
+    </dgm:txFillClrLst>
+    <dgm:txEffectClrLst/>
+  </dgm:styleLbl>
+  <dgm:styleLbl name="bgSibTrans2D1">
+    <dgm:fillClrLst meth="repeat">
+      <a:schemeClr val="accent2"/>
+      <a:schemeClr val="accent3"/>
+      <a:schemeClr val="accent4"/>
+      <a:schemeClr val="accent5"/>
+      <a:schemeClr val="accent6"/>
+    </dgm:fillClrLst>
+    <dgm:linClrLst meth="cycle">
+      <a:schemeClr val="lt1"/>
+    </dgm:linClrLst>
+    <dgm:effectClrLst/>
+    <dgm:txLinClrLst/>
+    <dgm:txFillClrLst meth="repeat">
+      <a:schemeClr val="lt1"/>
+    </dgm:txFillClrLst>
+    <dgm:txEffectClrLst/>
+  </dgm:styleLbl>
+  <dgm:styleLbl name="sibTrans1D1">
+    <dgm:fillClrLst meth="repeat">
+      <a:schemeClr val="accent2"/>
+      <a:schemeClr val="accent3"/>
+      <a:schemeClr val="accent4"/>
+      <a:schemeClr val="accent5"/>
+      <a:schemeClr val="accent6"/>
+    </dgm:fillClrLst>
+    <dgm:linClrLst meth="repeat">
+      <a:schemeClr val="accent2"/>
+      <a:schemeClr val="accent3"/>
+      <a:schemeClr val="accent4"/>
+      <a:schemeClr val="accent5"/>
+      <a:schemeClr val="accent6"/>
+    </dgm:linClrLst>
+    <dgm:effectClrLst/>
+    <dgm:txLinClrLst/>
+    <dgm:txFillClrLst meth="repeat">
+      <a:schemeClr val="tx1"/>
+    </dgm:txFillClrLst>
+    <dgm:txEffectClrLst/>
+  </dgm:styleLbl>
+  <dgm:styleLbl name="callout">
+    <dgm:fillClrLst meth="repeat">
+      <a:schemeClr val="accent2"/>
+    </dgm:fillClrLst>
+    <dgm:linClrLst meth="repeat">
+      <a:schemeClr val="accent2">
+        <a:tint val="50000"/>
+      </a:schemeClr>
+    </dgm:linClrLst>
+    <dgm:effectClrLst/>
+    <dgm:txLinClrLst/>
+    <dgm:txFillClrLst meth="repeat">
+      <a:schemeClr val="tx1"/>
+    </dgm:txFillClrLst>
+    <dgm:txEffectClrLst/>
+  </dgm:styleLbl>
+  <dgm:styleLbl name="asst0">
+    <dgm:fillClrLst meth="repeat">
+      <a:schemeClr val="accent1"/>
+    </dgm:fillClrLst>
+    <dgm:linClrLst meth="repeat">
+      <a:schemeClr val="lt1"/>
+    </dgm:linClrLst>
+    <dgm:effectClrLst/>
+    <dgm:txLinClrLst/>
+    <dgm:txFillClrLst/>
+    <dgm:txEffectClrLst/>
+  </dgm:styleLbl>
+  <dgm:styleLbl name="asst1">
+    <dgm:fillClrLst meth="repeat">
+      <a:schemeClr val="accent2"/>
+    </dgm:fillClrLst>
+    <dgm:linClrLst meth="repeat">
+      <a:schemeClr val="lt1"/>
+    </dgm:linClrLst>
+    <dgm:effectClrLst/>
+    <dgm:txLinClrLst/>
+    <dgm:txFillClrLst/>
+    <dgm:txEffectClrLst/>
+  </dgm:styleLbl>
+  <dgm:styleLbl name="asst2">
+    <dgm:fillClrLst>
+      <a:schemeClr val="accent3"/>
+    </dgm:fillClrLst>
+    <dgm:linClrLst meth="repeat">
+      <a:schemeClr val="lt1"/>
+    </dgm:linClrLst>
+    <dgm:effectClrLst/>
+    <dgm:txLinClrLst/>
+    <dgm:txFillClrLst/>
+    <dgm:txEffectClrLst/>
+  </dgm:styleLbl>
+  <dgm:styleLbl name="asst3">
+    <dgm:fillClrLst>
+      <a:schemeClr val="accent4"/>
+    </dgm:fillClrLst>
+    <dgm:linClrLst meth="repeat">
+      <a:schemeClr val="lt1"/>
+    </dgm:linClrLst>
+    <dgm:effectClrLst/>
+    <dgm:txLinClrLst/>
+    <dgm:txFillClrLst/>
+    <dgm:txEffectClrLst/>
+  </dgm:styleLbl>
+  <dgm:styleLbl name="asst4">
+    <dgm:fillClrLst>
+      <a:schemeClr val="accent5"/>
+    </dgm:fillClrLst>
+    <dgm:linClrLst meth="repeat">
+      <a:schemeClr val="lt1"/>
+    </dgm:linClrLst>
+    <dgm:effectClrLst/>
+    <dgm:txLinClrLst/>
+    <dgm:txFillClrLst/>
+    <dgm:txEffectClrLst/>
+  </dgm:styleLbl>
+  <dgm:styleLbl name="parChTrans2D1">
+    <dgm:fillClrLst meth="repeat">
+      <a:schemeClr val="accent2"/>
+    </dgm:fillClrLst>
+    <dgm:linClrLst meth="repeat">
+      <a:schemeClr val="lt1"/>
+    </dgm:linClrLst>
+    <dgm:effectClrLst/>
+    <dgm:txLinClrLst/>
+    <dgm:txFillClrLst meth="repeat">
+      <a:schemeClr val="lt1"/>
+    </dgm:txFillClrLst>
+    <dgm:txEffectClrLst/>
+  </dgm:styleLbl>
+  <dgm:styleLbl name="parChTrans2D2">
+    <dgm:fillClrLst meth="repeat">
+      <a:schemeClr val="accent3"/>
+    </dgm:fillClrLst>
+    <dgm:linClrLst meth="repeat">
+      <a:schemeClr val="lt1"/>
+    </dgm:linClrLst>
+    <dgm:effectClrLst/>
+    <dgm:txLinClrLst/>
+    <dgm:txFillClrLst/>
+    <dgm:txEffectClrLst/>
+  </dgm:styleLbl>
+  <dgm:styleLbl name="parChTrans2D3">
+    <dgm:fillClrLst meth="repeat">
+      <a:schemeClr val="accent4"/>
+    </dgm:fillClrLst>
+    <dgm:linClrLst meth="repeat">
+      <a:schemeClr val="lt1"/>
+    </dgm:linClrLst>
+    <dgm:effectClrLst/>
+    <dgm:txLinClrLst/>
+    <dgm:txFillClrLst/>
+    <dgm:txEffectClrLst/>
+  </dgm:styleLbl>
+  <dgm:styleLbl name="parChTrans2D4">
+    <dgm:fillClrLst meth="repeat">
+      <a:schemeClr val="accent5"/>
+    </dgm:fillClrLst>
+    <dgm:linClrLst meth="repeat">
+      <a:schemeClr val="lt1"/>
+    </dgm:linClrLst>
+    <dgm:effectClrLst/>
+    <dgm:txLinClrLst/>
+    <dgm:txFillClrLst meth="repeat">
+      <a:schemeClr val="lt1"/>
+    </dgm:txFillClrLst>
+    <dgm:txEffectClrLst/>
+  </dgm:styleLbl>
+  <dgm:styleLbl name="parChTrans1D1">
+    <dgm:fillClrLst meth="repeat">
+      <a:schemeClr val="accent2"/>
+    </dgm:fillClrLst>
+    <dgm:linClrLst meth="repeat">
+      <a:schemeClr val="accent1"/>
+    </dgm:linClrLst>
+    <dgm:effectClrLst/>
+    <dgm:txLinClrLst/>
+    <dgm:txFillClrLst meth="repeat">
+      <a:schemeClr val="tx1"/>
+    </dgm:txFillClrLst>
+    <dgm:txEffectClrLst/>
+  </dgm:styleLbl>
+  <dgm:styleLbl name="parChTrans1D2">
+    <dgm:fillClrLst meth="repeat">
+      <a:schemeClr val="accent3">
+        <a:tint val="90000"/>
+      </a:schemeClr>
+    </dgm:fillClrLst>
+    <dgm:linClrLst meth="repeat">
+      <a:schemeClr val="accent2"/>
+    </dgm:linClrLst>
+    <dgm:effectClrLst/>
+    <dgm:txLinClrLst/>
+    <dgm:txFillClrLst meth="repeat">
+      <a:schemeClr val="tx1"/>
+    </dgm:txFillClrLst>
+    <dgm:txEffectClrLst/>
+  </dgm:styleLbl>
+  <dgm:styleLbl name="parChTrans1D3">
+    <dgm:fillClrLst meth="repeat">
+      <a:schemeClr val="accent4">
+        <a:tint val="70000"/>
+      </a:schemeClr>
+    </dgm:fillClrLst>
+    <dgm:linClrLst meth="repeat">
+      <a:schemeClr val="accent3"/>
+    </dgm:linClrLst>
+    <dgm:effectClrLst/>
+    <dgm:txLinClrLst/>
+    <dgm:txFillClrLst meth="repeat">
+      <a:schemeClr val="tx1"/>
+    </dgm:txFillClrLst>
+    <dgm:txEffectClrLst/>
+  </dgm:styleLbl>
+  <dgm:styleLbl name="parChTrans1D4">
+    <dgm:fillClrLst meth="repeat">
+      <a:schemeClr val="accent5">
+        <a:tint val="50000"/>
+      </a:schemeClr>
+    </dgm:fillClrLst>
+    <dgm:linClrLst meth="repeat">
+      <a:schemeClr val="accent4"/>
+    </dgm:linClrLst>
+    <dgm:effectClrLst/>
+    <dgm:txLinClrLst/>
+    <dgm:txFillClrLst meth="repeat">
+      <a:schemeClr val="tx1"/>
+    </dgm:txFillClrLst>
+    <dgm:txEffectClrLst/>
+  </dgm:styleLbl>
+  <dgm:styleLbl name="fgAcc1">
+    <dgm:fillClrLst meth="repeat">
+      <a:schemeClr val="lt1">
+        <a:alpha val="90000"/>
+      </a:schemeClr>
+    </dgm:fillClrLst>
+    <dgm:linClrLst meth="repeat">
+      <a:schemeClr val="accent2"/>
+      <a:schemeClr val="accent3"/>
+      <a:schemeClr val="accent4"/>
+      <a:schemeClr val="accent5"/>
+      <a:schemeClr val="accent6"/>
+    </dgm:linClrLst>
+    <dgm:effectClrLst/>
+    <dgm:txLinClrLst/>
+    <dgm:txFillClrLst meth="repeat">
+      <a:schemeClr val="dk1"/>
+    </dgm:txFillClrLst>
+    <dgm:txEffectClrLst/>
+  </dgm:styleLbl>
+  <dgm:styleLbl name="conFgAcc1">
+    <dgm:fillClrLst meth="repeat">
+      <a:schemeClr val="lt1">
+        <a:alpha val="90000"/>
+      </a:schemeClr>
+    </dgm:fillClrLst>
+    <dgm:linClrLst meth="repeat">
+      <a:schemeClr val="accent2"/>
+      <a:schemeClr val="accent3"/>
+      <a:schemeClr val="accent4"/>
+      <a:schemeClr val="accent5"/>
+      <a:schemeClr val="accent6"/>
+    </dgm:linClrLst>
+    <dgm:effectClrLst/>
+    <dgm:txLinClrLst/>
+    <dgm:txFillClrLst meth="repeat">
+      <a:schemeClr val="dk1"/>
+    </dgm:txFillClrLst>
+    <dgm:txEffectClrLst/>
+  </dgm:styleLbl>
+  <dgm:styleLbl name="alignAcc1">
+    <dgm:fillClrLst meth="repeat">
+      <a:schemeClr val="lt1">
+        <a:alpha val="90000"/>
+      </a:schemeClr>
+    </dgm:fillClrLst>
+    <dgm:linClrLst meth="repeat">
+      <a:schemeClr val="accent2"/>
+      <a:schemeClr val="accent3"/>
+      <a:schemeClr val="accent4"/>
+      <a:schemeClr val="accent5"/>
+      <a:schemeClr val="accent6"/>
+    </dgm:linClrLst>
+    <dgm:effectClrLst/>
+    <dgm:txLinClrLst/>
+    <dgm:txFillClrLst meth="repeat">
+      <a:schemeClr val="dk1"/>
+    </dgm:txFillClrLst>
+    <dgm:txEffectClrLst/>
+  </dgm:styleLbl>
+  <dgm:styleLbl name="trAlignAcc1">
+    <dgm:fillClrLst meth="repeat">
+      <a:schemeClr val="lt1">
+        <a:alpha val="40000"/>
+      </a:schemeClr>
+    </dgm:fillClrLst>
+    <dgm:linClrLst meth="repeat">
+      <a:schemeClr val="accent1"/>
+    </dgm:linClrLst>
+    <dgm:effectClrLst/>
+    <dgm:txLinClrLst/>
+    <dgm:txFillClrLst meth="repeat">
+      <a:schemeClr val="dk1"/>
+    </dgm:txFillClrLst>
+    <dgm:txEffectClrLst/>
+  </dgm:styleLbl>
+  <dgm:styleLbl name="bgAcc1">
+    <dgm:fillClrLst meth="repeat">
+      <a:schemeClr val="lt1">
+        <a:alpha val="90000"/>
+      </a:schemeClr>
+    </dgm:fillClrLst>
+    <dgm:linClrLst meth="repeat">
+      <a:schemeClr val="accent2"/>
+      <a:schemeClr val="accent3"/>
+      <a:schemeClr val="accent4"/>
+      <a:schemeClr val="accent5"/>
+      <a:schemeClr val="accent6"/>
+    </dgm:linClrLst>
+    <dgm:effectClrLst/>
+    <dgm:txLinClrLst/>
+    <dgm:txFillClrLst meth="repeat">
+      <a:schemeClr val="dk1"/>
+    </dgm:txFillClrLst>
+    <dgm:txEffectClrLst/>
+  </dgm:styleLbl>
+  <dgm:styleLbl name="solidFgAcc1">
+    <dgm:fillClrLst meth="repeat">
+      <a:schemeClr val="lt1"/>
+    </dgm:fillClrLst>
+    <dgm:linClrLst meth="repeat">
+      <a:schemeClr val="accent2"/>
+      <a:schemeClr val="accent3"/>
+      <a:schemeClr val="accent4"/>
+      <a:schemeClr val="accent5"/>
+      <a:schemeClr val="accent6"/>
+    </dgm:linClrLst>
+    <dgm:effectClrLst/>
+    <dgm:txLinClrLst/>
+    <dgm:txFillClrLst meth="repeat">
+      <a:schemeClr val="dk1"/>
+    </dgm:txFillClrLst>
+    <dgm:txEffectClrLst/>
+  </dgm:styleLbl>
+  <dgm:styleLbl name="solidAlignAcc1">
+    <dgm:fillClrLst meth="repeat">
+      <a:schemeClr val="lt1"/>
+    </dgm:fillClrLst>
+    <dgm:linClrLst meth="repeat">
+      <a:schemeClr val="accent2"/>
+      <a:schemeClr val="accent3"/>
+      <a:schemeClr val="accent4"/>
+      <a:schemeClr val="accent5"/>
+      <a:schemeClr val="accent6"/>
+    </dgm:linClrLst>
+    <dgm:effectClrLst/>
+    <dgm:txLinClrLst/>
+    <dgm:txFillClrLst meth="repeat">
+      <a:schemeClr val="dk1"/>
+    </dgm:txFillClrLst>
+    <dgm:txEffectClrLst/>
+  </dgm:styleLbl>
+  <dgm:styleLbl name="solidBgAcc1">
+    <dgm:fillClrLst meth="repeat">
+      <a:schemeClr val="lt1"/>
+    </dgm:fillClrLst>
+    <dgm:linClrLst meth="repeat">
+      <a:schemeClr val="accent2"/>
+      <a:schemeClr val="accent3"/>
+      <a:schemeClr val="accent4"/>
+      <a:schemeClr val="accent5"/>
+      <a:schemeClr val="accent6"/>
+    </dgm:linClrLst>
+    <dgm:effectClrLst/>
+    <dgm:txLinClrLst/>
+    <dgm:txFillClrLst meth="repeat">
+      <a:schemeClr val="dk1"/>
+    </dgm:txFillClrLst>
+    <dgm:txEffectClrLst/>
+  </dgm:styleLbl>
+  <dgm:styleLbl name="fgAccFollowNode1">
+    <dgm:fillClrLst meth="repeat">
+      <a:schemeClr val="accent2">
+        <a:tint val="40000"/>
+        <a:alpha val="90000"/>
+      </a:schemeClr>
+      <a:schemeClr val="accent3">
+        <a:tint val="40000"/>
+        <a:alpha val="90000"/>
+      </a:schemeClr>
+      <a:schemeClr val="accent4">
+        <a:tint val="40000"/>
+        <a:alpha val="90000"/>
+      </a:schemeClr>
+      <a:schemeClr val="accent5">
+        <a:tint val="40000"/>
+        <a:alpha val="90000"/>
+      </a:schemeClr>
+      <a:schemeClr val="accent6">
+        <a:tint val="40000"/>
+        <a:alpha val="90000"/>
+      </a:schemeClr>
+    </dgm:fillClrLst>
+    <dgm:linClrLst meth="repeat">
+      <a:schemeClr val="accent2">
+        <a:tint val="40000"/>
+        <a:alpha val="90000"/>
+      </a:schemeClr>
+      <a:schemeClr val="accent3">
+        <a:tint val="40000"/>
+        <a:alpha val="90000"/>
+      </a:schemeClr>
+      <a:schemeClr val="accent4">
+        <a:tint val="40000"/>
+        <a:alpha val="90000"/>
+      </a:schemeClr>
+      <a:schemeClr val="accent5">
+        <a:tint val="40000"/>
+        <a:alpha val="90000"/>
+      </a:schemeClr>
+      <a:schemeClr val="accent6">
+        <a:tint val="40000"/>
+        <a:alpha val="90000"/>
+      </a:schemeClr>
+    </dgm:linClrLst>
+    <dgm:effectClrLst/>
+    <dgm:txLinClrLst/>
+    <dgm:txFillClrLst meth="repeat">
+      <a:schemeClr val="dk1"/>
+    </dgm:txFillClrLst>
+    <dgm:txEffectClrLst/>
+  </dgm:styleLbl>
+  <dgm:styleLbl name="alignAccFollowNode1">
+    <dgm:fillClrLst meth="repeat">
+      <a:schemeClr val="accent2">
+        <a:tint val="40000"/>
+        <a:alpha val="90000"/>
+      </a:schemeClr>
+      <a:schemeClr val="accent3">
+        <a:tint val="40000"/>
+        <a:alpha val="90000"/>
+      </a:schemeClr>
+      <a:schemeClr val="accent4">
+        <a:tint val="40000"/>
+        <a:alpha val="90000"/>
+      </a:schemeClr>
+      <a:schemeClr val="accent5">
+        <a:tint val="40000"/>
+        <a:alpha val="90000"/>
+      </a:schemeClr>
+      <a:schemeClr val="accent6">
+        <a:tint val="40000"/>
+        <a:alpha val="90000"/>
+      </a:schemeClr>
+    </dgm:fillClrLst>
+    <dgm:linClrLst meth="repeat">
+      <a:schemeClr val="accent2">
+        <a:tint val="40000"/>
+        <a:alpha val="90000"/>
+      </a:schemeClr>
+      <a:schemeClr val="accent3">
+        <a:tint val="40000"/>
+        <a:alpha val="90000"/>
+      </a:schemeClr>
+      <a:schemeClr val="accent4">
+        <a:tint val="40000"/>
+        <a:alpha val="90000"/>
+      </a:schemeClr>
+      <a:schemeClr val="accent5">
+        <a:tint val="40000"/>
+        <a:alpha val="90000"/>
+      </a:schemeClr>
+      <a:schemeClr val="accent6">
+        <a:tint val="40000"/>
+        <a:alpha val="90000"/>
+      </a:schemeClr>
+    </dgm:linClrLst>
+    <dgm:effectClrLst/>
+    <dgm:txLinClrLst/>
+    <dgm:txFillClrLst meth="repeat">
+      <a:schemeClr val="dk1"/>
+    </dgm:txFillClrLst>
+    <dgm:txEffectClrLst/>
+  </dgm:styleLbl>
+  <dgm:styleLbl name="bgAccFollowNode1">
+    <dgm:fillClrLst meth="repeat">
+      <a:schemeClr val="accent2">
+        <a:tint val="40000"/>
+        <a:alpha val="90000"/>
+      </a:schemeClr>
+      <a:schemeClr val="accent3">
+        <a:tint val="40000"/>
+        <a:alpha val="90000"/>
+      </a:schemeClr>
+      <a:schemeClr val="accent4">
+        <a:tint val="40000"/>
+        <a:alpha val="90000"/>
+      </a:schemeClr>
+      <a:schemeClr val="accent5">
+        <a:tint val="40000"/>
+        <a:alpha val="90000"/>
+      </a:schemeClr>
+      <a:schemeClr val="accent6">
+        <a:tint val="40000"/>
+        <a:alpha val="90000"/>
+      </a:schemeClr>
+    </dgm:fillClrLst>
+    <dgm:linClrLst meth="repeat">
+      <a:schemeClr val="accent2">
+        <a:tint val="40000"/>
+        <a:alpha val="90000"/>
+      </a:schemeClr>
+      <a:schemeClr val="accent3">
+        <a:tint val="40000"/>
+        <a:alpha val="90000"/>
+      </a:schemeClr>
+      <a:schemeClr val="accent4">
+        <a:tint val="40000"/>
+        <a:alpha val="90000"/>
+      </a:schemeClr>
+      <a:schemeClr val="accent5">
+        <a:tint val="40000"/>
+        <a:alpha val="90000"/>
+      </a:schemeClr>
+      <a:schemeClr val="accent6">
+        <a:tint val="40000"/>
+        <a:alpha val="90000"/>
+      </a:schemeClr>
+    </dgm:linClrLst>
+    <dgm:effectClrLst/>
+    <dgm:txLinClrLst/>
+    <dgm:txFillClrLst meth="repeat">
+      <a:schemeClr val="dk1"/>
+    </dgm:txFillClrLst>
+    <dgm:txEffectClrLst/>
+  </dgm:styleLbl>
+  <dgm:styleLbl name="fgAcc0">
+    <dgm:fillClrLst meth="repeat">
+      <a:schemeClr val="lt1">
+        <a:alpha val="90000"/>
+      </a:schemeClr>
+    </dgm:fillClrLst>
+    <dgm:linClrLst>
+      <a:schemeClr val="accent1"/>
+    </dgm:linClrLst>
+    <dgm:effectClrLst/>
+    <dgm:txLinClrLst/>
+    <dgm:txFillClrLst meth="repeat">
+      <a:schemeClr val="dk1"/>
+    </dgm:txFillClrLst>
+    <dgm:txEffectClrLst/>
+  </dgm:styleLbl>
+  <dgm:styleLbl name="fgAcc2">
+    <dgm:fillClrLst meth="repeat">
+      <a:schemeClr val="lt1">
+        <a:alpha val="90000"/>
+      </a:schemeClr>
+    </dgm:fillClrLst>
+    <dgm:linClrLst>
+      <a:schemeClr val="accent2"/>
+    </dgm:linClrLst>
+    <dgm:effectClrLst/>
+    <dgm:txLinClrLst/>
+    <dgm:txFillClrLst meth="repeat">
+      <a:schemeClr val="dk1"/>
+    </dgm:txFillClrLst>
+    <dgm:txEffectClrLst/>
+  </dgm:styleLbl>
+  <dgm:styleLbl name="fgAcc3">
+    <dgm:fillClrLst meth="repeat">
+      <a:schemeClr val="lt1">
+        <a:alpha val="90000"/>
+      </a:schemeClr>
+    </dgm:fillClrLst>
+    <dgm:linClrLst>
+      <a:schemeClr val="accent3"/>
+    </dgm:linClrLst>
+    <dgm:effectClrLst/>
+    <dgm:txLinClrLst/>
+    <dgm:txFillClrLst meth="repeat">
+      <a:schemeClr val="dk1"/>
+    </dgm:txFillClrLst>
+    <dgm:txEffectClrLst/>
+  </dgm:styleLbl>
+  <dgm:styleLbl name="fgAcc4">
+    <dgm:fillClrLst meth="repeat">
+      <a:schemeClr val="lt1">
+        <a:alpha val="90000"/>
+      </a:schemeClr>
+    </dgm:fillClrLst>
+    <dgm:linClrLst>
+      <a:schemeClr val="accent4"/>
+    </dgm:linClrLst>
+    <dgm:effectClrLst/>
+    <dgm:txLinClrLst/>
+    <dgm:txFillClrLst meth="repeat">
+      <a:schemeClr val="dk1"/>
+    </dgm:txFillClrLst>
+    <dgm:txEffectClrLst/>
+  </dgm:styleLbl>
+  <dgm:styleLbl name="bgShp">
+    <dgm:fillClrLst meth="repeat">
+      <a:schemeClr val="accent2">
+        <a:tint val="40000"/>
+      </a:schemeClr>
+    </dgm:fillClrLst>
+    <dgm:linClrLst meth="repeat">
+      <a:schemeClr val="dk1"/>
+    </dgm:linClrLst>
+    <dgm:effectClrLst/>
+    <dgm:txLinClrLst/>
+    <dgm:txFillClrLst meth="repeat">
+      <a:schemeClr val="dk1"/>
+    </dgm:txFillClrLst>
+    <dgm:txEffectClrLst/>
+  </dgm:styleLbl>
+  <dgm:styleLbl name="dkBgShp">
+    <dgm:fillClrLst meth="repeat">
+      <a:schemeClr val="accent2">
+        <a:shade val="90000"/>
+      </a:schemeClr>
+    </dgm:fillClrLst>
+    <dgm:linClrLst meth="repeat">
+      <a:schemeClr val="dk1"/>
+    </dgm:linClrLst>
+    <dgm:effectClrLst/>
+    <dgm:txLinClrLst/>
+    <dgm:txFillClrLst meth="repeat">
+      <a:schemeClr val="lt1"/>
+    </dgm:txFillClrLst>
+    <dgm:txEffectClrLst/>
+  </dgm:styleLbl>
+  <dgm:styleLbl name="trBgShp">
+    <dgm:fillClrLst meth="repeat">
+      <a:schemeClr val="accent1">
+        <a:tint val="50000"/>
+        <a:alpha val="40000"/>
+      </a:schemeClr>
+    </dgm:fillClrLst>
+    <dgm:linClrLst meth="repeat">
+      <a:schemeClr val="accent2"/>
+    </dgm:linClrLst>
+    <dgm:effectClrLst/>
+    <dgm:txLinClrLst/>
+    <dgm:txFillClrLst meth="repeat">
+      <a:schemeClr val="lt1"/>
+    </dgm:txFillClrLst>
+    <dgm:txEffectClrLst/>
+  </dgm:styleLbl>
+  <dgm:styleLbl name="fgShp">
+    <dgm:fillClrLst meth="repeat">
+      <a:schemeClr val="accent2">
+        <a:tint val="40000"/>
+      </a:schemeClr>
+    </dgm:fillClrLst>
+    <dgm:linClrLst meth="repeat">
+      <a:schemeClr val="lt1"/>
+    </dgm:linClrLst>
+    <dgm:effectClrLst/>
+    <dgm:txLinClrLst/>
+    <dgm:txFillClrLst meth="repeat">
+      <a:schemeClr val="dk1"/>
+    </dgm:txFillClrLst>
+    <dgm:txEffectClrLst/>
+  </dgm:styleLbl>
+  <dgm:styleLbl name="revTx">
+    <dgm:fillClrLst meth="repeat">
+      <a:schemeClr val="lt1">
+        <a:alpha val="0"/>
+      </a:schemeClr>
+    </dgm:fillClrLst>
+    <dgm:linClrLst meth="repeat">
+      <a:schemeClr val="dk1">
+        <a:alpha val="0"/>
+      </a:schemeClr>
+    </dgm:linClrLst>
+    <dgm:effectClrLst/>
+    <dgm:txLinClrLst/>
+    <dgm:txFillClrLst meth="repeat">
+      <a:schemeClr val="tx1"/>
+    </dgm:txFillClrLst>
+    <dgm:txEffectClrLst/>
+  </dgm:styleLbl>
+</dgm:colorsDef>
+</file>
+
+<file path=ppt/diagrams/data1.xml><?xml version="1.0" encoding="utf-8"?>
+<dgm:dataModel xmlns:dgm="http://schemas.openxmlformats.org/drawingml/2006/diagram" xmlns:a="http://schemas.openxmlformats.org/drawingml/2006/main">
+  <dgm:ptLst>
+    <dgm:pt modelId="{E2E10DA0-E667-4557-9269-0CBCE1B400FF}" type="doc">
+      <dgm:prSet loTypeId="urn:microsoft.com/office/officeart/2005/8/layout/hProcess3" loCatId="process" qsTypeId="urn:microsoft.com/office/officeart/2005/8/quickstyle/simple1" qsCatId="simple" csTypeId="urn:microsoft.com/office/officeart/2005/8/colors/colorful1" csCatId="colorful" phldr="1"/>
+      <dgm:spPr/>
+    </dgm:pt>
+    <dgm:pt modelId="{E2DEA5A0-5EAE-48A9-8AC3-67106ED8A4ED}">
+      <dgm:prSet phldrT="[Text]" phldr="0"/>
+      <dgm:spPr/>
+      <dgm:t>
+        <a:bodyPr/>
+        <a:lstStyle/>
+        <a:p>
+          <a:pPr rtl="0"/>
+          <a:endParaRPr lang="en-US" b="0" i="0" u="none" strike="noStrike" cap="none" baseline="0" noProof="0" dirty="0">
+            <a:latin typeface="Calibri Light"/>
+            <a:cs typeface="Calibri Light"/>
+          </a:endParaRPr>
+        </a:p>
+      </dgm:t>
+    </dgm:pt>
+    <dgm:pt modelId="{A7D199A4-0781-497A-8D07-AFF1D4FC5671}" type="parTrans" cxnId="{0657CFF4-262F-4EE3-822E-9BC7AF1B9A83}">
+      <dgm:prSet/>
+      <dgm:spPr/>
+    </dgm:pt>
+    <dgm:pt modelId="{8B6E73D2-C184-4245-9953-CFA07F5F950F}" type="sibTrans" cxnId="{0657CFF4-262F-4EE3-822E-9BC7AF1B9A83}">
+      <dgm:prSet/>
+      <dgm:spPr/>
+    </dgm:pt>
+    <dgm:pt modelId="{E0A0195B-FE2D-44C7-BAAB-C69564FB4D68}" type="pres">
+      <dgm:prSet presAssocID="{E2E10DA0-E667-4557-9269-0CBCE1B400FF}" presName="Name0" presStyleCnt="0">
+        <dgm:presLayoutVars>
+          <dgm:dir/>
+          <dgm:animLvl val="lvl"/>
+          <dgm:resizeHandles val="exact"/>
+        </dgm:presLayoutVars>
+      </dgm:prSet>
+      <dgm:spPr/>
+    </dgm:pt>
+    <dgm:pt modelId="{CA816440-3B65-4A23-8A6B-D2168423BE49}" type="pres">
+      <dgm:prSet presAssocID="{E2E10DA0-E667-4557-9269-0CBCE1B400FF}" presName="dummy" presStyleCnt="0"/>
+      <dgm:spPr/>
+    </dgm:pt>
+    <dgm:pt modelId="{BBFF8A17-854B-493C-97BA-9747876D3173}" type="pres">
+      <dgm:prSet presAssocID="{E2E10DA0-E667-4557-9269-0CBCE1B400FF}" presName="linH" presStyleCnt="0"/>
+      <dgm:spPr/>
+    </dgm:pt>
+    <dgm:pt modelId="{AACDFCEB-26F1-4DBA-B037-C7F42F28E8E0}" type="pres">
+      <dgm:prSet presAssocID="{E2E10DA0-E667-4557-9269-0CBCE1B400FF}" presName="padding1" presStyleCnt="0"/>
+      <dgm:spPr/>
+    </dgm:pt>
+    <dgm:pt modelId="{33EE8165-F41C-442B-9EEC-472BAB610D92}" type="pres">
+      <dgm:prSet presAssocID="{E2DEA5A0-5EAE-48A9-8AC3-67106ED8A4ED}" presName="linV" presStyleCnt="0"/>
+      <dgm:spPr/>
+    </dgm:pt>
+    <dgm:pt modelId="{114FD11F-A74C-4D7C-9529-013C63EB8EA3}" type="pres">
+      <dgm:prSet presAssocID="{E2DEA5A0-5EAE-48A9-8AC3-67106ED8A4ED}" presName="spVertical1" presStyleCnt="0"/>
+      <dgm:spPr/>
+    </dgm:pt>
+    <dgm:pt modelId="{98732DDC-25AB-4C1F-A218-34395A6FA11B}" type="pres">
+      <dgm:prSet presAssocID="{E2DEA5A0-5EAE-48A9-8AC3-67106ED8A4ED}" presName="parTx" presStyleLbl="revTx" presStyleIdx="0" presStyleCnt="1">
+        <dgm:presLayoutVars>
+          <dgm:chMax val="0"/>
+          <dgm:chPref val="0"/>
+          <dgm:bulletEnabled val="1"/>
+        </dgm:presLayoutVars>
+      </dgm:prSet>
+      <dgm:spPr/>
+    </dgm:pt>
+    <dgm:pt modelId="{22A5C487-2D6A-4FB1-BD40-C33AE8027EE5}" type="pres">
+      <dgm:prSet presAssocID="{E2DEA5A0-5EAE-48A9-8AC3-67106ED8A4ED}" presName="spVertical2" presStyleCnt="0"/>
+      <dgm:spPr/>
+    </dgm:pt>
+    <dgm:pt modelId="{74D4859E-D50B-44DD-8FBB-C62E79C76ECE}" type="pres">
+      <dgm:prSet presAssocID="{E2DEA5A0-5EAE-48A9-8AC3-67106ED8A4ED}" presName="spVertical3" presStyleCnt="0"/>
+      <dgm:spPr/>
+    </dgm:pt>
+    <dgm:pt modelId="{EEC51A80-B37D-40BF-8650-2827E5F2D757}" type="pres">
+      <dgm:prSet presAssocID="{E2E10DA0-E667-4557-9269-0CBCE1B400FF}" presName="padding2" presStyleCnt="0"/>
+      <dgm:spPr/>
+    </dgm:pt>
+    <dgm:pt modelId="{8E867F82-8454-4213-B839-C195A098B601}" type="pres">
+      <dgm:prSet presAssocID="{E2E10DA0-E667-4557-9269-0CBCE1B400FF}" presName="negArrow" presStyleCnt="0"/>
+      <dgm:spPr/>
+    </dgm:pt>
+    <dgm:pt modelId="{844E8B16-E6BC-4A43-A163-64ADCA0E20B8}" type="pres">
+      <dgm:prSet presAssocID="{E2E10DA0-E667-4557-9269-0CBCE1B400FF}" presName="backgroundArrow" presStyleLbl="node1" presStyleIdx="0" presStyleCnt="1"/>
+      <dgm:spPr/>
+    </dgm:pt>
+  </dgm:ptLst>
+  <dgm:cxnLst>
+    <dgm:cxn modelId="{37BB320C-BDD7-4B4E-926F-B6B7171FCE34}" type="presOf" srcId="{E2E10DA0-E667-4557-9269-0CBCE1B400FF}" destId="{E0A0195B-FE2D-44C7-BAAB-C69564FB4D68}" srcOrd="0" destOrd="0" presId="urn:microsoft.com/office/officeart/2005/8/layout/hProcess3"/>
+    <dgm:cxn modelId="{E0709F8D-44C6-4289-9E81-04BD3A814940}" type="presOf" srcId="{E2DEA5A0-5EAE-48A9-8AC3-67106ED8A4ED}" destId="{98732DDC-25AB-4C1F-A218-34395A6FA11B}" srcOrd="0" destOrd="0" presId="urn:microsoft.com/office/officeart/2005/8/layout/hProcess3"/>
+    <dgm:cxn modelId="{0657CFF4-262F-4EE3-822E-9BC7AF1B9A83}" srcId="{E2E10DA0-E667-4557-9269-0CBCE1B400FF}" destId="{E2DEA5A0-5EAE-48A9-8AC3-67106ED8A4ED}" srcOrd="0" destOrd="0" parTransId="{A7D199A4-0781-497A-8D07-AFF1D4FC5671}" sibTransId="{8B6E73D2-C184-4245-9953-CFA07F5F950F}"/>
+    <dgm:cxn modelId="{2C1C2E49-A87C-49BE-8350-9F6090F0779F}" type="presParOf" srcId="{E0A0195B-FE2D-44C7-BAAB-C69564FB4D68}" destId="{CA816440-3B65-4A23-8A6B-D2168423BE49}" srcOrd="0" destOrd="0" presId="urn:microsoft.com/office/officeart/2005/8/layout/hProcess3"/>
+    <dgm:cxn modelId="{0906B29C-72B0-45DB-A7C1-85C5F77A06BA}" type="presParOf" srcId="{E0A0195B-FE2D-44C7-BAAB-C69564FB4D68}" destId="{BBFF8A17-854B-493C-97BA-9747876D3173}" srcOrd="1" destOrd="0" presId="urn:microsoft.com/office/officeart/2005/8/layout/hProcess3"/>
+    <dgm:cxn modelId="{FF7087F4-9F5A-44E0-B80D-E17BC695D072}" type="presParOf" srcId="{BBFF8A17-854B-493C-97BA-9747876D3173}" destId="{AACDFCEB-26F1-4DBA-B037-C7F42F28E8E0}" srcOrd="0" destOrd="0" presId="urn:microsoft.com/office/officeart/2005/8/layout/hProcess3"/>
+    <dgm:cxn modelId="{F21FABE2-9B56-44E0-B6BD-C9C1A76CE3C4}" type="presParOf" srcId="{BBFF8A17-854B-493C-97BA-9747876D3173}" destId="{33EE8165-F41C-442B-9EEC-472BAB610D92}" srcOrd="1" destOrd="0" presId="urn:microsoft.com/office/officeart/2005/8/layout/hProcess3"/>
+    <dgm:cxn modelId="{B7E1BF2A-E3F8-4373-B025-C4036E45F6F2}" type="presParOf" srcId="{33EE8165-F41C-442B-9EEC-472BAB610D92}" destId="{114FD11F-A74C-4D7C-9529-013C63EB8EA3}" srcOrd="0" destOrd="0" presId="urn:microsoft.com/office/officeart/2005/8/layout/hProcess3"/>
+    <dgm:cxn modelId="{1C16E4B5-CFD3-49FC-9372-DE155DD29877}" type="presParOf" srcId="{33EE8165-F41C-442B-9EEC-472BAB610D92}" destId="{98732DDC-25AB-4C1F-A218-34395A6FA11B}" srcOrd="1" destOrd="0" presId="urn:microsoft.com/office/officeart/2005/8/layout/hProcess3"/>
+    <dgm:cxn modelId="{8F74F423-5053-4A1C-8A03-989376F2BBF0}" type="presParOf" srcId="{33EE8165-F41C-442B-9EEC-472BAB610D92}" destId="{22A5C487-2D6A-4FB1-BD40-C33AE8027EE5}" srcOrd="2" destOrd="0" presId="urn:microsoft.com/office/officeart/2005/8/layout/hProcess3"/>
+    <dgm:cxn modelId="{1AC0C254-97E1-4B84-ADA9-DF81D3124B88}" type="presParOf" srcId="{33EE8165-F41C-442B-9EEC-472BAB610D92}" destId="{74D4859E-D50B-44DD-8FBB-C62E79C76ECE}" srcOrd="3" destOrd="0" presId="urn:microsoft.com/office/officeart/2005/8/layout/hProcess3"/>
+    <dgm:cxn modelId="{8DAE9538-C182-4105-A9FD-5BB9FFDB083B}" type="presParOf" srcId="{BBFF8A17-854B-493C-97BA-9747876D3173}" destId="{EEC51A80-B37D-40BF-8650-2827E5F2D757}" srcOrd="2" destOrd="0" presId="urn:microsoft.com/office/officeart/2005/8/layout/hProcess3"/>
+    <dgm:cxn modelId="{84DF916F-39AB-47AE-9A72-76E82D6FCC76}" type="presParOf" srcId="{BBFF8A17-854B-493C-97BA-9747876D3173}" destId="{8E867F82-8454-4213-B839-C195A098B601}" srcOrd="3" destOrd="0" presId="urn:microsoft.com/office/officeart/2005/8/layout/hProcess3"/>
+    <dgm:cxn modelId="{842210CB-8538-483E-BFC9-7B36670106AB}" type="presParOf" srcId="{BBFF8A17-854B-493C-97BA-9747876D3173}" destId="{844E8B16-E6BC-4A43-A163-64ADCA0E20B8}" srcOrd="4" destOrd="0" presId="urn:microsoft.com/office/officeart/2005/8/layout/hProcess3"/>
+  </dgm:cxnLst>
+  <dgm:bg/>
+  <dgm:whole/>
+  <dgm:extLst>
+    <a:ext uri="http://schemas.microsoft.com/office/drawing/2008/diagram">
+      <dsp:dataModelExt xmlns:dsp="http://schemas.microsoft.com/office/drawing/2008/diagram" relId="rId9" minVer="http://schemas.openxmlformats.org/drawingml/2006/diagram"/>
+    </a:ext>
+  </dgm:extLst>
+</dgm:dataModel>
+</file>
+
+<file path=ppt/diagrams/drawing1.xml><?xml version="1.0" encoding="utf-8"?>
+<dsp:drawing xmlns:dgm="http://schemas.openxmlformats.org/drawingml/2006/diagram" xmlns:dsp="http://schemas.microsoft.com/office/drawing/2008/diagram" xmlns:a="http://schemas.openxmlformats.org/drawingml/2006/main">
+  <dsp:spTree>
+    <dsp:nvGrpSpPr>
+      <dsp:cNvPr id="0" name=""/>
+      <dsp:cNvGrpSpPr/>
+    </dsp:nvGrpSpPr>
+    <dsp:grpSpPr/>
+    <dsp:sp modelId="{844E8B16-E6BC-4A43-A163-64ADCA0E20B8}">
+      <dsp:nvSpPr>
+        <dsp:cNvPr id="0" name=""/>
+        <dsp:cNvSpPr/>
+      </dsp:nvSpPr>
+      <dsp:spPr>
+        <a:xfrm>
+          <a:off x="0" y="34930"/>
+          <a:ext cx="2363305" cy="1368000"/>
+        </a:xfrm>
+        <a:prstGeom prst="rightArrow">
+          <a:avLst/>
+        </a:prstGeom>
+        <a:solidFill>
+          <a:schemeClr val="accent2">
+            <a:hueOff val="0"/>
+            <a:satOff val="0"/>
+            <a:lumOff val="0"/>
+            <a:alphaOff val="0"/>
+          </a:schemeClr>
+        </a:solidFill>
+        <a:ln w="12700" cap="flat" cmpd="sng" algn="ctr">
+          <a:solidFill>
+            <a:schemeClr val="lt1">
+              <a:hueOff val="0"/>
+              <a:satOff val="0"/>
+              <a:lumOff val="0"/>
+              <a:alphaOff val="0"/>
+            </a:schemeClr>
+          </a:solidFill>
+          <a:prstDash val="solid"/>
+          <a:miter lim="800000"/>
+        </a:ln>
+        <a:effectLst/>
+      </dsp:spPr>
+      <dsp:style>
+        <a:lnRef idx="2">
+          <a:scrgbClr r="0" g="0" b="0"/>
+        </a:lnRef>
+        <a:fillRef idx="1">
+          <a:scrgbClr r="0" g="0" b="0"/>
+        </a:fillRef>
+        <a:effectRef idx="0">
+          <a:scrgbClr r="0" g="0" b="0"/>
+        </a:effectRef>
+        <a:fontRef idx="minor">
+          <a:schemeClr val="lt1"/>
+        </a:fontRef>
+      </dsp:style>
+    </dsp:sp>
+    <dsp:sp modelId="{98732DDC-25AB-4C1F-A218-34395A6FA11B}">
+      <dsp:nvSpPr>
+        <dsp:cNvPr id="0" name=""/>
+        <dsp:cNvSpPr/>
+      </dsp:nvSpPr>
+      <dsp:spPr>
+        <a:xfrm>
+          <a:off x="190633" y="376930"/>
+          <a:ext cx="1936340" cy="684000"/>
+        </a:xfrm>
+        <a:prstGeom prst="rect">
+          <a:avLst/>
+        </a:prstGeom>
+        <a:noFill/>
+        <a:ln>
+          <a:noFill/>
+        </a:ln>
+        <a:effectLst/>
+      </dsp:spPr>
+      <dsp:style>
+        <a:lnRef idx="0">
+          <a:scrgbClr r="0" g="0" b="0"/>
+        </a:lnRef>
+        <a:fillRef idx="0">
+          <a:scrgbClr r="0" g="0" b="0"/>
+        </a:fillRef>
+        <a:effectRef idx="0">
+          <a:scrgbClr r="0" g="0" b="0"/>
+        </a:effectRef>
+        <a:fontRef idx="minor"/>
+      </dsp:style>
+      <dsp:txBody>
+        <a:bodyPr spcFirstLastPara="0" vert="horz" wrap="square" lIns="0" tIns="193040" rIns="0" bIns="193040" numCol="1" spcCol="1270" anchor="ctr" anchorCtr="0">
+          <a:noAutofit/>
+        </a:bodyPr>
+        <a:lstStyle/>
+        <a:p>
+          <a:pPr marL="0" lvl="0" indent="0" algn="ctr" defTabSz="844550" rtl="0">
+            <a:lnSpc>
+              <a:spcPct val="90000"/>
+            </a:lnSpc>
+            <a:spcBef>
+              <a:spcPct val="0"/>
+            </a:spcBef>
+            <a:spcAft>
+              <a:spcPct val="35000"/>
+            </a:spcAft>
+            <a:buNone/>
+          </a:pPr>
+          <a:endParaRPr lang="en-US" sz="1900" b="0" i="0" u="none" strike="noStrike" kern="1200" cap="none" baseline="0" noProof="0" dirty="0">
+            <a:latin typeface="Calibri Light"/>
+            <a:cs typeface="Calibri Light"/>
+          </a:endParaRPr>
+        </a:p>
+      </dsp:txBody>
+      <dsp:txXfrm>
+        <a:off x="190633" y="376930"/>
+        <a:ext cx="1936340" cy="684000"/>
+      </dsp:txXfrm>
+    </dsp:sp>
+  </dsp:spTree>
+</dsp:drawing>
+</file>
+
+<file path=ppt/diagrams/layout1.xml><?xml version="1.0" encoding="utf-8"?>
+<dgm:layoutDef xmlns:dgm="http://schemas.openxmlformats.org/drawingml/2006/diagram" xmlns:a="http://schemas.openxmlformats.org/drawingml/2006/main" uniqueId="urn:microsoft.com/office/officeart/2005/8/layout/hProcess3">
+  <dgm:title val=""/>
+  <dgm:desc val=""/>
+  <dgm:catLst>
+    <dgm:cat type="process" pri="6000"/>
+  </dgm:catLst>
+  <dgm:sampData useDef="1">
+    <dgm:dataModel>
+      <dgm:ptLst/>
+      <dgm:bg/>
+      <dgm:whole/>
+    </dgm:dataModel>
+  </dgm:sampData>
+  <dgm:styleData>
+    <dgm:dataModel>
+      <dgm:ptLst>
+        <dgm:pt modelId="0" type="doc"/>
+        <dgm:pt modelId="1"/>
+        <dgm:pt modelId="2"/>
+      </dgm:ptLst>
+      <dgm:cxnLst>
+        <dgm:cxn modelId="3" srcId="0" destId="1" srcOrd="0" destOrd="0"/>
+        <dgm:cxn modelId="4" srcId="0" destId="2" srcOrd="1" destOrd="0"/>
+      </dgm:cxnLst>
+      <dgm:bg/>
+      <dgm:whole/>
+    </dgm:dataModel>
+  </dgm:styleData>
+  <dgm:clrData>
+    <dgm:dataModel>
+      <dgm:ptLst>
+        <dgm:pt modelId="0" type="doc"/>
+        <dgm:pt modelId="1"/>
+        <dgm:pt modelId="2"/>
+        <dgm:pt modelId="3"/>
+        <dgm:pt modelId="4"/>
+      </dgm:ptLst>
+      <dgm:cxnLst>
+        <dgm:cxn modelId="5" srcId="0" destId="1" srcOrd="0" destOrd="0"/>
+        <dgm:cxn modelId="6" srcId="0" destId="2" srcOrd="1" destOrd="0"/>
+        <dgm:cxn modelId="7" srcId="0" destId="3" srcOrd="2" destOrd="0"/>
+        <dgm:cxn modelId="8" srcId="0" destId="4" srcOrd="3" destOrd="0"/>
+      </dgm:cxnLst>
+      <dgm:bg/>
+      <dgm:whole/>
+    </dgm:dataModel>
+  </dgm:clrData>
+  <dgm:layoutNode name="Name0" chOrder="t">
+    <dgm:varLst>
+      <dgm:dir/>
+      <dgm:animLvl val="lvl"/>
+      <dgm:resizeHandles val="exact"/>
+    </dgm:varLst>
+    <dgm:alg type="composite"/>
+    <dgm:shape xmlns:r="http://schemas.openxmlformats.org/officeDocument/2006/relationships" r:blip="">
+      <dgm:adjLst/>
+    </dgm:shape>
+    <dgm:presOf/>
+    <dgm:constrLst>
+      <dgm:constr type="w" for="ch" forName="dummy" refType="w"/>
+      <dgm:constr type="h" for="ch" forName="dummy" refType="h"/>
+      <dgm:constr type="h" for="ch" forName="dummy" refType="w" refFor="ch" refForName="dummy" op="lte" fact="0.4"/>
+      <dgm:constr type="ctrX" for="ch" forName="dummy" refType="w" fact="0.5"/>
+      <dgm:constr type="ctrY" for="ch" forName="dummy" refType="h" fact="0.5"/>
+      <dgm:constr type="w" for="ch" forName="linH" refType="w"/>
+      <dgm:constr type="h" for="ch" forName="linH" refType="h"/>
+      <dgm:constr type="ctrX" for="ch" forName="linH" refType="w" fact="0.5"/>
+      <dgm:constr type="ctrY" for="ch" forName="linH" refType="h" fact="0.5"/>
+      <dgm:constr type="userP" for="ch" forName="linH" refType="h" refFor="ch" refForName="dummy" fact="0.25"/>
+      <dgm:constr type="userT" for="des" forName="parTx" refType="w" refFor="ch" refForName="dummy" fact="0.2"/>
+    </dgm:constrLst>
+    <dgm:ruleLst/>
+    <dgm:layoutNode name="dummy">
+      <dgm:alg type="sp"/>
+      <dgm:shape xmlns:r="http://schemas.openxmlformats.org/officeDocument/2006/relationships" r:blip="">
+        <dgm:adjLst/>
+      </dgm:shape>
+      <dgm:presOf/>
+      <dgm:constrLst/>
+      <dgm:ruleLst/>
+    </dgm:layoutNode>
+    <dgm:layoutNode name="linH">
+      <dgm:choose name="Name1">
+        <dgm:if name="Name2" func="var" arg="dir" op="equ" val="norm">
+          <dgm:alg type="lin">
+            <dgm:param type="linDir" val="fromL"/>
+            <dgm:param type="nodeVertAlign" val="t"/>
+          </dgm:alg>
+        </dgm:if>
+        <dgm:else name="Name3">
+          <dgm:alg type="lin">
+            <dgm:param type="linDir" val="fromR"/>
+            <dgm:param type="nodeVertAlign" val="t"/>
+          </dgm:alg>
+        </dgm:else>
+      </dgm:choose>
+      <dgm:shape xmlns:r="http://schemas.openxmlformats.org/officeDocument/2006/relationships" r:blip="">
+        <dgm:adjLst/>
+      </dgm:shape>
+      <dgm:presOf/>
+      <dgm:constrLst>
+        <dgm:constr type="primFontSz" for="des" forName="parTx" val="65"/>
+        <dgm:constr type="primFontSz" for="des" forName="desTx" refType="primFontSz" refFor="des" refForName="parTx" op="equ"/>
+        <dgm:constr type="h" for="des" forName="parTx" refType="primFontSz" refFor="des" refForName="parTx"/>
+        <dgm:constr type="h" for="des" forName="desTx" refType="primFontSz" refFor="des" refForName="parTx" fact="0.5"/>
+        <dgm:constr type="h" for="des" forName="parTx" op="equ"/>
+        <dgm:constr type="h" for="des" forName="desTx" op="equ"/>
+        <dgm:constr type="h" for="ch" forName="backgroundArrow" refType="primFontSz" refFor="des" refForName="parTx" fact="2"/>
+        <dgm:constr type="h" for="ch" forName="backgroundArrow" refType="h" refFor="des" refForName="parTx" op="lte" fact="2"/>
+        <dgm:constr type="h" for="ch" forName="backgroundArrow" refType="h" refFor="des" refForName="parTx" op="gte" fact="2"/>
+        <dgm:constr type="h" for="des" forName="spVertical1" refType="primFontSz" refFor="des" refForName="parTx" fact="0.5"/>
+        <dgm:constr type="h" for="des" forName="spVertical1" refType="h" refFor="des" refForName="parTx" op="lte" fact="0.5"/>
+        <dgm:constr type="h" for="des" forName="spVertical1" refType="h" refFor="des" refForName="parTx" op="gte" fact="0.5"/>
+        <dgm:constr type="h" for="des" forName="spVertical2" refType="primFontSz" refFor="des" refForName="parTx" fact="0.5"/>
+        <dgm:constr type="h" for="des" forName="spVertical2" refType="h" refFor="des" refForName="parTx" op="lte" fact="0.5"/>
+        <dgm:constr type="h" for="des" forName="spVertical2" refType="h" refFor="des" refForName="parTx" op="gte" fact="0.5"/>
+        <dgm:constr type="h" for="des" forName="spVertical3" refType="primFontSz" refFor="des" refForName="parTx" fact="-0.4"/>
+        <dgm:constr type="h" for="des" forName="spVertical3" refType="h" refFor="des" refForName="parTx" op="lte" fact="-0.4"/>
+        <dgm:constr type="h" for="des" forName="spVertical3" refType="h" refFor="des" refForName="parTx" op="gte" fact="-0.4"/>
+        <dgm:constr type="w" for="ch" forName="backgroundArrow" refType="w"/>
+        <dgm:constr type="w" for="ch" forName="negArrow" refType="w" fact="-1"/>
+        <dgm:constr type="w" for="ch" forName="linV" refType="w"/>
+        <dgm:constr type="w" for="ch" forName="space" refType="w" refFor="ch" refForName="linV" fact="0.2"/>
+        <dgm:constr type="w" for="ch" forName="padding1" refType="w" fact="0.08"/>
+        <dgm:constr type="userP"/>
+        <dgm:constr type="w" for="ch" forName="padding2" refType="userP"/>
+      </dgm:constrLst>
+      <dgm:ruleLst>
+        <dgm:rule type="w" for="ch" forName="linV" val="0" fact="NaN" max="NaN"/>
+        <dgm:rule type="primFontSz" for="des" forName="parTx" val="5" fact="NaN" max="NaN"/>
+      </dgm:ruleLst>
+      <dgm:layoutNode name="padding1">
+        <dgm:alg type="sp"/>
+        <dgm:shape xmlns:r="http://schemas.openxmlformats.org/officeDocument/2006/relationships" r:blip="">
+          <dgm:adjLst/>
+        </dgm:shape>
+        <dgm:presOf/>
+        <dgm:constrLst/>
+        <dgm:ruleLst/>
+      </dgm:layoutNode>
+      <dgm:forEach name="Name4" axis="ch" ptType="node">
+        <dgm:layoutNode name="linV">
+          <dgm:alg type="lin">
+            <dgm:param type="linDir" val="fromT"/>
+          </dgm:alg>
+          <dgm:shape xmlns:r="http://schemas.openxmlformats.org/officeDocument/2006/relationships" r:blip="">
+            <dgm:adjLst/>
+          </dgm:shape>
+          <dgm:presOf/>
+          <dgm:constrLst>
+            <dgm:constr type="w" for="ch" forName="spVertical1" refType="w"/>
+            <dgm:constr type="w" for="ch" forName="parTx" refType="w"/>
+            <dgm:constr type="w" for="ch" forName="spVertical2" refType="w"/>
+            <dgm:constr type="w" for="ch" forName="spVertical3" refType="w"/>
+            <dgm:constr type="w" for="ch" forName="desTx" refType="w"/>
+          </dgm:constrLst>
+          <dgm:ruleLst/>
+          <dgm:layoutNode name="spVertical1">
+            <dgm:alg type="sp"/>
+            <dgm:shape xmlns:r="http://schemas.openxmlformats.org/officeDocument/2006/relationships" r:blip="">
+              <dgm:adjLst/>
+            </dgm:shape>
+            <dgm:presOf/>
+            <dgm:constrLst/>
+            <dgm:ruleLst/>
+          </dgm:layoutNode>
+          <dgm:layoutNode name="parTx" styleLbl="revTx">
+            <dgm:varLst>
+              <dgm:chMax val="0"/>
+              <dgm:chPref val="0"/>
+              <dgm:bulletEnabled val="1"/>
+            </dgm:varLst>
+            <dgm:choose name="Name5">
+              <dgm:if name="Name6" axis="root des" ptType="all node" func="maxDepth" op="gt" val="1">
+                <dgm:alg type="tx">
+                  <dgm:param type="parTxLTRAlign" val="l"/>
+                  <dgm:param type="parTxRTLAlign" val="r"/>
+                </dgm:alg>
+              </dgm:if>
+              <dgm:else name="Name7">
+                <dgm:alg type="tx">
+                  <dgm:param type="parTxLTRAlign" val="ctr"/>
+                  <dgm:param type="parTxRTLAlign" val="ctr"/>
+                </dgm:alg>
+              </dgm:else>
+            </dgm:choose>
+            <dgm:shape xmlns:r="http://schemas.openxmlformats.org/officeDocument/2006/relationships" type="rect" r:blip="">
+              <dgm:adjLst/>
+            </dgm:shape>
+            <dgm:presOf axis="self" ptType="node"/>
+            <dgm:choose name="Name8">
+              <dgm:if name="Name9" func="var" arg="dir" op="equ" val="norm">
+                <dgm:constrLst>
+                  <dgm:constr type="userT"/>
+                  <dgm:constr type="h" refType="userT" op="lte"/>
+                  <dgm:constr type="tMarg" refType="primFontSz" fact="0.8"/>
+                  <dgm:constr type="bMarg" refType="tMarg"/>
+                  <dgm:constr type="lMarg"/>
+                  <dgm:constr type="rMarg"/>
+                </dgm:constrLst>
+              </dgm:if>
+              <dgm:else name="Name10">
+                <dgm:constrLst>
+                  <dgm:constr type="userT"/>
+                  <dgm:constr type="h" refType="userT" op="lte"/>
+                  <dgm:constr type="tMarg" refType="primFontSz" fact="0.8"/>
+                  <dgm:constr type="bMarg" refType="tMarg"/>
+                  <dgm:constr type="lMarg"/>
+                  <dgm:constr type="rMarg"/>
+                </dgm:constrLst>
+              </dgm:else>
+            </dgm:choose>
+            <dgm:ruleLst>
+              <dgm:rule type="h" val="INF" fact="NaN" max="NaN"/>
+            </dgm:ruleLst>
+          </dgm:layoutNode>
+          <dgm:layoutNode name="spVertical2">
+            <dgm:alg type="sp"/>
+            <dgm:shape xmlns:r="http://schemas.openxmlformats.org/officeDocument/2006/relationships" r:blip="">
+              <dgm:adjLst/>
+            </dgm:shape>
+            <dgm:presOf/>
+            <dgm:constrLst/>
+            <dgm:ruleLst/>
+          </dgm:layoutNode>
+          <dgm:layoutNode name="spVertical3">
+            <dgm:alg type="sp"/>
+            <dgm:shape xmlns:r="http://schemas.openxmlformats.org/officeDocument/2006/relationships" r:blip="">
+              <dgm:adjLst/>
+            </dgm:shape>
+            <dgm:presOf/>
+            <dgm:constrLst/>
+            <dgm:ruleLst/>
+          </dgm:layoutNode>
+          <dgm:choose name="Name11">
+            <dgm:if name="Name12" axis="ch" ptType="node" func="cnt" op="gte" val="1">
+              <dgm:layoutNode name="desTx" styleLbl="revTx">
+                <dgm:varLst>
+                  <dgm:bulletEnabled val="1"/>
+                </dgm:varLst>
+                <dgm:alg type="tx">
+                  <dgm:param type="stBulletLvl" val="1"/>
+                </dgm:alg>
+                <dgm:shape xmlns:r="http://schemas.openxmlformats.org/officeDocument/2006/relationships" type="rect" r:blip="">
+                  <dgm:adjLst/>
+                </dgm:shape>
+                <dgm:presOf axis="des" ptType="node"/>
+                <dgm:constrLst>
+                  <dgm:constr type="tMarg"/>
+                  <dgm:constr type="bMarg"/>
+                  <dgm:constr type="rMarg"/>
+                  <dgm:constr type="lMarg"/>
+                </dgm:constrLst>
+                <dgm:ruleLst>
+                  <dgm:rule type="h" val="INF" fact="NaN" max="NaN"/>
+                </dgm:ruleLst>
+              </dgm:layoutNode>
+            </dgm:if>
+            <dgm:else name="Name13"/>
+          </dgm:choose>
+        </dgm:layoutNode>
+        <dgm:forEach name="Name14" axis="followSib" ptType="sibTrans" cnt="1">
+          <dgm:layoutNode name="space">
+            <dgm:alg type="sp"/>
+            <dgm:shape xmlns:r="http://schemas.openxmlformats.org/officeDocument/2006/relationships" r:blip="">
+              <dgm:adjLst/>
+            </dgm:shape>
+            <dgm:presOf/>
+            <dgm:constrLst/>
+            <dgm:ruleLst/>
+          </dgm:layoutNode>
+        </dgm:forEach>
+      </dgm:forEach>
+      <dgm:layoutNode name="padding2">
+        <dgm:alg type="sp"/>
+        <dgm:shape xmlns:r="http://schemas.openxmlformats.org/officeDocument/2006/relationships" r:blip="">
+          <dgm:adjLst/>
+        </dgm:shape>
+        <dgm:presOf/>
+        <dgm:constrLst/>
+        <dgm:ruleLst/>
+      </dgm:layoutNode>
+      <dgm:layoutNode name="negArrow">
+        <dgm:alg type="sp"/>
+        <dgm:shape xmlns:r="http://schemas.openxmlformats.org/officeDocument/2006/relationships" r:blip="">
+          <dgm:adjLst/>
+        </dgm:shape>
+        <dgm:presOf/>
+        <dgm:constrLst/>
+        <dgm:ruleLst/>
+      </dgm:layoutNode>
+      <dgm:layoutNode name="backgroundArrow" styleLbl="node1">
+        <dgm:alg type="sp"/>
+        <dgm:choose name="Name15">
+          <dgm:if name="Name16" func="var" arg="dir" op="equ" val="norm">
+            <dgm:shape xmlns:r="http://schemas.openxmlformats.org/officeDocument/2006/relationships" type="rightArrow" r:blip="">
+              <dgm:adjLst/>
+            </dgm:shape>
+          </dgm:if>
+          <dgm:else name="Name17">
+            <dgm:shape xmlns:r="http://schemas.openxmlformats.org/officeDocument/2006/relationships" type="leftArrow" r:blip="">
+              <dgm:adjLst/>
+            </dgm:shape>
+          </dgm:else>
+        </dgm:choose>
+        <dgm:presOf/>
+        <dgm:constrLst/>
+        <dgm:ruleLst/>
+      </dgm:layoutNode>
+    </dgm:layoutNode>
+  </dgm:layoutNode>
+</dgm:layoutDef>
+</file>
+
+<file path=ppt/diagrams/quickStyle1.xml><?xml version="1.0" encoding="utf-8"?>
+<dgm:styleDef xmlns:dgm="http://schemas.openxmlformats.org/drawingml/2006/diagram" xmlns:a="http://schemas.openxmlformats.org/drawingml/2006/main" uniqueId="urn:microsoft.com/office/officeart/2005/8/quickstyle/simple1">
+  <dgm:title val=""/>
+  <dgm:desc val=""/>
+  <dgm:catLst>
+    <dgm:cat type="simple" pri="10100"/>
+  </dgm:catLst>
+  <dgm:scene3d>
+    <a:camera prst="orthographicFront"/>
+    <a:lightRig rig="threePt" dir="t"/>
+  </dgm:scene3d>
+  <dgm:styleLbl name="node0">
+    <dgm:scene3d>
+      <a:camera prst="orthographicFront"/>
+      <a:lightRig rig="threePt" dir="t"/>
+    </dgm:scene3d>
+    <dgm:sp3d/>
+    <dgm:txPr/>
+    <dgm:style>
+      <a:lnRef idx="2">
+        <a:scrgbClr r="0" g="0" b="0"/>
+      </a:lnRef>
+      <a:fillRef idx="1">
+        <a:scrgbClr r="0" g="0" b="0"/>
+      </a:fillRef>
+      <a:effectRef idx="0">
+        <a:scrgbClr r="0" g="0" b="0"/>
+      </a:effectRef>
+      <a:fontRef idx="minor">
+        <a:schemeClr val="lt1"/>
+      </a:fontRef>
+    </dgm:style>
+  </dgm:styleLbl>
+  <dgm:styleLbl name="lnNode1">
+    <dgm:scene3d>
+      <a:camera prst="orthographicFront"/>
+      <a:lightRig rig="threePt" dir="t"/>
+    </dgm:scene3d>
+    <dgm:sp3d/>
+    <dgm:txPr/>
+    <dgm:style>
+      <a:lnRef idx="2">
+        <a:scrgbClr r="0" g="0" b="0"/>
+      </a:lnRef>
+      <a:fillRef idx="1">
+        <a:scrgbClr r="0" g="0" b="0"/>
+      </a:fillRef>
+      <a:effectRef idx="0">
+        <a:scrgbClr r="0" g="0" b="0"/>
+      </a:effectRef>
+      <a:fontRef idx="minor">
+        <a:schemeClr val="lt1"/>
+      </a:fontRef>
+    </dgm:style>
+  </dgm:styleLbl>
+  <dgm:styleLbl name="vennNode1">
+    <dgm:scene3d>
+      <a:camera prst="orthographicFront"/>
+      <a:lightRig rig="threePt" dir="t"/>
+    </dgm:scene3d>
+    <dgm:sp3d/>
+    <dgm:txPr/>
+    <dgm:style>
+      <a:lnRef idx="2">
+        <a:scrgbClr r="0" g="0" b="0"/>
+      </a:lnRef>
+      <a:fillRef idx="1">
+        <a:scrgbClr r="0" g="0" b="0"/>
+      </a:fillRef>
+      <a:effectRef idx="0">
+        <a:scrgbClr r="0" g="0" b="0"/>
+      </a:effectRef>
+      <a:fontRef idx="minor">
+        <a:schemeClr val="tx1"/>
+      </a:fontRef>
+    </dgm:style>
+  </dgm:styleLbl>
+  <dgm:styleLbl name="alignNode1">
+    <dgm:scene3d>
+      <a:camera prst="orthographicFront"/>
+      <a:lightRig rig="threePt" dir="t"/>
+    </dgm:scene3d>
+    <dgm:sp3d/>
+    <dgm:txPr/>
+    <dgm:style>
+      <a:lnRef idx="2">
+        <a:scrgbClr r="0" g="0" b="0"/>
+      </a:lnRef>
+      <a:fillRef idx="1">
+        <a:scrgbClr r="0" g="0" b="0"/>
+      </a:fillRef>
+      <a:effectRef idx="0">
+        <a:scrgbClr r="0" g="0" b="0"/>
+      </a:effectRef>
+      <a:fontRef idx="minor">
+        <a:schemeClr val="lt1"/>
+      </a:fontRef>
+    </dgm:style>
+  </dgm:styleLbl>
+  <dgm:styleLbl name="node1">
+    <dgm:scene3d>
+      <a:camera prst="orthographicFront"/>
+      <a:lightRig rig="threePt" dir="t"/>
+    </dgm:scene3d>
+    <dgm:sp3d/>
+    <dgm:txPr/>
+    <dgm:style>
+      <a:lnRef idx="2">
+        <a:scrgbClr r="0" g="0" b="0"/>
+      </a:lnRef>
+      <a:fillRef idx="1">
+        <a:scrgbClr r="0" g="0" b="0"/>
+      </a:fillRef>
+      <a:effectRef idx="0">
+        <a:scrgbClr r="0" g="0" b="0"/>
+      </a:effectRef>
+      <a:fontRef idx="minor">
+        <a:schemeClr val="lt1"/>
+      </a:fontRef>
+    </dgm:style>
+  </dgm:styleLbl>
+  <dgm:styleLbl name="node2">
+    <dgm:scene3d>
+      <a:camera prst="orthographicFront"/>
+      <a:lightRig rig="threePt" dir="t"/>
+    </dgm:scene3d>
+    <dgm:sp3d/>
+    <dgm:txPr/>
+    <dgm:style>
+      <a:lnRef idx="2">
+        <a:scrgbClr r="0" g="0" b="0"/>
+      </a:lnRef>
+      <a:fillRef idx="1">
+        <a:scrgbClr r="0" g="0" b="0"/>
+      </a:fillRef>
+      <a:effectRef idx="0">
+        <a:scrgbClr r="0" g="0" b="0"/>
+      </a:effectRef>
+      <a:fontRef idx="minor">
+        <a:schemeClr val="lt1"/>
+      </a:fontRef>
+    </dgm:style>
+  </dgm:styleLbl>
+  <dgm:styleLbl name="node3">
+    <dgm:scene3d>
+      <a:camera prst="orthographicFront"/>
+      <a:lightRig rig="threePt" dir="t"/>
+    </dgm:scene3d>
+    <dgm:sp3d/>
+    <dgm:txPr/>
+    <dgm:style>
+      <a:lnRef idx="2">
+        <a:scrgbClr r="0" g="0" b="0"/>
+      </a:lnRef>
+      <a:fillRef idx="1">
+        <a:scrgbClr r="0" g="0" b="0"/>
+      </a:fillRef>
+      <a:effectRef idx="0">
+        <a:scrgbClr r="0" g="0" b="0"/>
+      </a:effectRef>
+      <a:fontRef idx="minor">
+        <a:schemeClr val="lt1"/>
+      </a:fontRef>
+    </dgm:style>
+  </dgm:styleLbl>
+  <dgm:styleLbl name="node4">
+    <dgm:scene3d>
+      <a:camera prst="orthographicFront"/>
+      <a:lightRig rig="threePt" dir="t"/>
+    </dgm:scene3d>
+    <dgm:sp3d/>
+    <dgm:txPr/>
+    <dgm:style>
+      <a:lnRef idx="2">
+        <a:scrgbClr r="0" g="0" b="0"/>
+      </a:lnRef>
+      <a:fillRef idx="1">
+        <a:scrgbClr r="0" g="0" b="0"/>
+      </a:fillRef>
+      <a:effectRef idx="0">
+        <a:scrgbClr r="0" g="0" b="0"/>
+      </a:effectRef>
+      <a:fontRef idx="minor">
+        <a:schemeClr val="lt1"/>
+      </a:fontRef>
+    </dgm:style>
+  </dgm:styleLbl>
+  <dgm:styleLbl name="fgImgPlace1">
+    <dgm:scene3d>
+      <a:camera prst="orthographicFront"/>
+      <a:lightRig rig="threePt" dir="t"/>
+    </dgm:scene3d>
+    <dgm:sp3d/>
+    <dgm:txPr/>
+    <dgm:style>
+      <a:lnRef idx="2">
+        <a:scrgbClr r="0" g="0" b="0"/>
+      </a:lnRef>
+      <a:fillRef idx="1">
+        <a:scrgbClr r="0" g="0" b="0"/>
+      </a:fillRef>
+      <a:effectRef idx="0">
+        <a:scrgbClr r="0" g="0" b="0"/>
+      </a:effectRef>
+      <a:fontRef idx="minor"/>
+    </dgm:style>
+  </dgm:styleLbl>
+  <dgm:styleLbl name="alignImgPlace1">
+    <dgm:scene3d>
+      <a:camera prst="orthographicFront"/>
+      <a:lightRig rig="threePt" dir="t"/>
+    </dgm:scene3d>
+    <dgm:sp3d/>
+    <dgm:txPr/>
+    <dgm:style>
+      <a:lnRef idx="2">
+        <a:scrgbClr r="0" g="0" b="0"/>
+      </a:lnRef>
+      <a:fillRef idx="1">
+        <a:scrgbClr r="0" g="0" b="0"/>
+      </a:fillRef>
+      <a:effectRef idx="0">
+        <a:scrgbClr r="0" g="0" b="0"/>
+      </a:effectRef>
+      <a:fontRef idx="minor"/>
+    </dgm:style>
+  </dgm:styleLbl>
+  <dgm:styleLbl name="bgImgPlace1">
+    <dgm:scene3d>
+      <a:camera prst="orthographicFront"/>
+      <a:lightRig rig="threePt" dir="t"/>
+    </dgm:scene3d>
+    <dgm:sp3d/>
+    <dgm:txPr/>
+    <dgm:style>
+      <a:lnRef idx="2">
+        <a:scrgbClr r="0" g="0" b="0"/>
+      </a:lnRef>
+      <a:fillRef idx="1">
+        <a:scrgbClr r="0" g="0" b="0"/>
+      </a:fillRef>
+      <a:effectRef idx="0">
+        <a:scrgbClr r="0" g="0" b="0"/>
+      </a:effectRef>
+      <a:fontRef idx="minor"/>
+    </dgm:style>
+  </dgm:styleLbl>
+  <dgm:styleLbl name="sibTrans2D1">
+    <dgm:scene3d>
+      <a:camera prst="orthographicFront"/>
+      <a:lightRig rig="threePt" dir="t"/>
+    </dgm:scene3d>
+    <dgm:sp3d/>
+    <dgm:txPr/>
+    <dgm:style>
+      <a:lnRef idx="0">
+        <a:scrgbClr r="0" g="0" b="0"/>
+      </a:lnRef>
+      <a:fillRef idx="1">
+        <a:scrgbClr r="0" g="0" b="0"/>
+      </a:fillRef>
+      <a:effectRef idx="0">
+        <a:scrgbClr r="0" g="0" b="0"/>
+      </a:effectRef>
+      <a:fontRef idx="minor">
+        <a:schemeClr val="lt1"/>
+      </a:fontRef>
+    </dgm:style>
+  </dgm:styleLbl>
+  <dgm:styleLbl name="fgSibTrans2D1">
+    <dgm:scene3d>
+      <a:camera prst="orthographicFront"/>
+      <a:lightRig rig="threePt" dir="t"/>
+    </dgm:scene3d>
+    <dgm:sp3d/>
+    <dgm:txPr/>
+    <dgm:style>
+      <a:lnRef idx="0">
+        <a:scrgbClr r="0" g="0" b="0"/>
+      </a:lnRef>
+      <a:fillRef idx="1">
+        <a:scrgbClr r="0" g="0" b="0"/>
+      </a:fillRef>
+      <a:effectRef idx="0">
+        <a:scrgbClr r="0" g="0" b="0"/>
+      </a:effectRef>
+      <a:fontRef idx="minor">
+        <a:schemeClr val="lt1"/>
+      </a:fontRef>
+    </dgm:style>
+  </dgm:styleLbl>
+  <dgm:styleLbl name="bgSibTrans2D1">
+    <dgm:scene3d>
+      <a:camera prst="orthographicFront"/>
+      <a:lightRig rig="threePt" dir="t"/>
+    </dgm:scene3d>
+    <dgm:sp3d/>
+    <dgm:txPr/>
+    <dgm:style>
+      <a:lnRef idx="0">
+        <a:scrgbClr r="0" g="0" b="0"/>
+      </a:lnRef>
+      <a:fillRef idx="1">
+        <a:scrgbClr r="0" g="0" b="0"/>
+      </a:fillRef>
+      <a:effectRef idx="0">
+        <a:scrgbClr r="0" g="0" b="0"/>
+      </a:effectRef>
+      <a:fontRef idx="minor">
+        <a:schemeClr val="lt1"/>
+      </a:fontRef>
+    </dgm:style>
+  </dgm:styleLbl>
+  <dgm:styleLbl name="sibTrans1D1">
+    <dgm:scene3d>
+      <a:camera prst="orthographicFront"/>
+      <a:lightRig rig="threePt" dir="t"/>
+    </dgm:scene3d>
+    <dgm:sp3d/>
+    <dgm:txPr/>
+    <dgm:style>
+      <a:lnRef idx="1">
+        <a:scrgbClr r="0" g="0" b="0"/>
+      </a:lnRef>
+      <a:fillRef idx="0">
+        <a:scrgbClr r="0" g="0" b="0"/>
+      </a:fillRef>
+      <a:effectRef idx="0">
+        <a:scrgbClr r="0" g="0" b="0"/>
+      </a:effectRef>
+      <a:fontRef idx="minor"/>
+    </dgm:style>
+  </dgm:styleLbl>
+  <dgm:styleLbl name="callout">
+    <dgm:scene3d>
+      <a:camera prst="orthographicFront"/>
+      <a:lightRig rig="threePt" dir="t"/>
+    </dgm:scene3d>
+    <dgm:sp3d/>
+    <dgm:txPr/>
+    <dgm:style>
+      <a:lnRef idx="2">
+        <a:scrgbClr r="0" g="0" b="0"/>
+      </a:lnRef>
+      <a:fillRef idx="1">
+        <a:scrgbClr r="0" g="0" b="0"/>
+      </a:fillRef>
+      <a:effectRef idx="0">
+        <a:scrgbClr r="0" g="0" b="0"/>
+      </a:effectRef>
+      <a:fontRef idx="minor"/>
+    </dgm:style>
+  </dgm:styleLbl>
+  <dgm:styleLbl name="asst0">
+    <dgm:scene3d>
+      <a:camera prst="orthographicFront"/>
+      <a:lightRig rig="threePt" dir="t"/>
+    </dgm:scene3d>
+    <dgm:sp3d/>
+    <dgm:txPr/>
+    <dgm:style>
+      <a:lnRef idx="2">
+        <a:scrgbClr r="0" g="0" b="0"/>
+      </a:lnRef>
+      <a:fillRef idx="1">
+        <a:scrgbClr r="0" g="0" b="0"/>
+      </a:fillRef>
+      <a:effectRef idx="0">
+        <a:scrgbClr r="0" g="0" b="0"/>
+      </a:effectRef>
+      <a:fontRef idx="minor">
+        <a:schemeClr val="lt1"/>
+      </a:fontRef>
+    </dgm:style>
+  </dgm:styleLbl>
+  <dgm:styleLbl name="asst1">
+    <dgm:scene3d>
+      <a:camera prst="orthographicFront"/>
+      <a:lightRig rig="threePt" dir="t"/>
+    </dgm:scene3d>
+    <dgm:sp3d/>
+    <dgm:txPr/>
+    <dgm:style>
+      <a:lnRef idx="2">
+        <a:scrgbClr r="0" g="0" b="0"/>
+      </a:lnRef>
+      <a:fillRef idx="1">
+        <a:scrgbClr r="0" g="0" b="0"/>
+      </a:fillRef>
+      <a:effectRef idx="0">
+        <a:scrgbClr r="0" g="0" b="0"/>
+      </a:effectRef>
+      <a:fontRef idx="minor">
+        <a:schemeClr val="lt1"/>
+      </a:fontRef>
+    </dgm:style>
+  </dgm:styleLbl>
+  <dgm:styleLbl name="asst2">
+    <dgm:scene3d>
+      <a:camera prst="orthographicFront"/>
+      <a:lightRig rig="threePt" dir="t"/>
+    </dgm:scene3d>
+    <dgm:sp3d/>
+    <dgm:txPr/>
+    <dgm:style>
+      <a:lnRef idx="2">
+        <a:scrgbClr r="0" g="0" b="0"/>
+      </a:lnRef>
+      <a:fillRef idx="1">
+        <a:scrgbClr r="0" g="0" b="0"/>
+      </a:fillRef>
+      <a:effectRef idx="0">
+        <a:scrgbClr r="0" g="0" b="0"/>
+      </a:effectRef>
+      <a:fontRef idx="minor">
+        <a:schemeClr val="lt1"/>
+      </a:fontRef>
+    </dgm:style>
+  </dgm:styleLbl>
+  <dgm:styleLbl name="asst3">
+    <dgm:scene3d>
+      <a:camera prst="orthographicFront"/>
+      <a:lightRig rig="threePt" dir="t"/>
+    </dgm:scene3d>
+    <dgm:sp3d/>
+    <dgm:txPr/>
+    <dgm:style>
+      <a:lnRef idx="2">
+        <a:scrgbClr r="0" g="0" b="0"/>
+      </a:lnRef>
+      <a:fillRef idx="1">
+        <a:scrgbClr r="0" g="0" b="0"/>
+      </a:fillRef>
+      <a:effectRef idx="0">
+        <a:scrgbClr r="0" g="0" b="0"/>
+      </a:effectRef>
+      <a:fontRef idx="minor">
+        <a:schemeClr val="lt1"/>
+      </a:fontRef>
+    </dgm:style>
+  </dgm:styleLbl>
+  <dgm:styleLbl name="asst4">
+    <dgm:scene3d>
+      <a:camera prst="orthographicFront"/>
+      <a:lightRig rig="threePt" dir="t"/>
+    </dgm:scene3d>
+    <dgm:sp3d/>
+    <dgm:txPr/>
+    <dgm:style>
+      <a:lnRef idx="2">
+        <a:scrgbClr r="0" g="0" b="0"/>
+      </a:lnRef>
+      <a:fillRef idx="1">
+        <a:scrgbClr r="0" g="0" b="0"/>
+      </a:fillRef>
+      <a:effectRef idx="0">
+        <a:scrgbClr r="0" g="0" b="0"/>
+      </a:effectRef>
+      <a:fontRef idx="minor">
+        <a:schemeClr val="lt1"/>
+      </a:fontRef>
+    </dgm:style>
+  </dgm:styleLbl>
+  <dgm:styleLbl name="parChTrans2D1">
+    <dgm:scene3d>
+      <a:camera prst="orthographicFront"/>
+      <a:lightRig rig="threePt" dir="t"/>
+    </dgm:scene3d>
+    <dgm:sp3d/>
+    <dgm:txPr/>
+    <dgm:style>
+      <a:lnRef idx="2">
+        <a:scrgbClr r="0" g="0" b="0"/>
+      </a:lnRef>
+      <a:fillRef idx="1">
+        <a:scrgbClr r="0" g="0" b="0"/>
+      </a:fillRef>
+      <a:effectRef idx="0">
+        <a:scrgbClr r="0" g="0" b="0"/>
+      </a:effectRef>
+      <a:fontRef idx="minor">
+        <a:schemeClr val="lt1"/>
+      </a:fontRef>
+    </dgm:style>
+  </dgm:styleLbl>
+  <dgm:styleLbl name="parChTrans2D2">
+    <dgm:scene3d>
+      <a:camera prst="orthographicFront"/>
+      <a:lightRig rig="threePt" dir="t"/>
+    </dgm:scene3d>
+    <dgm:sp3d/>
+    <dgm:txPr/>
+    <dgm:style>
+      <a:lnRef idx="2">
+        <a:scrgbClr r="0" g="0" b="0"/>
+      </a:lnRef>
+      <a:fillRef idx="1">
+        <a:scrgbClr r="0" g="0" b="0"/>
+      </a:fillRef>
+      <a:effectRef idx="0">
+        <a:scrgbClr r="0" g="0" b="0"/>
+      </a:effectRef>
+      <a:fontRef idx="minor">
+        <a:schemeClr val="lt1"/>
+      </a:fontRef>
+    </dgm:style>
+  </dgm:styleLbl>
+  <dgm:styleLbl name="parChTrans2D3">
+    <dgm:scene3d>
+      <a:camera prst="orthographicFront"/>
+      <a:lightRig rig="threePt" dir="t"/>
+    </dgm:scene3d>
+    <dgm:sp3d/>
+    <dgm:txPr/>
+    <dgm:style>
+      <a:lnRef idx="2">
+        <a:scrgbClr r="0" g="0" b="0"/>
+      </a:lnRef>
+      <a:fillRef idx="1">
+        <a:scrgbClr r="0" g="0" b="0"/>
+      </a:fillRef>
+      <a:effectRef idx="0">
+        <a:scrgbClr r="0" g="0" b="0"/>
+      </a:effectRef>
+      <a:fontRef idx="minor">
+        <a:schemeClr val="lt1"/>
+      </a:fontRef>
+    </dgm:style>
+  </dgm:styleLbl>
+  <dgm:styleLbl name="parChTrans2D4">
+    <dgm:scene3d>
+      <a:camera prst="orthographicFront"/>
+      <a:lightRig rig="threePt" dir="t"/>
+    </dgm:scene3d>
+    <dgm:sp3d/>
+    <dgm:txPr/>
+    <dgm:style>
+      <a:lnRef idx="2">
+        <a:scrgbClr r="0" g="0" b="0"/>
+      </a:lnRef>
+      <a:fillRef idx="1">
+        <a:scrgbClr r="0" g="0" b="0"/>
+      </a:fillRef>
+      <a:effectRef idx="0">
+        <a:scrgbClr r="0" g="0" b="0"/>
+      </a:effectRef>
+      <a:fontRef idx="minor">
+        <a:schemeClr val="lt1"/>
+      </a:fontRef>
+    </dgm:style>
+  </dgm:styleLbl>
+  <dgm:styleLbl name="parChTrans1D1">
+    <dgm:scene3d>
+      <a:camera prst="orthographicFront"/>
+      <a:lightRig rig="threePt" dir="t"/>
+    </dgm:scene3d>
+    <dgm:sp3d/>
+    <dgm:txPr/>
+    <dgm:style>
+      <a:lnRef idx="2">
+        <a:scrgbClr r="0" g="0" b="0"/>
+      </a:lnRef>
+      <a:fillRef idx="0">
+        <a:scrgbClr r="0" g="0" b="0"/>
+      </a:fillRef>
+      <a:effectRef idx="0">
+        <a:scrgbClr r="0" g="0" b="0"/>
+      </a:effectRef>
+      <a:fontRef idx="minor"/>
+    </dgm:style>
+  </dgm:styleLbl>
+  <dgm:styleLbl name="parChTrans1D2">
+    <dgm:scene3d>
+      <a:camera prst="orthographicFront"/>
+      <a:lightRig rig="threePt" dir="t"/>
+    </dgm:scene3d>
+    <dgm:sp3d/>
+    <dgm:txPr/>
+    <dgm:style>
+      <a:lnRef idx="2">
+        <a:scrgbClr r="0" g="0" b="0"/>
+      </a:lnRef>
+      <a:fillRef idx="0">
+        <a:scrgbClr r="0" g="0" b="0"/>
+      </a:fillRef>
+      <a:effectRef idx="0">
+        <a:scrgbClr r="0" g="0" b="0"/>
+      </a:effectRef>
+      <a:fontRef idx="minor"/>
+    </dgm:style>
+  </dgm:styleLbl>
+  <dgm:styleLbl name="parChTrans1D3">
+    <dgm:scene3d>
+      <a:camera prst="orthographicFront"/>
+      <a:lightRig rig="threePt" dir="t"/>
+    </dgm:scene3d>
+    <dgm:sp3d/>
+    <dgm:txPr/>
+    <dgm:style>
+      <a:lnRef idx="2">
+        <a:scrgbClr r="0" g="0" b="0"/>
+      </a:lnRef>
+      <a:fillRef idx="0">
+        <a:scrgbClr r="0" g="0" b="0"/>
+      </a:fillRef>
+      <a:effectRef idx="0">
+        <a:scrgbClr r="0" g="0" b="0"/>
+      </a:effectRef>
+      <a:fontRef idx="minor"/>
+    </dgm:style>
+  </dgm:styleLbl>
+  <dgm:styleLbl name="parChTrans1D4">
+    <dgm:scene3d>
+      <a:camera prst="orthographicFront"/>
+      <a:lightRig rig="threePt" dir="t"/>
+    </dgm:scene3d>
+    <dgm:sp3d/>
+    <dgm:txPr/>
+    <dgm:style>
+      <a:lnRef idx="2">
+        <a:scrgbClr r="0" g="0" b="0"/>
+      </a:lnRef>
+      <a:fillRef idx="0">
+        <a:scrgbClr r="0" g="0" b="0"/>
+      </a:fillRef>
+      <a:effectRef idx="0">
+        <a:scrgbClr r="0" g="0" b="0"/>
+      </a:effectRef>
+      <a:fontRef idx="minor"/>
+    </dgm:style>
+  </dgm:styleLbl>
+  <dgm:styleLbl name="fgAcc1">
+    <dgm:scene3d>
+      <a:camera prst="orthographicFront"/>
+      <a:lightRig rig="threePt" dir="t"/>
+    </dgm:scene3d>
+    <dgm:sp3d/>
+    <dgm:txPr/>
+    <dgm:style>
+      <a:lnRef idx="2">
+        <a:scrgbClr r="0" g="0" b="0"/>
+      </a:lnRef>
+      <a:fillRef idx="1">
+        <a:scrgbClr r="0" g="0" b="0"/>
+      </a:fillRef>
+      <a:effectRef idx="0">
+        <a:scrgbClr r="0" g="0" b="0"/>
+      </a:effectRef>
+      <a:fontRef idx="minor"/>
+    </dgm:style>
+  </dgm:styleLbl>
+  <dgm:styleLbl name="conFgAcc1">
+    <dgm:scene3d>
+      <a:camera prst="orthographicFront"/>
+      <a:lightRig rig="threePt" dir="t"/>
+    </dgm:scene3d>
+    <dgm:sp3d/>
+    <dgm:txPr/>
+    <dgm:style>
+      <a:lnRef idx="2">
+        <a:scrgbClr r="0" g="0" b="0"/>
+      </a:lnRef>
+      <a:fillRef idx="1">
+        <a:scrgbClr r="0" g="0" b="0"/>
+      </a:fillRef>
+      <a:effectRef idx="0">
+        <a:scrgbClr r="0" g="0" b="0"/>
+      </a:effectRef>
+      <a:fontRef idx="minor"/>
+    </dgm:style>
+  </dgm:styleLbl>
+  <dgm:styleLbl name="alignAcc1">
+    <dgm:scene3d>
+      <a:camera prst="orthographicFront"/>
+      <a:lightRig rig="threePt" dir="t"/>
+    </dgm:scene3d>
+    <dgm:sp3d/>
+    <dgm:txPr/>
+    <dgm:style>
+      <a:lnRef idx="2">
+        <a:scrgbClr r="0" g="0" b="0"/>
+      </a:lnRef>
+      <a:fillRef idx="1">
+        <a:scrgbClr r="0" g="0" b="0"/>
+      </a:fillRef>
+      <a:effectRef idx="0">
+        <a:scrgbClr r="0" g="0" b="0"/>
+      </a:effectRef>
+      <a:fontRef idx="minor"/>
+    </dgm:style>
+  </dgm:styleLbl>
+  <dgm:styleLbl name="trAlignAcc1">
+    <dgm:scene3d>
+      <a:camera prst="orthographicFront"/>
+      <a:lightRig rig="threePt" dir="t"/>
+    </dgm:scene3d>
+    <dgm:sp3d/>
+    <dgm:txPr/>
+    <dgm:style>
+      <a:lnRef idx="1">
+        <a:scrgbClr r="0" g="0" b="0"/>
+      </a:lnRef>
+      <a:fillRef idx="1">
+        <a:scrgbClr r="0" g="0" b="0"/>
+      </a:fillRef>
+      <a:effectRef idx="0">
+        <a:scrgbClr r="0" g="0" b="0"/>
+      </a:effectRef>
+      <a:fontRef idx="minor"/>
+    </dgm:style>
+  </dgm:styleLbl>
+  <dgm:styleLbl name="bgAcc1">
+    <dgm:scene3d>
+      <a:camera prst="orthographicFront"/>
+      <a:lightRig rig="threePt" dir="t"/>
+    </dgm:scene3d>
+    <dgm:sp3d/>
+    <dgm:txPr/>
+    <dgm:style>
+      <a:lnRef idx="2">
+        <a:scrgbClr r="0" g="0" b="0"/>
+      </a:lnRef>
+      <a:fillRef idx="1">
+        <a:scrgbClr r="0" g="0" b="0"/>
+      </a:fillRef>
+      <a:effectRef idx="0">
+        <a:scrgbClr r="0" g="0" b="0"/>
+      </a:effectRef>
+      <a:fontRef idx="minor"/>
+    </dgm:style>
+  </dgm:styleLbl>
+  <dgm:styleLbl name="solidFgAcc1">
+    <dgm:scene3d>
+      <a:camera prst="orthographicFront"/>
+      <a:lightRig rig="threePt" dir="t"/>
+    </dgm:scene3d>
+    <dgm:sp3d/>
+    <dgm:txPr/>
+    <dgm:style>
+      <a:lnRef idx="2">
+        <a:scrgbClr r="0" g="0" b="0"/>
+      </a:lnRef>
+      <a:fillRef idx="1">
+        <a:scrgbClr r="0" g="0" b="0"/>
+      </a:fillRef>
+      <a:effectRef idx="0">
+        <a:scrgbClr r="0" g="0" b="0"/>
+      </a:effectRef>
+      <a:fontRef idx="minor"/>
+    </dgm:style>
+  </dgm:styleLbl>
+  <dgm:styleLbl name="solidAlignAcc1">
+    <dgm:scene3d>
+      <a:camera prst="orthographicFront"/>
+      <a:lightRig rig="threePt" dir="t"/>
+    </dgm:scene3d>
+    <dgm:sp3d/>
+    <dgm:txPr/>
+    <dgm:style>
+      <a:lnRef idx="2">
+        <a:scrgbClr r="0" g="0" b="0"/>
+      </a:lnRef>
+      <a:fillRef idx="1">
+        <a:scrgbClr r="0" g="0" b="0"/>
+      </a:fillRef>
+      <a:effectRef idx="0">
+        <a:scrgbClr r="0" g="0" b="0"/>
+      </a:effectRef>
+      <a:fontRef idx="minor"/>
+    </dgm:style>
+  </dgm:styleLbl>
+  <dgm:styleLbl name="solidBgAcc1">
+    <dgm:scene3d>
+      <a:camera prst="orthographicFront"/>
+      <a:lightRig rig="threePt" dir="t"/>
+    </dgm:scene3d>
+    <dgm:sp3d/>
+    <dgm:txPr/>
+    <dgm:style>
+      <a:lnRef idx="2">
+        <a:scrgbClr r="0" g="0" b="0"/>
+      </a:lnRef>
+      <a:fillRef idx="1">
+        <a:scrgbClr r="0" g="0" b="0"/>
+      </a:fillRef>
+      <a:effectRef idx="0">
+        <a:scrgbClr r="0" g="0" b="0"/>
+      </a:effectRef>
+      <a:fontRef idx="minor"/>
+    </dgm:style>
+  </dgm:styleLbl>
+  <dgm:styleLbl name="fgAccFollowNode1">
+    <dgm:scene3d>
+      <a:camera prst="orthographicFront"/>
+      <a:lightRig rig="threePt" dir="t"/>
+    </dgm:scene3d>
+    <dgm:sp3d/>
+    <dgm:txPr/>
+    <dgm:style>
+      <a:lnRef idx="2">
+        <a:scrgbClr r="0" g="0" b="0"/>
+      </a:lnRef>
+      <a:fillRef idx="1">
+        <a:scrgbClr r="0" g="0" b="0"/>
+      </a:fillRef>
+      <a:effectRef idx="0">
+        <a:scrgbClr r="0" g="0" b="0"/>
+      </a:effectRef>
+      <a:fontRef idx="minor"/>
+    </dgm:style>
+  </dgm:styleLbl>
+  <dgm:styleLbl name="alignAccFollowNode1">
+    <dgm:scene3d>
+      <a:camera prst="orthographicFront"/>
+      <a:lightRig rig="threePt" dir="t"/>
+    </dgm:scene3d>
+    <dgm:sp3d/>
+    <dgm:txPr/>
+    <dgm:style>
+      <a:lnRef idx="2">
+        <a:scrgbClr r="0" g="0" b="0"/>
+      </a:lnRef>
+      <a:fillRef idx="1">
+        <a:scrgbClr r="0" g="0" b="0"/>
+      </a:fillRef>
+      <a:effectRef idx="0">
+        <a:scrgbClr r="0" g="0" b="0"/>
+      </a:effectRef>
+      <a:fontRef idx="minor"/>
+    </dgm:style>
+  </dgm:styleLbl>
+  <dgm:styleLbl name="bgAccFollowNode1">
+    <dgm:scene3d>
+      <a:camera prst="orthographicFront"/>
+      <a:lightRig rig="threePt" dir="t"/>
+    </dgm:scene3d>
+    <dgm:sp3d/>
+    <dgm:txPr/>
+    <dgm:style>
+      <a:lnRef idx="2">
+        <a:scrgbClr r="0" g="0" b="0"/>
+      </a:lnRef>
+      <a:fillRef idx="1">
+        <a:scrgbClr r="0" g="0" b="0"/>
+      </a:fillRef>
+      <a:effectRef idx="0">
+        <a:scrgbClr r="0" g="0" b="0"/>
+      </a:effectRef>
+      <a:fontRef idx="minor"/>
+    </dgm:style>
+  </dgm:styleLbl>
+  <dgm:styleLbl name="fgAcc0">
+    <dgm:scene3d>
+      <a:camera prst="orthographicFront"/>
+      <a:lightRig rig="threePt" dir="t"/>
+    </dgm:scene3d>
+    <dgm:sp3d/>
+    <dgm:txPr/>
+    <dgm:style>
+      <a:lnRef idx="2">
+        <a:scrgbClr r="0" g="0" b="0"/>
+      </a:lnRef>
+      <a:fillRef idx="1">
+        <a:scrgbClr r="0" g="0" b="0"/>
+      </a:fillRef>
+      <a:effectRef idx="0">
+        <a:scrgbClr r="0" g="0" b="0"/>
+      </a:effectRef>
+      <a:fontRef idx="minor"/>
+    </dgm:style>
+  </dgm:styleLbl>
+  <dgm:styleLbl name="fgAcc2">
+    <dgm:scene3d>
+      <a:camera prst="orthographicFront"/>
+      <a:lightRig rig="threePt" dir="t"/>
+    </dgm:scene3d>
+    <dgm:sp3d/>
+    <dgm:txPr/>
+    <dgm:style>
+      <a:lnRef idx="2">
+        <a:scrgbClr r="0" g="0" b="0"/>
+      </a:lnRef>
+      <a:fillRef idx="1">
+        <a:scrgbClr r="0" g="0" b="0"/>
+      </a:fillRef>
+      <a:effectRef idx="0">
+        <a:scrgbClr r="0" g="0" b="0"/>
+      </a:effectRef>
+      <a:fontRef idx="minor"/>
+    </dgm:style>
+  </dgm:styleLbl>
+  <dgm:styleLbl name="fgAcc3">
+    <dgm:scene3d>
+      <a:camera prst="orthographicFront"/>
+      <a:lightRig rig="threePt" dir="t"/>
+    </dgm:scene3d>
+    <dgm:sp3d/>
+    <dgm:txPr/>
+    <dgm:style>
+      <a:lnRef idx="2">
+        <a:scrgbClr r="0" g="0" b="0"/>
+      </a:lnRef>
+      <a:fillRef idx="1">
+        <a:scrgbClr r="0" g="0" b="0"/>
+      </a:fillRef>
+      <a:effectRef idx="0">
+        <a:scrgbClr r="0" g="0" b="0"/>
+      </a:effectRef>
+      <a:fontRef idx="minor"/>
+    </dgm:style>
+  </dgm:styleLbl>
+  <dgm:styleLbl name="fgAcc4">
+    <dgm:scene3d>
+      <a:camera prst="orthographicFront"/>
+      <a:lightRig rig="threePt" dir="t"/>
+    </dgm:scene3d>
+    <dgm:sp3d/>
+    <dgm:txPr/>
+    <dgm:style>
+      <a:lnRef idx="2">
+        <a:scrgbClr r="0" g="0" b="0"/>
+      </a:lnRef>
+      <a:fillRef idx="1">
+        <a:scrgbClr r="0" g="0" b="0"/>
+      </a:fillRef>
+      <a:effectRef idx="0">
+        <a:scrgbClr r="0" g="0" b="0"/>
+      </a:effectRef>
+      <a:fontRef idx="minor"/>
+    </dgm:style>
+  </dgm:styleLbl>
+  <dgm:styleLbl name="bgShp">
+    <dgm:scene3d>
+      <a:camera prst="orthographicFront"/>
+      <a:lightRig rig="threePt" dir="t"/>
+    </dgm:scene3d>
+    <dgm:sp3d/>
+    <dgm:txPr/>
+    <dgm:style>
+      <a:lnRef idx="0">
+        <a:scrgbClr r="0" g="0" b="0"/>
+      </a:lnRef>
+      <a:fillRef idx="1">
+        <a:scrgbClr r="0" g="0" b="0"/>
+      </a:fillRef>
+      <a:effectRef idx="0">
+        <a:scrgbClr r="0" g="0" b="0"/>
+      </a:effectRef>
+      <a:fontRef idx="minor"/>
+    </dgm:style>
+  </dgm:styleLbl>
+  <dgm:styleLbl name="dkBgShp">
+    <dgm:scene3d>
+      <a:camera prst="orthographicFront"/>
+      <a:lightRig rig="threePt" dir="t"/>
+    </dgm:scene3d>
+    <dgm:sp3d/>
+    <dgm:txPr/>
+    <dgm:style>
+      <a:lnRef idx="0">
+        <a:scrgbClr r="0" g="0" b="0"/>
+      </a:lnRef>
+      <a:fillRef idx="1">
+        <a:scrgbClr r="0" g="0" b="0"/>
+      </a:fillRef>
+      <a:effectRef idx="0">
+        <a:scrgbClr r="0" g="0" b="0"/>
+      </a:effectRef>
+      <a:fontRef idx="minor"/>
+    </dgm:style>
+  </dgm:styleLbl>
+  <dgm:styleLbl name="trBgShp">
+    <dgm:scene3d>
+      <a:camera prst="orthographicFront"/>
+      <a:lightRig rig="threePt" dir="t"/>
+    </dgm:scene3d>
+    <dgm:sp3d/>
+    <dgm:txPr/>
+    <dgm:style>
+      <a:lnRef idx="0">
+        <a:scrgbClr r="0" g="0" b="0"/>
+      </a:lnRef>
+      <a:fillRef idx="1">
+        <a:scrgbClr r="0" g="0" b="0"/>
+      </a:fillRef>
+      <a:effectRef idx="0">
+        <a:scrgbClr r="0" g="0" b="0"/>
+      </a:effectRef>
+      <a:fontRef idx="minor"/>
+    </dgm:style>
+  </dgm:styleLbl>
+  <dgm:styleLbl name="fgShp">
+    <dgm:scene3d>
+      <a:camera prst="orthographicFront"/>
+      <a:lightRig rig="threePt" dir="t"/>
+    </dgm:scene3d>
+    <dgm:sp3d/>
+    <dgm:txPr/>
+    <dgm:style>
+      <a:lnRef idx="2">
+        <a:scrgbClr r="0" g="0" b="0"/>
+      </a:lnRef>
+      <a:fillRef idx="1">
+        <a:scrgbClr r="0" g="0" b="0"/>
+      </a:fillRef>
+      <a:effectRef idx="0">
+        <a:scrgbClr r="0" g="0" b="0"/>
+      </a:effectRef>
+      <a:fontRef idx="minor"/>
+    </dgm:style>
+  </dgm:styleLbl>
+  <dgm:styleLbl name="revTx">
+    <dgm:scene3d>
+      <a:camera prst="orthographicFront"/>
+      <a:lightRig rig="threePt" dir="t"/>
+    </dgm:scene3d>
+    <dgm:sp3d/>
+    <dgm:txPr/>
+    <dgm:style>
+      <a:lnRef idx="0">
+        <a:scrgbClr r="0" g="0" b="0"/>
+      </a:lnRef>
+      <a:fillRef idx="0">
+        <a:scrgbClr r="0" g="0" b="0"/>
+      </a:fillRef>
+      <a:effectRef idx="0">
+        <a:scrgbClr r="0" g="0" b="0"/>
+      </a:effectRef>
+      <a:fontRef idx="minor"/>
+    </dgm:style>
+  </dgm:styleLbl>
+</dgm:styleDef>
 </file>
 
 <file path=ppt/slideLayouts/slideLayout1.xml><?xml version="1.0" encoding="utf-8"?>
@@ -3235,20 +5744,16 @@
           <a:p>
             <a:r>
               <a:rPr lang="en-US" sz="1600">
-                <a:latin typeface="Arial"/>
+                <a:latin typeface="Calibri"/>
                 <a:ea typeface="+mn-lt"/>
                 <a:cs typeface="+mn-lt"/>
               </a:rPr>
               <a:t>The Solution objective is to minimize OOS (out of stock) at stores and improve overall customer experience and satisfaction by ensuring the products are always available on the shelves as well as in stock with the stores.</a:t>
             </a:r>
-            <a:endParaRPr lang="en-US" sz="1600">
-              <a:ea typeface="+mn-lt"/>
-              <a:cs typeface="+mn-lt"/>
-            </a:endParaRPr>
           </a:p>
           <a:p>
             <a:endParaRPr lang="en-US" sz="1600" dirty="0">
-              <a:latin typeface="Arial"/>
+              <a:latin typeface="Calibri"/>
               <a:cs typeface="Calibri"/>
             </a:endParaRPr>
           </a:p>
@@ -3319,7 +5824,7 @@
         </p:nvSpPr>
         <p:spPr>
           <a:xfrm>
-            <a:off x="638313" y="1455530"/>
+            <a:off x="704574" y="1311965"/>
             <a:ext cx="3703982" cy="646331"/>
           </a:xfrm>
           <a:prstGeom prst="rect">
@@ -3367,7 +5872,7 @@
         </p:nvSpPr>
         <p:spPr>
           <a:xfrm>
-            <a:off x="7871792" y="1455529"/>
+            <a:off x="7805531" y="1311964"/>
             <a:ext cx="3284328" cy="646331"/>
           </a:xfrm>
           <a:prstGeom prst="rect">
@@ -3421,8 +5926,8 @@
         </p:nvSpPr>
         <p:spPr>
           <a:xfrm>
-            <a:off x="306319" y="2415622"/>
-            <a:ext cx="5150678" cy="369332"/>
+            <a:off x="262145" y="1951796"/>
+            <a:ext cx="5239025" cy="4770537"/>
           </a:xfrm>
           <a:prstGeom prst="rect">
             <a:avLst/>
@@ -3438,11 +5943,406 @@
           </a:bodyPr>
           <a:lstStyle/>
           <a:p>
-            <a:pPr marL="285750" indent="-285750" algn="l">
+            <a:pPr marL="285750" indent="-285750">
               <a:buFont typeface="Arial"/>
               <a:buChar char="•"/>
             </a:pPr>
+            <a:r>
+              <a:rPr lang="en-US" sz="1600">
+                <a:latin typeface="Calibri"/>
+                <a:cs typeface="Calibri"/>
+              </a:rPr>
+              <a:t>Ensuring</a:t>
+            </a:r>
+            <a:r>
+              <a:rPr lang="en-US" sz="1600" dirty="0">
+                <a:latin typeface="Calibri"/>
+                <a:cs typeface="Calibri"/>
+              </a:rPr>
+              <a:t> </a:t>
+            </a:r>
+            <a:r>
+              <a:rPr lang="en-US" sz="1600">
+                <a:latin typeface="Calibri"/>
+                <a:cs typeface="Calibri"/>
+              </a:rPr>
+              <a:t>proper availability of items on the shelves is very important to boost sales and customer satisfaction as well as retention.</a:t>
+            </a:r>
+            <a:endParaRPr lang="en-US" sz="1600" dirty="0">
+              <a:latin typeface="Calibri"/>
+              <a:cs typeface="Calibri"/>
+            </a:endParaRPr>
+          </a:p>
+          <a:p>
+            <a:pPr marL="285750" indent="-285750">
+              <a:buFont typeface="Arial"/>
+              <a:buChar char="•"/>
+            </a:pPr>
+            <a:endParaRPr lang="en-US" sz="1600" dirty="0">
+              <a:latin typeface="Calibri"/>
+              <a:cs typeface="Calibri"/>
+            </a:endParaRPr>
+          </a:p>
+          <a:p>
+            <a:pPr marL="285750" indent="-285750">
+              <a:buFont typeface="Arial"/>
+              <a:buChar char="•"/>
+            </a:pPr>
+            <a:r>
+              <a:rPr lang="en-US" sz="1600">
+                <a:latin typeface="Calibri"/>
+                <a:cs typeface="Calibri"/>
+              </a:rPr>
+              <a:t>Even though stock is available at stores but not at the shelves due to inefficient management of shelf inventories by the </a:t>
+            </a:r>
+            <a:r>
+              <a:rPr lang="en-US" sz="1600" dirty="0">
+                <a:latin typeface="Calibri"/>
+                <a:cs typeface="Calibri"/>
+              </a:rPr>
+              <a:t>staff.</a:t>
+            </a:r>
+          </a:p>
+          <a:p>
+            <a:pPr marL="285750" indent="-285750">
+              <a:buFont typeface="Arial"/>
+              <a:buChar char="•"/>
+            </a:pPr>
+            <a:endParaRPr lang="en-US" sz="1600" dirty="0">
+              <a:latin typeface="Calibri"/>
+              <a:cs typeface="Calibri"/>
+            </a:endParaRPr>
+          </a:p>
+          <a:p>
+            <a:pPr marL="285750" indent="-285750">
+              <a:buFont typeface="Arial"/>
+              <a:buChar char="•"/>
+            </a:pPr>
+            <a:r>
+              <a:rPr lang="en-US" sz="1600">
+                <a:latin typeface="Calibri"/>
+                <a:cs typeface="Calibri"/>
+              </a:rPr>
+              <a:t>We Created an AI driven solution to track the </a:t>
+            </a:r>
+            <a:r>
+              <a:rPr lang="en-US" sz="1600" b="1">
+                <a:latin typeface="Calibri"/>
+                <a:cs typeface="Calibri"/>
+              </a:rPr>
+              <a:t>shelves health</a:t>
+            </a:r>
+            <a:r>
+              <a:rPr lang="en-US" sz="1600">
+                <a:latin typeface="Calibri"/>
+                <a:cs typeface="Calibri"/>
+              </a:rPr>
+              <a:t> and automatically notify the staff when and where to replenish stock before it get out of stock</a:t>
+            </a:r>
+            <a:endParaRPr lang="en-US" sz="1600" dirty="0">
+              <a:latin typeface="Calibri"/>
+              <a:cs typeface="Calibri"/>
+            </a:endParaRPr>
+          </a:p>
+          <a:p>
+            <a:pPr marL="285750" indent="-285750">
+              <a:buFont typeface="Arial"/>
+              <a:buChar char="•"/>
+            </a:pPr>
+            <a:endParaRPr lang="en-US" sz="1600">
+              <a:latin typeface="Calibri"/>
+              <a:cs typeface="Calibri"/>
+            </a:endParaRPr>
+          </a:p>
+          <a:p>
+            <a:pPr marL="285750" indent="-285750">
+              <a:buFont typeface="Arial"/>
+              <a:buChar char="•"/>
+            </a:pPr>
+            <a:r>
+              <a:rPr lang="en-US" sz="1600">
+                <a:latin typeface="Calibri"/>
+                <a:cs typeface="Calibri"/>
+              </a:rPr>
+              <a:t>We Trained a </a:t>
+            </a:r>
+            <a:r>
+              <a:rPr lang="en-US" sz="1600" b="1">
+                <a:latin typeface="Calibri"/>
+                <a:cs typeface="Calibri"/>
+              </a:rPr>
+              <a:t>Deep Learning Convolution Neural Network </a:t>
+            </a:r>
+            <a:r>
+              <a:rPr lang="en-US" sz="1600">
+                <a:latin typeface="Calibri"/>
+                <a:cs typeface="Calibri"/>
+              </a:rPr>
+              <a:t>using state-of-the-art </a:t>
+            </a:r>
+            <a:r>
+              <a:rPr lang="en-US" sz="1600" b="1">
+                <a:latin typeface="Calibri"/>
+                <a:cs typeface="Calibri"/>
+              </a:rPr>
+              <a:t>YOLO </a:t>
+            </a:r>
+            <a:r>
+              <a:rPr lang="en-US" sz="1600">
+                <a:latin typeface="Calibri"/>
+                <a:cs typeface="Calibri"/>
+              </a:rPr>
+              <a:t>object detection model to detect </a:t>
+            </a:r>
+            <a:r>
+              <a:rPr lang="en-US" sz="1600" b="1">
+                <a:latin typeface="Calibri"/>
+                <a:cs typeface="Calibri"/>
+              </a:rPr>
+              <a:t>empty voids</a:t>
+            </a:r>
+            <a:r>
+              <a:rPr lang="en-US" sz="1600" dirty="0">
+                <a:latin typeface="Calibri"/>
+                <a:cs typeface="Calibri"/>
+              </a:rPr>
+              <a:t> in the shelves.</a:t>
+            </a:r>
+          </a:p>
+          <a:p>
+            <a:pPr marL="285750" indent="-285750">
+              <a:buFont typeface="Arial"/>
+              <a:buChar char="•"/>
+            </a:pPr>
+            <a:endParaRPr lang="en-US" sz="1600" dirty="0">
+              <a:latin typeface="Calibri"/>
+              <a:cs typeface="Calibri"/>
+            </a:endParaRPr>
+          </a:p>
+          <a:p>
+            <a:pPr marL="285750" indent="-285750">
+              <a:buFont typeface="Arial"/>
+              <a:buChar char="•"/>
+            </a:pPr>
+            <a:r>
+              <a:rPr lang="en-US" sz="1600">
+                <a:latin typeface="Calibri"/>
+                <a:cs typeface="Calibri"/>
+              </a:rPr>
+              <a:t>It triggers a replenish request as soon as the</a:t>
+            </a:r>
+            <a:r>
+              <a:rPr lang="en-US" sz="1600" dirty="0">
+                <a:latin typeface="Calibri"/>
+                <a:cs typeface="Calibri"/>
+              </a:rPr>
+              <a:t> </a:t>
+            </a:r>
+            <a:r>
+              <a:rPr lang="en-US" sz="1600">
+                <a:latin typeface="Calibri"/>
+                <a:cs typeface="Calibri"/>
+              </a:rPr>
+              <a:t>Shelve inventory health goes below the threshold</a:t>
+            </a:r>
+            <a:r>
+              <a:rPr lang="en-US" sz="1600" dirty="0">
+                <a:latin typeface="Calibri"/>
+                <a:cs typeface="Calibri"/>
+              </a:rPr>
+              <a:t> </a:t>
+            </a:r>
+            <a:r>
+              <a:rPr lang="en-US" sz="1600">
+                <a:latin typeface="Calibri"/>
+                <a:cs typeface="Calibri"/>
+              </a:rPr>
+              <a:t>value based on the hourly selling rate of the product.</a:t>
+            </a:r>
+            <a:endParaRPr lang="en-US" sz="1600" dirty="0">
+              <a:latin typeface="Calibri"/>
+              <a:cs typeface="Calibri"/>
+            </a:endParaRPr>
+          </a:p>
+        </p:txBody>
+      </p:sp>
+      <p:sp>
+        <p:nvSpPr>
+          <p:cNvPr id="15" name="TextBox 14">
+            <a:extLst>
+              <a:ext uri="{FF2B5EF4-FFF2-40B4-BE49-F238E27FC236}">
+                <a16:creationId xmlns:a16="http://schemas.microsoft.com/office/drawing/2014/main" id="{C2419EC4-EF38-4E1D-A49C-B9F740D8B65F}"/>
+              </a:ext>
+            </a:extLst>
+          </p:cNvPr>
+          <p:cNvSpPr txBox="1"/>
+          <p:nvPr/>
+        </p:nvSpPr>
+        <p:spPr>
+          <a:xfrm>
+            <a:off x="6026840" y="2272057"/>
+            <a:ext cx="5978937" cy="4278094"/>
+          </a:xfrm>
+          <a:prstGeom prst="rect">
+            <a:avLst/>
+          </a:prstGeom>
+          <a:noFill/>
+        </p:spPr>
+        <p:txBody>
+          <a:bodyPr rot="0" spcFirstLastPara="0" vertOverflow="overflow" horzOverflow="overflow" vert="horz" wrap="square" lIns="91440" tIns="45720" rIns="91440" bIns="45720" numCol="1" spcCol="0" rtlCol="0" fromWordArt="0" anchor="t" anchorCtr="0" forceAA="0" compatLnSpc="1">
+            <a:prstTxWarp prst="textNoShape">
+              <a:avLst/>
+            </a:prstTxWarp>
+            <a:spAutoFit/>
+          </a:bodyPr>
+          <a:lstStyle/>
+          <a:p>
+            <a:pPr marL="285750" indent="-285750">
+              <a:buFont typeface="Arial"/>
+              <a:buChar char="•"/>
+            </a:pPr>
+            <a:r>
+              <a:rPr lang="en-US" sz="1600" dirty="0">
+                <a:latin typeface="Calibri"/>
+                <a:cs typeface="Calibri"/>
+              </a:rPr>
+              <a:t>Extract transaction of last 6 months for a store and calculate hourly demand of the products available in that store.</a:t>
+            </a:r>
             <a:endParaRPr lang="en-US" dirty="0">
+              <a:latin typeface="Calibri"/>
+              <a:cs typeface="Calibri"/>
+            </a:endParaRPr>
+          </a:p>
+          <a:p>
+            <a:pPr marL="285750" indent="-285750">
+              <a:buFont typeface="Arial"/>
+              <a:buChar char="•"/>
+            </a:pPr>
+            <a:endParaRPr lang="en-US" sz="1600" dirty="0">
+              <a:latin typeface="Calibri"/>
+              <a:cs typeface="Calibri"/>
+            </a:endParaRPr>
+          </a:p>
+          <a:p>
+            <a:pPr marL="285750" indent="-285750">
+              <a:buFont typeface="Arial"/>
+              <a:buChar char="•"/>
+            </a:pPr>
+            <a:r>
+              <a:rPr lang="en-US" sz="1600" dirty="0">
+                <a:latin typeface="Calibri"/>
+                <a:cs typeface="Calibri"/>
+              </a:rPr>
+              <a:t>Remove non preforming or low performing products based on analysis of hourly trend per weekday of the product.</a:t>
+            </a:r>
+            <a:endParaRPr lang="en-US" dirty="0">
+              <a:latin typeface="Calibri"/>
+              <a:cs typeface="Calibri"/>
+            </a:endParaRPr>
+          </a:p>
+          <a:p>
+            <a:pPr marL="285750" indent="-285750">
+              <a:buFont typeface="Arial"/>
+              <a:buChar char="•"/>
+            </a:pPr>
+            <a:endParaRPr lang="en-US" sz="1600" dirty="0">
+              <a:latin typeface="Calibri"/>
+              <a:cs typeface="Calibri"/>
+            </a:endParaRPr>
+          </a:p>
+          <a:p>
+            <a:pPr marL="285750" indent="-285750">
+              <a:buFont typeface="Arial"/>
+              <a:buChar char="•"/>
+            </a:pPr>
+            <a:r>
+              <a:rPr lang="en-US" sz="1600" dirty="0">
+                <a:latin typeface="Calibri"/>
+                <a:cs typeface="Calibri"/>
+              </a:rPr>
+              <a:t>Select top 100 best fast moving products and set the diamond line for these product watch their trend.</a:t>
+            </a:r>
+            <a:endParaRPr lang="en-US" dirty="0">
+              <a:latin typeface="Calibri"/>
+              <a:cs typeface="Calibri"/>
+            </a:endParaRPr>
+          </a:p>
+          <a:p>
+            <a:pPr marL="285750" indent="-285750">
+              <a:buFont typeface="Arial"/>
+              <a:buChar char="•"/>
+            </a:pPr>
+            <a:endParaRPr lang="en-US" sz="1600" dirty="0">
+              <a:latin typeface="Calibri"/>
+              <a:cs typeface="Calibri"/>
+            </a:endParaRPr>
+          </a:p>
+          <a:p>
+            <a:pPr marL="285750" indent="-285750">
+              <a:buFont typeface="Arial"/>
+              <a:buChar char="•"/>
+            </a:pPr>
+            <a:r>
+              <a:rPr lang="en-US" sz="1600" dirty="0">
+                <a:latin typeface="Calibri"/>
+                <a:cs typeface="Calibri"/>
+              </a:rPr>
+              <a:t>Calculate hourly/weekly and monthly run rate as KPI for these fast moving product.</a:t>
+            </a:r>
+          </a:p>
+          <a:p>
+            <a:pPr marL="285750" indent="-285750">
+              <a:buFont typeface="Arial"/>
+              <a:buChar char="•"/>
+            </a:pPr>
+            <a:endParaRPr lang="en-US" sz="1600" dirty="0">
+              <a:latin typeface="Calibri"/>
+              <a:cs typeface="Calibri"/>
+            </a:endParaRPr>
+          </a:p>
+          <a:p>
+            <a:pPr marL="285750" indent="-285750">
+              <a:buFont typeface="Arial"/>
+              <a:buChar char="•"/>
+            </a:pPr>
+            <a:r>
+              <a:rPr lang="en-US" sz="1600" dirty="0">
+                <a:latin typeface="Calibri"/>
+                <a:cs typeface="Calibri"/>
+              </a:rPr>
+              <a:t>Estimate OOS time at store and predict re-order quantity.</a:t>
+            </a:r>
+          </a:p>
+          <a:p>
+            <a:pPr marL="285750" indent="-285750">
+              <a:buFont typeface="Arial"/>
+              <a:buChar char="•"/>
+            </a:pPr>
+            <a:endParaRPr lang="en-US" sz="1600" dirty="0">
+              <a:latin typeface="Calibri"/>
+              <a:cs typeface="Calibri"/>
+            </a:endParaRPr>
+          </a:p>
+          <a:p>
+            <a:pPr marL="285750" indent="-285750">
+              <a:buFont typeface="Arial"/>
+              <a:buChar char="•"/>
+            </a:pPr>
+            <a:r>
+              <a:rPr lang="en-US" sz="1600" dirty="0">
+                <a:latin typeface="Calibri"/>
+                <a:cs typeface="Calibri"/>
+              </a:rPr>
+              <a:t>Train the model using linear regression and predict the hourly run rate for these diamond line products. </a:t>
+            </a:r>
+            <a:endParaRPr lang="en-US">
+              <a:latin typeface="Calibri"/>
+              <a:cs typeface="Calibri"/>
+            </a:endParaRPr>
+          </a:p>
+          <a:p>
+            <a:endParaRPr lang="en-US" sz="1600" dirty="0">
+              <a:latin typeface="Calibri"/>
               <a:cs typeface="Calibri"/>
             </a:endParaRPr>
           </a:p>
@@ -3478,6 +6378,55 @@
           <a:chExt cx="0" cy="0"/>
         </a:xfrm>
       </p:grpSpPr>
+      <p:sp>
+        <p:nvSpPr>
+          <p:cNvPr id="5" name="Rectangle 4">
+            <a:extLst>
+              <a:ext uri="{FF2B5EF4-FFF2-40B4-BE49-F238E27FC236}">
+                <a16:creationId xmlns:a16="http://schemas.microsoft.com/office/drawing/2014/main" id="{15B7F26C-EA7C-4BD2-B666-7CF582218A01}"/>
+              </a:ext>
+            </a:extLst>
+          </p:cNvPr>
+          <p:cNvSpPr/>
+          <p:nvPr/>
+        </p:nvSpPr>
+        <p:spPr>
+          <a:xfrm>
+            <a:off x="194367" y="1160669"/>
+            <a:ext cx="11860694" cy="5600742"/>
+          </a:xfrm>
+          <a:prstGeom prst="rect">
+            <a:avLst/>
+          </a:prstGeom>
+          <a:solidFill>
+            <a:schemeClr val="bg2"/>
+          </a:solidFill>
+        </p:spPr>
+        <p:style>
+          <a:lnRef idx="2">
+            <a:schemeClr val="accent1">
+              <a:shade val="50000"/>
+            </a:schemeClr>
+          </a:lnRef>
+          <a:fillRef idx="1">
+            <a:schemeClr val="accent1"/>
+          </a:fillRef>
+          <a:effectRef idx="0">
+            <a:schemeClr val="accent1"/>
+          </a:effectRef>
+          <a:fontRef idx="minor">
+            <a:schemeClr val="lt1"/>
+          </a:fontRef>
+        </p:style>
+        <p:txBody>
+          <a:bodyPr rtlCol="0" anchor="ctr"/>
+          <a:lstStyle/>
+          <a:p>
+            <a:pPr algn="ctr"/>
+            <a:endParaRPr lang="en-US"/>
+          </a:p>
+        </p:txBody>
+      </p:sp>
       <p:pic>
         <p:nvPicPr>
           <p:cNvPr id="2" name="Picture 2" descr="A picture containing drawing&#10;&#10;Description generated with very high confidence">
@@ -3522,7 +6471,7 @@
         </p:nvSpPr>
         <p:spPr>
           <a:xfrm>
-            <a:off x="373271" y="108226"/>
+            <a:off x="1091097" y="97182"/>
             <a:ext cx="11346067" cy="461665"/>
           </a:xfrm>
           <a:prstGeom prst="rect">
@@ -3549,19 +6498,7 @@
                 <a:latin typeface="Arial"/>
                 <a:cs typeface="Calibri"/>
               </a:rPr>
-              <a:t>Real-Time Shelf Inventory </a:t>
-            </a:r>
-            <a:r>
-              <a:rPr lang="en-US" sz="2400" b="1" dirty="0">
-                <a:solidFill>
-                  <a:schemeClr val="bg2">
-                    <a:lumMod val="25000"/>
-                  </a:schemeClr>
-                </a:solidFill>
-                <a:latin typeface="Arial"/>
-                <a:cs typeface="Calibri"/>
-              </a:rPr>
-              <a:t>Tracking with Deep learning and Computer Vision</a:t>
+              <a:t>Shelf Health Tracking with Deep learning and Computer Vision</a:t>
             </a:r>
           </a:p>
         </p:txBody>
@@ -3621,8 +6558,8 @@
         </p:nvSpPr>
         <p:spPr>
           <a:xfrm>
-            <a:off x="196574" y="671442"/>
-            <a:ext cx="11776764" cy="338554"/>
+            <a:off x="196574" y="565934"/>
+            <a:ext cx="11776764" cy="584775"/>
           </a:xfrm>
           <a:prstGeom prst="rect">
             <a:avLst/>
@@ -3639,139 +6576,38 @@
           <a:lstStyle/>
           <a:p>
             <a:r>
-              <a:rPr lang="en-US" sz="1600">
+              <a:rPr lang="en-US" sz="1600" dirty="0">
                 <a:latin typeface="Arial"/>
-                <a:ea typeface="+mn-lt"/>
-                <a:cs typeface="+mn-lt"/>
+                <a:cs typeface="Calibri"/>
               </a:rPr>
-              <a:t>The key objective is to track on shelf inventories in real time to ensure that products are never run Out of stock from the shelves.</a:t>
-            </a:r>
-            <a:endParaRPr lang="en-US" sz="1600">
-              <a:latin typeface="Arial"/>
-              <a:cs typeface="Calibri"/>
-            </a:endParaRPr>
-          </a:p>
-        </p:txBody>
-      </p:sp>
-      <p:sp>
-        <p:nvSpPr>
-          <p:cNvPr id="5" name="Rectangle 4">
+              <a:t>Taking live feed from a fixed point camera and running our custom trained YOLO model to identify empty voids in each row of the shelf and monitoring the shelf health in real time.</a:t>
+            </a:r>
+          </a:p>
+        </p:txBody>
+      </p:sp>
+      <p:sp>
+        <p:nvSpPr>
+          <p:cNvPr id="6" name="TextBox 5">
             <a:extLst>
               <a:ext uri="{FF2B5EF4-FFF2-40B4-BE49-F238E27FC236}">
-                <a16:creationId xmlns:a16="http://schemas.microsoft.com/office/drawing/2014/main" id="{15B7F26C-EA7C-4BD2-B666-7CF582218A01}"/>
+                <a16:creationId xmlns:a16="http://schemas.microsoft.com/office/drawing/2014/main" id="{D3802D4A-65B7-4466-AFA2-0FE407F0135E}"/>
               </a:ext>
             </a:extLst>
           </p:cNvPr>
-          <p:cNvSpPr/>
+          <p:cNvSpPr txBox="1"/>
           <p:nvPr/>
         </p:nvSpPr>
         <p:spPr>
           <a:xfrm>
-            <a:off x="194367" y="1149626"/>
-            <a:ext cx="5687390" cy="5190435"/>
+            <a:off x="4404139" y="1157356"/>
+            <a:ext cx="2179983" cy="369332"/>
           </a:xfrm>
           <a:prstGeom prst="rect">
             <a:avLst/>
           </a:prstGeom>
           <a:solidFill>
-            <a:schemeClr val="bg2"/>
+            <a:schemeClr val="accent4"/>
           </a:solidFill>
-        </p:spPr>
-        <p:style>
-          <a:lnRef idx="2">
-            <a:schemeClr val="accent1">
-              <a:shade val="50000"/>
-            </a:schemeClr>
-          </a:lnRef>
-          <a:fillRef idx="1">
-            <a:schemeClr val="accent1"/>
-          </a:fillRef>
-          <a:effectRef idx="0">
-            <a:schemeClr val="accent1"/>
-          </a:effectRef>
-          <a:fontRef idx="minor">
-            <a:schemeClr val="lt1"/>
-          </a:fontRef>
-        </p:style>
-        <p:txBody>
-          <a:bodyPr rtlCol="0" anchor="ctr"/>
-          <a:lstStyle/>
-          <a:p>
-            <a:pPr algn="ctr"/>
-            <a:endParaRPr lang="en-US"/>
-          </a:p>
-        </p:txBody>
-      </p:sp>
-      <p:sp>
-        <p:nvSpPr>
-          <p:cNvPr id="7" name="Rectangle 6">
-            <a:extLst>
-              <a:ext uri="{FF2B5EF4-FFF2-40B4-BE49-F238E27FC236}">
-                <a16:creationId xmlns:a16="http://schemas.microsoft.com/office/drawing/2014/main" id="{EFA165F3-CBA3-469C-BF1D-7C9F7DAB4087}"/>
-              </a:ext>
-            </a:extLst>
-          </p:cNvPr>
-          <p:cNvSpPr/>
-          <p:nvPr/>
-        </p:nvSpPr>
-        <p:spPr>
-          <a:xfrm>
-            <a:off x="6312452" y="1149626"/>
-            <a:ext cx="5720522" cy="5190433"/>
-          </a:xfrm>
-          <a:prstGeom prst="rect">
-            <a:avLst/>
-          </a:prstGeom>
-          <a:solidFill>
-            <a:schemeClr val="bg2"/>
-          </a:solidFill>
-        </p:spPr>
-        <p:style>
-          <a:lnRef idx="2">
-            <a:schemeClr val="accent1">
-              <a:shade val="50000"/>
-            </a:schemeClr>
-          </a:lnRef>
-          <a:fillRef idx="1">
-            <a:schemeClr val="accent1"/>
-          </a:fillRef>
-          <a:effectRef idx="0">
-            <a:schemeClr val="accent1"/>
-          </a:effectRef>
-          <a:fontRef idx="minor">
-            <a:schemeClr val="lt1"/>
-          </a:fontRef>
-        </p:style>
-        <p:txBody>
-          <a:bodyPr rtlCol="0" anchor="ctr"/>
-          <a:lstStyle/>
-          <a:p>
-            <a:pPr algn="ctr"/>
-            <a:endParaRPr lang="en-US"/>
-          </a:p>
-        </p:txBody>
-      </p:sp>
-      <p:sp>
-        <p:nvSpPr>
-          <p:cNvPr id="6" name="TextBox 5">
-            <a:extLst>
-              <a:ext uri="{FF2B5EF4-FFF2-40B4-BE49-F238E27FC236}">
-                <a16:creationId xmlns:a16="http://schemas.microsoft.com/office/drawing/2014/main" id="{C811F8FC-6B91-4686-BBB6-32E1B8150731}"/>
-              </a:ext>
-            </a:extLst>
-          </p:cNvPr>
-          <p:cNvSpPr txBox="1"/>
-          <p:nvPr/>
-        </p:nvSpPr>
-        <p:spPr>
-          <a:xfrm>
-            <a:off x="460927" y="1211883"/>
-            <a:ext cx="2743200" cy="369332"/>
-          </a:xfrm>
-          <a:prstGeom prst="rect">
-            <a:avLst/>
-          </a:prstGeom>
-          <a:noFill/>
         </p:spPr>
         <p:txBody>
           <a:bodyPr rot="0" spcFirstLastPara="0" vertOverflow="overflow" horzOverflow="overflow" vert="horz" wrap="square" lIns="91440" tIns="45720" rIns="91440" bIns="45720" numCol="1" spcCol="0" rtlCol="0" fromWordArt="0" anchor="t" anchorCtr="0" forceAA="0" compatLnSpc="1">
@@ -3782,49 +6618,11 @@
           </a:bodyPr>
           <a:lstStyle/>
           <a:p>
-            <a:pPr algn="l"/>
-            <a:r>
-              <a:rPr lang="en-US"/>
-              <a:t>Click to add text</a:t>
-            </a:r>
-          </a:p>
-        </p:txBody>
-      </p:sp>
-      <p:sp>
-        <p:nvSpPr>
-          <p:cNvPr id="10" name="TextBox 9">
-            <a:extLst>
-              <a:ext uri="{FF2B5EF4-FFF2-40B4-BE49-F238E27FC236}">
-                <a16:creationId xmlns:a16="http://schemas.microsoft.com/office/drawing/2014/main" id="{A78138AB-74C2-47BC-B4EE-A41AA344F92C}"/>
-              </a:ext>
-            </a:extLst>
-          </p:cNvPr>
-          <p:cNvSpPr txBox="1"/>
-          <p:nvPr/>
-        </p:nvSpPr>
-        <p:spPr>
-          <a:xfrm>
-            <a:off x="6766753" y="1300231"/>
-            <a:ext cx="2743200" cy="369332"/>
-          </a:xfrm>
-          <a:prstGeom prst="rect">
-            <a:avLst/>
-          </a:prstGeom>
-          <a:noFill/>
-        </p:spPr>
-        <p:txBody>
-          <a:bodyPr rot="0" spcFirstLastPara="0" vertOverflow="overflow" horzOverflow="overflow" vert="horz" wrap="square" lIns="91440" tIns="45720" rIns="91440" bIns="45720" numCol="1" spcCol="0" rtlCol="0" fromWordArt="0" anchor="t" anchorCtr="0" forceAA="0" compatLnSpc="1">
-            <a:prstTxWarp prst="textNoShape">
-              <a:avLst/>
-            </a:prstTxWarp>
-            <a:spAutoFit/>
-          </a:bodyPr>
-          <a:lstStyle/>
-          <a:p>
-            <a:pPr algn="l"/>
-            <a:r>
-              <a:rPr lang="en-US"/>
-              <a:t>Click to add text</a:t>
+            <a:r>
+              <a:rPr lang="en-US" b="1" dirty="0">
+                <a:cs typeface="Calibri"/>
+              </a:rPr>
+              <a:t>Solution Flow Chart</a:t>
             </a:r>
           </a:p>
         </p:txBody>
@@ -3861,10 +6659,10 @@
       </p:grpSpPr>
       <p:pic>
         <p:nvPicPr>
-          <p:cNvPr id="2" name="Picture 2" descr="A picture containing drawing&#10;&#10;Description generated with very high confidence">
+          <p:cNvPr id="8" name="Picture 8" descr="A picture containing indoor, scene, filled, shelf&#10;&#10;Description generated with very high confidence">
             <a:extLst>
               <a:ext uri="{FF2B5EF4-FFF2-40B4-BE49-F238E27FC236}">
-                <a16:creationId xmlns:a16="http://schemas.microsoft.com/office/drawing/2014/main" id="{C93E87B6-FC87-4665-B258-CAF8D4E5E83E}"/>
+                <a16:creationId xmlns:a16="http://schemas.microsoft.com/office/drawing/2014/main" id="{7C82AB86-4FA7-4B48-ACEC-FAEE7606DD1B}"/>
               </a:ext>
             </a:extLst>
           </p:cNvPr>
@@ -3881,8 +6679,38 @@
         </p:blipFill>
         <p:spPr>
           <a:xfrm>
-            <a:off x="10599668" y="6117258"/>
-            <a:ext cx="1594402" cy="741570"/>
+            <a:off x="8253046" y="3208965"/>
+            <a:ext cx="3610707" cy="3141643"/>
+          </a:xfrm>
+          <a:prstGeom prst="rect">
+            <a:avLst/>
+          </a:prstGeom>
+        </p:spPr>
+      </p:pic>
+      <p:pic>
+        <p:nvPicPr>
+          <p:cNvPr id="2" name="Picture 2" descr="A picture containing drawing&#10;&#10;Description generated with very high confidence">
+            <a:extLst>
+              <a:ext uri="{FF2B5EF4-FFF2-40B4-BE49-F238E27FC236}">
+                <a16:creationId xmlns:a16="http://schemas.microsoft.com/office/drawing/2014/main" id="{C93E87B6-FC87-4665-B258-CAF8D4E5E83E}"/>
+              </a:ext>
+            </a:extLst>
+          </p:cNvPr>
+          <p:cNvPicPr>
+            <a:picLocks noChangeAspect="1"/>
+          </p:cNvPicPr>
+          <p:nvPr/>
+        </p:nvPicPr>
+        <p:blipFill>
+          <a:blip r:embed="rId3"/>
+          <a:stretch>
+            <a:fillRect/>
+          </a:stretch>
+        </p:blipFill>
+        <p:spPr>
+          <a:xfrm>
+            <a:off x="10765320" y="6194562"/>
+            <a:ext cx="1428750" cy="664266"/>
           </a:xfrm>
           <a:prstGeom prst="rect">
             <a:avLst/>
@@ -3921,18 +6749,6 @@
           <a:lstStyle/>
           <a:p>
             <a:r>
-              <a:rPr lang="en-US" sz="2400" b="1" dirty="0">
-                <a:solidFill>
-                  <a:schemeClr val="bg2">
-                    <a:lumMod val="25000"/>
-                  </a:schemeClr>
-                </a:solidFill>
-                <a:latin typeface="Arial"/>
-                <a:cs typeface="Calibri"/>
-              </a:rPr>
-              <a:t>Real-Time Shelf inventory </a:t>
-            </a:r>
-            <a:r>
               <a:rPr lang="en-US" sz="2400" b="1">
                 <a:solidFill>
                   <a:schemeClr val="bg2">
@@ -3942,7 +6758,7 @@
                 <a:latin typeface="Arial"/>
                 <a:cs typeface="Calibri"/>
               </a:rPr>
-              <a:t>Tracking with Deep learning and Computer Vision</a:t>
+              <a:t>Model Training and Results</a:t>
             </a:r>
             <a:endParaRPr lang="en-US" sz="2400" b="1" dirty="0">
               <a:solidFill>
@@ -3997,6 +6813,308 @@
           </a:fontRef>
         </p:style>
       </p:cxnSp>
+      <p:pic>
+        <p:nvPicPr>
+          <p:cNvPr id="7" name="Picture 7" descr="A group of people in a store&#10;&#10;Description generated with high confidence">
+            <a:extLst>
+              <a:ext uri="{FF2B5EF4-FFF2-40B4-BE49-F238E27FC236}">
+                <a16:creationId xmlns:a16="http://schemas.microsoft.com/office/drawing/2014/main" id="{7C599E50-B1F8-4892-B6DB-E5126CE42F17}"/>
+              </a:ext>
+            </a:extLst>
+          </p:cNvPr>
+          <p:cNvPicPr>
+            <a:picLocks noChangeAspect="1"/>
+          </p:cNvPicPr>
+          <p:nvPr/>
+        </p:nvPicPr>
+        <p:blipFill>
+          <a:blip r:embed="rId4"/>
+          <a:stretch>
+            <a:fillRect/>
+          </a:stretch>
+        </p:blipFill>
+        <p:spPr>
+          <a:xfrm>
+            <a:off x="287639" y="3286270"/>
+            <a:ext cx="3528647" cy="3059582"/>
+          </a:xfrm>
+          <a:prstGeom prst="rect">
+            <a:avLst/>
+          </a:prstGeom>
+        </p:spPr>
+      </p:pic>
+      <p:pic>
+        <p:nvPicPr>
+          <p:cNvPr id="9" name="Picture 9" descr="A picture containing clock&#10;&#10;Description generated with very high confidence">
+            <a:extLst>
+              <a:ext uri="{FF2B5EF4-FFF2-40B4-BE49-F238E27FC236}">
+                <a16:creationId xmlns:a16="http://schemas.microsoft.com/office/drawing/2014/main" id="{CBC3E45B-41E2-4389-A8BF-BF429C2DFD79}"/>
+              </a:ext>
+            </a:extLst>
+          </p:cNvPr>
+          <p:cNvPicPr>
+            <a:picLocks noChangeAspect="1"/>
+          </p:cNvPicPr>
+          <p:nvPr/>
+        </p:nvPicPr>
+        <p:blipFill>
+          <a:blip r:embed="rId5"/>
+          <a:stretch>
+            <a:fillRect/>
+          </a:stretch>
+        </p:blipFill>
+        <p:spPr>
+          <a:xfrm>
+            <a:off x="3970045" y="3829942"/>
+            <a:ext cx="4161692" cy="1678139"/>
+          </a:xfrm>
+          <a:prstGeom prst="rect">
+            <a:avLst/>
+          </a:prstGeom>
+        </p:spPr>
+      </p:pic>
+      <p:sp>
+        <p:nvSpPr>
+          <p:cNvPr id="10" name="TextBox 9">
+            <a:extLst>
+              <a:ext uri="{FF2B5EF4-FFF2-40B4-BE49-F238E27FC236}">
+                <a16:creationId xmlns:a16="http://schemas.microsoft.com/office/drawing/2014/main" id="{54A29259-1029-4F8F-BC98-0D7BF2FC3C21}"/>
+              </a:ext>
+            </a:extLst>
+          </p:cNvPr>
+          <p:cNvSpPr txBox="1"/>
+          <p:nvPr/>
+        </p:nvSpPr>
+        <p:spPr>
+          <a:xfrm>
+            <a:off x="947530" y="6347790"/>
+            <a:ext cx="2743200" cy="338554"/>
+          </a:xfrm>
+          <a:prstGeom prst="rect">
+            <a:avLst/>
+          </a:prstGeom>
+          <a:noFill/>
+        </p:spPr>
+        <p:txBody>
+          <a:bodyPr rot="0" spcFirstLastPara="0" vertOverflow="overflow" horzOverflow="overflow" vert="horz" wrap="square" lIns="91440" tIns="45720" rIns="91440" bIns="45720" numCol="1" spcCol="0" rtlCol="0" fromWordArt="0" anchor="t" anchorCtr="0" forceAA="0" compatLnSpc="1">
+            <a:prstTxWarp prst="textNoShape">
+              <a:avLst/>
+            </a:prstTxWarp>
+            <a:spAutoFit/>
+          </a:bodyPr>
+          <a:lstStyle/>
+          <a:p>
+            <a:r>
+              <a:rPr lang="en-US" sz="1600" b="1" dirty="0">
+                <a:cs typeface="Calibri"/>
+              </a:rPr>
+              <a:t>Input Frame</a:t>
+            </a:r>
+          </a:p>
+        </p:txBody>
+      </p:sp>
+      <p:sp>
+        <p:nvSpPr>
+          <p:cNvPr id="12" name="TextBox 11">
+            <a:extLst>
+              <a:ext uri="{FF2B5EF4-FFF2-40B4-BE49-F238E27FC236}">
+                <a16:creationId xmlns:a16="http://schemas.microsoft.com/office/drawing/2014/main" id="{FE22622D-07DA-4122-B666-D34F788AD61C}"/>
+              </a:ext>
+            </a:extLst>
+          </p:cNvPr>
+          <p:cNvSpPr txBox="1"/>
+          <p:nvPr/>
+        </p:nvSpPr>
+        <p:spPr>
+          <a:xfrm>
+            <a:off x="8136835" y="6292573"/>
+            <a:ext cx="2875722" cy="584775"/>
+          </a:xfrm>
+          <a:prstGeom prst="rect">
+            <a:avLst/>
+          </a:prstGeom>
+          <a:noFill/>
+        </p:spPr>
+        <p:txBody>
+          <a:bodyPr rot="0" spcFirstLastPara="0" vertOverflow="overflow" horzOverflow="overflow" vert="horz" wrap="square" lIns="91440" tIns="45720" rIns="91440" bIns="45720" numCol="1" spcCol="0" rtlCol="0" fromWordArt="0" anchor="t" anchorCtr="0" forceAA="0" compatLnSpc="1">
+            <a:prstTxWarp prst="textNoShape">
+              <a:avLst/>
+            </a:prstTxWarp>
+            <a:spAutoFit/>
+          </a:bodyPr>
+          <a:lstStyle/>
+          <a:p>
+            <a:r>
+              <a:rPr lang="en-US" sz="1600" b="1" dirty="0">
+                <a:cs typeface="Calibri"/>
+              </a:rPr>
+              <a:t>Output Frame with Detected voids</a:t>
+            </a:r>
+          </a:p>
+        </p:txBody>
+      </p:sp>
+      <p:sp>
+        <p:nvSpPr>
+          <p:cNvPr id="14" name="TextBox 13">
+            <a:extLst>
+              <a:ext uri="{FF2B5EF4-FFF2-40B4-BE49-F238E27FC236}">
+                <a16:creationId xmlns:a16="http://schemas.microsoft.com/office/drawing/2014/main" id="{4632A120-125E-4A90-9419-79277FF060C1}"/>
+              </a:ext>
+            </a:extLst>
+          </p:cNvPr>
+          <p:cNvSpPr txBox="1"/>
+          <p:nvPr/>
+        </p:nvSpPr>
+        <p:spPr>
+          <a:xfrm>
+            <a:off x="5276572" y="5718311"/>
+            <a:ext cx="1130853" cy="523220"/>
+          </a:xfrm>
+          <a:prstGeom prst="rect">
+            <a:avLst/>
+          </a:prstGeom>
+          <a:noFill/>
+        </p:spPr>
+        <p:txBody>
+          <a:bodyPr rot="0" spcFirstLastPara="0" vertOverflow="overflow" horzOverflow="overflow" vert="horz" wrap="square" lIns="91440" tIns="45720" rIns="91440" bIns="45720" numCol="1" spcCol="0" rtlCol="0" fromWordArt="0" anchor="t" anchorCtr="0" forceAA="0" compatLnSpc="1">
+            <a:prstTxWarp prst="textNoShape">
+              <a:avLst/>
+            </a:prstTxWarp>
+            <a:spAutoFit/>
+          </a:bodyPr>
+          <a:lstStyle/>
+          <a:p>
+            <a:r>
+              <a:rPr lang="en-US" sz="2800" b="1" dirty="0">
+                <a:cs typeface="Calibri"/>
+              </a:rPr>
+              <a:t>YOLO</a:t>
+            </a:r>
+          </a:p>
+        </p:txBody>
+      </p:sp>
+      <p:sp>
+        <p:nvSpPr>
+          <p:cNvPr id="17" name="TextBox 16">
+            <a:extLst>
+              <a:ext uri="{FF2B5EF4-FFF2-40B4-BE49-F238E27FC236}">
+                <a16:creationId xmlns:a16="http://schemas.microsoft.com/office/drawing/2014/main" id="{DBE54DEB-22DD-43B5-BDCA-D42C6308265C}"/>
+              </a:ext>
+            </a:extLst>
+          </p:cNvPr>
+          <p:cNvSpPr txBox="1"/>
+          <p:nvPr/>
+        </p:nvSpPr>
+        <p:spPr>
+          <a:xfrm>
+            <a:off x="96493" y="781187"/>
+            <a:ext cx="11379198" cy="2308324"/>
+          </a:xfrm>
+          <a:prstGeom prst="rect">
+            <a:avLst/>
+          </a:prstGeom>
+          <a:noFill/>
+        </p:spPr>
+        <p:txBody>
+          <a:bodyPr rot="0" spcFirstLastPara="0" vertOverflow="overflow" horzOverflow="overflow" vert="horz" wrap="square" lIns="91440" tIns="45720" rIns="91440" bIns="45720" numCol="1" spcCol="0" rtlCol="0" fromWordArt="0" anchor="t" anchorCtr="0" forceAA="0" compatLnSpc="1">
+            <a:prstTxWarp prst="textNoShape">
+              <a:avLst/>
+            </a:prstTxWarp>
+            <a:spAutoFit/>
+          </a:bodyPr>
+          <a:lstStyle/>
+          <a:p>
+            <a:pPr marL="285750" indent="-285750">
+              <a:buFont typeface="Arial"/>
+              <a:buChar char="•"/>
+            </a:pPr>
+            <a:r>
+              <a:rPr lang="en-US" dirty="0">
+                <a:latin typeface="Calibri"/>
+                <a:cs typeface="Calibri"/>
+              </a:rPr>
+              <a:t>For Training YOLO object detector model , we couldn’t find much available sources for a single shelf  getting empty over time.</a:t>
+            </a:r>
+          </a:p>
+          <a:p>
+            <a:pPr marL="285750" indent="-285750">
+              <a:buFont typeface="Arial"/>
+              <a:buChar char="•"/>
+            </a:pPr>
+            <a:r>
+              <a:rPr lang="en-US" dirty="0">
+                <a:latin typeface="Calibri"/>
+                <a:cs typeface="Calibri"/>
+              </a:rPr>
+              <a:t>We used a time lapse video of  grocery shelf available on YouTube and extracted relevant frames to generate training data. </a:t>
+            </a:r>
+          </a:p>
+          <a:p>
+            <a:pPr marL="285750" indent="-285750">
+              <a:buFont typeface="Arial"/>
+              <a:buChar char="•"/>
+            </a:pPr>
+            <a:r>
+              <a:rPr lang="en-US" dirty="0">
+                <a:latin typeface="Calibri"/>
+                <a:cs typeface="Calibri"/>
+              </a:rPr>
+              <a:t>We labeled the data using </a:t>
+            </a:r>
+            <a:r>
+              <a:rPr lang="en-US" dirty="0" err="1">
+                <a:latin typeface="Calibri"/>
+                <a:cs typeface="Calibri"/>
+              </a:rPr>
+              <a:t>LableImg</a:t>
+            </a:r>
+            <a:r>
+              <a:rPr lang="en-US" dirty="0">
+                <a:latin typeface="Calibri"/>
+                <a:cs typeface="Calibri"/>
+              </a:rPr>
+              <a:t> tool  and trained the YOLO layers to detect empty voids till 4000 Iterations on GPU.</a:t>
+            </a:r>
+          </a:p>
+          <a:p>
+            <a:pPr marL="285750" indent="-285750">
+              <a:buFont typeface="Arial"/>
+              <a:buChar char="•"/>
+            </a:pPr>
+            <a:r>
+              <a:rPr lang="en-US" dirty="0">
+                <a:latin typeface="Calibri"/>
+                <a:cs typeface="Calibri"/>
+              </a:rPr>
+              <a:t>If more </a:t>
+            </a:r>
+            <a:r>
+              <a:rPr lang="en-US" dirty="0" err="1">
+                <a:latin typeface="Calibri"/>
+                <a:cs typeface="Calibri"/>
+              </a:rPr>
+              <a:t>customised</a:t>
+            </a:r>
+            <a:r>
+              <a:rPr lang="en-US" dirty="0">
+                <a:latin typeface="Calibri"/>
+                <a:cs typeface="Calibri"/>
+              </a:rPr>
+              <a:t>  and quality data is available the model could perform even better.</a:t>
+            </a:r>
+          </a:p>
+          <a:p>
+            <a:pPr marL="285750" indent="-285750">
+              <a:buFont typeface="Arial"/>
+              <a:buChar char="•"/>
+            </a:pPr>
+            <a:endParaRPr lang="en-US" dirty="0">
+              <a:latin typeface="Calibri"/>
+              <a:cs typeface="Calibri"/>
+            </a:endParaRPr>
+          </a:p>
+        </p:txBody>
+      </p:sp>
     </p:spTree>
     <p:extLst>
       <p:ext uri="{BB962C8B-B14F-4D97-AF65-F5344CB8AC3E}">
@@ -4029,10 +7147,10 @@
       </p:grpSpPr>
       <p:pic>
         <p:nvPicPr>
-          <p:cNvPr id="2" name="Picture 2" descr="A picture containing drawing&#10;&#10;Description generated with very high confidence">
+          <p:cNvPr id="6" name="Picture 6" descr="A picture containing indoor, shelf, sitting, library&#10;&#10;Description generated with very high confidence">
             <a:extLst>
               <a:ext uri="{FF2B5EF4-FFF2-40B4-BE49-F238E27FC236}">
-                <a16:creationId xmlns:a16="http://schemas.microsoft.com/office/drawing/2014/main" id="{C93E87B6-FC87-4665-B258-CAF8D4E5E83E}"/>
+                <a16:creationId xmlns:a16="http://schemas.microsoft.com/office/drawing/2014/main" id="{064C4CCB-20F2-4144-8EA7-3097B2A8BAAA}"/>
               </a:ext>
             </a:extLst>
           </p:cNvPr>
@@ -4049,8 +7167,38 @@
         </p:blipFill>
         <p:spPr>
           <a:xfrm>
-            <a:off x="10599668" y="6117258"/>
-            <a:ext cx="1594402" cy="741570"/>
+            <a:off x="7639879" y="2978655"/>
+            <a:ext cx="4366590" cy="3771995"/>
+          </a:xfrm>
+          <a:prstGeom prst="rect">
+            <a:avLst/>
+          </a:prstGeom>
+        </p:spPr>
+      </p:pic>
+      <p:pic>
+        <p:nvPicPr>
+          <p:cNvPr id="2" name="Picture 2" descr="A picture containing drawing&#10;&#10;Description generated with very high confidence">
+            <a:extLst>
+              <a:ext uri="{FF2B5EF4-FFF2-40B4-BE49-F238E27FC236}">
+                <a16:creationId xmlns:a16="http://schemas.microsoft.com/office/drawing/2014/main" id="{C93E87B6-FC87-4665-B258-CAF8D4E5E83E}"/>
+              </a:ext>
+            </a:extLst>
+          </p:cNvPr>
+          <p:cNvPicPr>
+            <a:picLocks noChangeAspect="1"/>
+          </p:cNvPicPr>
+          <p:nvPr/>
+        </p:nvPicPr>
+        <p:blipFill>
+          <a:blip r:embed="rId3"/>
+          <a:stretch>
+            <a:fillRect/>
+          </a:stretch>
+        </p:blipFill>
+        <p:spPr>
+          <a:xfrm>
+            <a:off x="10820537" y="6216649"/>
+            <a:ext cx="1373533" cy="642179"/>
           </a:xfrm>
           <a:prstGeom prst="rect">
             <a:avLst/>
@@ -4098,29 +7246,8 @@
                 <a:latin typeface="Arial"/>
                 <a:cs typeface="Calibri"/>
               </a:rPr>
-              <a:t>Real-Time Shelf inventory </a:t>
-            </a:r>
-            <a:r>
-              <a:rPr lang="en-US" sz="2400" b="1">
-                <a:solidFill>
-                  <a:schemeClr val="bg2">
-                    <a:lumMod val="25000"/>
-                  </a:schemeClr>
-                </a:solidFill>
-                <a:latin typeface="Arial"/>
-                <a:cs typeface="Calibri"/>
-              </a:rPr>
-              <a:t>Tracking with Deep learning and Computer Vision</a:t>
-            </a:r>
-            <a:endParaRPr lang="en-US" sz="2400" b="1" dirty="0">
-              <a:solidFill>
-                <a:schemeClr val="bg2">
-                  <a:lumMod val="25000"/>
-                </a:schemeClr>
-              </a:solidFill>
-              <a:latin typeface="Arial"/>
-              <a:cs typeface="Calibri"/>
-            </a:endParaRPr>
+              <a:t>Shelf Health Monitoring Pipeline</a:t>
+            </a:r>
           </a:p>
         </p:txBody>
       </p:sp>
@@ -4165,10 +7292,406 @@
           </a:fontRef>
         </p:style>
       </p:cxnSp>
+      <p:pic>
+        <p:nvPicPr>
+          <p:cNvPr id="5" name="Picture 5" descr="A picture containing indoor, library, scene, shelf&#10;&#10;Description generated with very high confidence">
+            <a:extLst>
+              <a:ext uri="{FF2B5EF4-FFF2-40B4-BE49-F238E27FC236}">
+                <a16:creationId xmlns:a16="http://schemas.microsoft.com/office/drawing/2014/main" id="{2C22EEC7-A563-45C2-829D-6082B1B2B314}"/>
+              </a:ext>
+            </a:extLst>
+          </p:cNvPr>
+          <p:cNvPicPr>
+            <a:picLocks noChangeAspect="1"/>
+          </p:cNvPicPr>
+          <p:nvPr/>
+        </p:nvPicPr>
+        <p:blipFill>
+          <a:blip r:embed="rId4"/>
+          <a:stretch>
+            <a:fillRect/>
+          </a:stretch>
+        </p:blipFill>
+        <p:spPr>
+          <a:xfrm>
+            <a:off x="240747" y="3065928"/>
+            <a:ext cx="4090504" cy="3553274"/>
+          </a:xfrm>
+          <a:prstGeom prst="rect">
+            <a:avLst/>
+          </a:prstGeom>
+        </p:spPr>
+      </p:pic>
+      <p:sp>
+        <p:nvSpPr>
+          <p:cNvPr id="8" name="TextBox 7">
+            <a:extLst>
+              <a:ext uri="{FF2B5EF4-FFF2-40B4-BE49-F238E27FC236}">
+                <a16:creationId xmlns:a16="http://schemas.microsoft.com/office/drawing/2014/main" id="{D6AA5210-A040-4E76-9CE6-E5D9B1846FBA}"/>
+              </a:ext>
+            </a:extLst>
+          </p:cNvPr>
+          <p:cNvSpPr txBox="1"/>
+          <p:nvPr/>
+        </p:nvSpPr>
+        <p:spPr>
+          <a:xfrm>
+            <a:off x="74406" y="670752"/>
+            <a:ext cx="12041806" cy="2554545"/>
+          </a:xfrm>
+          <a:prstGeom prst="rect">
+            <a:avLst/>
+          </a:prstGeom>
+          <a:noFill/>
+        </p:spPr>
+        <p:txBody>
+          <a:bodyPr rot="0" spcFirstLastPara="0" vertOverflow="overflow" horzOverflow="overflow" vert="horz" wrap="square" lIns="91440" tIns="45720" rIns="91440" bIns="45720" numCol="1" spcCol="0" rtlCol="0" fromWordArt="0" anchor="t" anchorCtr="0" forceAA="0" compatLnSpc="1">
+            <a:prstTxWarp prst="textNoShape">
+              <a:avLst/>
+            </a:prstTxWarp>
+            <a:spAutoFit/>
+          </a:bodyPr>
+          <a:lstStyle/>
+          <a:p>
+            <a:pPr marL="285750" indent="-285750">
+              <a:buFont typeface="Arial"/>
+              <a:buChar char="•"/>
+            </a:pPr>
+            <a:r>
+              <a:rPr lang="en-US" sz="1600" dirty="0">
+                <a:latin typeface="Calibri"/>
+                <a:cs typeface="Calibri"/>
+              </a:rPr>
+              <a:t>Using Open CV we created a Shelf health monitoring system to keep track of each row's health in real time.</a:t>
+            </a:r>
+          </a:p>
+          <a:p>
+            <a:pPr marL="285750" indent="-285750">
+              <a:buFont typeface="Arial"/>
+              <a:buChar char="•"/>
+            </a:pPr>
+            <a:r>
+              <a:rPr lang="en-US" sz="1600" dirty="0">
+                <a:latin typeface="Calibri"/>
+                <a:cs typeface="Calibri"/>
+              </a:rPr>
+              <a:t>We estimated the area of the rows for each product and keep subtracting the empty void area to estimate the product availability and health of the row.</a:t>
+            </a:r>
+          </a:p>
+          <a:p>
+            <a:pPr marL="285750" indent="-285750">
+              <a:buFont typeface="Arial"/>
+              <a:buChar char="•"/>
+            </a:pPr>
+            <a:r>
+              <a:rPr lang="en-US" sz="1600" dirty="0">
+                <a:latin typeface="Calibri"/>
+                <a:cs typeface="Calibri"/>
+              </a:rPr>
+              <a:t>We continuously monitor and track the Percentage of area covered with products and display in real time and maintains a database of change in area at the backend.</a:t>
+            </a:r>
+          </a:p>
+          <a:p>
+            <a:pPr marL="285750" indent="-285750">
+              <a:buFont typeface="Arial"/>
+              <a:buChar char="•"/>
+            </a:pPr>
+            <a:r>
+              <a:rPr lang="en-US" sz="1600" dirty="0">
+                <a:latin typeface="Calibri"/>
+                <a:cs typeface="Calibri"/>
+              </a:rPr>
+              <a:t>As soon as the area drops below a certain estimated threshold value, It triggers a notification to the staff that a specific product is going to of Out of stock soon and replenishment of inventory is </a:t>
+            </a:r>
+            <a:r>
+              <a:rPr lang="en-US" sz="1600" dirty="0" err="1">
+                <a:latin typeface="Calibri"/>
+                <a:cs typeface="Calibri"/>
+              </a:rPr>
+              <a:t>requiired</a:t>
+            </a:r>
+            <a:r>
+              <a:rPr lang="en-US" sz="1600" dirty="0">
+                <a:latin typeface="Calibri"/>
+                <a:cs typeface="Calibri"/>
+              </a:rPr>
+              <a:t>.</a:t>
+            </a:r>
+          </a:p>
+          <a:p>
+            <a:pPr marL="285750" indent="-285750">
+              <a:buFont typeface="Arial"/>
+              <a:buChar char="•"/>
+            </a:pPr>
+            <a:r>
+              <a:rPr lang="en-US" sz="1600" dirty="0">
+                <a:latin typeface="Calibri"/>
+                <a:cs typeface="Calibri"/>
+              </a:rPr>
+              <a:t>The solution also notifies the location of shelf , row and the product information about to be Out of stock along with the estimated time of out of stock.</a:t>
+            </a:r>
+          </a:p>
+          <a:p>
+            <a:pPr marL="285750" indent="-285750">
+              <a:buFont typeface="Arial"/>
+              <a:buChar char="•"/>
+            </a:pPr>
+            <a:endParaRPr lang="en-US" sz="1600" dirty="0">
+              <a:latin typeface="Calibri"/>
+              <a:cs typeface="Calibri"/>
+            </a:endParaRPr>
+          </a:p>
+        </p:txBody>
+      </p:sp>
+      <p:graphicFrame>
+        <p:nvGraphicFramePr>
+          <p:cNvPr id="9" name="Diagram 9">
+            <a:extLst>
+              <a:ext uri="{FF2B5EF4-FFF2-40B4-BE49-F238E27FC236}">
+                <a16:creationId xmlns:a16="http://schemas.microsoft.com/office/drawing/2014/main" id="{B26F19FB-C649-404B-BEA3-D7A26F5D5C24}"/>
+              </a:ext>
+            </a:extLst>
+          </p:cNvPr>
+          <p:cNvGraphicFramePr/>
+          <p:nvPr>
+            <p:extLst>
+              <p:ext uri="{D42A27DB-BD31-4B8C-83A1-F6EECF244321}">
+                <p14:modId xmlns:p14="http://schemas.microsoft.com/office/powerpoint/2010/main" val="1900044685"/>
+              </p:ext>
+            </p:extLst>
+          </p:nvPr>
+        </p:nvGraphicFramePr>
+        <p:xfrm>
+          <a:off x="4627217" y="3930374"/>
+          <a:ext cx="2363305" cy="1437861"/>
+        </p:xfrm>
+        <a:graphic>
+          <a:graphicData uri="http://schemas.openxmlformats.org/drawingml/2006/diagram">
+            <dgm:relIds xmlns:dgm="http://schemas.openxmlformats.org/drawingml/2006/diagram" xmlns:r="http://schemas.openxmlformats.org/officeDocument/2006/relationships" r:dm="rId5" r:lo="rId6" r:qs="rId7" r:cs="rId8"/>
+          </a:graphicData>
+        </a:graphic>
+      </p:graphicFrame>
+      <p:sp>
+        <p:nvSpPr>
+          <p:cNvPr id="132" name="TextBox 131">
+            <a:extLst>
+              <a:ext uri="{FF2B5EF4-FFF2-40B4-BE49-F238E27FC236}">
+                <a16:creationId xmlns:a16="http://schemas.microsoft.com/office/drawing/2014/main" id="{87429CEF-B9B0-4FC8-8BD6-AF2D1862E478}"/>
+              </a:ext>
+            </a:extLst>
+          </p:cNvPr>
+          <p:cNvSpPr txBox="1"/>
+          <p:nvPr/>
+        </p:nvSpPr>
+        <p:spPr>
+          <a:xfrm>
+            <a:off x="4492485" y="5530571"/>
+            <a:ext cx="3284330" cy="369332"/>
+          </a:xfrm>
+          <a:prstGeom prst="rect">
+            <a:avLst/>
+          </a:prstGeom>
+          <a:noFill/>
+        </p:spPr>
+        <p:txBody>
+          <a:bodyPr rot="0" spcFirstLastPara="0" vertOverflow="overflow" horzOverflow="overflow" vert="horz" wrap="square" lIns="91440" tIns="45720" rIns="91440" bIns="45720" numCol="1" spcCol="0" rtlCol="0" fromWordArt="0" anchor="t" anchorCtr="0" forceAA="0" compatLnSpc="1">
+            <a:prstTxWarp prst="textNoShape">
+              <a:avLst/>
+            </a:prstTxWarp>
+            <a:spAutoFit/>
+          </a:bodyPr>
+          <a:lstStyle/>
+          <a:p>
+            <a:r>
+              <a:rPr lang="en-US" b="1" dirty="0">
+                <a:cs typeface="Calibri"/>
+              </a:rPr>
+              <a:t>Computer Vision and OpenCV</a:t>
+            </a:r>
+          </a:p>
+        </p:txBody>
+      </p:sp>
     </p:spTree>
     <p:extLst>
       <p:ext uri="{BB962C8B-B14F-4D97-AF65-F5344CB8AC3E}">
         <p14:creationId xmlns:p14="http://schemas.microsoft.com/office/powerpoint/2010/main" val="3465415125"/>
+      </p:ext>
+    </p:extLst>
+  </p:cSld>
+  <p:clrMapOvr>
+    <a:masterClrMapping/>
+  </p:clrMapOvr>
+</p:sld>
+</file>
+
+<file path=ppt/slides/slide5.xml><?xml version="1.0" encoding="utf-8"?>
+<p:sld xmlns:a="http://schemas.openxmlformats.org/drawingml/2006/main" xmlns:r="http://schemas.openxmlformats.org/officeDocument/2006/relationships" xmlns:p="http://schemas.openxmlformats.org/presentationml/2006/main">
+  <p:cSld>
+    <p:spTree>
+      <p:nvGrpSpPr>
+        <p:cNvPr id="1" name=""/>
+        <p:cNvGrpSpPr/>
+        <p:nvPr/>
+      </p:nvGrpSpPr>
+      <p:grpSpPr>
+        <a:xfrm>
+          <a:off x="0" y="0"/>
+          <a:ext cx="0" cy="0"/>
+          <a:chOff x="0" y="0"/>
+          <a:chExt cx="0" cy="0"/>
+        </a:xfrm>
+      </p:grpSpPr>
+      <p:pic>
+        <p:nvPicPr>
+          <p:cNvPr id="2" name="Picture 2" descr="A picture containing drawing&#10;&#10;Description generated with very high confidence">
+            <a:extLst>
+              <a:ext uri="{FF2B5EF4-FFF2-40B4-BE49-F238E27FC236}">
+                <a16:creationId xmlns:a16="http://schemas.microsoft.com/office/drawing/2014/main" id="{C93E87B6-FC87-4665-B258-CAF8D4E5E83E}"/>
+              </a:ext>
+            </a:extLst>
+          </p:cNvPr>
+          <p:cNvPicPr>
+            <a:picLocks noChangeAspect="1"/>
+          </p:cNvPicPr>
+          <p:nvPr/>
+        </p:nvPicPr>
+        <p:blipFill>
+          <a:blip r:embed="rId2"/>
+          <a:stretch>
+            <a:fillRect/>
+          </a:stretch>
+        </p:blipFill>
+        <p:spPr>
+          <a:xfrm>
+            <a:off x="10986188" y="6227692"/>
+            <a:ext cx="1252056" cy="631135"/>
+          </a:xfrm>
+          <a:prstGeom prst="rect">
+            <a:avLst/>
+          </a:prstGeom>
+        </p:spPr>
+      </p:pic>
+      <p:sp>
+        <p:nvSpPr>
+          <p:cNvPr id="3" name="TextBox 2">
+            <a:extLst>
+              <a:ext uri="{FF2B5EF4-FFF2-40B4-BE49-F238E27FC236}">
+                <a16:creationId xmlns:a16="http://schemas.microsoft.com/office/drawing/2014/main" id="{DD6CA0AB-CFD2-47EB-8F8A-A6E7478526BA}"/>
+              </a:ext>
+            </a:extLst>
+          </p:cNvPr>
+          <p:cNvSpPr txBox="1"/>
+          <p:nvPr/>
+        </p:nvSpPr>
+        <p:spPr>
+          <a:xfrm>
+            <a:off x="4558749" y="2118139"/>
+            <a:ext cx="3085547" cy="584775"/>
+          </a:xfrm>
+          <a:prstGeom prst="rect">
+            <a:avLst/>
+          </a:prstGeom>
+          <a:noFill/>
+        </p:spPr>
+        <p:txBody>
+          <a:bodyPr rot="0" spcFirstLastPara="0" vertOverflow="overflow" horzOverflow="overflow" vert="horz" wrap="square" lIns="91440" tIns="45720" rIns="91440" bIns="45720" numCol="1" spcCol="0" rtlCol="0" fromWordArt="0" anchor="t" anchorCtr="0" forceAA="0" compatLnSpc="1">
+            <a:prstTxWarp prst="textNoShape">
+              <a:avLst/>
+            </a:prstTxWarp>
+            <a:spAutoFit/>
+          </a:bodyPr>
+          <a:lstStyle/>
+          <a:p>
+            <a:r>
+              <a:rPr lang="en-US" sz="3200" b="1" dirty="0">
+                <a:solidFill>
+                  <a:schemeClr val="bg2">
+                    <a:lumMod val="25000"/>
+                  </a:schemeClr>
+                </a:solidFill>
+                <a:latin typeface="Arial"/>
+                <a:cs typeface="Calibri"/>
+              </a:rPr>
+              <a:t>THANK YOU</a:t>
+            </a:r>
+          </a:p>
+        </p:txBody>
+      </p:sp>
+      <p:cxnSp>
+        <p:nvCxnSpPr>
+          <p:cNvPr id="4" name="Straight Arrow Connector 3">
+            <a:extLst>
+              <a:ext uri="{FF2B5EF4-FFF2-40B4-BE49-F238E27FC236}">
+                <a16:creationId xmlns:a16="http://schemas.microsoft.com/office/drawing/2014/main" id="{F270D943-2A8D-45DB-852A-EE284A3C29B8}"/>
+              </a:ext>
+            </a:extLst>
+          </p:cNvPr>
+          <p:cNvCxnSpPr/>
+          <p:nvPr/>
+        </p:nvCxnSpPr>
+        <p:spPr>
+          <a:xfrm flipV="1">
+            <a:off x="193676" y="563631"/>
+            <a:ext cx="11672954" cy="1"/>
+          </a:xfrm>
+          <a:prstGeom prst="straightConnector1">
+            <a:avLst/>
+          </a:prstGeom>
+          <a:ln w="12700">
+            <a:solidFill>
+              <a:schemeClr val="accent4"/>
+            </a:solidFill>
+          </a:ln>
+        </p:spPr>
+        <p:style>
+          <a:lnRef idx="1">
+            <a:schemeClr val="accent1"/>
+          </a:lnRef>
+          <a:fillRef idx="0">
+            <a:schemeClr val="accent1"/>
+          </a:fillRef>
+          <a:effectRef idx="0">
+            <a:schemeClr val="accent1"/>
+          </a:effectRef>
+          <a:fontRef idx="minor">
+            <a:schemeClr val="tx1"/>
+          </a:fontRef>
+        </p:style>
+      </p:cxnSp>
+      <p:pic>
+        <p:nvPicPr>
+          <p:cNvPr id="7" name="Picture 2" descr="A picture containing drawing&#10;&#10;Description generated with very high confidence">
+            <a:extLst>
+              <a:ext uri="{FF2B5EF4-FFF2-40B4-BE49-F238E27FC236}">
+                <a16:creationId xmlns:a16="http://schemas.microsoft.com/office/drawing/2014/main" id="{528D81A6-65F5-4CC8-97FD-1E029E9ADDCA}"/>
+              </a:ext>
+            </a:extLst>
+          </p:cNvPr>
+          <p:cNvPicPr>
+            <a:picLocks noChangeAspect="1"/>
+          </p:cNvPicPr>
+          <p:nvPr/>
+        </p:nvPicPr>
+        <p:blipFill>
+          <a:blip r:embed="rId2"/>
+          <a:stretch>
+            <a:fillRect/>
+          </a:stretch>
+        </p:blipFill>
+        <p:spPr>
+          <a:xfrm>
+            <a:off x="4492623" y="3477865"/>
+            <a:ext cx="2952751" cy="1492526"/>
+          </a:xfrm>
+          <a:prstGeom prst="rect">
+            <a:avLst/>
+          </a:prstGeom>
+        </p:spPr>
+      </p:pic>
+    </p:spTree>
+    <p:extLst>
+      <p:ext uri="{BB962C8B-B14F-4D97-AF65-F5344CB8AC3E}">
+        <p14:creationId xmlns:p14="http://schemas.microsoft.com/office/powerpoint/2010/main" val="1417212117"/>
       </p:ext>
     </p:extLst>
   </p:cSld>

--- a/real_time_shelf_tracking/void_detect/P_n_G.pptx
+++ b/real_time_shelf_tracking/void_detect/P_n_G.pptx
@@ -9,6 +9,7 @@
     <p:sldId id="256" r:id="rId3"/>
     <p:sldId id="258" r:id="rId4"/>
     <p:sldId id="259" r:id="rId5"/>
+    <p:sldId id="260" r:id="rId6"/>
   </p:sldIdLst>
   <p:sldSz cx="12192000" cy="6858000"/>
   <p:notesSz cx="6858000" cy="9144000"/>
@@ -119,9 +120,2517 @@
 <p1510:revInfo xmlns:a="http://schemas.openxmlformats.org/drawingml/2006/main" xmlns:r="http://schemas.openxmlformats.org/officeDocument/2006/relationships" xmlns:p1510="http://schemas.microsoft.com/office/powerpoint/2015/10/main">
   <p1510:revLst>
     <p1510:client id="{67D4AA62-AD2C-417B-91CC-B8B49FA111DF}" v="806" dt="2020-05-24T15:45:30.955"/>
-    <p1510:client id="{EA246123-14B2-4286-9736-59D6423DCD60}" v="1380" dt="2020-05-24T16:54:45.689"/>
+    <p1510:client id="{D7B4D332-C2EB-49A9-8650-F11971D926BC}" v="3192" dt="2020-05-24T18:12:30.162"/>
+    <p1510:client id="{EA246123-14B2-4286-9736-59D6423DCD60}" v="4381" dt="2020-05-24T17:41:35.853"/>
   </p1510:revLst>
 </p1510:revInfo>
+</file>
+
+<file path=ppt/diagrams/colors1.xml><?xml version="1.0" encoding="utf-8"?>
+<dgm:colorsDef xmlns:dgm="http://schemas.openxmlformats.org/drawingml/2006/diagram" xmlns:a="http://schemas.openxmlformats.org/drawingml/2006/main" uniqueId="urn:microsoft.com/office/officeart/2005/8/colors/colorful1">
+  <dgm:title val=""/>
+  <dgm:desc val=""/>
+  <dgm:catLst>
+    <dgm:cat type="colorful" pri="10100"/>
+  </dgm:catLst>
+  <dgm:styleLbl name="node0">
+    <dgm:fillClrLst meth="repeat">
+      <a:schemeClr val="accent1"/>
+    </dgm:fillClrLst>
+    <dgm:linClrLst meth="repeat">
+      <a:schemeClr val="lt1"/>
+    </dgm:linClrLst>
+    <dgm:effectClrLst/>
+    <dgm:txLinClrLst/>
+    <dgm:txFillClrLst/>
+    <dgm:txEffectClrLst/>
+  </dgm:styleLbl>
+  <dgm:styleLbl name="node1">
+    <dgm:fillClrLst meth="repeat">
+      <a:schemeClr val="accent2"/>
+      <a:schemeClr val="accent3"/>
+      <a:schemeClr val="accent4"/>
+      <a:schemeClr val="accent5"/>
+      <a:schemeClr val="accent6"/>
+    </dgm:fillClrLst>
+    <dgm:linClrLst meth="repeat">
+      <a:schemeClr val="lt1"/>
+    </dgm:linClrLst>
+    <dgm:effectClrLst/>
+    <dgm:txLinClrLst/>
+    <dgm:txFillClrLst/>
+    <dgm:txEffectClrLst/>
+  </dgm:styleLbl>
+  <dgm:styleLbl name="alignNode1">
+    <dgm:fillClrLst meth="repeat">
+      <a:schemeClr val="accent2"/>
+      <a:schemeClr val="accent3"/>
+      <a:schemeClr val="accent4"/>
+      <a:schemeClr val="accent5"/>
+      <a:schemeClr val="accent6"/>
+    </dgm:fillClrLst>
+    <dgm:linClrLst meth="repeat">
+      <a:schemeClr val="accent2"/>
+      <a:schemeClr val="accent3"/>
+      <a:schemeClr val="accent4"/>
+      <a:schemeClr val="accent5"/>
+      <a:schemeClr val="accent6"/>
+    </dgm:linClrLst>
+    <dgm:effectClrLst/>
+    <dgm:txLinClrLst/>
+    <dgm:txFillClrLst/>
+    <dgm:txEffectClrLst/>
+  </dgm:styleLbl>
+  <dgm:styleLbl name="lnNode1">
+    <dgm:fillClrLst meth="repeat">
+      <a:schemeClr val="accent2"/>
+      <a:schemeClr val="accent3"/>
+      <a:schemeClr val="accent4"/>
+      <a:schemeClr val="accent5"/>
+      <a:schemeClr val="accent6"/>
+    </dgm:fillClrLst>
+    <dgm:linClrLst meth="repeat">
+      <a:schemeClr val="lt1"/>
+    </dgm:linClrLst>
+    <dgm:effectClrLst/>
+    <dgm:txLinClrLst/>
+    <dgm:txFillClrLst/>
+    <dgm:txEffectClrLst/>
+  </dgm:styleLbl>
+  <dgm:styleLbl name="vennNode1">
+    <dgm:fillClrLst meth="repeat">
+      <a:schemeClr val="accent2">
+        <a:alpha val="50000"/>
+      </a:schemeClr>
+      <a:schemeClr val="accent3">
+        <a:alpha val="50000"/>
+      </a:schemeClr>
+      <a:schemeClr val="accent4">
+        <a:alpha val="50000"/>
+      </a:schemeClr>
+      <a:schemeClr val="accent5">
+        <a:alpha val="50000"/>
+      </a:schemeClr>
+      <a:schemeClr val="accent6">
+        <a:alpha val="50000"/>
+      </a:schemeClr>
+    </dgm:fillClrLst>
+    <dgm:linClrLst meth="repeat">
+      <a:schemeClr val="lt1"/>
+    </dgm:linClrLst>
+    <dgm:effectClrLst/>
+    <dgm:txLinClrLst/>
+    <dgm:txFillClrLst/>
+    <dgm:txEffectClrLst/>
+  </dgm:styleLbl>
+  <dgm:styleLbl name="node2">
+    <dgm:fillClrLst>
+      <a:schemeClr val="accent2"/>
+    </dgm:fillClrLst>
+    <dgm:linClrLst meth="repeat">
+      <a:schemeClr val="lt1"/>
+    </dgm:linClrLst>
+    <dgm:effectClrLst/>
+    <dgm:txLinClrLst/>
+    <dgm:txFillClrLst/>
+    <dgm:txEffectClrLst/>
+  </dgm:styleLbl>
+  <dgm:styleLbl name="node3">
+    <dgm:fillClrLst>
+      <a:schemeClr val="accent3"/>
+    </dgm:fillClrLst>
+    <dgm:linClrLst meth="repeat">
+      <a:schemeClr val="lt1"/>
+    </dgm:linClrLst>
+    <dgm:effectClrLst/>
+    <dgm:txLinClrLst/>
+    <dgm:txFillClrLst/>
+    <dgm:txEffectClrLst/>
+  </dgm:styleLbl>
+  <dgm:styleLbl name="node4">
+    <dgm:fillClrLst>
+      <a:schemeClr val="accent4"/>
+    </dgm:fillClrLst>
+    <dgm:linClrLst meth="repeat">
+      <a:schemeClr val="lt1"/>
+    </dgm:linClrLst>
+    <dgm:effectClrLst/>
+    <dgm:txLinClrLst/>
+    <dgm:txFillClrLst/>
+    <dgm:txEffectClrLst/>
+  </dgm:styleLbl>
+  <dgm:styleLbl name="fgImgPlace1">
+    <dgm:fillClrLst meth="repeat">
+      <a:schemeClr val="accent2">
+        <a:tint val="50000"/>
+      </a:schemeClr>
+      <a:schemeClr val="accent3">
+        <a:tint val="50000"/>
+      </a:schemeClr>
+      <a:schemeClr val="accent4">
+        <a:tint val="50000"/>
+      </a:schemeClr>
+      <a:schemeClr val="accent5">
+        <a:tint val="50000"/>
+      </a:schemeClr>
+      <a:schemeClr val="accent6">
+        <a:tint val="50000"/>
+      </a:schemeClr>
+    </dgm:fillClrLst>
+    <dgm:linClrLst meth="repeat">
+      <a:schemeClr val="lt1"/>
+    </dgm:linClrLst>
+    <dgm:effectClrLst/>
+    <dgm:txLinClrLst/>
+    <dgm:txFillClrLst meth="repeat">
+      <a:schemeClr val="lt1"/>
+    </dgm:txFillClrLst>
+    <dgm:txEffectClrLst/>
+  </dgm:styleLbl>
+  <dgm:styleLbl name="alignImgPlace1">
+    <dgm:fillClrLst>
+      <a:schemeClr val="accent1">
+        <a:tint val="50000"/>
+      </a:schemeClr>
+      <a:schemeClr val="accent2">
+        <a:tint val="20000"/>
+      </a:schemeClr>
+    </dgm:fillClrLst>
+    <dgm:linClrLst meth="repeat">
+      <a:schemeClr val="lt1"/>
+    </dgm:linClrLst>
+    <dgm:effectClrLst/>
+    <dgm:txLinClrLst/>
+    <dgm:txFillClrLst meth="repeat">
+      <a:schemeClr val="lt1"/>
+    </dgm:txFillClrLst>
+    <dgm:txEffectClrLst/>
+  </dgm:styleLbl>
+  <dgm:styleLbl name="bgImgPlace1">
+    <dgm:fillClrLst>
+      <a:schemeClr val="accent1">
+        <a:tint val="50000"/>
+      </a:schemeClr>
+      <a:schemeClr val="accent2">
+        <a:tint val="20000"/>
+      </a:schemeClr>
+    </dgm:fillClrLst>
+    <dgm:linClrLst meth="repeat">
+      <a:schemeClr val="lt1"/>
+    </dgm:linClrLst>
+    <dgm:effectClrLst/>
+    <dgm:txLinClrLst/>
+    <dgm:txFillClrLst meth="repeat">
+      <a:schemeClr val="lt1"/>
+    </dgm:txFillClrLst>
+    <dgm:txEffectClrLst/>
+  </dgm:styleLbl>
+  <dgm:styleLbl name="sibTrans2D1">
+    <dgm:fillClrLst meth="repeat">
+      <a:schemeClr val="accent2"/>
+      <a:schemeClr val="accent3"/>
+      <a:schemeClr val="accent4"/>
+      <a:schemeClr val="accent5"/>
+      <a:schemeClr val="accent6"/>
+    </dgm:fillClrLst>
+    <dgm:linClrLst meth="cycle">
+      <a:schemeClr val="lt1"/>
+    </dgm:linClrLst>
+    <dgm:effectClrLst/>
+    <dgm:txLinClrLst/>
+    <dgm:txFillClrLst/>
+    <dgm:txEffectClrLst/>
+  </dgm:styleLbl>
+  <dgm:styleLbl name="fgSibTrans2D1">
+    <dgm:fillClrLst meth="repeat">
+      <a:schemeClr val="accent2"/>
+      <a:schemeClr val="accent3"/>
+      <a:schemeClr val="accent4"/>
+      <a:schemeClr val="accent5"/>
+      <a:schemeClr val="accent6"/>
+    </dgm:fillClrLst>
+    <dgm:linClrLst meth="cycle">
+      <a:schemeClr val="lt1"/>
+    </dgm:linClrLst>
+    <dgm:effectClrLst/>
+    <dgm:txLinClrLst/>
+    <dgm:txFillClrLst meth="repeat">
+      <a:schemeClr val="lt1"/>
+    </dgm:txFillClrLst>
+    <dgm:txEffectClrLst/>
+  </dgm:styleLbl>
+  <dgm:styleLbl name="bgSibTrans2D1">
+    <dgm:fillClrLst meth="repeat">
+      <a:schemeClr val="accent2"/>
+      <a:schemeClr val="accent3"/>
+      <a:schemeClr val="accent4"/>
+      <a:schemeClr val="accent5"/>
+      <a:schemeClr val="accent6"/>
+    </dgm:fillClrLst>
+    <dgm:linClrLst meth="cycle">
+      <a:schemeClr val="lt1"/>
+    </dgm:linClrLst>
+    <dgm:effectClrLst/>
+    <dgm:txLinClrLst/>
+    <dgm:txFillClrLst meth="repeat">
+      <a:schemeClr val="lt1"/>
+    </dgm:txFillClrLst>
+    <dgm:txEffectClrLst/>
+  </dgm:styleLbl>
+  <dgm:styleLbl name="sibTrans1D1">
+    <dgm:fillClrLst meth="repeat">
+      <a:schemeClr val="accent2"/>
+      <a:schemeClr val="accent3"/>
+      <a:schemeClr val="accent4"/>
+      <a:schemeClr val="accent5"/>
+      <a:schemeClr val="accent6"/>
+    </dgm:fillClrLst>
+    <dgm:linClrLst meth="repeat">
+      <a:schemeClr val="accent2"/>
+      <a:schemeClr val="accent3"/>
+      <a:schemeClr val="accent4"/>
+      <a:schemeClr val="accent5"/>
+      <a:schemeClr val="accent6"/>
+    </dgm:linClrLst>
+    <dgm:effectClrLst/>
+    <dgm:txLinClrLst/>
+    <dgm:txFillClrLst meth="repeat">
+      <a:schemeClr val="tx1"/>
+    </dgm:txFillClrLst>
+    <dgm:txEffectClrLst/>
+  </dgm:styleLbl>
+  <dgm:styleLbl name="callout">
+    <dgm:fillClrLst meth="repeat">
+      <a:schemeClr val="accent2"/>
+    </dgm:fillClrLst>
+    <dgm:linClrLst meth="repeat">
+      <a:schemeClr val="accent2">
+        <a:tint val="50000"/>
+      </a:schemeClr>
+    </dgm:linClrLst>
+    <dgm:effectClrLst/>
+    <dgm:txLinClrLst/>
+    <dgm:txFillClrLst meth="repeat">
+      <a:schemeClr val="tx1"/>
+    </dgm:txFillClrLst>
+    <dgm:txEffectClrLst/>
+  </dgm:styleLbl>
+  <dgm:styleLbl name="asst0">
+    <dgm:fillClrLst meth="repeat">
+      <a:schemeClr val="accent1"/>
+    </dgm:fillClrLst>
+    <dgm:linClrLst meth="repeat">
+      <a:schemeClr val="lt1"/>
+    </dgm:linClrLst>
+    <dgm:effectClrLst/>
+    <dgm:txLinClrLst/>
+    <dgm:txFillClrLst/>
+    <dgm:txEffectClrLst/>
+  </dgm:styleLbl>
+  <dgm:styleLbl name="asst1">
+    <dgm:fillClrLst meth="repeat">
+      <a:schemeClr val="accent2"/>
+    </dgm:fillClrLst>
+    <dgm:linClrLst meth="repeat">
+      <a:schemeClr val="lt1"/>
+    </dgm:linClrLst>
+    <dgm:effectClrLst/>
+    <dgm:txLinClrLst/>
+    <dgm:txFillClrLst/>
+    <dgm:txEffectClrLst/>
+  </dgm:styleLbl>
+  <dgm:styleLbl name="asst2">
+    <dgm:fillClrLst>
+      <a:schemeClr val="accent3"/>
+    </dgm:fillClrLst>
+    <dgm:linClrLst meth="repeat">
+      <a:schemeClr val="lt1"/>
+    </dgm:linClrLst>
+    <dgm:effectClrLst/>
+    <dgm:txLinClrLst/>
+    <dgm:txFillClrLst/>
+    <dgm:txEffectClrLst/>
+  </dgm:styleLbl>
+  <dgm:styleLbl name="asst3">
+    <dgm:fillClrLst>
+      <a:schemeClr val="accent4"/>
+    </dgm:fillClrLst>
+    <dgm:linClrLst meth="repeat">
+      <a:schemeClr val="lt1"/>
+    </dgm:linClrLst>
+    <dgm:effectClrLst/>
+    <dgm:txLinClrLst/>
+    <dgm:txFillClrLst/>
+    <dgm:txEffectClrLst/>
+  </dgm:styleLbl>
+  <dgm:styleLbl name="asst4">
+    <dgm:fillClrLst>
+      <a:schemeClr val="accent5"/>
+    </dgm:fillClrLst>
+    <dgm:linClrLst meth="repeat">
+      <a:schemeClr val="lt1"/>
+    </dgm:linClrLst>
+    <dgm:effectClrLst/>
+    <dgm:txLinClrLst/>
+    <dgm:txFillClrLst/>
+    <dgm:txEffectClrLst/>
+  </dgm:styleLbl>
+  <dgm:styleLbl name="parChTrans2D1">
+    <dgm:fillClrLst meth="repeat">
+      <a:schemeClr val="accent2"/>
+    </dgm:fillClrLst>
+    <dgm:linClrLst meth="repeat">
+      <a:schemeClr val="lt1"/>
+    </dgm:linClrLst>
+    <dgm:effectClrLst/>
+    <dgm:txLinClrLst/>
+    <dgm:txFillClrLst meth="repeat">
+      <a:schemeClr val="lt1"/>
+    </dgm:txFillClrLst>
+    <dgm:txEffectClrLst/>
+  </dgm:styleLbl>
+  <dgm:styleLbl name="parChTrans2D2">
+    <dgm:fillClrLst meth="repeat">
+      <a:schemeClr val="accent3"/>
+    </dgm:fillClrLst>
+    <dgm:linClrLst meth="repeat">
+      <a:schemeClr val="lt1"/>
+    </dgm:linClrLst>
+    <dgm:effectClrLst/>
+    <dgm:txLinClrLst/>
+    <dgm:txFillClrLst/>
+    <dgm:txEffectClrLst/>
+  </dgm:styleLbl>
+  <dgm:styleLbl name="parChTrans2D3">
+    <dgm:fillClrLst meth="repeat">
+      <a:schemeClr val="accent4"/>
+    </dgm:fillClrLst>
+    <dgm:linClrLst meth="repeat">
+      <a:schemeClr val="lt1"/>
+    </dgm:linClrLst>
+    <dgm:effectClrLst/>
+    <dgm:txLinClrLst/>
+    <dgm:txFillClrLst/>
+    <dgm:txEffectClrLst/>
+  </dgm:styleLbl>
+  <dgm:styleLbl name="parChTrans2D4">
+    <dgm:fillClrLst meth="repeat">
+      <a:schemeClr val="accent5"/>
+    </dgm:fillClrLst>
+    <dgm:linClrLst meth="repeat">
+      <a:schemeClr val="lt1"/>
+    </dgm:linClrLst>
+    <dgm:effectClrLst/>
+    <dgm:txLinClrLst/>
+    <dgm:txFillClrLst meth="repeat">
+      <a:schemeClr val="lt1"/>
+    </dgm:txFillClrLst>
+    <dgm:txEffectClrLst/>
+  </dgm:styleLbl>
+  <dgm:styleLbl name="parChTrans1D1">
+    <dgm:fillClrLst meth="repeat">
+      <a:schemeClr val="accent2"/>
+    </dgm:fillClrLst>
+    <dgm:linClrLst meth="repeat">
+      <a:schemeClr val="accent1"/>
+    </dgm:linClrLst>
+    <dgm:effectClrLst/>
+    <dgm:txLinClrLst/>
+    <dgm:txFillClrLst meth="repeat">
+      <a:schemeClr val="tx1"/>
+    </dgm:txFillClrLst>
+    <dgm:txEffectClrLst/>
+  </dgm:styleLbl>
+  <dgm:styleLbl name="parChTrans1D2">
+    <dgm:fillClrLst meth="repeat">
+      <a:schemeClr val="accent3">
+        <a:tint val="90000"/>
+      </a:schemeClr>
+    </dgm:fillClrLst>
+    <dgm:linClrLst meth="repeat">
+      <a:schemeClr val="accent2"/>
+    </dgm:linClrLst>
+    <dgm:effectClrLst/>
+    <dgm:txLinClrLst/>
+    <dgm:txFillClrLst meth="repeat">
+      <a:schemeClr val="tx1"/>
+    </dgm:txFillClrLst>
+    <dgm:txEffectClrLst/>
+  </dgm:styleLbl>
+  <dgm:styleLbl name="parChTrans1D3">
+    <dgm:fillClrLst meth="repeat">
+      <a:schemeClr val="accent4">
+        <a:tint val="70000"/>
+      </a:schemeClr>
+    </dgm:fillClrLst>
+    <dgm:linClrLst meth="repeat">
+      <a:schemeClr val="accent3"/>
+    </dgm:linClrLst>
+    <dgm:effectClrLst/>
+    <dgm:txLinClrLst/>
+    <dgm:txFillClrLst meth="repeat">
+      <a:schemeClr val="tx1"/>
+    </dgm:txFillClrLst>
+    <dgm:txEffectClrLst/>
+  </dgm:styleLbl>
+  <dgm:styleLbl name="parChTrans1D4">
+    <dgm:fillClrLst meth="repeat">
+      <a:schemeClr val="accent5">
+        <a:tint val="50000"/>
+      </a:schemeClr>
+    </dgm:fillClrLst>
+    <dgm:linClrLst meth="repeat">
+      <a:schemeClr val="accent4"/>
+    </dgm:linClrLst>
+    <dgm:effectClrLst/>
+    <dgm:txLinClrLst/>
+    <dgm:txFillClrLst meth="repeat">
+      <a:schemeClr val="tx1"/>
+    </dgm:txFillClrLst>
+    <dgm:txEffectClrLst/>
+  </dgm:styleLbl>
+  <dgm:styleLbl name="fgAcc1">
+    <dgm:fillClrLst meth="repeat">
+      <a:schemeClr val="lt1">
+        <a:alpha val="90000"/>
+      </a:schemeClr>
+    </dgm:fillClrLst>
+    <dgm:linClrLst meth="repeat">
+      <a:schemeClr val="accent2"/>
+      <a:schemeClr val="accent3"/>
+      <a:schemeClr val="accent4"/>
+      <a:schemeClr val="accent5"/>
+      <a:schemeClr val="accent6"/>
+    </dgm:linClrLst>
+    <dgm:effectClrLst/>
+    <dgm:txLinClrLst/>
+    <dgm:txFillClrLst meth="repeat">
+      <a:schemeClr val="dk1"/>
+    </dgm:txFillClrLst>
+    <dgm:txEffectClrLst/>
+  </dgm:styleLbl>
+  <dgm:styleLbl name="conFgAcc1">
+    <dgm:fillClrLst meth="repeat">
+      <a:schemeClr val="lt1">
+        <a:alpha val="90000"/>
+      </a:schemeClr>
+    </dgm:fillClrLst>
+    <dgm:linClrLst meth="repeat">
+      <a:schemeClr val="accent2"/>
+      <a:schemeClr val="accent3"/>
+      <a:schemeClr val="accent4"/>
+      <a:schemeClr val="accent5"/>
+      <a:schemeClr val="accent6"/>
+    </dgm:linClrLst>
+    <dgm:effectClrLst/>
+    <dgm:txLinClrLst/>
+    <dgm:txFillClrLst meth="repeat">
+      <a:schemeClr val="dk1"/>
+    </dgm:txFillClrLst>
+    <dgm:txEffectClrLst/>
+  </dgm:styleLbl>
+  <dgm:styleLbl name="alignAcc1">
+    <dgm:fillClrLst meth="repeat">
+      <a:schemeClr val="lt1">
+        <a:alpha val="90000"/>
+      </a:schemeClr>
+    </dgm:fillClrLst>
+    <dgm:linClrLst meth="repeat">
+      <a:schemeClr val="accent2"/>
+      <a:schemeClr val="accent3"/>
+      <a:schemeClr val="accent4"/>
+      <a:schemeClr val="accent5"/>
+      <a:schemeClr val="accent6"/>
+    </dgm:linClrLst>
+    <dgm:effectClrLst/>
+    <dgm:txLinClrLst/>
+    <dgm:txFillClrLst meth="repeat">
+      <a:schemeClr val="dk1"/>
+    </dgm:txFillClrLst>
+    <dgm:txEffectClrLst/>
+  </dgm:styleLbl>
+  <dgm:styleLbl name="trAlignAcc1">
+    <dgm:fillClrLst meth="repeat">
+      <a:schemeClr val="lt1">
+        <a:alpha val="40000"/>
+      </a:schemeClr>
+    </dgm:fillClrLst>
+    <dgm:linClrLst meth="repeat">
+      <a:schemeClr val="accent1"/>
+    </dgm:linClrLst>
+    <dgm:effectClrLst/>
+    <dgm:txLinClrLst/>
+    <dgm:txFillClrLst meth="repeat">
+      <a:schemeClr val="dk1"/>
+    </dgm:txFillClrLst>
+    <dgm:txEffectClrLst/>
+  </dgm:styleLbl>
+  <dgm:styleLbl name="bgAcc1">
+    <dgm:fillClrLst meth="repeat">
+      <a:schemeClr val="lt1">
+        <a:alpha val="90000"/>
+      </a:schemeClr>
+    </dgm:fillClrLst>
+    <dgm:linClrLst meth="repeat">
+      <a:schemeClr val="accent2"/>
+      <a:schemeClr val="accent3"/>
+      <a:schemeClr val="accent4"/>
+      <a:schemeClr val="accent5"/>
+      <a:schemeClr val="accent6"/>
+    </dgm:linClrLst>
+    <dgm:effectClrLst/>
+    <dgm:txLinClrLst/>
+    <dgm:txFillClrLst meth="repeat">
+      <a:schemeClr val="dk1"/>
+    </dgm:txFillClrLst>
+    <dgm:txEffectClrLst/>
+  </dgm:styleLbl>
+  <dgm:styleLbl name="solidFgAcc1">
+    <dgm:fillClrLst meth="repeat">
+      <a:schemeClr val="lt1"/>
+    </dgm:fillClrLst>
+    <dgm:linClrLst meth="repeat">
+      <a:schemeClr val="accent2"/>
+      <a:schemeClr val="accent3"/>
+      <a:schemeClr val="accent4"/>
+      <a:schemeClr val="accent5"/>
+      <a:schemeClr val="accent6"/>
+    </dgm:linClrLst>
+    <dgm:effectClrLst/>
+    <dgm:txLinClrLst/>
+    <dgm:txFillClrLst meth="repeat">
+      <a:schemeClr val="dk1"/>
+    </dgm:txFillClrLst>
+    <dgm:txEffectClrLst/>
+  </dgm:styleLbl>
+  <dgm:styleLbl name="solidAlignAcc1">
+    <dgm:fillClrLst meth="repeat">
+      <a:schemeClr val="lt1"/>
+    </dgm:fillClrLst>
+    <dgm:linClrLst meth="repeat">
+      <a:schemeClr val="accent2"/>
+      <a:schemeClr val="accent3"/>
+      <a:schemeClr val="accent4"/>
+      <a:schemeClr val="accent5"/>
+      <a:schemeClr val="accent6"/>
+    </dgm:linClrLst>
+    <dgm:effectClrLst/>
+    <dgm:txLinClrLst/>
+    <dgm:txFillClrLst meth="repeat">
+      <a:schemeClr val="dk1"/>
+    </dgm:txFillClrLst>
+    <dgm:txEffectClrLst/>
+  </dgm:styleLbl>
+  <dgm:styleLbl name="solidBgAcc1">
+    <dgm:fillClrLst meth="repeat">
+      <a:schemeClr val="lt1"/>
+    </dgm:fillClrLst>
+    <dgm:linClrLst meth="repeat">
+      <a:schemeClr val="accent2"/>
+      <a:schemeClr val="accent3"/>
+      <a:schemeClr val="accent4"/>
+      <a:schemeClr val="accent5"/>
+      <a:schemeClr val="accent6"/>
+    </dgm:linClrLst>
+    <dgm:effectClrLst/>
+    <dgm:txLinClrLst/>
+    <dgm:txFillClrLst meth="repeat">
+      <a:schemeClr val="dk1"/>
+    </dgm:txFillClrLst>
+    <dgm:txEffectClrLst/>
+  </dgm:styleLbl>
+  <dgm:styleLbl name="fgAccFollowNode1">
+    <dgm:fillClrLst meth="repeat">
+      <a:schemeClr val="accent2">
+        <a:tint val="40000"/>
+        <a:alpha val="90000"/>
+      </a:schemeClr>
+      <a:schemeClr val="accent3">
+        <a:tint val="40000"/>
+        <a:alpha val="90000"/>
+      </a:schemeClr>
+      <a:schemeClr val="accent4">
+        <a:tint val="40000"/>
+        <a:alpha val="90000"/>
+      </a:schemeClr>
+      <a:schemeClr val="accent5">
+        <a:tint val="40000"/>
+        <a:alpha val="90000"/>
+      </a:schemeClr>
+      <a:schemeClr val="accent6">
+        <a:tint val="40000"/>
+        <a:alpha val="90000"/>
+      </a:schemeClr>
+    </dgm:fillClrLst>
+    <dgm:linClrLst meth="repeat">
+      <a:schemeClr val="accent2">
+        <a:tint val="40000"/>
+        <a:alpha val="90000"/>
+      </a:schemeClr>
+      <a:schemeClr val="accent3">
+        <a:tint val="40000"/>
+        <a:alpha val="90000"/>
+      </a:schemeClr>
+      <a:schemeClr val="accent4">
+        <a:tint val="40000"/>
+        <a:alpha val="90000"/>
+      </a:schemeClr>
+      <a:schemeClr val="accent5">
+        <a:tint val="40000"/>
+        <a:alpha val="90000"/>
+      </a:schemeClr>
+      <a:schemeClr val="accent6">
+        <a:tint val="40000"/>
+        <a:alpha val="90000"/>
+      </a:schemeClr>
+    </dgm:linClrLst>
+    <dgm:effectClrLst/>
+    <dgm:txLinClrLst/>
+    <dgm:txFillClrLst meth="repeat">
+      <a:schemeClr val="dk1"/>
+    </dgm:txFillClrLst>
+    <dgm:txEffectClrLst/>
+  </dgm:styleLbl>
+  <dgm:styleLbl name="alignAccFollowNode1">
+    <dgm:fillClrLst meth="repeat">
+      <a:schemeClr val="accent2">
+        <a:tint val="40000"/>
+        <a:alpha val="90000"/>
+      </a:schemeClr>
+      <a:schemeClr val="accent3">
+        <a:tint val="40000"/>
+        <a:alpha val="90000"/>
+      </a:schemeClr>
+      <a:schemeClr val="accent4">
+        <a:tint val="40000"/>
+        <a:alpha val="90000"/>
+      </a:schemeClr>
+      <a:schemeClr val="accent5">
+        <a:tint val="40000"/>
+        <a:alpha val="90000"/>
+      </a:schemeClr>
+      <a:schemeClr val="accent6">
+        <a:tint val="40000"/>
+        <a:alpha val="90000"/>
+      </a:schemeClr>
+    </dgm:fillClrLst>
+    <dgm:linClrLst meth="repeat">
+      <a:schemeClr val="accent2">
+        <a:tint val="40000"/>
+        <a:alpha val="90000"/>
+      </a:schemeClr>
+      <a:schemeClr val="accent3">
+        <a:tint val="40000"/>
+        <a:alpha val="90000"/>
+      </a:schemeClr>
+      <a:schemeClr val="accent4">
+        <a:tint val="40000"/>
+        <a:alpha val="90000"/>
+      </a:schemeClr>
+      <a:schemeClr val="accent5">
+        <a:tint val="40000"/>
+        <a:alpha val="90000"/>
+      </a:schemeClr>
+      <a:schemeClr val="accent6">
+        <a:tint val="40000"/>
+        <a:alpha val="90000"/>
+      </a:schemeClr>
+    </dgm:linClrLst>
+    <dgm:effectClrLst/>
+    <dgm:txLinClrLst/>
+    <dgm:txFillClrLst meth="repeat">
+      <a:schemeClr val="dk1"/>
+    </dgm:txFillClrLst>
+    <dgm:txEffectClrLst/>
+  </dgm:styleLbl>
+  <dgm:styleLbl name="bgAccFollowNode1">
+    <dgm:fillClrLst meth="repeat">
+      <a:schemeClr val="accent2">
+        <a:tint val="40000"/>
+        <a:alpha val="90000"/>
+      </a:schemeClr>
+      <a:schemeClr val="accent3">
+        <a:tint val="40000"/>
+        <a:alpha val="90000"/>
+      </a:schemeClr>
+      <a:schemeClr val="accent4">
+        <a:tint val="40000"/>
+        <a:alpha val="90000"/>
+      </a:schemeClr>
+      <a:schemeClr val="accent5">
+        <a:tint val="40000"/>
+        <a:alpha val="90000"/>
+      </a:schemeClr>
+      <a:schemeClr val="accent6">
+        <a:tint val="40000"/>
+        <a:alpha val="90000"/>
+      </a:schemeClr>
+    </dgm:fillClrLst>
+    <dgm:linClrLst meth="repeat">
+      <a:schemeClr val="accent2">
+        <a:tint val="40000"/>
+        <a:alpha val="90000"/>
+      </a:schemeClr>
+      <a:schemeClr val="accent3">
+        <a:tint val="40000"/>
+        <a:alpha val="90000"/>
+      </a:schemeClr>
+      <a:schemeClr val="accent4">
+        <a:tint val="40000"/>
+        <a:alpha val="90000"/>
+      </a:schemeClr>
+      <a:schemeClr val="accent5">
+        <a:tint val="40000"/>
+        <a:alpha val="90000"/>
+      </a:schemeClr>
+      <a:schemeClr val="accent6">
+        <a:tint val="40000"/>
+        <a:alpha val="90000"/>
+      </a:schemeClr>
+    </dgm:linClrLst>
+    <dgm:effectClrLst/>
+    <dgm:txLinClrLst/>
+    <dgm:txFillClrLst meth="repeat">
+      <a:schemeClr val="dk1"/>
+    </dgm:txFillClrLst>
+    <dgm:txEffectClrLst/>
+  </dgm:styleLbl>
+  <dgm:styleLbl name="fgAcc0">
+    <dgm:fillClrLst meth="repeat">
+      <a:schemeClr val="lt1">
+        <a:alpha val="90000"/>
+      </a:schemeClr>
+    </dgm:fillClrLst>
+    <dgm:linClrLst>
+      <a:schemeClr val="accent1"/>
+    </dgm:linClrLst>
+    <dgm:effectClrLst/>
+    <dgm:txLinClrLst/>
+    <dgm:txFillClrLst meth="repeat">
+      <a:schemeClr val="dk1"/>
+    </dgm:txFillClrLst>
+    <dgm:txEffectClrLst/>
+  </dgm:styleLbl>
+  <dgm:styleLbl name="fgAcc2">
+    <dgm:fillClrLst meth="repeat">
+      <a:schemeClr val="lt1">
+        <a:alpha val="90000"/>
+      </a:schemeClr>
+    </dgm:fillClrLst>
+    <dgm:linClrLst>
+      <a:schemeClr val="accent2"/>
+    </dgm:linClrLst>
+    <dgm:effectClrLst/>
+    <dgm:txLinClrLst/>
+    <dgm:txFillClrLst meth="repeat">
+      <a:schemeClr val="dk1"/>
+    </dgm:txFillClrLst>
+    <dgm:txEffectClrLst/>
+  </dgm:styleLbl>
+  <dgm:styleLbl name="fgAcc3">
+    <dgm:fillClrLst meth="repeat">
+      <a:schemeClr val="lt1">
+        <a:alpha val="90000"/>
+      </a:schemeClr>
+    </dgm:fillClrLst>
+    <dgm:linClrLst>
+      <a:schemeClr val="accent3"/>
+    </dgm:linClrLst>
+    <dgm:effectClrLst/>
+    <dgm:txLinClrLst/>
+    <dgm:txFillClrLst meth="repeat">
+      <a:schemeClr val="dk1"/>
+    </dgm:txFillClrLst>
+    <dgm:txEffectClrLst/>
+  </dgm:styleLbl>
+  <dgm:styleLbl name="fgAcc4">
+    <dgm:fillClrLst meth="repeat">
+      <a:schemeClr val="lt1">
+        <a:alpha val="90000"/>
+      </a:schemeClr>
+    </dgm:fillClrLst>
+    <dgm:linClrLst>
+      <a:schemeClr val="accent4"/>
+    </dgm:linClrLst>
+    <dgm:effectClrLst/>
+    <dgm:txLinClrLst/>
+    <dgm:txFillClrLst meth="repeat">
+      <a:schemeClr val="dk1"/>
+    </dgm:txFillClrLst>
+    <dgm:txEffectClrLst/>
+  </dgm:styleLbl>
+  <dgm:styleLbl name="bgShp">
+    <dgm:fillClrLst meth="repeat">
+      <a:schemeClr val="accent2">
+        <a:tint val="40000"/>
+      </a:schemeClr>
+    </dgm:fillClrLst>
+    <dgm:linClrLst meth="repeat">
+      <a:schemeClr val="dk1"/>
+    </dgm:linClrLst>
+    <dgm:effectClrLst/>
+    <dgm:txLinClrLst/>
+    <dgm:txFillClrLst meth="repeat">
+      <a:schemeClr val="dk1"/>
+    </dgm:txFillClrLst>
+    <dgm:txEffectClrLst/>
+  </dgm:styleLbl>
+  <dgm:styleLbl name="dkBgShp">
+    <dgm:fillClrLst meth="repeat">
+      <a:schemeClr val="accent2">
+        <a:shade val="90000"/>
+      </a:schemeClr>
+    </dgm:fillClrLst>
+    <dgm:linClrLst meth="repeat">
+      <a:schemeClr val="dk1"/>
+    </dgm:linClrLst>
+    <dgm:effectClrLst/>
+    <dgm:txLinClrLst/>
+    <dgm:txFillClrLst meth="repeat">
+      <a:schemeClr val="lt1"/>
+    </dgm:txFillClrLst>
+    <dgm:txEffectClrLst/>
+  </dgm:styleLbl>
+  <dgm:styleLbl name="trBgShp">
+    <dgm:fillClrLst meth="repeat">
+      <a:schemeClr val="accent1">
+        <a:tint val="50000"/>
+        <a:alpha val="40000"/>
+      </a:schemeClr>
+    </dgm:fillClrLst>
+    <dgm:linClrLst meth="repeat">
+      <a:schemeClr val="accent2"/>
+    </dgm:linClrLst>
+    <dgm:effectClrLst/>
+    <dgm:txLinClrLst/>
+    <dgm:txFillClrLst meth="repeat">
+      <a:schemeClr val="lt1"/>
+    </dgm:txFillClrLst>
+    <dgm:txEffectClrLst/>
+  </dgm:styleLbl>
+  <dgm:styleLbl name="fgShp">
+    <dgm:fillClrLst meth="repeat">
+      <a:schemeClr val="accent2">
+        <a:tint val="40000"/>
+      </a:schemeClr>
+    </dgm:fillClrLst>
+    <dgm:linClrLst meth="repeat">
+      <a:schemeClr val="lt1"/>
+    </dgm:linClrLst>
+    <dgm:effectClrLst/>
+    <dgm:txLinClrLst/>
+    <dgm:txFillClrLst meth="repeat">
+      <a:schemeClr val="dk1"/>
+    </dgm:txFillClrLst>
+    <dgm:txEffectClrLst/>
+  </dgm:styleLbl>
+  <dgm:styleLbl name="revTx">
+    <dgm:fillClrLst meth="repeat">
+      <a:schemeClr val="lt1">
+        <a:alpha val="0"/>
+      </a:schemeClr>
+    </dgm:fillClrLst>
+    <dgm:linClrLst meth="repeat">
+      <a:schemeClr val="dk1">
+        <a:alpha val="0"/>
+      </a:schemeClr>
+    </dgm:linClrLst>
+    <dgm:effectClrLst/>
+    <dgm:txLinClrLst/>
+    <dgm:txFillClrLst meth="repeat">
+      <a:schemeClr val="tx1"/>
+    </dgm:txFillClrLst>
+    <dgm:txEffectClrLst/>
+  </dgm:styleLbl>
+</dgm:colorsDef>
+</file>
+
+<file path=ppt/diagrams/data1.xml><?xml version="1.0" encoding="utf-8"?>
+<dgm:dataModel xmlns:dgm="http://schemas.openxmlformats.org/drawingml/2006/diagram" xmlns:a="http://schemas.openxmlformats.org/drawingml/2006/main">
+  <dgm:ptLst>
+    <dgm:pt modelId="{E2E10DA0-E667-4557-9269-0CBCE1B400FF}" type="doc">
+      <dgm:prSet loTypeId="urn:microsoft.com/office/officeart/2005/8/layout/hProcess3" loCatId="process" qsTypeId="urn:microsoft.com/office/officeart/2005/8/quickstyle/simple1" qsCatId="simple" csTypeId="urn:microsoft.com/office/officeart/2005/8/colors/colorful1" csCatId="colorful" phldr="1"/>
+      <dgm:spPr/>
+    </dgm:pt>
+    <dgm:pt modelId="{E2DEA5A0-5EAE-48A9-8AC3-67106ED8A4ED}">
+      <dgm:prSet phldrT="[Text]" phldr="0"/>
+      <dgm:spPr/>
+      <dgm:t>
+        <a:bodyPr/>
+        <a:lstStyle/>
+        <a:p>
+          <a:pPr rtl="0"/>
+          <a:endParaRPr lang="en-US" b="0" i="0" u="none" strike="noStrike" cap="none" baseline="0" noProof="0" dirty="0">
+            <a:latin typeface="Calibri Light"/>
+            <a:cs typeface="Calibri Light"/>
+          </a:endParaRPr>
+        </a:p>
+      </dgm:t>
+    </dgm:pt>
+    <dgm:pt modelId="{A7D199A4-0781-497A-8D07-AFF1D4FC5671}" type="parTrans" cxnId="{0657CFF4-262F-4EE3-822E-9BC7AF1B9A83}">
+      <dgm:prSet/>
+      <dgm:spPr/>
+    </dgm:pt>
+    <dgm:pt modelId="{8B6E73D2-C184-4245-9953-CFA07F5F950F}" type="sibTrans" cxnId="{0657CFF4-262F-4EE3-822E-9BC7AF1B9A83}">
+      <dgm:prSet/>
+      <dgm:spPr/>
+    </dgm:pt>
+    <dgm:pt modelId="{E0A0195B-FE2D-44C7-BAAB-C69564FB4D68}" type="pres">
+      <dgm:prSet presAssocID="{E2E10DA0-E667-4557-9269-0CBCE1B400FF}" presName="Name0" presStyleCnt="0">
+        <dgm:presLayoutVars>
+          <dgm:dir/>
+          <dgm:animLvl val="lvl"/>
+          <dgm:resizeHandles val="exact"/>
+        </dgm:presLayoutVars>
+      </dgm:prSet>
+      <dgm:spPr/>
+    </dgm:pt>
+    <dgm:pt modelId="{CA816440-3B65-4A23-8A6B-D2168423BE49}" type="pres">
+      <dgm:prSet presAssocID="{E2E10DA0-E667-4557-9269-0CBCE1B400FF}" presName="dummy" presStyleCnt="0"/>
+      <dgm:spPr/>
+    </dgm:pt>
+    <dgm:pt modelId="{BBFF8A17-854B-493C-97BA-9747876D3173}" type="pres">
+      <dgm:prSet presAssocID="{E2E10DA0-E667-4557-9269-0CBCE1B400FF}" presName="linH" presStyleCnt="0"/>
+      <dgm:spPr/>
+    </dgm:pt>
+    <dgm:pt modelId="{AACDFCEB-26F1-4DBA-B037-C7F42F28E8E0}" type="pres">
+      <dgm:prSet presAssocID="{E2E10DA0-E667-4557-9269-0CBCE1B400FF}" presName="padding1" presStyleCnt="0"/>
+      <dgm:spPr/>
+    </dgm:pt>
+    <dgm:pt modelId="{33EE8165-F41C-442B-9EEC-472BAB610D92}" type="pres">
+      <dgm:prSet presAssocID="{E2DEA5A0-5EAE-48A9-8AC3-67106ED8A4ED}" presName="linV" presStyleCnt="0"/>
+      <dgm:spPr/>
+    </dgm:pt>
+    <dgm:pt modelId="{114FD11F-A74C-4D7C-9529-013C63EB8EA3}" type="pres">
+      <dgm:prSet presAssocID="{E2DEA5A0-5EAE-48A9-8AC3-67106ED8A4ED}" presName="spVertical1" presStyleCnt="0"/>
+      <dgm:spPr/>
+    </dgm:pt>
+    <dgm:pt modelId="{98732DDC-25AB-4C1F-A218-34395A6FA11B}" type="pres">
+      <dgm:prSet presAssocID="{E2DEA5A0-5EAE-48A9-8AC3-67106ED8A4ED}" presName="parTx" presStyleLbl="revTx" presStyleIdx="0" presStyleCnt="1">
+        <dgm:presLayoutVars>
+          <dgm:chMax val="0"/>
+          <dgm:chPref val="0"/>
+          <dgm:bulletEnabled val="1"/>
+        </dgm:presLayoutVars>
+      </dgm:prSet>
+      <dgm:spPr/>
+    </dgm:pt>
+    <dgm:pt modelId="{22A5C487-2D6A-4FB1-BD40-C33AE8027EE5}" type="pres">
+      <dgm:prSet presAssocID="{E2DEA5A0-5EAE-48A9-8AC3-67106ED8A4ED}" presName="spVertical2" presStyleCnt="0"/>
+      <dgm:spPr/>
+    </dgm:pt>
+    <dgm:pt modelId="{74D4859E-D50B-44DD-8FBB-C62E79C76ECE}" type="pres">
+      <dgm:prSet presAssocID="{E2DEA5A0-5EAE-48A9-8AC3-67106ED8A4ED}" presName="spVertical3" presStyleCnt="0"/>
+      <dgm:spPr/>
+    </dgm:pt>
+    <dgm:pt modelId="{EEC51A80-B37D-40BF-8650-2827E5F2D757}" type="pres">
+      <dgm:prSet presAssocID="{E2E10DA0-E667-4557-9269-0CBCE1B400FF}" presName="padding2" presStyleCnt="0"/>
+      <dgm:spPr/>
+    </dgm:pt>
+    <dgm:pt modelId="{8E867F82-8454-4213-B839-C195A098B601}" type="pres">
+      <dgm:prSet presAssocID="{E2E10DA0-E667-4557-9269-0CBCE1B400FF}" presName="negArrow" presStyleCnt="0"/>
+      <dgm:spPr/>
+    </dgm:pt>
+    <dgm:pt modelId="{844E8B16-E6BC-4A43-A163-64ADCA0E20B8}" type="pres">
+      <dgm:prSet presAssocID="{E2E10DA0-E667-4557-9269-0CBCE1B400FF}" presName="backgroundArrow" presStyleLbl="node1" presStyleIdx="0" presStyleCnt="1"/>
+      <dgm:spPr/>
+    </dgm:pt>
+  </dgm:ptLst>
+  <dgm:cxnLst>
+    <dgm:cxn modelId="{37BB320C-BDD7-4B4E-926F-B6B7171FCE34}" type="presOf" srcId="{E2E10DA0-E667-4557-9269-0CBCE1B400FF}" destId="{E0A0195B-FE2D-44C7-BAAB-C69564FB4D68}" srcOrd="0" destOrd="0" presId="urn:microsoft.com/office/officeart/2005/8/layout/hProcess3"/>
+    <dgm:cxn modelId="{E0709F8D-44C6-4289-9E81-04BD3A814940}" type="presOf" srcId="{E2DEA5A0-5EAE-48A9-8AC3-67106ED8A4ED}" destId="{98732DDC-25AB-4C1F-A218-34395A6FA11B}" srcOrd="0" destOrd="0" presId="urn:microsoft.com/office/officeart/2005/8/layout/hProcess3"/>
+    <dgm:cxn modelId="{0657CFF4-262F-4EE3-822E-9BC7AF1B9A83}" srcId="{E2E10DA0-E667-4557-9269-0CBCE1B400FF}" destId="{E2DEA5A0-5EAE-48A9-8AC3-67106ED8A4ED}" srcOrd="0" destOrd="0" parTransId="{A7D199A4-0781-497A-8D07-AFF1D4FC5671}" sibTransId="{8B6E73D2-C184-4245-9953-CFA07F5F950F}"/>
+    <dgm:cxn modelId="{2C1C2E49-A87C-49BE-8350-9F6090F0779F}" type="presParOf" srcId="{E0A0195B-FE2D-44C7-BAAB-C69564FB4D68}" destId="{CA816440-3B65-4A23-8A6B-D2168423BE49}" srcOrd="0" destOrd="0" presId="urn:microsoft.com/office/officeart/2005/8/layout/hProcess3"/>
+    <dgm:cxn modelId="{0906B29C-72B0-45DB-A7C1-85C5F77A06BA}" type="presParOf" srcId="{E0A0195B-FE2D-44C7-BAAB-C69564FB4D68}" destId="{BBFF8A17-854B-493C-97BA-9747876D3173}" srcOrd="1" destOrd="0" presId="urn:microsoft.com/office/officeart/2005/8/layout/hProcess3"/>
+    <dgm:cxn modelId="{FF7087F4-9F5A-44E0-B80D-E17BC695D072}" type="presParOf" srcId="{BBFF8A17-854B-493C-97BA-9747876D3173}" destId="{AACDFCEB-26F1-4DBA-B037-C7F42F28E8E0}" srcOrd="0" destOrd="0" presId="urn:microsoft.com/office/officeart/2005/8/layout/hProcess3"/>
+    <dgm:cxn modelId="{F21FABE2-9B56-44E0-B6BD-C9C1A76CE3C4}" type="presParOf" srcId="{BBFF8A17-854B-493C-97BA-9747876D3173}" destId="{33EE8165-F41C-442B-9EEC-472BAB610D92}" srcOrd="1" destOrd="0" presId="urn:microsoft.com/office/officeart/2005/8/layout/hProcess3"/>
+    <dgm:cxn modelId="{B7E1BF2A-E3F8-4373-B025-C4036E45F6F2}" type="presParOf" srcId="{33EE8165-F41C-442B-9EEC-472BAB610D92}" destId="{114FD11F-A74C-4D7C-9529-013C63EB8EA3}" srcOrd="0" destOrd="0" presId="urn:microsoft.com/office/officeart/2005/8/layout/hProcess3"/>
+    <dgm:cxn modelId="{1C16E4B5-CFD3-49FC-9372-DE155DD29877}" type="presParOf" srcId="{33EE8165-F41C-442B-9EEC-472BAB610D92}" destId="{98732DDC-25AB-4C1F-A218-34395A6FA11B}" srcOrd="1" destOrd="0" presId="urn:microsoft.com/office/officeart/2005/8/layout/hProcess3"/>
+    <dgm:cxn modelId="{8F74F423-5053-4A1C-8A03-989376F2BBF0}" type="presParOf" srcId="{33EE8165-F41C-442B-9EEC-472BAB610D92}" destId="{22A5C487-2D6A-4FB1-BD40-C33AE8027EE5}" srcOrd="2" destOrd="0" presId="urn:microsoft.com/office/officeart/2005/8/layout/hProcess3"/>
+    <dgm:cxn modelId="{1AC0C254-97E1-4B84-ADA9-DF81D3124B88}" type="presParOf" srcId="{33EE8165-F41C-442B-9EEC-472BAB610D92}" destId="{74D4859E-D50B-44DD-8FBB-C62E79C76ECE}" srcOrd="3" destOrd="0" presId="urn:microsoft.com/office/officeart/2005/8/layout/hProcess3"/>
+    <dgm:cxn modelId="{8DAE9538-C182-4105-A9FD-5BB9FFDB083B}" type="presParOf" srcId="{BBFF8A17-854B-493C-97BA-9747876D3173}" destId="{EEC51A80-B37D-40BF-8650-2827E5F2D757}" srcOrd="2" destOrd="0" presId="urn:microsoft.com/office/officeart/2005/8/layout/hProcess3"/>
+    <dgm:cxn modelId="{84DF916F-39AB-47AE-9A72-76E82D6FCC76}" type="presParOf" srcId="{BBFF8A17-854B-493C-97BA-9747876D3173}" destId="{8E867F82-8454-4213-B839-C195A098B601}" srcOrd="3" destOrd="0" presId="urn:microsoft.com/office/officeart/2005/8/layout/hProcess3"/>
+    <dgm:cxn modelId="{842210CB-8538-483E-BFC9-7B36670106AB}" type="presParOf" srcId="{BBFF8A17-854B-493C-97BA-9747876D3173}" destId="{844E8B16-E6BC-4A43-A163-64ADCA0E20B8}" srcOrd="4" destOrd="0" presId="urn:microsoft.com/office/officeart/2005/8/layout/hProcess3"/>
+  </dgm:cxnLst>
+  <dgm:bg/>
+  <dgm:whole/>
+  <dgm:extLst>
+    <a:ext uri="http://schemas.microsoft.com/office/drawing/2008/diagram">
+      <dsp:dataModelExt xmlns:dsp="http://schemas.microsoft.com/office/drawing/2008/diagram" relId="rId9" minVer="http://schemas.openxmlformats.org/drawingml/2006/diagram"/>
+    </a:ext>
+  </dgm:extLst>
+</dgm:dataModel>
+</file>
+
+<file path=ppt/diagrams/drawing1.xml><?xml version="1.0" encoding="utf-8"?>
+<dsp:drawing xmlns:dgm="http://schemas.openxmlformats.org/drawingml/2006/diagram" xmlns:dsp="http://schemas.microsoft.com/office/drawing/2008/diagram" xmlns:a="http://schemas.openxmlformats.org/drawingml/2006/main">
+  <dsp:spTree>
+    <dsp:nvGrpSpPr>
+      <dsp:cNvPr id="0" name=""/>
+      <dsp:cNvGrpSpPr/>
+    </dsp:nvGrpSpPr>
+    <dsp:grpSpPr/>
+    <dsp:sp modelId="{844E8B16-E6BC-4A43-A163-64ADCA0E20B8}">
+      <dsp:nvSpPr>
+        <dsp:cNvPr id="0" name=""/>
+        <dsp:cNvSpPr/>
+      </dsp:nvSpPr>
+      <dsp:spPr>
+        <a:xfrm>
+          <a:off x="0" y="34930"/>
+          <a:ext cx="2363305" cy="1368000"/>
+        </a:xfrm>
+        <a:prstGeom prst="rightArrow">
+          <a:avLst/>
+        </a:prstGeom>
+        <a:solidFill>
+          <a:schemeClr val="accent2">
+            <a:hueOff val="0"/>
+            <a:satOff val="0"/>
+            <a:lumOff val="0"/>
+            <a:alphaOff val="0"/>
+          </a:schemeClr>
+        </a:solidFill>
+        <a:ln w="12700" cap="flat" cmpd="sng" algn="ctr">
+          <a:solidFill>
+            <a:schemeClr val="lt1">
+              <a:hueOff val="0"/>
+              <a:satOff val="0"/>
+              <a:lumOff val="0"/>
+              <a:alphaOff val="0"/>
+            </a:schemeClr>
+          </a:solidFill>
+          <a:prstDash val="solid"/>
+          <a:miter lim="800000"/>
+        </a:ln>
+        <a:effectLst/>
+      </dsp:spPr>
+      <dsp:style>
+        <a:lnRef idx="2">
+          <a:scrgbClr r="0" g="0" b="0"/>
+        </a:lnRef>
+        <a:fillRef idx="1">
+          <a:scrgbClr r="0" g="0" b="0"/>
+        </a:fillRef>
+        <a:effectRef idx="0">
+          <a:scrgbClr r="0" g="0" b="0"/>
+        </a:effectRef>
+        <a:fontRef idx="minor">
+          <a:schemeClr val="lt1"/>
+        </a:fontRef>
+      </dsp:style>
+    </dsp:sp>
+    <dsp:sp modelId="{98732DDC-25AB-4C1F-A218-34395A6FA11B}">
+      <dsp:nvSpPr>
+        <dsp:cNvPr id="0" name=""/>
+        <dsp:cNvSpPr/>
+      </dsp:nvSpPr>
+      <dsp:spPr>
+        <a:xfrm>
+          <a:off x="190633" y="376930"/>
+          <a:ext cx="1936340" cy="684000"/>
+        </a:xfrm>
+        <a:prstGeom prst="rect">
+          <a:avLst/>
+        </a:prstGeom>
+        <a:noFill/>
+        <a:ln>
+          <a:noFill/>
+        </a:ln>
+        <a:effectLst/>
+      </dsp:spPr>
+      <dsp:style>
+        <a:lnRef idx="0">
+          <a:scrgbClr r="0" g="0" b="0"/>
+        </a:lnRef>
+        <a:fillRef idx="0">
+          <a:scrgbClr r="0" g="0" b="0"/>
+        </a:fillRef>
+        <a:effectRef idx="0">
+          <a:scrgbClr r="0" g="0" b="0"/>
+        </a:effectRef>
+        <a:fontRef idx="minor"/>
+      </dsp:style>
+      <dsp:txBody>
+        <a:bodyPr spcFirstLastPara="0" vert="horz" wrap="square" lIns="0" tIns="193040" rIns="0" bIns="193040" numCol="1" spcCol="1270" anchor="ctr" anchorCtr="0">
+          <a:noAutofit/>
+        </a:bodyPr>
+        <a:lstStyle/>
+        <a:p>
+          <a:pPr marL="0" lvl="0" indent="0" algn="ctr" defTabSz="844550" rtl="0">
+            <a:lnSpc>
+              <a:spcPct val="90000"/>
+            </a:lnSpc>
+            <a:spcBef>
+              <a:spcPct val="0"/>
+            </a:spcBef>
+            <a:spcAft>
+              <a:spcPct val="35000"/>
+            </a:spcAft>
+            <a:buNone/>
+          </a:pPr>
+          <a:endParaRPr lang="en-US" sz="1900" b="0" i="0" u="none" strike="noStrike" kern="1200" cap="none" baseline="0" noProof="0" dirty="0">
+            <a:latin typeface="Calibri Light"/>
+            <a:cs typeface="Calibri Light"/>
+          </a:endParaRPr>
+        </a:p>
+      </dsp:txBody>
+      <dsp:txXfrm>
+        <a:off x="190633" y="376930"/>
+        <a:ext cx="1936340" cy="684000"/>
+      </dsp:txXfrm>
+    </dsp:sp>
+  </dsp:spTree>
+</dsp:drawing>
+</file>
+
+<file path=ppt/diagrams/layout1.xml><?xml version="1.0" encoding="utf-8"?>
+<dgm:layoutDef xmlns:dgm="http://schemas.openxmlformats.org/drawingml/2006/diagram" xmlns:a="http://schemas.openxmlformats.org/drawingml/2006/main" uniqueId="urn:microsoft.com/office/officeart/2005/8/layout/hProcess3">
+  <dgm:title val=""/>
+  <dgm:desc val=""/>
+  <dgm:catLst>
+    <dgm:cat type="process" pri="6000"/>
+  </dgm:catLst>
+  <dgm:sampData useDef="1">
+    <dgm:dataModel>
+      <dgm:ptLst/>
+      <dgm:bg/>
+      <dgm:whole/>
+    </dgm:dataModel>
+  </dgm:sampData>
+  <dgm:styleData>
+    <dgm:dataModel>
+      <dgm:ptLst>
+        <dgm:pt modelId="0" type="doc"/>
+        <dgm:pt modelId="1"/>
+        <dgm:pt modelId="2"/>
+      </dgm:ptLst>
+      <dgm:cxnLst>
+        <dgm:cxn modelId="3" srcId="0" destId="1" srcOrd="0" destOrd="0"/>
+        <dgm:cxn modelId="4" srcId="0" destId="2" srcOrd="1" destOrd="0"/>
+      </dgm:cxnLst>
+      <dgm:bg/>
+      <dgm:whole/>
+    </dgm:dataModel>
+  </dgm:styleData>
+  <dgm:clrData>
+    <dgm:dataModel>
+      <dgm:ptLst>
+        <dgm:pt modelId="0" type="doc"/>
+        <dgm:pt modelId="1"/>
+        <dgm:pt modelId="2"/>
+        <dgm:pt modelId="3"/>
+        <dgm:pt modelId="4"/>
+      </dgm:ptLst>
+      <dgm:cxnLst>
+        <dgm:cxn modelId="5" srcId="0" destId="1" srcOrd="0" destOrd="0"/>
+        <dgm:cxn modelId="6" srcId="0" destId="2" srcOrd="1" destOrd="0"/>
+        <dgm:cxn modelId="7" srcId="0" destId="3" srcOrd="2" destOrd="0"/>
+        <dgm:cxn modelId="8" srcId="0" destId="4" srcOrd="3" destOrd="0"/>
+      </dgm:cxnLst>
+      <dgm:bg/>
+      <dgm:whole/>
+    </dgm:dataModel>
+  </dgm:clrData>
+  <dgm:layoutNode name="Name0" chOrder="t">
+    <dgm:varLst>
+      <dgm:dir/>
+      <dgm:animLvl val="lvl"/>
+      <dgm:resizeHandles val="exact"/>
+    </dgm:varLst>
+    <dgm:alg type="composite"/>
+    <dgm:shape xmlns:r="http://schemas.openxmlformats.org/officeDocument/2006/relationships" r:blip="">
+      <dgm:adjLst/>
+    </dgm:shape>
+    <dgm:presOf/>
+    <dgm:constrLst>
+      <dgm:constr type="w" for="ch" forName="dummy" refType="w"/>
+      <dgm:constr type="h" for="ch" forName="dummy" refType="h"/>
+      <dgm:constr type="h" for="ch" forName="dummy" refType="w" refFor="ch" refForName="dummy" op="lte" fact="0.4"/>
+      <dgm:constr type="ctrX" for="ch" forName="dummy" refType="w" fact="0.5"/>
+      <dgm:constr type="ctrY" for="ch" forName="dummy" refType="h" fact="0.5"/>
+      <dgm:constr type="w" for="ch" forName="linH" refType="w"/>
+      <dgm:constr type="h" for="ch" forName="linH" refType="h"/>
+      <dgm:constr type="ctrX" for="ch" forName="linH" refType="w" fact="0.5"/>
+      <dgm:constr type="ctrY" for="ch" forName="linH" refType="h" fact="0.5"/>
+      <dgm:constr type="userP" for="ch" forName="linH" refType="h" refFor="ch" refForName="dummy" fact="0.25"/>
+      <dgm:constr type="userT" for="des" forName="parTx" refType="w" refFor="ch" refForName="dummy" fact="0.2"/>
+    </dgm:constrLst>
+    <dgm:ruleLst/>
+    <dgm:layoutNode name="dummy">
+      <dgm:alg type="sp"/>
+      <dgm:shape xmlns:r="http://schemas.openxmlformats.org/officeDocument/2006/relationships" r:blip="">
+        <dgm:adjLst/>
+      </dgm:shape>
+      <dgm:presOf/>
+      <dgm:constrLst/>
+      <dgm:ruleLst/>
+    </dgm:layoutNode>
+    <dgm:layoutNode name="linH">
+      <dgm:choose name="Name1">
+        <dgm:if name="Name2" func="var" arg="dir" op="equ" val="norm">
+          <dgm:alg type="lin">
+            <dgm:param type="linDir" val="fromL"/>
+            <dgm:param type="nodeVertAlign" val="t"/>
+          </dgm:alg>
+        </dgm:if>
+        <dgm:else name="Name3">
+          <dgm:alg type="lin">
+            <dgm:param type="linDir" val="fromR"/>
+            <dgm:param type="nodeVertAlign" val="t"/>
+          </dgm:alg>
+        </dgm:else>
+      </dgm:choose>
+      <dgm:shape xmlns:r="http://schemas.openxmlformats.org/officeDocument/2006/relationships" r:blip="">
+        <dgm:adjLst/>
+      </dgm:shape>
+      <dgm:presOf/>
+      <dgm:constrLst>
+        <dgm:constr type="primFontSz" for="des" forName="parTx" val="65"/>
+        <dgm:constr type="primFontSz" for="des" forName="desTx" refType="primFontSz" refFor="des" refForName="parTx" op="equ"/>
+        <dgm:constr type="h" for="des" forName="parTx" refType="primFontSz" refFor="des" refForName="parTx"/>
+        <dgm:constr type="h" for="des" forName="desTx" refType="primFontSz" refFor="des" refForName="parTx" fact="0.5"/>
+        <dgm:constr type="h" for="des" forName="parTx" op="equ"/>
+        <dgm:constr type="h" for="des" forName="desTx" op="equ"/>
+        <dgm:constr type="h" for="ch" forName="backgroundArrow" refType="primFontSz" refFor="des" refForName="parTx" fact="2"/>
+        <dgm:constr type="h" for="ch" forName="backgroundArrow" refType="h" refFor="des" refForName="parTx" op="lte" fact="2"/>
+        <dgm:constr type="h" for="ch" forName="backgroundArrow" refType="h" refFor="des" refForName="parTx" op="gte" fact="2"/>
+        <dgm:constr type="h" for="des" forName="spVertical1" refType="primFontSz" refFor="des" refForName="parTx" fact="0.5"/>
+        <dgm:constr type="h" for="des" forName="spVertical1" refType="h" refFor="des" refForName="parTx" op="lte" fact="0.5"/>
+        <dgm:constr type="h" for="des" forName="spVertical1" refType="h" refFor="des" refForName="parTx" op="gte" fact="0.5"/>
+        <dgm:constr type="h" for="des" forName="spVertical2" refType="primFontSz" refFor="des" refForName="parTx" fact="0.5"/>
+        <dgm:constr type="h" for="des" forName="spVertical2" refType="h" refFor="des" refForName="parTx" op="lte" fact="0.5"/>
+        <dgm:constr type="h" for="des" forName="spVertical2" refType="h" refFor="des" refForName="parTx" op="gte" fact="0.5"/>
+        <dgm:constr type="h" for="des" forName="spVertical3" refType="primFontSz" refFor="des" refForName="parTx" fact="-0.4"/>
+        <dgm:constr type="h" for="des" forName="spVertical3" refType="h" refFor="des" refForName="parTx" op="lte" fact="-0.4"/>
+        <dgm:constr type="h" for="des" forName="spVertical3" refType="h" refFor="des" refForName="parTx" op="gte" fact="-0.4"/>
+        <dgm:constr type="w" for="ch" forName="backgroundArrow" refType="w"/>
+        <dgm:constr type="w" for="ch" forName="negArrow" refType="w" fact="-1"/>
+        <dgm:constr type="w" for="ch" forName="linV" refType="w"/>
+        <dgm:constr type="w" for="ch" forName="space" refType="w" refFor="ch" refForName="linV" fact="0.2"/>
+        <dgm:constr type="w" for="ch" forName="padding1" refType="w" fact="0.08"/>
+        <dgm:constr type="userP"/>
+        <dgm:constr type="w" for="ch" forName="padding2" refType="userP"/>
+      </dgm:constrLst>
+      <dgm:ruleLst>
+        <dgm:rule type="w" for="ch" forName="linV" val="0" fact="NaN" max="NaN"/>
+        <dgm:rule type="primFontSz" for="des" forName="parTx" val="5" fact="NaN" max="NaN"/>
+      </dgm:ruleLst>
+      <dgm:layoutNode name="padding1">
+        <dgm:alg type="sp"/>
+        <dgm:shape xmlns:r="http://schemas.openxmlformats.org/officeDocument/2006/relationships" r:blip="">
+          <dgm:adjLst/>
+        </dgm:shape>
+        <dgm:presOf/>
+        <dgm:constrLst/>
+        <dgm:ruleLst/>
+      </dgm:layoutNode>
+      <dgm:forEach name="Name4" axis="ch" ptType="node">
+        <dgm:layoutNode name="linV">
+          <dgm:alg type="lin">
+            <dgm:param type="linDir" val="fromT"/>
+          </dgm:alg>
+          <dgm:shape xmlns:r="http://schemas.openxmlformats.org/officeDocument/2006/relationships" r:blip="">
+            <dgm:adjLst/>
+          </dgm:shape>
+          <dgm:presOf/>
+          <dgm:constrLst>
+            <dgm:constr type="w" for="ch" forName="spVertical1" refType="w"/>
+            <dgm:constr type="w" for="ch" forName="parTx" refType="w"/>
+            <dgm:constr type="w" for="ch" forName="spVertical2" refType="w"/>
+            <dgm:constr type="w" for="ch" forName="spVertical3" refType="w"/>
+            <dgm:constr type="w" for="ch" forName="desTx" refType="w"/>
+          </dgm:constrLst>
+          <dgm:ruleLst/>
+          <dgm:layoutNode name="spVertical1">
+            <dgm:alg type="sp"/>
+            <dgm:shape xmlns:r="http://schemas.openxmlformats.org/officeDocument/2006/relationships" r:blip="">
+              <dgm:adjLst/>
+            </dgm:shape>
+            <dgm:presOf/>
+            <dgm:constrLst/>
+            <dgm:ruleLst/>
+          </dgm:layoutNode>
+          <dgm:layoutNode name="parTx" styleLbl="revTx">
+            <dgm:varLst>
+              <dgm:chMax val="0"/>
+              <dgm:chPref val="0"/>
+              <dgm:bulletEnabled val="1"/>
+            </dgm:varLst>
+            <dgm:choose name="Name5">
+              <dgm:if name="Name6" axis="root des" ptType="all node" func="maxDepth" op="gt" val="1">
+                <dgm:alg type="tx">
+                  <dgm:param type="parTxLTRAlign" val="l"/>
+                  <dgm:param type="parTxRTLAlign" val="r"/>
+                </dgm:alg>
+              </dgm:if>
+              <dgm:else name="Name7">
+                <dgm:alg type="tx">
+                  <dgm:param type="parTxLTRAlign" val="ctr"/>
+                  <dgm:param type="parTxRTLAlign" val="ctr"/>
+                </dgm:alg>
+              </dgm:else>
+            </dgm:choose>
+            <dgm:shape xmlns:r="http://schemas.openxmlformats.org/officeDocument/2006/relationships" type="rect" r:blip="">
+              <dgm:adjLst/>
+            </dgm:shape>
+            <dgm:presOf axis="self" ptType="node"/>
+            <dgm:choose name="Name8">
+              <dgm:if name="Name9" func="var" arg="dir" op="equ" val="norm">
+                <dgm:constrLst>
+                  <dgm:constr type="userT"/>
+                  <dgm:constr type="h" refType="userT" op="lte"/>
+                  <dgm:constr type="tMarg" refType="primFontSz" fact="0.8"/>
+                  <dgm:constr type="bMarg" refType="tMarg"/>
+                  <dgm:constr type="lMarg"/>
+                  <dgm:constr type="rMarg"/>
+                </dgm:constrLst>
+              </dgm:if>
+              <dgm:else name="Name10">
+                <dgm:constrLst>
+                  <dgm:constr type="userT"/>
+                  <dgm:constr type="h" refType="userT" op="lte"/>
+                  <dgm:constr type="tMarg" refType="primFontSz" fact="0.8"/>
+                  <dgm:constr type="bMarg" refType="tMarg"/>
+                  <dgm:constr type="lMarg"/>
+                  <dgm:constr type="rMarg"/>
+                </dgm:constrLst>
+              </dgm:else>
+            </dgm:choose>
+            <dgm:ruleLst>
+              <dgm:rule type="h" val="INF" fact="NaN" max="NaN"/>
+            </dgm:ruleLst>
+          </dgm:layoutNode>
+          <dgm:layoutNode name="spVertical2">
+            <dgm:alg type="sp"/>
+            <dgm:shape xmlns:r="http://schemas.openxmlformats.org/officeDocument/2006/relationships" r:blip="">
+              <dgm:adjLst/>
+            </dgm:shape>
+            <dgm:presOf/>
+            <dgm:constrLst/>
+            <dgm:ruleLst/>
+          </dgm:layoutNode>
+          <dgm:layoutNode name="spVertical3">
+            <dgm:alg type="sp"/>
+            <dgm:shape xmlns:r="http://schemas.openxmlformats.org/officeDocument/2006/relationships" r:blip="">
+              <dgm:adjLst/>
+            </dgm:shape>
+            <dgm:presOf/>
+            <dgm:constrLst/>
+            <dgm:ruleLst/>
+          </dgm:layoutNode>
+          <dgm:choose name="Name11">
+            <dgm:if name="Name12" axis="ch" ptType="node" func="cnt" op="gte" val="1">
+              <dgm:layoutNode name="desTx" styleLbl="revTx">
+                <dgm:varLst>
+                  <dgm:bulletEnabled val="1"/>
+                </dgm:varLst>
+                <dgm:alg type="tx">
+                  <dgm:param type="stBulletLvl" val="1"/>
+                </dgm:alg>
+                <dgm:shape xmlns:r="http://schemas.openxmlformats.org/officeDocument/2006/relationships" type="rect" r:blip="">
+                  <dgm:adjLst/>
+                </dgm:shape>
+                <dgm:presOf axis="des" ptType="node"/>
+                <dgm:constrLst>
+                  <dgm:constr type="tMarg"/>
+                  <dgm:constr type="bMarg"/>
+                  <dgm:constr type="rMarg"/>
+                  <dgm:constr type="lMarg"/>
+                </dgm:constrLst>
+                <dgm:ruleLst>
+                  <dgm:rule type="h" val="INF" fact="NaN" max="NaN"/>
+                </dgm:ruleLst>
+              </dgm:layoutNode>
+            </dgm:if>
+            <dgm:else name="Name13"/>
+          </dgm:choose>
+        </dgm:layoutNode>
+        <dgm:forEach name="Name14" axis="followSib" ptType="sibTrans" cnt="1">
+          <dgm:layoutNode name="space">
+            <dgm:alg type="sp"/>
+            <dgm:shape xmlns:r="http://schemas.openxmlformats.org/officeDocument/2006/relationships" r:blip="">
+              <dgm:adjLst/>
+            </dgm:shape>
+            <dgm:presOf/>
+            <dgm:constrLst/>
+            <dgm:ruleLst/>
+          </dgm:layoutNode>
+        </dgm:forEach>
+      </dgm:forEach>
+      <dgm:layoutNode name="padding2">
+        <dgm:alg type="sp"/>
+        <dgm:shape xmlns:r="http://schemas.openxmlformats.org/officeDocument/2006/relationships" r:blip="">
+          <dgm:adjLst/>
+        </dgm:shape>
+        <dgm:presOf/>
+        <dgm:constrLst/>
+        <dgm:ruleLst/>
+      </dgm:layoutNode>
+      <dgm:layoutNode name="negArrow">
+        <dgm:alg type="sp"/>
+        <dgm:shape xmlns:r="http://schemas.openxmlformats.org/officeDocument/2006/relationships" r:blip="">
+          <dgm:adjLst/>
+        </dgm:shape>
+        <dgm:presOf/>
+        <dgm:constrLst/>
+        <dgm:ruleLst/>
+      </dgm:layoutNode>
+      <dgm:layoutNode name="backgroundArrow" styleLbl="node1">
+        <dgm:alg type="sp"/>
+        <dgm:choose name="Name15">
+          <dgm:if name="Name16" func="var" arg="dir" op="equ" val="norm">
+            <dgm:shape xmlns:r="http://schemas.openxmlformats.org/officeDocument/2006/relationships" type="rightArrow" r:blip="">
+              <dgm:adjLst/>
+            </dgm:shape>
+          </dgm:if>
+          <dgm:else name="Name17">
+            <dgm:shape xmlns:r="http://schemas.openxmlformats.org/officeDocument/2006/relationships" type="leftArrow" r:blip="">
+              <dgm:adjLst/>
+            </dgm:shape>
+          </dgm:else>
+        </dgm:choose>
+        <dgm:presOf/>
+        <dgm:constrLst/>
+        <dgm:ruleLst/>
+      </dgm:layoutNode>
+    </dgm:layoutNode>
+  </dgm:layoutNode>
+</dgm:layoutDef>
+</file>
+
+<file path=ppt/diagrams/quickStyle1.xml><?xml version="1.0" encoding="utf-8"?>
+<dgm:styleDef xmlns:dgm="http://schemas.openxmlformats.org/drawingml/2006/diagram" xmlns:a="http://schemas.openxmlformats.org/drawingml/2006/main" uniqueId="urn:microsoft.com/office/officeart/2005/8/quickstyle/simple1">
+  <dgm:title val=""/>
+  <dgm:desc val=""/>
+  <dgm:catLst>
+    <dgm:cat type="simple" pri="10100"/>
+  </dgm:catLst>
+  <dgm:scene3d>
+    <a:camera prst="orthographicFront"/>
+    <a:lightRig rig="threePt" dir="t"/>
+  </dgm:scene3d>
+  <dgm:styleLbl name="node0">
+    <dgm:scene3d>
+      <a:camera prst="orthographicFront"/>
+      <a:lightRig rig="threePt" dir="t"/>
+    </dgm:scene3d>
+    <dgm:sp3d/>
+    <dgm:txPr/>
+    <dgm:style>
+      <a:lnRef idx="2">
+        <a:scrgbClr r="0" g="0" b="0"/>
+      </a:lnRef>
+      <a:fillRef idx="1">
+        <a:scrgbClr r="0" g="0" b="0"/>
+      </a:fillRef>
+      <a:effectRef idx="0">
+        <a:scrgbClr r="0" g="0" b="0"/>
+      </a:effectRef>
+      <a:fontRef idx="minor">
+        <a:schemeClr val="lt1"/>
+      </a:fontRef>
+    </dgm:style>
+  </dgm:styleLbl>
+  <dgm:styleLbl name="lnNode1">
+    <dgm:scene3d>
+      <a:camera prst="orthographicFront"/>
+      <a:lightRig rig="threePt" dir="t"/>
+    </dgm:scene3d>
+    <dgm:sp3d/>
+    <dgm:txPr/>
+    <dgm:style>
+      <a:lnRef idx="2">
+        <a:scrgbClr r="0" g="0" b="0"/>
+      </a:lnRef>
+      <a:fillRef idx="1">
+        <a:scrgbClr r="0" g="0" b="0"/>
+      </a:fillRef>
+      <a:effectRef idx="0">
+        <a:scrgbClr r="0" g="0" b="0"/>
+      </a:effectRef>
+      <a:fontRef idx="minor">
+        <a:schemeClr val="lt1"/>
+      </a:fontRef>
+    </dgm:style>
+  </dgm:styleLbl>
+  <dgm:styleLbl name="vennNode1">
+    <dgm:scene3d>
+      <a:camera prst="orthographicFront"/>
+      <a:lightRig rig="threePt" dir="t"/>
+    </dgm:scene3d>
+    <dgm:sp3d/>
+    <dgm:txPr/>
+    <dgm:style>
+      <a:lnRef idx="2">
+        <a:scrgbClr r="0" g="0" b="0"/>
+      </a:lnRef>
+      <a:fillRef idx="1">
+        <a:scrgbClr r="0" g="0" b="0"/>
+      </a:fillRef>
+      <a:effectRef idx="0">
+        <a:scrgbClr r="0" g="0" b="0"/>
+      </a:effectRef>
+      <a:fontRef idx="minor">
+        <a:schemeClr val="tx1"/>
+      </a:fontRef>
+    </dgm:style>
+  </dgm:styleLbl>
+  <dgm:styleLbl name="alignNode1">
+    <dgm:scene3d>
+      <a:camera prst="orthographicFront"/>
+      <a:lightRig rig="threePt" dir="t"/>
+    </dgm:scene3d>
+    <dgm:sp3d/>
+    <dgm:txPr/>
+    <dgm:style>
+      <a:lnRef idx="2">
+        <a:scrgbClr r="0" g="0" b="0"/>
+      </a:lnRef>
+      <a:fillRef idx="1">
+        <a:scrgbClr r="0" g="0" b="0"/>
+      </a:fillRef>
+      <a:effectRef idx="0">
+        <a:scrgbClr r="0" g="0" b="0"/>
+      </a:effectRef>
+      <a:fontRef idx="minor">
+        <a:schemeClr val="lt1"/>
+      </a:fontRef>
+    </dgm:style>
+  </dgm:styleLbl>
+  <dgm:styleLbl name="node1">
+    <dgm:scene3d>
+      <a:camera prst="orthographicFront"/>
+      <a:lightRig rig="threePt" dir="t"/>
+    </dgm:scene3d>
+    <dgm:sp3d/>
+    <dgm:txPr/>
+    <dgm:style>
+      <a:lnRef idx="2">
+        <a:scrgbClr r="0" g="0" b="0"/>
+      </a:lnRef>
+      <a:fillRef idx="1">
+        <a:scrgbClr r="0" g="0" b="0"/>
+      </a:fillRef>
+      <a:effectRef idx="0">
+        <a:scrgbClr r="0" g="0" b="0"/>
+      </a:effectRef>
+      <a:fontRef idx="minor">
+        <a:schemeClr val="lt1"/>
+      </a:fontRef>
+    </dgm:style>
+  </dgm:styleLbl>
+  <dgm:styleLbl name="node2">
+    <dgm:scene3d>
+      <a:camera prst="orthographicFront"/>
+      <a:lightRig rig="threePt" dir="t"/>
+    </dgm:scene3d>
+    <dgm:sp3d/>
+    <dgm:txPr/>
+    <dgm:style>
+      <a:lnRef idx="2">
+        <a:scrgbClr r="0" g="0" b="0"/>
+      </a:lnRef>
+      <a:fillRef idx="1">
+        <a:scrgbClr r="0" g="0" b="0"/>
+      </a:fillRef>
+      <a:effectRef idx="0">
+        <a:scrgbClr r="0" g="0" b="0"/>
+      </a:effectRef>
+      <a:fontRef idx="minor">
+        <a:schemeClr val="lt1"/>
+      </a:fontRef>
+    </dgm:style>
+  </dgm:styleLbl>
+  <dgm:styleLbl name="node3">
+    <dgm:scene3d>
+      <a:camera prst="orthographicFront"/>
+      <a:lightRig rig="threePt" dir="t"/>
+    </dgm:scene3d>
+    <dgm:sp3d/>
+    <dgm:txPr/>
+    <dgm:style>
+      <a:lnRef idx="2">
+        <a:scrgbClr r="0" g="0" b="0"/>
+      </a:lnRef>
+      <a:fillRef idx="1">
+        <a:scrgbClr r="0" g="0" b="0"/>
+      </a:fillRef>
+      <a:effectRef idx="0">
+        <a:scrgbClr r="0" g="0" b="0"/>
+      </a:effectRef>
+      <a:fontRef idx="minor">
+        <a:schemeClr val="lt1"/>
+      </a:fontRef>
+    </dgm:style>
+  </dgm:styleLbl>
+  <dgm:styleLbl name="node4">
+    <dgm:scene3d>
+      <a:camera prst="orthographicFront"/>
+      <a:lightRig rig="threePt" dir="t"/>
+    </dgm:scene3d>
+    <dgm:sp3d/>
+    <dgm:txPr/>
+    <dgm:style>
+      <a:lnRef idx="2">
+        <a:scrgbClr r="0" g="0" b="0"/>
+      </a:lnRef>
+      <a:fillRef idx="1">
+        <a:scrgbClr r="0" g="0" b="0"/>
+      </a:fillRef>
+      <a:effectRef idx="0">
+        <a:scrgbClr r="0" g="0" b="0"/>
+      </a:effectRef>
+      <a:fontRef idx="minor">
+        <a:schemeClr val="lt1"/>
+      </a:fontRef>
+    </dgm:style>
+  </dgm:styleLbl>
+  <dgm:styleLbl name="fgImgPlace1">
+    <dgm:scene3d>
+      <a:camera prst="orthographicFront"/>
+      <a:lightRig rig="threePt" dir="t"/>
+    </dgm:scene3d>
+    <dgm:sp3d/>
+    <dgm:txPr/>
+    <dgm:style>
+      <a:lnRef idx="2">
+        <a:scrgbClr r="0" g="0" b="0"/>
+      </a:lnRef>
+      <a:fillRef idx="1">
+        <a:scrgbClr r="0" g="0" b="0"/>
+      </a:fillRef>
+      <a:effectRef idx="0">
+        <a:scrgbClr r="0" g="0" b="0"/>
+      </a:effectRef>
+      <a:fontRef idx="minor"/>
+    </dgm:style>
+  </dgm:styleLbl>
+  <dgm:styleLbl name="alignImgPlace1">
+    <dgm:scene3d>
+      <a:camera prst="orthographicFront"/>
+      <a:lightRig rig="threePt" dir="t"/>
+    </dgm:scene3d>
+    <dgm:sp3d/>
+    <dgm:txPr/>
+    <dgm:style>
+      <a:lnRef idx="2">
+        <a:scrgbClr r="0" g="0" b="0"/>
+      </a:lnRef>
+      <a:fillRef idx="1">
+        <a:scrgbClr r="0" g="0" b="0"/>
+      </a:fillRef>
+      <a:effectRef idx="0">
+        <a:scrgbClr r="0" g="0" b="0"/>
+      </a:effectRef>
+      <a:fontRef idx="minor"/>
+    </dgm:style>
+  </dgm:styleLbl>
+  <dgm:styleLbl name="bgImgPlace1">
+    <dgm:scene3d>
+      <a:camera prst="orthographicFront"/>
+      <a:lightRig rig="threePt" dir="t"/>
+    </dgm:scene3d>
+    <dgm:sp3d/>
+    <dgm:txPr/>
+    <dgm:style>
+      <a:lnRef idx="2">
+        <a:scrgbClr r="0" g="0" b="0"/>
+      </a:lnRef>
+      <a:fillRef idx="1">
+        <a:scrgbClr r="0" g="0" b="0"/>
+      </a:fillRef>
+      <a:effectRef idx="0">
+        <a:scrgbClr r="0" g="0" b="0"/>
+      </a:effectRef>
+      <a:fontRef idx="minor"/>
+    </dgm:style>
+  </dgm:styleLbl>
+  <dgm:styleLbl name="sibTrans2D1">
+    <dgm:scene3d>
+      <a:camera prst="orthographicFront"/>
+      <a:lightRig rig="threePt" dir="t"/>
+    </dgm:scene3d>
+    <dgm:sp3d/>
+    <dgm:txPr/>
+    <dgm:style>
+      <a:lnRef idx="0">
+        <a:scrgbClr r="0" g="0" b="0"/>
+      </a:lnRef>
+      <a:fillRef idx="1">
+        <a:scrgbClr r="0" g="0" b="0"/>
+      </a:fillRef>
+      <a:effectRef idx="0">
+        <a:scrgbClr r="0" g="0" b="0"/>
+      </a:effectRef>
+      <a:fontRef idx="minor">
+        <a:schemeClr val="lt1"/>
+      </a:fontRef>
+    </dgm:style>
+  </dgm:styleLbl>
+  <dgm:styleLbl name="fgSibTrans2D1">
+    <dgm:scene3d>
+      <a:camera prst="orthographicFront"/>
+      <a:lightRig rig="threePt" dir="t"/>
+    </dgm:scene3d>
+    <dgm:sp3d/>
+    <dgm:txPr/>
+    <dgm:style>
+      <a:lnRef idx="0">
+        <a:scrgbClr r="0" g="0" b="0"/>
+      </a:lnRef>
+      <a:fillRef idx="1">
+        <a:scrgbClr r="0" g="0" b="0"/>
+      </a:fillRef>
+      <a:effectRef idx="0">
+        <a:scrgbClr r="0" g="0" b="0"/>
+      </a:effectRef>
+      <a:fontRef idx="minor">
+        <a:schemeClr val="lt1"/>
+      </a:fontRef>
+    </dgm:style>
+  </dgm:styleLbl>
+  <dgm:styleLbl name="bgSibTrans2D1">
+    <dgm:scene3d>
+      <a:camera prst="orthographicFront"/>
+      <a:lightRig rig="threePt" dir="t"/>
+    </dgm:scene3d>
+    <dgm:sp3d/>
+    <dgm:txPr/>
+    <dgm:style>
+      <a:lnRef idx="0">
+        <a:scrgbClr r="0" g="0" b="0"/>
+      </a:lnRef>
+      <a:fillRef idx="1">
+        <a:scrgbClr r="0" g="0" b="0"/>
+      </a:fillRef>
+      <a:effectRef idx="0">
+        <a:scrgbClr r="0" g="0" b="0"/>
+      </a:effectRef>
+      <a:fontRef idx="minor">
+        <a:schemeClr val="lt1"/>
+      </a:fontRef>
+    </dgm:style>
+  </dgm:styleLbl>
+  <dgm:styleLbl name="sibTrans1D1">
+    <dgm:scene3d>
+      <a:camera prst="orthographicFront"/>
+      <a:lightRig rig="threePt" dir="t"/>
+    </dgm:scene3d>
+    <dgm:sp3d/>
+    <dgm:txPr/>
+    <dgm:style>
+      <a:lnRef idx="1">
+        <a:scrgbClr r="0" g="0" b="0"/>
+      </a:lnRef>
+      <a:fillRef idx="0">
+        <a:scrgbClr r="0" g="0" b="0"/>
+      </a:fillRef>
+      <a:effectRef idx="0">
+        <a:scrgbClr r="0" g="0" b="0"/>
+      </a:effectRef>
+      <a:fontRef idx="minor"/>
+    </dgm:style>
+  </dgm:styleLbl>
+  <dgm:styleLbl name="callout">
+    <dgm:scene3d>
+      <a:camera prst="orthographicFront"/>
+      <a:lightRig rig="threePt" dir="t"/>
+    </dgm:scene3d>
+    <dgm:sp3d/>
+    <dgm:txPr/>
+    <dgm:style>
+      <a:lnRef idx="2">
+        <a:scrgbClr r="0" g="0" b="0"/>
+      </a:lnRef>
+      <a:fillRef idx="1">
+        <a:scrgbClr r="0" g="0" b="0"/>
+      </a:fillRef>
+      <a:effectRef idx="0">
+        <a:scrgbClr r="0" g="0" b="0"/>
+      </a:effectRef>
+      <a:fontRef idx="minor"/>
+    </dgm:style>
+  </dgm:styleLbl>
+  <dgm:styleLbl name="asst0">
+    <dgm:scene3d>
+      <a:camera prst="orthographicFront"/>
+      <a:lightRig rig="threePt" dir="t"/>
+    </dgm:scene3d>
+    <dgm:sp3d/>
+    <dgm:txPr/>
+    <dgm:style>
+      <a:lnRef idx="2">
+        <a:scrgbClr r="0" g="0" b="0"/>
+      </a:lnRef>
+      <a:fillRef idx="1">
+        <a:scrgbClr r="0" g="0" b="0"/>
+      </a:fillRef>
+      <a:effectRef idx="0">
+        <a:scrgbClr r="0" g="0" b="0"/>
+      </a:effectRef>
+      <a:fontRef idx="minor">
+        <a:schemeClr val="lt1"/>
+      </a:fontRef>
+    </dgm:style>
+  </dgm:styleLbl>
+  <dgm:styleLbl name="asst1">
+    <dgm:scene3d>
+      <a:camera prst="orthographicFront"/>
+      <a:lightRig rig="threePt" dir="t"/>
+    </dgm:scene3d>
+    <dgm:sp3d/>
+    <dgm:txPr/>
+    <dgm:style>
+      <a:lnRef idx="2">
+        <a:scrgbClr r="0" g="0" b="0"/>
+      </a:lnRef>
+      <a:fillRef idx="1">
+        <a:scrgbClr r="0" g="0" b="0"/>
+      </a:fillRef>
+      <a:effectRef idx="0">
+        <a:scrgbClr r="0" g="0" b="0"/>
+      </a:effectRef>
+      <a:fontRef idx="minor">
+        <a:schemeClr val="lt1"/>
+      </a:fontRef>
+    </dgm:style>
+  </dgm:styleLbl>
+  <dgm:styleLbl name="asst2">
+    <dgm:scene3d>
+      <a:camera prst="orthographicFront"/>
+      <a:lightRig rig="threePt" dir="t"/>
+    </dgm:scene3d>
+    <dgm:sp3d/>
+    <dgm:txPr/>
+    <dgm:style>
+      <a:lnRef idx="2">
+        <a:scrgbClr r="0" g="0" b="0"/>
+      </a:lnRef>
+      <a:fillRef idx="1">
+        <a:scrgbClr r="0" g="0" b="0"/>
+      </a:fillRef>
+      <a:effectRef idx="0">
+        <a:scrgbClr r="0" g="0" b="0"/>
+      </a:effectRef>
+      <a:fontRef idx="minor">
+        <a:schemeClr val="lt1"/>
+      </a:fontRef>
+    </dgm:style>
+  </dgm:styleLbl>
+  <dgm:styleLbl name="asst3">
+    <dgm:scene3d>
+      <a:camera prst="orthographicFront"/>
+      <a:lightRig rig="threePt" dir="t"/>
+    </dgm:scene3d>
+    <dgm:sp3d/>
+    <dgm:txPr/>
+    <dgm:style>
+      <a:lnRef idx="2">
+        <a:scrgbClr r="0" g="0" b="0"/>
+      </a:lnRef>
+      <a:fillRef idx="1">
+        <a:scrgbClr r="0" g="0" b="0"/>
+      </a:fillRef>
+      <a:effectRef idx="0">
+        <a:scrgbClr r="0" g="0" b="0"/>
+      </a:effectRef>
+      <a:fontRef idx="minor">
+        <a:schemeClr val="lt1"/>
+      </a:fontRef>
+    </dgm:style>
+  </dgm:styleLbl>
+  <dgm:styleLbl name="asst4">
+    <dgm:scene3d>
+      <a:camera prst="orthographicFront"/>
+      <a:lightRig rig="threePt" dir="t"/>
+    </dgm:scene3d>
+    <dgm:sp3d/>
+    <dgm:txPr/>
+    <dgm:style>
+      <a:lnRef idx="2">
+        <a:scrgbClr r="0" g="0" b="0"/>
+      </a:lnRef>
+      <a:fillRef idx="1">
+        <a:scrgbClr r="0" g="0" b="0"/>
+      </a:fillRef>
+      <a:effectRef idx="0">
+        <a:scrgbClr r="0" g="0" b="0"/>
+      </a:effectRef>
+      <a:fontRef idx="minor">
+        <a:schemeClr val="lt1"/>
+      </a:fontRef>
+    </dgm:style>
+  </dgm:styleLbl>
+  <dgm:styleLbl name="parChTrans2D1">
+    <dgm:scene3d>
+      <a:camera prst="orthographicFront"/>
+      <a:lightRig rig="threePt" dir="t"/>
+    </dgm:scene3d>
+    <dgm:sp3d/>
+    <dgm:txPr/>
+    <dgm:style>
+      <a:lnRef idx="2">
+        <a:scrgbClr r="0" g="0" b="0"/>
+      </a:lnRef>
+      <a:fillRef idx="1">
+        <a:scrgbClr r="0" g="0" b="0"/>
+      </a:fillRef>
+      <a:effectRef idx="0">
+        <a:scrgbClr r="0" g="0" b="0"/>
+      </a:effectRef>
+      <a:fontRef idx="minor">
+        <a:schemeClr val="lt1"/>
+      </a:fontRef>
+    </dgm:style>
+  </dgm:styleLbl>
+  <dgm:styleLbl name="parChTrans2D2">
+    <dgm:scene3d>
+      <a:camera prst="orthographicFront"/>
+      <a:lightRig rig="threePt" dir="t"/>
+    </dgm:scene3d>
+    <dgm:sp3d/>
+    <dgm:txPr/>
+    <dgm:style>
+      <a:lnRef idx="2">
+        <a:scrgbClr r="0" g="0" b="0"/>
+      </a:lnRef>
+      <a:fillRef idx="1">
+        <a:scrgbClr r="0" g="0" b="0"/>
+      </a:fillRef>
+      <a:effectRef idx="0">
+        <a:scrgbClr r="0" g="0" b="0"/>
+      </a:effectRef>
+      <a:fontRef idx="minor">
+        <a:schemeClr val="lt1"/>
+      </a:fontRef>
+    </dgm:style>
+  </dgm:styleLbl>
+  <dgm:styleLbl name="parChTrans2D3">
+    <dgm:scene3d>
+      <a:camera prst="orthographicFront"/>
+      <a:lightRig rig="threePt" dir="t"/>
+    </dgm:scene3d>
+    <dgm:sp3d/>
+    <dgm:txPr/>
+    <dgm:style>
+      <a:lnRef idx="2">
+        <a:scrgbClr r="0" g="0" b="0"/>
+      </a:lnRef>
+      <a:fillRef idx="1">
+        <a:scrgbClr r="0" g="0" b="0"/>
+      </a:fillRef>
+      <a:effectRef idx="0">
+        <a:scrgbClr r="0" g="0" b="0"/>
+      </a:effectRef>
+      <a:fontRef idx="minor">
+        <a:schemeClr val="lt1"/>
+      </a:fontRef>
+    </dgm:style>
+  </dgm:styleLbl>
+  <dgm:styleLbl name="parChTrans2D4">
+    <dgm:scene3d>
+      <a:camera prst="orthographicFront"/>
+      <a:lightRig rig="threePt" dir="t"/>
+    </dgm:scene3d>
+    <dgm:sp3d/>
+    <dgm:txPr/>
+    <dgm:style>
+      <a:lnRef idx="2">
+        <a:scrgbClr r="0" g="0" b="0"/>
+      </a:lnRef>
+      <a:fillRef idx="1">
+        <a:scrgbClr r="0" g="0" b="0"/>
+      </a:fillRef>
+      <a:effectRef idx="0">
+        <a:scrgbClr r="0" g="0" b="0"/>
+      </a:effectRef>
+      <a:fontRef idx="minor">
+        <a:schemeClr val="lt1"/>
+      </a:fontRef>
+    </dgm:style>
+  </dgm:styleLbl>
+  <dgm:styleLbl name="parChTrans1D1">
+    <dgm:scene3d>
+      <a:camera prst="orthographicFront"/>
+      <a:lightRig rig="threePt" dir="t"/>
+    </dgm:scene3d>
+    <dgm:sp3d/>
+    <dgm:txPr/>
+    <dgm:style>
+      <a:lnRef idx="2">
+        <a:scrgbClr r="0" g="0" b="0"/>
+      </a:lnRef>
+      <a:fillRef idx="0">
+        <a:scrgbClr r="0" g="0" b="0"/>
+      </a:fillRef>
+      <a:effectRef idx="0">
+        <a:scrgbClr r="0" g="0" b="0"/>
+      </a:effectRef>
+      <a:fontRef idx="minor"/>
+    </dgm:style>
+  </dgm:styleLbl>
+  <dgm:styleLbl name="parChTrans1D2">
+    <dgm:scene3d>
+      <a:camera prst="orthographicFront"/>
+      <a:lightRig rig="threePt" dir="t"/>
+    </dgm:scene3d>
+    <dgm:sp3d/>
+    <dgm:txPr/>
+    <dgm:style>
+      <a:lnRef idx="2">
+        <a:scrgbClr r="0" g="0" b="0"/>
+      </a:lnRef>
+      <a:fillRef idx="0">
+        <a:scrgbClr r="0" g="0" b="0"/>
+      </a:fillRef>
+      <a:effectRef idx="0">
+        <a:scrgbClr r="0" g="0" b="0"/>
+      </a:effectRef>
+      <a:fontRef idx="minor"/>
+    </dgm:style>
+  </dgm:styleLbl>
+  <dgm:styleLbl name="parChTrans1D3">
+    <dgm:scene3d>
+      <a:camera prst="orthographicFront"/>
+      <a:lightRig rig="threePt" dir="t"/>
+    </dgm:scene3d>
+    <dgm:sp3d/>
+    <dgm:txPr/>
+    <dgm:style>
+      <a:lnRef idx="2">
+        <a:scrgbClr r="0" g="0" b="0"/>
+      </a:lnRef>
+      <a:fillRef idx="0">
+        <a:scrgbClr r="0" g="0" b="0"/>
+      </a:fillRef>
+      <a:effectRef idx="0">
+        <a:scrgbClr r="0" g="0" b="0"/>
+      </a:effectRef>
+      <a:fontRef idx="minor"/>
+    </dgm:style>
+  </dgm:styleLbl>
+  <dgm:styleLbl name="parChTrans1D4">
+    <dgm:scene3d>
+      <a:camera prst="orthographicFront"/>
+      <a:lightRig rig="threePt" dir="t"/>
+    </dgm:scene3d>
+    <dgm:sp3d/>
+    <dgm:txPr/>
+    <dgm:style>
+      <a:lnRef idx="2">
+        <a:scrgbClr r="0" g="0" b="0"/>
+      </a:lnRef>
+      <a:fillRef idx="0">
+        <a:scrgbClr r="0" g="0" b="0"/>
+      </a:fillRef>
+      <a:effectRef idx="0">
+        <a:scrgbClr r="0" g="0" b="0"/>
+      </a:effectRef>
+      <a:fontRef idx="minor"/>
+    </dgm:style>
+  </dgm:styleLbl>
+  <dgm:styleLbl name="fgAcc1">
+    <dgm:scene3d>
+      <a:camera prst="orthographicFront"/>
+      <a:lightRig rig="threePt" dir="t"/>
+    </dgm:scene3d>
+    <dgm:sp3d/>
+    <dgm:txPr/>
+    <dgm:style>
+      <a:lnRef idx="2">
+        <a:scrgbClr r="0" g="0" b="0"/>
+      </a:lnRef>
+      <a:fillRef idx="1">
+        <a:scrgbClr r="0" g="0" b="0"/>
+      </a:fillRef>
+      <a:effectRef idx="0">
+        <a:scrgbClr r="0" g="0" b="0"/>
+      </a:effectRef>
+      <a:fontRef idx="minor"/>
+    </dgm:style>
+  </dgm:styleLbl>
+  <dgm:styleLbl name="conFgAcc1">
+    <dgm:scene3d>
+      <a:camera prst="orthographicFront"/>
+      <a:lightRig rig="threePt" dir="t"/>
+    </dgm:scene3d>
+    <dgm:sp3d/>
+    <dgm:txPr/>
+    <dgm:style>
+      <a:lnRef idx="2">
+        <a:scrgbClr r="0" g="0" b="0"/>
+      </a:lnRef>
+      <a:fillRef idx="1">
+        <a:scrgbClr r="0" g="0" b="0"/>
+      </a:fillRef>
+      <a:effectRef idx="0">
+        <a:scrgbClr r="0" g="0" b="0"/>
+      </a:effectRef>
+      <a:fontRef idx="minor"/>
+    </dgm:style>
+  </dgm:styleLbl>
+  <dgm:styleLbl name="alignAcc1">
+    <dgm:scene3d>
+      <a:camera prst="orthographicFront"/>
+      <a:lightRig rig="threePt" dir="t"/>
+    </dgm:scene3d>
+    <dgm:sp3d/>
+    <dgm:txPr/>
+    <dgm:style>
+      <a:lnRef idx="2">
+        <a:scrgbClr r="0" g="0" b="0"/>
+      </a:lnRef>
+      <a:fillRef idx="1">
+        <a:scrgbClr r="0" g="0" b="0"/>
+      </a:fillRef>
+      <a:effectRef idx="0">
+        <a:scrgbClr r="0" g="0" b="0"/>
+      </a:effectRef>
+      <a:fontRef idx="minor"/>
+    </dgm:style>
+  </dgm:styleLbl>
+  <dgm:styleLbl name="trAlignAcc1">
+    <dgm:scene3d>
+      <a:camera prst="orthographicFront"/>
+      <a:lightRig rig="threePt" dir="t"/>
+    </dgm:scene3d>
+    <dgm:sp3d/>
+    <dgm:txPr/>
+    <dgm:style>
+      <a:lnRef idx="1">
+        <a:scrgbClr r="0" g="0" b="0"/>
+      </a:lnRef>
+      <a:fillRef idx="1">
+        <a:scrgbClr r="0" g="0" b="0"/>
+      </a:fillRef>
+      <a:effectRef idx="0">
+        <a:scrgbClr r="0" g="0" b="0"/>
+      </a:effectRef>
+      <a:fontRef idx="minor"/>
+    </dgm:style>
+  </dgm:styleLbl>
+  <dgm:styleLbl name="bgAcc1">
+    <dgm:scene3d>
+      <a:camera prst="orthographicFront"/>
+      <a:lightRig rig="threePt" dir="t"/>
+    </dgm:scene3d>
+    <dgm:sp3d/>
+    <dgm:txPr/>
+    <dgm:style>
+      <a:lnRef idx="2">
+        <a:scrgbClr r="0" g="0" b="0"/>
+      </a:lnRef>
+      <a:fillRef idx="1">
+        <a:scrgbClr r="0" g="0" b="0"/>
+      </a:fillRef>
+      <a:effectRef idx="0">
+        <a:scrgbClr r="0" g="0" b="0"/>
+      </a:effectRef>
+      <a:fontRef idx="minor"/>
+    </dgm:style>
+  </dgm:styleLbl>
+  <dgm:styleLbl name="solidFgAcc1">
+    <dgm:scene3d>
+      <a:camera prst="orthographicFront"/>
+      <a:lightRig rig="threePt" dir="t"/>
+    </dgm:scene3d>
+    <dgm:sp3d/>
+    <dgm:txPr/>
+    <dgm:style>
+      <a:lnRef idx="2">
+        <a:scrgbClr r="0" g="0" b="0"/>
+      </a:lnRef>
+      <a:fillRef idx="1">
+        <a:scrgbClr r="0" g="0" b="0"/>
+      </a:fillRef>
+      <a:effectRef idx="0">
+        <a:scrgbClr r="0" g="0" b="0"/>
+      </a:effectRef>
+      <a:fontRef idx="minor"/>
+    </dgm:style>
+  </dgm:styleLbl>
+  <dgm:styleLbl name="solidAlignAcc1">
+    <dgm:scene3d>
+      <a:camera prst="orthographicFront"/>
+      <a:lightRig rig="threePt" dir="t"/>
+    </dgm:scene3d>
+    <dgm:sp3d/>
+    <dgm:txPr/>
+    <dgm:style>
+      <a:lnRef idx="2">
+        <a:scrgbClr r="0" g="0" b="0"/>
+      </a:lnRef>
+      <a:fillRef idx="1">
+        <a:scrgbClr r="0" g="0" b="0"/>
+      </a:fillRef>
+      <a:effectRef idx="0">
+        <a:scrgbClr r="0" g="0" b="0"/>
+      </a:effectRef>
+      <a:fontRef idx="minor"/>
+    </dgm:style>
+  </dgm:styleLbl>
+  <dgm:styleLbl name="solidBgAcc1">
+    <dgm:scene3d>
+      <a:camera prst="orthographicFront"/>
+      <a:lightRig rig="threePt" dir="t"/>
+    </dgm:scene3d>
+    <dgm:sp3d/>
+    <dgm:txPr/>
+    <dgm:style>
+      <a:lnRef idx="2">
+        <a:scrgbClr r="0" g="0" b="0"/>
+      </a:lnRef>
+      <a:fillRef idx="1">
+        <a:scrgbClr r="0" g="0" b="0"/>
+      </a:fillRef>
+      <a:effectRef idx="0">
+        <a:scrgbClr r="0" g="0" b="0"/>
+      </a:effectRef>
+      <a:fontRef idx="minor"/>
+    </dgm:style>
+  </dgm:styleLbl>
+  <dgm:styleLbl name="fgAccFollowNode1">
+    <dgm:scene3d>
+      <a:camera prst="orthographicFront"/>
+      <a:lightRig rig="threePt" dir="t"/>
+    </dgm:scene3d>
+    <dgm:sp3d/>
+    <dgm:txPr/>
+    <dgm:style>
+      <a:lnRef idx="2">
+        <a:scrgbClr r="0" g="0" b="0"/>
+      </a:lnRef>
+      <a:fillRef idx="1">
+        <a:scrgbClr r="0" g="0" b="0"/>
+      </a:fillRef>
+      <a:effectRef idx="0">
+        <a:scrgbClr r="0" g="0" b="0"/>
+      </a:effectRef>
+      <a:fontRef idx="minor"/>
+    </dgm:style>
+  </dgm:styleLbl>
+  <dgm:styleLbl name="alignAccFollowNode1">
+    <dgm:scene3d>
+      <a:camera prst="orthographicFront"/>
+      <a:lightRig rig="threePt" dir="t"/>
+    </dgm:scene3d>
+    <dgm:sp3d/>
+    <dgm:txPr/>
+    <dgm:style>
+      <a:lnRef idx="2">
+        <a:scrgbClr r="0" g="0" b="0"/>
+      </a:lnRef>
+      <a:fillRef idx="1">
+        <a:scrgbClr r="0" g="0" b="0"/>
+      </a:fillRef>
+      <a:effectRef idx="0">
+        <a:scrgbClr r="0" g="0" b="0"/>
+      </a:effectRef>
+      <a:fontRef idx="minor"/>
+    </dgm:style>
+  </dgm:styleLbl>
+  <dgm:styleLbl name="bgAccFollowNode1">
+    <dgm:scene3d>
+      <a:camera prst="orthographicFront"/>
+      <a:lightRig rig="threePt" dir="t"/>
+    </dgm:scene3d>
+    <dgm:sp3d/>
+    <dgm:txPr/>
+    <dgm:style>
+      <a:lnRef idx="2">
+        <a:scrgbClr r="0" g="0" b="0"/>
+      </a:lnRef>
+      <a:fillRef idx="1">
+        <a:scrgbClr r="0" g="0" b="0"/>
+      </a:fillRef>
+      <a:effectRef idx="0">
+        <a:scrgbClr r="0" g="0" b="0"/>
+      </a:effectRef>
+      <a:fontRef idx="minor"/>
+    </dgm:style>
+  </dgm:styleLbl>
+  <dgm:styleLbl name="fgAcc0">
+    <dgm:scene3d>
+      <a:camera prst="orthographicFront"/>
+      <a:lightRig rig="threePt" dir="t"/>
+    </dgm:scene3d>
+    <dgm:sp3d/>
+    <dgm:txPr/>
+    <dgm:style>
+      <a:lnRef idx="2">
+        <a:scrgbClr r="0" g="0" b="0"/>
+      </a:lnRef>
+      <a:fillRef idx="1">
+        <a:scrgbClr r="0" g="0" b="0"/>
+      </a:fillRef>
+      <a:effectRef idx="0">
+        <a:scrgbClr r="0" g="0" b="0"/>
+      </a:effectRef>
+      <a:fontRef idx="minor"/>
+    </dgm:style>
+  </dgm:styleLbl>
+  <dgm:styleLbl name="fgAcc2">
+    <dgm:scene3d>
+      <a:camera prst="orthographicFront"/>
+      <a:lightRig rig="threePt" dir="t"/>
+    </dgm:scene3d>
+    <dgm:sp3d/>
+    <dgm:txPr/>
+    <dgm:style>
+      <a:lnRef idx="2">
+        <a:scrgbClr r="0" g="0" b="0"/>
+      </a:lnRef>
+      <a:fillRef idx="1">
+        <a:scrgbClr r="0" g="0" b="0"/>
+      </a:fillRef>
+      <a:effectRef idx="0">
+        <a:scrgbClr r="0" g="0" b="0"/>
+      </a:effectRef>
+      <a:fontRef idx="minor"/>
+    </dgm:style>
+  </dgm:styleLbl>
+  <dgm:styleLbl name="fgAcc3">
+    <dgm:scene3d>
+      <a:camera prst="orthographicFront"/>
+      <a:lightRig rig="threePt" dir="t"/>
+    </dgm:scene3d>
+    <dgm:sp3d/>
+    <dgm:txPr/>
+    <dgm:style>
+      <a:lnRef idx="2">
+        <a:scrgbClr r="0" g="0" b="0"/>
+      </a:lnRef>
+      <a:fillRef idx="1">
+        <a:scrgbClr r="0" g="0" b="0"/>
+      </a:fillRef>
+      <a:effectRef idx="0">
+        <a:scrgbClr r="0" g="0" b="0"/>
+      </a:effectRef>
+      <a:fontRef idx="minor"/>
+    </dgm:style>
+  </dgm:styleLbl>
+  <dgm:styleLbl name="fgAcc4">
+    <dgm:scene3d>
+      <a:camera prst="orthographicFront"/>
+      <a:lightRig rig="threePt" dir="t"/>
+    </dgm:scene3d>
+    <dgm:sp3d/>
+    <dgm:txPr/>
+    <dgm:style>
+      <a:lnRef idx="2">
+        <a:scrgbClr r="0" g="0" b="0"/>
+      </a:lnRef>
+      <a:fillRef idx="1">
+        <a:scrgbClr r="0" g="0" b="0"/>
+      </a:fillRef>
+      <a:effectRef idx="0">
+        <a:scrgbClr r="0" g="0" b="0"/>
+      </a:effectRef>
+      <a:fontRef idx="minor"/>
+    </dgm:style>
+  </dgm:styleLbl>
+  <dgm:styleLbl name="bgShp">
+    <dgm:scene3d>
+      <a:camera prst="orthographicFront"/>
+      <a:lightRig rig="threePt" dir="t"/>
+    </dgm:scene3d>
+    <dgm:sp3d/>
+    <dgm:txPr/>
+    <dgm:style>
+      <a:lnRef idx="0">
+        <a:scrgbClr r="0" g="0" b="0"/>
+      </a:lnRef>
+      <a:fillRef idx="1">
+        <a:scrgbClr r="0" g="0" b="0"/>
+      </a:fillRef>
+      <a:effectRef idx="0">
+        <a:scrgbClr r="0" g="0" b="0"/>
+      </a:effectRef>
+      <a:fontRef idx="minor"/>
+    </dgm:style>
+  </dgm:styleLbl>
+  <dgm:styleLbl name="dkBgShp">
+    <dgm:scene3d>
+      <a:camera prst="orthographicFront"/>
+      <a:lightRig rig="threePt" dir="t"/>
+    </dgm:scene3d>
+    <dgm:sp3d/>
+    <dgm:txPr/>
+    <dgm:style>
+      <a:lnRef idx="0">
+        <a:scrgbClr r="0" g="0" b="0"/>
+      </a:lnRef>
+      <a:fillRef idx="1">
+        <a:scrgbClr r="0" g="0" b="0"/>
+      </a:fillRef>
+      <a:effectRef idx="0">
+        <a:scrgbClr r="0" g="0" b="0"/>
+      </a:effectRef>
+      <a:fontRef idx="minor"/>
+    </dgm:style>
+  </dgm:styleLbl>
+  <dgm:styleLbl name="trBgShp">
+    <dgm:scene3d>
+      <a:camera prst="orthographicFront"/>
+      <a:lightRig rig="threePt" dir="t"/>
+    </dgm:scene3d>
+    <dgm:sp3d/>
+    <dgm:txPr/>
+    <dgm:style>
+      <a:lnRef idx="0">
+        <a:scrgbClr r="0" g="0" b="0"/>
+      </a:lnRef>
+      <a:fillRef idx="1">
+        <a:scrgbClr r="0" g="0" b="0"/>
+      </a:fillRef>
+      <a:effectRef idx="0">
+        <a:scrgbClr r="0" g="0" b="0"/>
+      </a:effectRef>
+      <a:fontRef idx="minor"/>
+    </dgm:style>
+  </dgm:styleLbl>
+  <dgm:styleLbl name="fgShp">
+    <dgm:scene3d>
+      <a:camera prst="orthographicFront"/>
+      <a:lightRig rig="threePt" dir="t"/>
+    </dgm:scene3d>
+    <dgm:sp3d/>
+    <dgm:txPr/>
+    <dgm:style>
+      <a:lnRef idx="2">
+        <a:scrgbClr r="0" g="0" b="0"/>
+      </a:lnRef>
+      <a:fillRef idx="1">
+        <a:scrgbClr r="0" g="0" b="0"/>
+      </a:fillRef>
+      <a:effectRef idx="0">
+        <a:scrgbClr r="0" g="0" b="0"/>
+      </a:effectRef>
+      <a:fontRef idx="minor"/>
+    </dgm:style>
+  </dgm:styleLbl>
+  <dgm:styleLbl name="revTx">
+    <dgm:scene3d>
+      <a:camera prst="orthographicFront"/>
+      <a:lightRig rig="threePt" dir="t"/>
+    </dgm:scene3d>
+    <dgm:sp3d/>
+    <dgm:txPr/>
+    <dgm:style>
+      <a:lnRef idx="0">
+        <a:scrgbClr r="0" g="0" b="0"/>
+      </a:lnRef>
+      <a:fillRef idx="0">
+        <a:scrgbClr r="0" g="0" b="0"/>
+      </a:fillRef>
+      <a:effectRef idx="0">
+        <a:scrgbClr r="0" g="0" b="0"/>
+      </a:effectRef>
+      <a:fontRef idx="minor"/>
+    </dgm:style>
+  </dgm:styleLbl>
+</dgm:styleDef>
 </file>
 
 <file path=ppt/slideLayouts/slideLayout1.xml><?xml version="1.0" encoding="utf-8"?>
@@ -2999,7 +5508,7 @@
         </p:nvSpPr>
         <p:spPr>
           <a:xfrm>
-            <a:off x="5898736" y="1315279"/>
+            <a:off x="5903847" y="1315279"/>
             <a:ext cx="6095995" cy="5389216"/>
           </a:xfrm>
           <a:prstGeom prst="rect">
@@ -3216,7 +5725,7 @@
         </p:nvSpPr>
         <p:spPr>
           <a:xfrm>
-            <a:off x="193676" y="671053"/>
+            <a:off x="196574" y="671442"/>
             <a:ext cx="11942416" cy="830997"/>
           </a:xfrm>
           <a:prstGeom prst="rect">
@@ -3235,20 +5744,16 @@
           <a:p>
             <a:r>
               <a:rPr lang="en-US" sz="1600">
-                <a:latin typeface="Arial"/>
+                <a:latin typeface="Calibri"/>
                 <a:ea typeface="+mn-lt"/>
                 <a:cs typeface="+mn-lt"/>
               </a:rPr>
               <a:t>The Solution objective is to minimize OOS (out of stock) at stores and improve overall customer experience and satisfaction by ensuring the products are always available on the shelves as well as in stock with the stores.</a:t>
             </a:r>
-            <a:endParaRPr lang="en-US" sz="1600">
-              <a:ea typeface="+mn-lt"/>
-              <a:cs typeface="+mn-lt"/>
-            </a:endParaRPr>
           </a:p>
           <a:p>
             <a:endParaRPr lang="en-US" sz="1600" dirty="0">
-              <a:latin typeface="Arial"/>
+              <a:latin typeface="Calibri"/>
               <a:cs typeface="Calibri"/>
             </a:endParaRPr>
           </a:p>
@@ -3319,7 +5824,7 @@
         </p:nvSpPr>
         <p:spPr>
           <a:xfrm>
-            <a:off x="638313" y="1455530"/>
+            <a:off x="704574" y="1311965"/>
             <a:ext cx="3703982" cy="646331"/>
           </a:xfrm>
           <a:prstGeom prst="rect">
@@ -3367,7 +5872,7 @@
         </p:nvSpPr>
         <p:spPr>
           <a:xfrm>
-            <a:off x="7871792" y="1455529"/>
+            <a:off x="7805531" y="1311964"/>
             <a:ext cx="3284328" cy="646331"/>
           </a:xfrm>
           <a:prstGeom prst="rect">
@@ -3390,7 +5895,19 @@
               <a:rPr lang="en-US" b="1" dirty="0">
                 <a:cs typeface="Calibri"/>
               </a:rPr>
-              <a:t>Ensuring In Store Availability of Stock Using Predictive analytics</a:t>
+              <a:t>Ensuring In Store Availability </a:t>
+            </a:r>
+            <a:r>
+              <a:rPr lang="en-US" b="1">
+                <a:cs typeface="Calibri"/>
+              </a:rPr>
+              <a:t>of Stock Using </a:t>
+            </a:r>
+            <a:r>
+              <a:rPr lang="en-US" b="1" dirty="0">
+                <a:cs typeface="Calibri"/>
+              </a:rPr>
+              <a:t>Predictive analytics</a:t>
             </a:r>
           </a:p>
         </p:txBody>
@@ -3409,8 +5926,8 @@
         </p:nvSpPr>
         <p:spPr>
           <a:xfrm>
-            <a:off x="306319" y="2415622"/>
-            <a:ext cx="5150678" cy="369332"/>
+            <a:off x="262145" y="1951796"/>
+            <a:ext cx="5239025" cy="4770537"/>
           </a:xfrm>
           <a:prstGeom prst="rect">
             <a:avLst/>
@@ -3426,11 +5943,406 @@
           </a:bodyPr>
           <a:lstStyle/>
           <a:p>
-            <a:pPr marL="285750" indent="-285750" algn="l">
+            <a:pPr marL="285750" indent="-285750">
               <a:buFont typeface="Arial"/>
               <a:buChar char="•"/>
             </a:pPr>
+            <a:r>
+              <a:rPr lang="en-US" sz="1600">
+                <a:latin typeface="Calibri"/>
+                <a:cs typeface="Calibri"/>
+              </a:rPr>
+              <a:t>Ensuring</a:t>
+            </a:r>
+            <a:r>
+              <a:rPr lang="en-US" sz="1600" dirty="0">
+                <a:latin typeface="Calibri"/>
+                <a:cs typeface="Calibri"/>
+              </a:rPr>
+              <a:t> </a:t>
+            </a:r>
+            <a:r>
+              <a:rPr lang="en-US" sz="1600">
+                <a:latin typeface="Calibri"/>
+                <a:cs typeface="Calibri"/>
+              </a:rPr>
+              <a:t>proper availability of items on the shelves is very important to boost sales and customer satisfaction as well as retention.</a:t>
+            </a:r>
+            <a:endParaRPr lang="en-US" sz="1600" dirty="0">
+              <a:latin typeface="Calibri"/>
+              <a:cs typeface="Calibri"/>
+            </a:endParaRPr>
+          </a:p>
+          <a:p>
+            <a:pPr marL="285750" indent="-285750">
+              <a:buFont typeface="Arial"/>
+              <a:buChar char="•"/>
+            </a:pPr>
+            <a:endParaRPr lang="en-US" sz="1600" dirty="0">
+              <a:latin typeface="Calibri"/>
+              <a:cs typeface="Calibri"/>
+            </a:endParaRPr>
+          </a:p>
+          <a:p>
+            <a:pPr marL="285750" indent="-285750">
+              <a:buFont typeface="Arial"/>
+              <a:buChar char="•"/>
+            </a:pPr>
+            <a:r>
+              <a:rPr lang="en-US" sz="1600">
+                <a:latin typeface="Calibri"/>
+                <a:cs typeface="Calibri"/>
+              </a:rPr>
+              <a:t>Even though stock is available at stores but not at the shelves due to inefficient management of shelf inventories by the </a:t>
+            </a:r>
+            <a:r>
+              <a:rPr lang="en-US" sz="1600" dirty="0">
+                <a:latin typeface="Calibri"/>
+                <a:cs typeface="Calibri"/>
+              </a:rPr>
+              <a:t>staff.</a:t>
+            </a:r>
+          </a:p>
+          <a:p>
+            <a:pPr marL="285750" indent="-285750">
+              <a:buFont typeface="Arial"/>
+              <a:buChar char="•"/>
+            </a:pPr>
+            <a:endParaRPr lang="en-US" sz="1600" dirty="0">
+              <a:latin typeface="Calibri"/>
+              <a:cs typeface="Calibri"/>
+            </a:endParaRPr>
+          </a:p>
+          <a:p>
+            <a:pPr marL="285750" indent="-285750">
+              <a:buFont typeface="Arial"/>
+              <a:buChar char="•"/>
+            </a:pPr>
+            <a:r>
+              <a:rPr lang="en-US" sz="1600">
+                <a:latin typeface="Calibri"/>
+                <a:cs typeface="Calibri"/>
+              </a:rPr>
+              <a:t>We Created an AI driven solution to track the </a:t>
+            </a:r>
+            <a:r>
+              <a:rPr lang="en-US" sz="1600" b="1">
+                <a:latin typeface="Calibri"/>
+                <a:cs typeface="Calibri"/>
+              </a:rPr>
+              <a:t>shelves health</a:t>
+            </a:r>
+            <a:r>
+              <a:rPr lang="en-US" sz="1600">
+                <a:latin typeface="Calibri"/>
+                <a:cs typeface="Calibri"/>
+              </a:rPr>
+              <a:t> and automatically notify the staff when and where to replenish stock before it get out of stock</a:t>
+            </a:r>
+            <a:endParaRPr lang="en-US" sz="1600" dirty="0">
+              <a:latin typeface="Calibri"/>
+              <a:cs typeface="Calibri"/>
+            </a:endParaRPr>
+          </a:p>
+          <a:p>
+            <a:pPr marL="285750" indent="-285750">
+              <a:buFont typeface="Arial"/>
+              <a:buChar char="•"/>
+            </a:pPr>
+            <a:endParaRPr lang="en-US" sz="1600">
+              <a:latin typeface="Calibri"/>
+              <a:cs typeface="Calibri"/>
+            </a:endParaRPr>
+          </a:p>
+          <a:p>
+            <a:pPr marL="285750" indent="-285750">
+              <a:buFont typeface="Arial"/>
+              <a:buChar char="•"/>
+            </a:pPr>
+            <a:r>
+              <a:rPr lang="en-US" sz="1600">
+                <a:latin typeface="Calibri"/>
+                <a:cs typeface="Calibri"/>
+              </a:rPr>
+              <a:t>We Trained a </a:t>
+            </a:r>
+            <a:r>
+              <a:rPr lang="en-US" sz="1600" b="1">
+                <a:latin typeface="Calibri"/>
+                <a:cs typeface="Calibri"/>
+              </a:rPr>
+              <a:t>Deep Learning Convolution Neural Network </a:t>
+            </a:r>
+            <a:r>
+              <a:rPr lang="en-US" sz="1600">
+                <a:latin typeface="Calibri"/>
+                <a:cs typeface="Calibri"/>
+              </a:rPr>
+              <a:t>using state-of-the-art </a:t>
+            </a:r>
+            <a:r>
+              <a:rPr lang="en-US" sz="1600" b="1">
+                <a:latin typeface="Calibri"/>
+                <a:cs typeface="Calibri"/>
+              </a:rPr>
+              <a:t>YOLO </a:t>
+            </a:r>
+            <a:r>
+              <a:rPr lang="en-US" sz="1600">
+                <a:latin typeface="Calibri"/>
+                <a:cs typeface="Calibri"/>
+              </a:rPr>
+              <a:t>object detection model to detect </a:t>
+            </a:r>
+            <a:r>
+              <a:rPr lang="en-US" sz="1600" b="1">
+                <a:latin typeface="Calibri"/>
+                <a:cs typeface="Calibri"/>
+              </a:rPr>
+              <a:t>empty voids</a:t>
+            </a:r>
+            <a:r>
+              <a:rPr lang="en-US" sz="1600" dirty="0">
+                <a:latin typeface="Calibri"/>
+                <a:cs typeface="Calibri"/>
+              </a:rPr>
+              <a:t> in the shelves.</a:t>
+            </a:r>
+          </a:p>
+          <a:p>
+            <a:pPr marL="285750" indent="-285750">
+              <a:buFont typeface="Arial"/>
+              <a:buChar char="•"/>
+            </a:pPr>
+            <a:endParaRPr lang="en-US" sz="1600" dirty="0">
+              <a:latin typeface="Calibri"/>
+              <a:cs typeface="Calibri"/>
+            </a:endParaRPr>
+          </a:p>
+          <a:p>
+            <a:pPr marL="285750" indent="-285750">
+              <a:buFont typeface="Arial"/>
+              <a:buChar char="•"/>
+            </a:pPr>
+            <a:r>
+              <a:rPr lang="en-US" sz="1600">
+                <a:latin typeface="Calibri"/>
+                <a:cs typeface="Calibri"/>
+              </a:rPr>
+              <a:t>It triggers a replenish request as soon as the</a:t>
+            </a:r>
+            <a:r>
+              <a:rPr lang="en-US" sz="1600" dirty="0">
+                <a:latin typeface="Calibri"/>
+                <a:cs typeface="Calibri"/>
+              </a:rPr>
+              <a:t> </a:t>
+            </a:r>
+            <a:r>
+              <a:rPr lang="en-US" sz="1600">
+                <a:latin typeface="Calibri"/>
+                <a:cs typeface="Calibri"/>
+              </a:rPr>
+              <a:t>Shelve inventory health goes below the threshold</a:t>
+            </a:r>
+            <a:r>
+              <a:rPr lang="en-US" sz="1600" dirty="0">
+                <a:latin typeface="Calibri"/>
+                <a:cs typeface="Calibri"/>
+              </a:rPr>
+              <a:t> </a:t>
+            </a:r>
+            <a:r>
+              <a:rPr lang="en-US" sz="1600">
+                <a:latin typeface="Calibri"/>
+                <a:cs typeface="Calibri"/>
+              </a:rPr>
+              <a:t>value based on the hourly selling rate of the product.</a:t>
+            </a:r>
+            <a:endParaRPr lang="en-US" sz="1600" dirty="0">
+              <a:latin typeface="Calibri"/>
+              <a:cs typeface="Calibri"/>
+            </a:endParaRPr>
+          </a:p>
+        </p:txBody>
+      </p:sp>
+      <p:sp>
+        <p:nvSpPr>
+          <p:cNvPr id="15" name="TextBox 14">
+            <a:extLst>
+              <a:ext uri="{FF2B5EF4-FFF2-40B4-BE49-F238E27FC236}">
+                <a16:creationId xmlns:a16="http://schemas.microsoft.com/office/drawing/2014/main" id="{C2419EC4-EF38-4E1D-A49C-B9F740D8B65F}"/>
+              </a:ext>
+            </a:extLst>
+          </p:cNvPr>
+          <p:cNvSpPr txBox="1"/>
+          <p:nvPr/>
+        </p:nvSpPr>
+        <p:spPr>
+          <a:xfrm>
+            <a:off x="6026840" y="2272057"/>
+            <a:ext cx="5978937" cy="4278094"/>
+          </a:xfrm>
+          <a:prstGeom prst="rect">
+            <a:avLst/>
+          </a:prstGeom>
+          <a:noFill/>
+        </p:spPr>
+        <p:txBody>
+          <a:bodyPr rot="0" spcFirstLastPara="0" vertOverflow="overflow" horzOverflow="overflow" vert="horz" wrap="square" lIns="91440" tIns="45720" rIns="91440" bIns="45720" numCol="1" spcCol="0" rtlCol="0" fromWordArt="0" anchor="t" anchorCtr="0" forceAA="0" compatLnSpc="1">
+            <a:prstTxWarp prst="textNoShape">
+              <a:avLst/>
+            </a:prstTxWarp>
+            <a:spAutoFit/>
+          </a:bodyPr>
+          <a:lstStyle/>
+          <a:p>
+            <a:pPr marL="285750" indent="-285750">
+              <a:buFont typeface="Arial"/>
+              <a:buChar char="•"/>
+            </a:pPr>
+            <a:r>
+              <a:rPr lang="en-US" sz="1600" dirty="0">
+                <a:latin typeface="Calibri"/>
+                <a:cs typeface="Calibri"/>
+              </a:rPr>
+              <a:t>Extract transaction of last 6 months for a store and calculate hourly demand of the products available in that store.</a:t>
+            </a:r>
             <a:endParaRPr lang="en-US" dirty="0">
+              <a:latin typeface="Calibri"/>
+              <a:cs typeface="Calibri"/>
+            </a:endParaRPr>
+          </a:p>
+          <a:p>
+            <a:pPr marL="285750" indent="-285750">
+              <a:buFont typeface="Arial"/>
+              <a:buChar char="•"/>
+            </a:pPr>
+            <a:endParaRPr lang="en-US" sz="1600" dirty="0">
+              <a:latin typeface="Calibri"/>
+              <a:cs typeface="Calibri"/>
+            </a:endParaRPr>
+          </a:p>
+          <a:p>
+            <a:pPr marL="285750" indent="-285750">
+              <a:buFont typeface="Arial"/>
+              <a:buChar char="•"/>
+            </a:pPr>
+            <a:r>
+              <a:rPr lang="en-US" sz="1600" dirty="0">
+                <a:latin typeface="Calibri"/>
+                <a:cs typeface="Calibri"/>
+              </a:rPr>
+              <a:t>Remove non preforming or low performing products based on analysis of hourly trend per weekday of the product.</a:t>
+            </a:r>
+            <a:endParaRPr lang="en-US" dirty="0">
+              <a:latin typeface="Calibri"/>
+              <a:cs typeface="Calibri"/>
+            </a:endParaRPr>
+          </a:p>
+          <a:p>
+            <a:pPr marL="285750" indent="-285750">
+              <a:buFont typeface="Arial"/>
+              <a:buChar char="•"/>
+            </a:pPr>
+            <a:endParaRPr lang="en-US" sz="1600" dirty="0">
+              <a:latin typeface="Calibri"/>
+              <a:cs typeface="Calibri"/>
+            </a:endParaRPr>
+          </a:p>
+          <a:p>
+            <a:pPr marL="285750" indent="-285750">
+              <a:buFont typeface="Arial"/>
+              <a:buChar char="•"/>
+            </a:pPr>
+            <a:r>
+              <a:rPr lang="en-US" sz="1600" dirty="0">
+                <a:latin typeface="Calibri"/>
+                <a:cs typeface="Calibri"/>
+              </a:rPr>
+              <a:t>Select top 100 best fast moving products and set the diamond line for these product watch their trend.</a:t>
+            </a:r>
+            <a:endParaRPr lang="en-US" dirty="0">
+              <a:latin typeface="Calibri"/>
+              <a:cs typeface="Calibri"/>
+            </a:endParaRPr>
+          </a:p>
+          <a:p>
+            <a:pPr marL="285750" indent="-285750">
+              <a:buFont typeface="Arial"/>
+              <a:buChar char="•"/>
+            </a:pPr>
+            <a:endParaRPr lang="en-US" sz="1600" dirty="0">
+              <a:latin typeface="Calibri"/>
+              <a:cs typeface="Calibri"/>
+            </a:endParaRPr>
+          </a:p>
+          <a:p>
+            <a:pPr marL="285750" indent="-285750">
+              <a:buFont typeface="Arial"/>
+              <a:buChar char="•"/>
+            </a:pPr>
+            <a:r>
+              <a:rPr lang="en-US" sz="1600" dirty="0">
+                <a:latin typeface="Calibri"/>
+                <a:cs typeface="Calibri"/>
+              </a:rPr>
+              <a:t>Calculate hourly/weekly and monthly run rate as KPI for these fast moving product.</a:t>
+            </a:r>
+          </a:p>
+          <a:p>
+            <a:pPr marL="285750" indent="-285750">
+              <a:buFont typeface="Arial"/>
+              <a:buChar char="•"/>
+            </a:pPr>
+            <a:endParaRPr lang="en-US" sz="1600" dirty="0">
+              <a:latin typeface="Calibri"/>
+              <a:cs typeface="Calibri"/>
+            </a:endParaRPr>
+          </a:p>
+          <a:p>
+            <a:pPr marL="285750" indent="-285750">
+              <a:buFont typeface="Arial"/>
+              <a:buChar char="•"/>
+            </a:pPr>
+            <a:r>
+              <a:rPr lang="en-US" sz="1600" dirty="0">
+                <a:latin typeface="Calibri"/>
+                <a:cs typeface="Calibri"/>
+              </a:rPr>
+              <a:t>Estimate OOS time at store and predict re-order quantity.</a:t>
+            </a:r>
+          </a:p>
+          <a:p>
+            <a:pPr marL="285750" indent="-285750">
+              <a:buFont typeface="Arial"/>
+              <a:buChar char="•"/>
+            </a:pPr>
+            <a:endParaRPr lang="en-US" sz="1600" dirty="0">
+              <a:latin typeface="Calibri"/>
+              <a:cs typeface="Calibri"/>
+            </a:endParaRPr>
+          </a:p>
+          <a:p>
+            <a:pPr marL="285750" indent="-285750">
+              <a:buFont typeface="Arial"/>
+              <a:buChar char="•"/>
+            </a:pPr>
+            <a:r>
+              <a:rPr lang="en-US" sz="1600" dirty="0">
+                <a:latin typeface="Calibri"/>
+                <a:cs typeface="Calibri"/>
+              </a:rPr>
+              <a:t>Train the model using linear regression and predict the hourly run rate for these diamond line products. </a:t>
+            </a:r>
+            <a:endParaRPr lang="en-US">
+              <a:latin typeface="Calibri"/>
+              <a:cs typeface="Calibri"/>
+            </a:endParaRPr>
+          </a:p>
+          <a:p>
+            <a:endParaRPr lang="en-US" sz="1600" dirty="0">
+              <a:latin typeface="Calibri"/>
               <a:cs typeface="Calibri"/>
             </a:endParaRPr>
           </a:p>
@@ -3466,6 +6378,55 @@
           <a:chExt cx="0" cy="0"/>
         </a:xfrm>
       </p:grpSpPr>
+      <p:sp>
+        <p:nvSpPr>
+          <p:cNvPr id="5" name="Rectangle 4">
+            <a:extLst>
+              <a:ext uri="{FF2B5EF4-FFF2-40B4-BE49-F238E27FC236}">
+                <a16:creationId xmlns:a16="http://schemas.microsoft.com/office/drawing/2014/main" id="{15B7F26C-EA7C-4BD2-B666-7CF582218A01}"/>
+              </a:ext>
+            </a:extLst>
+          </p:cNvPr>
+          <p:cNvSpPr/>
+          <p:nvPr/>
+        </p:nvSpPr>
+        <p:spPr>
+          <a:xfrm>
+            <a:off x="194367" y="1160669"/>
+            <a:ext cx="11860694" cy="5600742"/>
+          </a:xfrm>
+          <a:prstGeom prst="rect">
+            <a:avLst/>
+          </a:prstGeom>
+          <a:solidFill>
+            <a:schemeClr val="bg2"/>
+          </a:solidFill>
+        </p:spPr>
+        <p:style>
+          <a:lnRef idx="2">
+            <a:schemeClr val="accent1">
+              <a:shade val="50000"/>
+            </a:schemeClr>
+          </a:lnRef>
+          <a:fillRef idx="1">
+            <a:schemeClr val="accent1"/>
+          </a:fillRef>
+          <a:effectRef idx="0">
+            <a:schemeClr val="accent1"/>
+          </a:effectRef>
+          <a:fontRef idx="minor">
+            <a:schemeClr val="lt1"/>
+          </a:fontRef>
+        </p:style>
+        <p:txBody>
+          <a:bodyPr rtlCol="0" anchor="ctr"/>
+          <a:lstStyle/>
+          <a:p>
+            <a:pPr algn="ctr"/>
+            <a:endParaRPr lang="en-US"/>
+          </a:p>
+        </p:txBody>
+      </p:sp>
       <p:pic>
         <p:nvPicPr>
           <p:cNvPr id="2" name="Picture 2" descr="A picture containing drawing&#10;&#10;Description generated with very high confidence">
@@ -3510,7 +6471,7 @@
         </p:nvSpPr>
         <p:spPr>
           <a:xfrm>
-            <a:off x="373271" y="108226"/>
+            <a:off x="1091097" y="97182"/>
             <a:ext cx="11346067" cy="461665"/>
           </a:xfrm>
           <a:prstGeom prst="rect">
@@ -3537,19 +6498,7 @@
                 <a:latin typeface="Arial"/>
                 <a:cs typeface="Calibri"/>
               </a:rPr>
-              <a:t>Real-Time Shelf Inventory </a:t>
-            </a:r>
-            <a:r>
-              <a:rPr lang="en-US" sz="2400" b="1" dirty="0">
-                <a:solidFill>
-                  <a:schemeClr val="bg2">
-                    <a:lumMod val="25000"/>
-                  </a:schemeClr>
-                </a:solidFill>
-                <a:latin typeface="Arial"/>
-                <a:cs typeface="Calibri"/>
-              </a:rPr>
-              <a:t>Tracking with Deep learning and Computer Vision</a:t>
+              <a:t>Shelf Health Tracking with Deep learning and Computer Vision</a:t>
             </a:r>
           </a:p>
         </p:txBody>
@@ -3609,8 +6558,8 @@
         </p:nvSpPr>
         <p:spPr>
           <a:xfrm>
-            <a:off x="196574" y="671442"/>
-            <a:ext cx="11776764" cy="338554"/>
+            <a:off x="196574" y="565934"/>
+            <a:ext cx="11776764" cy="584775"/>
           </a:xfrm>
           <a:prstGeom prst="rect">
             <a:avLst/>
@@ -3627,139 +6576,38 @@
           <a:lstStyle/>
           <a:p>
             <a:r>
-              <a:rPr lang="en-US" sz="1600">
+              <a:rPr lang="en-US" sz="1600" dirty="0">
                 <a:latin typeface="Arial"/>
-                <a:ea typeface="+mn-lt"/>
-                <a:cs typeface="+mn-lt"/>
+                <a:cs typeface="Calibri"/>
               </a:rPr>
-              <a:t>The key objective is to track on shelf inventories in real time to ensure that products are never run Out of stock from the shelves.</a:t>
-            </a:r>
-            <a:endParaRPr lang="en-US" sz="1600">
-              <a:latin typeface="Arial"/>
-              <a:cs typeface="Calibri"/>
-            </a:endParaRPr>
-          </a:p>
-        </p:txBody>
-      </p:sp>
-      <p:sp>
-        <p:nvSpPr>
-          <p:cNvPr id="5" name="Rectangle 4">
+              <a:t>Taking live feed from a fixed point camera and running our custom trained YOLO model to identify empty voids in each row of the shelf and monitoring the shelf health in real time.</a:t>
+            </a:r>
+          </a:p>
+        </p:txBody>
+      </p:sp>
+      <p:sp>
+        <p:nvSpPr>
+          <p:cNvPr id="6" name="TextBox 5">
             <a:extLst>
               <a:ext uri="{FF2B5EF4-FFF2-40B4-BE49-F238E27FC236}">
-                <a16:creationId xmlns:a16="http://schemas.microsoft.com/office/drawing/2014/main" id="{15B7F26C-EA7C-4BD2-B666-7CF582218A01}"/>
+                <a16:creationId xmlns:a16="http://schemas.microsoft.com/office/drawing/2014/main" id="{D3802D4A-65B7-4466-AFA2-0FE407F0135E}"/>
               </a:ext>
             </a:extLst>
           </p:cNvPr>
-          <p:cNvSpPr/>
+          <p:cNvSpPr txBox="1"/>
           <p:nvPr/>
         </p:nvSpPr>
         <p:spPr>
           <a:xfrm>
-            <a:off x="193676" y="1149626"/>
-            <a:ext cx="5687390" cy="5190435"/>
+            <a:off x="4404139" y="1157356"/>
+            <a:ext cx="2179983" cy="369332"/>
           </a:xfrm>
           <a:prstGeom prst="rect">
             <a:avLst/>
           </a:prstGeom>
           <a:solidFill>
-            <a:schemeClr val="bg2"/>
+            <a:schemeClr val="accent4"/>
           </a:solidFill>
-        </p:spPr>
-        <p:style>
-          <a:lnRef idx="2">
-            <a:schemeClr val="accent1">
-              <a:shade val="50000"/>
-            </a:schemeClr>
-          </a:lnRef>
-          <a:fillRef idx="1">
-            <a:schemeClr val="accent1"/>
-          </a:fillRef>
-          <a:effectRef idx="0">
-            <a:schemeClr val="accent1"/>
-          </a:effectRef>
-          <a:fontRef idx="minor">
-            <a:schemeClr val="lt1"/>
-          </a:fontRef>
-        </p:style>
-        <p:txBody>
-          <a:bodyPr rtlCol="0" anchor="ctr"/>
-          <a:lstStyle/>
-          <a:p>
-            <a:pPr algn="ctr"/>
-            <a:endParaRPr lang="en-US" dirty="0"/>
-          </a:p>
-        </p:txBody>
-      </p:sp>
-      <p:sp>
-        <p:nvSpPr>
-          <p:cNvPr id="7" name="Rectangle 6">
-            <a:extLst>
-              <a:ext uri="{FF2B5EF4-FFF2-40B4-BE49-F238E27FC236}">
-                <a16:creationId xmlns:a16="http://schemas.microsoft.com/office/drawing/2014/main" id="{EFA165F3-CBA3-469C-BF1D-7C9F7DAB4087}"/>
-              </a:ext>
-            </a:extLst>
-          </p:cNvPr>
-          <p:cNvSpPr/>
-          <p:nvPr/>
-        </p:nvSpPr>
-        <p:spPr>
-          <a:xfrm>
-            <a:off x="6312452" y="1149626"/>
-            <a:ext cx="5720522" cy="5190433"/>
-          </a:xfrm>
-          <a:prstGeom prst="rect">
-            <a:avLst/>
-          </a:prstGeom>
-          <a:solidFill>
-            <a:schemeClr val="bg2"/>
-          </a:solidFill>
-        </p:spPr>
-        <p:style>
-          <a:lnRef idx="2">
-            <a:schemeClr val="accent1">
-              <a:shade val="50000"/>
-            </a:schemeClr>
-          </a:lnRef>
-          <a:fillRef idx="1">
-            <a:schemeClr val="accent1"/>
-          </a:fillRef>
-          <a:effectRef idx="0">
-            <a:schemeClr val="accent1"/>
-          </a:effectRef>
-          <a:fontRef idx="minor">
-            <a:schemeClr val="lt1"/>
-          </a:fontRef>
-        </p:style>
-        <p:txBody>
-          <a:bodyPr rtlCol="0" anchor="ctr"/>
-          <a:lstStyle/>
-          <a:p>
-            <a:pPr algn="ctr"/>
-            <a:endParaRPr lang="en-US"/>
-          </a:p>
-        </p:txBody>
-      </p:sp>
-      <p:sp>
-        <p:nvSpPr>
-          <p:cNvPr id="6" name="TextBox 5">
-            <a:extLst>
-              <a:ext uri="{FF2B5EF4-FFF2-40B4-BE49-F238E27FC236}">
-                <a16:creationId xmlns:a16="http://schemas.microsoft.com/office/drawing/2014/main" id="{C811F8FC-6B91-4686-BBB6-32E1B8150731}"/>
-              </a:ext>
-            </a:extLst>
-          </p:cNvPr>
-          <p:cNvSpPr txBox="1"/>
-          <p:nvPr/>
-        </p:nvSpPr>
-        <p:spPr>
-          <a:xfrm>
-            <a:off x="460927" y="1211883"/>
-            <a:ext cx="2743200" cy="369332"/>
-          </a:xfrm>
-          <a:prstGeom prst="rect">
-            <a:avLst/>
-          </a:prstGeom>
-          <a:noFill/>
         </p:spPr>
         <p:txBody>
           <a:bodyPr rot="0" spcFirstLastPara="0" vertOverflow="overflow" horzOverflow="overflow" vert="horz" wrap="square" lIns="91440" tIns="45720" rIns="91440" bIns="45720" numCol="1" spcCol="0" rtlCol="0" fromWordArt="0" anchor="t" anchorCtr="0" forceAA="0" compatLnSpc="1">
@@ -3770,49 +6618,11 @@
           </a:bodyPr>
           <a:lstStyle/>
           <a:p>
-            <a:pPr algn="l"/>
-            <a:r>
-              <a:rPr lang="en-US" dirty="0"/>
-              <a:t>Click to add text</a:t>
-            </a:r>
-          </a:p>
-        </p:txBody>
-      </p:sp>
-      <p:sp>
-        <p:nvSpPr>
-          <p:cNvPr id="10" name="TextBox 9">
-            <a:extLst>
-              <a:ext uri="{FF2B5EF4-FFF2-40B4-BE49-F238E27FC236}">
-                <a16:creationId xmlns:a16="http://schemas.microsoft.com/office/drawing/2014/main" id="{A78138AB-74C2-47BC-B4EE-A41AA344F92C}"/>
-              </a:ext>
-            </a:extLst>
-          </p:cNvPr>
-          <p:cNvSpPr txBox="1"/>
-          <p:nvPr/>
-        </p:nvSpPr>
-        <p:spPr>
-          <a:xfrm>
-            <a:off x="6766753" y="1300231"/>
-            <a:ext cx="2743200" cy="369332"/>
-          </a:xfrm>
-          <a:prstGeom prst="rect">
-            <a:avLst/>
-          </a:prstGeom>
-          <a:noFill/>
-        </p:spPr>
-        <p:txBody>
-          <a:bodyPr rot="0" spcFirstLastPara="0" vertOverflow="overflow" horzOverflow="overflow" vert="horz" wrap="square" lIns="91440" tIns="45720" rIns="91440" bIns="45720" numCol="1" spcCol="0" rtlCol="0" fromWordArt="0" anchor="t" anchorCtr="0" forceAA="0" compatLnSpc="1">
-            <a:prstTxWarp prst="textNoShape">
-              <a:avLst/>
-            </a:prstTxWarp>
-            <a:spAutoFit/>
-          </a:bodyPr>
-          <a:lstStyle/>
-          <a:p>
-            <a:pPr algn="l"/>
-            <a:r>
-              <a:rPr lang="en-US"/>
-              <a:t>Click to add text</a:t>
+            <a:r>
+              <a:rPr lang="en-US" b="1" dirty="0">
+                <a:cs typeface="Calibri"/>
+              </a:rPr>
+              <a:t>Solution Flow Chart</a:t>
             </a:r>
           </a:p>
         </p:txBody>
@@ -3849,10 +6659,10 @@
       </p:grpSpPr>
       <p:pic>
         <p:nvPicPr>
-          <p:cNvPr id="2" name="Picture 2" descr="A picture containing drawing&#10;&#10;Description generated with very high confidence">
+          <p:cNvPr id="8" name="Picture 8" descr="A picture containing indoor, scene, filled, shelf&#10;&#10;Description generated with very high confidence">
             <a:extLst>
               <a:ext uri="{FF2B5EF4-FFF2-40B4-BE49-F238E27FC236}">
-                <a16:creationId xmlns:a16="http://schemas.microsoft.com/office/drawing/2014/main" id="{C93E87B6-FC87-4665-B258-CAF8D4E5E83E}"/>
+                <a16:creationId xmlns:a16="http://schemas.microsoft.com/office/drawing/2014/main" id="{7C82AB86-4FA7-4B48-ACEC-FAEE7606DD1B}"/>
               </a:ext>
             </a:extLst>
           </p:cNvPr>
@@ -3869,220 +6679,14 @@
         </p:blipFill>
         <p:spPr>
           <a:xfrm>
-            <a:off x="10599668" y="6117258"/>
-            <a:ext cx="1594402" cy="741570"/>
+            <a:off x="8253046" y="3208965"/>
+            <a:ext cx="3610707" cy="3141643"/>
           </a:xfrm>
           <a:prstGeom prst="rect">
             <a:avLst/>
           </a:prstGeom>
         </p:spPr>
       </p:pic>
-      <p:sp>
-        <p:nvSpPr>
-          <p:cNvPr id="3" name="TextBox 2">
-            <a:extLst>
-              <a:ext uri="{FF2B5EF4-FFF2-40B4-BE49-F238E27FC236}">
-                <a16:creationId xmlns:a16="http://schemas.microsoft.com/office/drawing/2014/main" id="{DD6CA0AB-CFD2-47EB-8F8A-A6E7478526BA}"/>
-              </a:ext>
-            </a:extLst>
-          </p:cNvPr>
-          <p:cNvSpPr txBox="1"/>
-          <p:nvPr/>
-        </p:nvSpPr>
-        <p:spPr>
-          <a:xfrm>
-            <a:off x="373271" y="108226"/>
-            <a:ext cx="11346067" cy="461665"/>
-          </a:xfrm>
-          <a:prstGeom prst="rect">
-            <a:avLst/>
-          </a:prstGeom>
-          <a:noFill/>
-        </p:spPr>
-        <p:txBody>
-          <a:bodyPr rot="0" spcFirstLastPara="0" vertOverflow="overflow" horzOverflow="overflow" vert="horz" wrap="square" lIns="91440" tIns="45720" rIns="91440" bIns="45720" numCol="1" spcCol="0" rtlCol="0" fromWordArt="0" anchor="t" anchorCtr="0" forceAA="0" compatLnSpc="1">
-            <a:prstTxWarp prst="textNoShape">
-              <a:avLst/>
-            </a:prstTxWarp>
-            <a:spAutoFit/>
-          </a:bodyPr>
-          <a:lstStyle/>
-          <a:p>
-            <a:r>
-              <a:rPr lang="en-IN" sz="2400" b="1" dirty="0">
-                <a:solidFill>
-                  <a:schemeClr val="bg2">
-                    <a:lumMod val="25000"/>
-                  </a:schemeClr>
-                </a:solidFill>
-                <a:latin typeface="Arial"/>
-                <a:cs typeface="Calibri"/>
-              </a:rPr>
-              <a:t>Analysis of Sales trend for a product in a store using Predictive Analysis</a:t>
-            </a:r>
-            <a:endParaRPr lang="en-US" sz="2400" b="1" dirty="0">
-              <a:solidFill>
-                <a:schemeClr val="bg2">
-                  <a:lumMod val="25000"/>
-                </a:schemeClr>
-              </a:solidFill>
-              <a:latin typeface="Arial"/>
-              <a:cs typeface="Calibri"/>
-            </a:endParaRPr>
-          </a:p>
-        </p:txBody>
-      </p:sp>
-      <p:cxnSp>
-        <p:nvCxnSpPr>
-          <p:cNvPr id="4" name="Straight Arrow Connector 3">
-            <a:extLst>
-              <a:ext uri="{FF2B5EF4-FFF2-40B4-BE49-F238E27FC236}">
-                <a16:creationId xmlns:a16="http://schemas.microsoft.com/office/drawing/2014/main" id="{F270D943-2A8D-45DB-852A-EE284A3C29B8}"/>
-              </a:ext>
-            </a:extLst>
-          </p:cNvPr>
-          <p:cNvCxnSpPr/>
-          <p:nvPr/>
-        </p:nvCxnSpPr>
-        <p:spPr>
-          <a:xfrm flipV="1">
-            <a:off x="193676" y="569891"/>
-            <a:ext cx="11672954" cy="1"/>
-          </a:xfrm>
-          <a:prstGeom prst="straightConnector1">
-            <a:avLst/>
-          </a:prstGeom>
-          <a:ln w="12700">
-            <a:solidFill>
-              <a:schemeClr val="accent4"/>
-            </a:solidFill>
-          </a:ln>
-        </p:spPr>
-        <p:style>
-          <a:lnRef idx="1">
-            <a:schemeClr val="accent1"/>
-          </a:lnRef>
-          <a:fillRef idx="0">
-            <a:schemeClr val="accent1"/>
-          </a:fillRef>
-          <a:effectRef idx="0">
-            <a:schemeClr val="accent1"/>
-          </a:effectRef>
-          <a:fontRef idx="minor">
-            <a:schemeClr val="tx1"/>
-          </a:fontRef>
-        </p:style>
-      </p:cxnSp>
-      <p:sp>
-        <p:nvSpPr>
-          <p:cNvPr id="5" name="TextBox 4">
-            <a:extLst>
-              <a:ext uri="{FF2B5EF4-FFF2-40B4-BE49-F238E27FC236}">
-                <a16:creationId xmlns:a16="http://schemas.microsoft.com/office/drawing/2014/main" id="{ECB5E3B8-096A-4FD0-8D4E-D6DA9C60476F}"/>
-              </a:ext>
-            </a:extLst>
-          </p:cNvPr>
-          <p:cNvSpPr txBox="1"/>
-          <p:nvPr/>
-        </p:nvSpPr>
-        <p:spPr>
-          <a:xfrm>
-            <a:off x="489527" y="960582"/>
-            <a:ext cx="11028218" cy="2031325"/>
-          </a:xfrm>
-          <a:prstGeom prst="rect">
-            <a:avLst/>
-          </a:prstGeom>
-          <a:noFill/>
-        </p:spPr>
-        <p:txBody>
-          <a:bodyPr wrap="square" rtlCol="0">
-            <a:spAutoFit/>
-          </a:bodyPr>
-          <a:lstStyle/>
-          <a:p>
-            <a:pPr marL="285750" indent="-285750">
-              <a:buFont typeface="Arial" panose="020B0604020202020204" pitchFamily="34" charset="0"/>
-              <a:buChar char="•"/>
-            </a:pPr>
-            <a:r>
-              <a:rPr lang="en-IN" dirty="0"/>
-              <a:t>Extract transaction of last 6 months for a store and calculate hourly demand of the products available in that store.</a:t>
-            </a:r>
-          </a:p>
-          <a:p>
-            <a:pPr marL="285750" indent="-285750">
-              <a:buFont typeface="Arial" panose="020B0604020202020204" pitchFamily="34" charset="0"/>
-              <a:buChar char="•"/>
-            </a:pPr>
-            <a:r>
-              <a:rPr lang="en-IN" dirty="0"/>
-              <a:t>Remove non preforming or low performing products based on analysis of hourly trend per weekday of the product.</a:t>
-            </a:r>
-          </a:p>
-          <a:p>
-            <a:pPr marL="285750" indent="-285750">
-              <a:buFont typeface="Arial" panose="020B0604020202020204" pitchFamily="34" charset="0"/>
-              <a:buChar char="•"/>
-            </a:pPr>
-            <a:r>
-              <a:rPr lang="en-IN" dirty="0"/>
-              <a:t>Select top 100 best fast moving products and set the diamond line for these product watch their trend.</a:t>
-            </a:r>
-          </a:p>
-          <a:p>
-            <a:pPr marL="285750" indent="-285750">
-              <a:buFont typeface="Arial" panose="020B0604020202020204" pitchFamily="34" charset="0"/>
-              <a:buChar char="•"/>
-            </a:pPr>
-            <a:r>
-              <a:rPr lang="en-IN" dirty="0"/>
-              <a:t>Calculate hourly/weekly and monthly run rate as KPI for these fast moving product.</a:t>
-            </a:r>
-          </a:p>
-          <a:p>
-            <a:pPr marL="285750" indent="-285750">
-              <a:buFont typeface="Arial" panose="020B0604020202020204" pitchFamily="34" charset="0"/>
-              <a:buChar char="•"/>
-            </a:pPr>
-            <a:r>
-              <a:rPr lang="en-IN" dirty="0"/>
-              <a:t>Train the model using linear regression and predict the hourly run rate for these diamond line products. </a:t>
-            </a:r>
-            <a:endParaRPr lang="en-US" dirty="0"/>
-          </a:p>
-        </p:txBody>
-      </p:sp>
-    </p:spTree>
-    <p:extLst>
-      <p:ext uri="{BB962C8B-B14F-4D97-AF65-F5344CB8AC3E}">
-        <p14:creationId xmlns:p14="http://schemas.microsoft.com/office/powerpoint/2010/main" val="1028063956"/>
-      </p:ext>
-    </p:extLst>
-  </p:cSld>
-  <p:clrMapOvr>
-    <a:masterClrMapping/>
-  </p:clrMapOvr>
-</p:sld>
-</file>
-
-<file path=ppt/slides/slide4.xml><?xml version="1.0" encoding="utf-8"?>
-<p:sld xmlns:a="http://schemas.openxmlformats.org/drawingml/2006/main" xmlns:r="http://schemas.openxmlformats.org/officeDocument/2006/relationships" xmlns:p="http://schemas.openxmlformats.org/presentationml/2006/main">
-  <p:cSld>
-    <p:spTree>
-      <p:nvGrpSpPr>
-        <p:cNvPr id="1" name=""/>
-        <p:cNvGrpSpPr/>
-        <p:nvPr/>
-      </p:nvGrpSpPr>
-      <p:grpSpPr>
-        <a:xfrm>
-          <a:off x="0" y="0"/>
-          <a:ext cx="0" cy="0"/>
-          <a:chOff x="0" y="0"/>
-          <a:chExt cx="0" cy="0"/>
-        </a:xfrm>
-      </p:grpSpPr>
       <p:pic>
         <p:nvPicPr>
           <p:cNvPr id="2" name="Picture 2" descr="A picture containing drawing&#10;&#10;Description generated with very high confidence">
@@ -4098,15 +6702,15 @@
           <p:nvPr/>
         </p:nvPicPr>
         <p:blipFill>
-          <a:blip r:embed="rId2"/>
+          <a:blip r:embed="rId3"/>
           <a:stretch>
             <a:fillRect/>
           </a:stretch>
         </p:blipFill>
         <p:spPr>
           <a:xfrm>
-            <a:off x="10599668" y="6117258"/>
-            <a:ext cx="1594402" cy="741570"/>
+            <a:off x="10765320" y="6194562"/>
+            <a:ext cx="1428750" cy="664266"/>
           </a:xfrm>
           <a:prstGeom prst="rect">
             <a:avLst/>
@@ -4145,18 +6749,6 @@
           <a:lstStyle/>
           <a:p>
             <a:r>
-              <a:rPr lang="en-US" sz="2400" b="1" dirty="0">
-                <a:solidFill>
-                  <a:schemeClr val="bg2">
-                    <a:lumMod val="25000"/>
-                  </a:schemeClr>
-                </a:solidFill>
-                <a:latin typeface="Arial"/>
-                <a:cs typeface="Calibri"/>
-              </a:rPr>
-              <a:t>Real-Time Shelf inventory </a:t>
-            </a:r>
-            <a:r>
               <a:rPr lang="en-US" sz="2400" b="1">
                 <a:solidFill>
                   <a:schemeClr val="bg2">
@@ -4166,7 +6758,7 @@
                 <a:latin typeface="Arial"/>
                 <a:cs typeface="Calibri"/>
               </a:rPr>
-              <a:t>Tracking with Deep learning and Computer Vision</a:t>
+              <a:t>Model Training and Results</a:t>
             </a:r>
             <a:endParaRPr lang="en-US" sz="2400" b="1" dirty="0">
               <a:solidFill>
@@ -4221,10 +6813,885 @@
           </a:fontRef>
         </p:style>
       </p:cxnSp>
+      <p:pic>
+        <p:nvPicPr>
+          <p:cNvPr id="7" name="Picture 7" descr="A group of people in a store&#10;&#10;Description generated with high confidence">
+            <a:extLst>
+              <a:ext uri="{FF2B5EF4-FFF2-40B4-BE49-F238E27FC236}">
+                <a16:creationId xmlns:a16="http://schemas.microsoft.com/office/drawing/2014/main" id="{7C599E50-B1F8-4892-B6DB-E5126CE42F17}"/>
+              </a:ext>
+            </a:extLst>
+          </p:cNvPr>
+          <p:cNvPicPr>
+            <a:picLocks noChangeAspect="1"/>
+          </p:cNvPicPr>
+          <p:nvPr/>
+        </p:nvPicPr>
+        <p:blipFill>
+          <a:blip r:embed="rId4"/>
+          <a:stretch>
+            <a:fillRect/>
+          </a:stretch>
+        </p:blipFill>
+        <p:spPr>
+          <a:xfrm>
+            <a:off x="287639" y="3286270"/>
+            <a:ext cx="3528647" cy="3059582"/>
+          </a:xfrm>
+          <a:prstGeom prst="rect">
+            <a:avLst/>
+          </a:prstGeom>
+        </p:spPr>
+      </p:pic>
+      <p:pic>
+        <p:nvPicPr>
+          <p:cNvPr id="9" name="Picture 9" descr="A picture containing clock&#10;&#10;Description generated with very high confidence">
+            <a:extLst>
+              <a:ext uri="{FF2B5EF4-FFF2-40B4-BE49-F238E27FC236}">
+                <a16:creationId xmlns:a16="http://schemas.microsoft.com/office/drawing/2014/main" id="{CBC3E45B-41E2-4389-A8BF-BF429C2DFD79}"/>
+              </a:ext>
+            </a:extLst>
+          </p:cNvPr>
+          <p:cNvPicPr>
+            <a:picLocks noChangeAspect="1"/>
+          </p:cNvPicPr>
+          <p:nvPr/>
+        </p:nvPicPr>
+        <p:blipFill>
+          <a:blip r:embed="rId5"/>
+          <a:stretch>
+            <a:fillRect/>
+          </a:stretch>
+        </p:blipFill>
+        <p:spPr>
+          <a:xfrm>
+            <a:off x="3970045" y="3829942"/>
+            <a:ext cx="4161692" cy="1678139"/>
+          </a:xfrm>
+          <a:prstGeom prst="rect">
+            <a:avLst/>
+          </a:prstGeom>
+        </p:spPr>
+      </p:pic>
+      <p:sp>
+        <p:nvSpPr>
+          <p:cNvPr id="10" name="TextBox 9">
+            <a:extLst>
+              <a:ext uri="{FF2B5EF4-FFF2-40B4-BE49-F238E27FC236}">
+                <a16:creationId xmlns:a16="http://schemas.microsoft.com/office/drawing/2014/main" id="{54A29259-1029-4F8F-BC98-0D7BF2FC3C21}"/>
+              </a:ext>
+            </a:extLst>
+          </p:cNvPr>
+          <p:cNvSpPr txBox="1"/>
+          <p:nvPr/>
+        </p:nvSpPr>
+        <p:spPr>
+          <a:xfrm>
+            <a:off x="947530" y="6347790"/>
+            <a:ext cx="2743200" cy="338554"/>
+          </a:xfrm>
+          <a:prstGeom prst="rect">
+            <a:avLst/>
+          </a:prstGeom>
+          <a:noFill/>
+        </p:spPr>
+        <p:txBody>
+          <a:bodyPr rot="0" spcFirstLastPara="0" vertOverflow="overflow" horzOverflow="overflow" vert="horz" wrap="square" lIns="91440" tIns="45720" rIns="91440" bIns="45720" numCol="1" spcCol="0" rtlCol="0" fromWordArt="0" anchor="t" anchorCtr="0" forceAA="0" compatLnSpc="1">
+            <a:prstTxWarp prst="textNoShape">
+              <a:avLst/>
+            </a:prstTxWarp>
+            <a:spAutoFit/>
+          </a:bodyPr>
+          <a:lstStyle/>
+          <a:p>
+            <a:r>
+              <a:rPr lang="en-US" sz="1600" b="1" dirty="0">
+                <a:cs typeface="Calibri"/>
+              </a:rPr>
+              <a:t>Input Frame</a:t>
+            </a:r>
+          </a:p>
+        </p:txBody>
+      </p:sp>
+      <p:sp>
+        <p:nvSpPr>
+          <p:cNvPr id="12" name="TextBox 11">
+            <a:extLst>
+              <a:ext uri="{FF2B5EF4-FFF2-40B4-BE49-F238E27FC236}">
+                <a16:creationId xmlns:a16="http://schemas.microsoft.com/office/drawing/2014/main" id="{FE22622D-07DA-4122-B666-D34F788AD61C}"/>
+              </a:ext>
+            </a:extLst>
+          </p:cNvPr>
+          <p:cNvSpPr txBox="1"/>
+          <p:nvPr/>
+        </p:nvSpPr>
+        <p:spPr>
+          <a:xfrm>
+            <a:off x="8136835" y="6292573"/>
+            <a:ext cx="2875722" cy="584775"/>
+          </a:xfrm>
+          <a:prstGeom prst="rect">
+            <a:avLst/>
+          </a:prstGeom>
+          <a:noFill/>
+        </p:spPr>
+        <p:txBody>
+          <a:bodyPr rot="0" spcFirstLastPara="0" vertOverflow="overflow" horzOverflow="overflow" vert="horz" wrap="square" lIns="91440" tIns="45720" rIns="91440" bIns="45720" numCol="1" spcCol="0" rtlCol="0" fromWordArt="0" anchor="t" anchorCtr="0" forceAA="0" compatLnSpc="1">
+            <a:prstTxWarp prst="textNoShape">
+              <a:avLst/>
+            </a:prstTxWarp>
+            <a:spAutoFit/>
+          </a:bodyPr>
+          <a:lstStyle/>
+          <a:p>
+            <a:r>
+              <a:rPr lang="en-US" sz="1600" b="1" dirty="0">
+                <a:cs typeface="Calibri"/>
+              </a:rPr>
+              <a:t>Output Frame with Detected voids</a:t>
+            </a:r>
+          </a:p>
+        </p:txBody>
+      </p:sp>
+      <p:sp>
+        <p:nvSpPr>
+          <p:cNvPr id="14" name="TextBox 13">
+            <a:extLst>
+              <a:ext uri="{FF2B5EF4-FFF2-40B4-BE49-F238E27FC236}">
+                <a16:creationId xmlns:a16="http://schemas.microsoft.com/office/drawing/2014/main" id="{4632A120-125E-4A90-9419-79277FF060C1}"/>
+              </a:ext>
+            </a:extLst>
+          </p:cNvPr>
+          <p:cNvSpPr txBox="1"/>
+          <p:nvPr/>
+        </p:nvSpPr>
+        <p:spPr>
+          <a:xfrm>
+            <a:off x="5276572" y="5718311"/>
+            <a:ext cx="1130853" cy="523220"/>
+          </a:xfrm>
+          <a:prstGeom prst="rect">
+            <a:avLst/>
+          </a:prstGeom>
+          <a:noFill/>
+        </p:spPr>
+        <p:txBody>
+          <a:bodyPr rot="0" spcFirstLastPara="0" vertOverflow="overflow" horzOverflow="overflow" vert="horz" wrap="square" lIns="91440" tIns="45720" rIns="91440" bIns="45720" numCol="1" spcCol="0" rtlCol="0" fromWordArt="0" anchor="t" anchorCtr="0" forceAA="0" compatLnSpc="1">
+            <a:prstTxWarp prst="textNoShape">
+              <a:avLst/>
+            </a:prstTxWarp>
+            <a:spAutoFit/>
+          </a:bodyPr>
+          <a:lstStyle/>
+          <a:p>
+            <a:r>
+              <a:rPr lang="en-US" sz="2800" b="1" dirty="0">
+                <a:cs typeface="Calibri"/>
+              </a:rPr>
+              <a:t>YOLO</a:t>
+            </a:r>
+          </a:p>
+        </p:txBody>
+      </p:sp>
+      <p:sp>
+        <p:nvSpPr>
+          <p:cNvPr id="17" name="TextBox 16">
+            <a:extLst>
+              <a:ext uri="{FF2B5EF4-FFF2-40B4-BE49-F238E27FC236}">
+                <a16:creationId xmlns:a16="http://schemas.microsoft.com/office/drawing/2014/main" id="{DBE54DEB-22DD-43B5-BDCA-D42C6308265C}"/>
+              </a:ext>
+            </a:extLst>
+          </p:cNvPr>
+          <p:cNvSpPr txBox="1"/>
+          <p:nvPr/>
+        </p:nvSpPr>
+        <p:spPr>
+          <a:xfrm>
+            <a:off x="96493" y="781187"/>
+            <a:ext cx="11379198" cy="2308324"/>
+          </a:xfrm>
+          <a:prstGeom prst="rect">
+            <a:avLst/>
+          </a:prstGeom>
+          <a:noFill/>
+        </p:spPr>
+        <p:txBody>
+          <a:bodyPr rot="0" spcFirstLastPara="0" vertOverflow="overflow" horzOverflow="overflow" vert="horz" wrap="square" lIns="91440" tIns="45720" rIns="91440" bIns="45720" numCol="1" spcCol="0" rtlCol="0" fromWordArt="0" anchor="t" anchorCtr="0" forceAA="0" compatLnSpc="1">
+            <a:prstTxWarp prst="textNoShape">
+              <a:avLst/>
+            </a:prstTxWarp>
+            <a:spAutoFit/>
+          </a:bodyPr>
+          <a:lstStyle/>
+          <a:p>
+            <a:pPr marL="285750" indent="-285750">
+              <a:buFont typeface="Arial"/>
+              <a:buChar char="•"/>
+            </a:pPr>
+            <a:r>
+              <a:rPr lang="en-US" dirty="0">
+                <a:latin typeface="Calibri"/>
+                <a:cs typeface="Calibri"/>
+              </a:rPr>
+              <a:t>For Training YOLO object detector model , we couldn’t find much available sources for a single shelf  getting empty over time.</a:t>
+            </a:r>
+          </a:p>
+          <a:p>
+            <a:pPr marL="285750" indent="-285750">
+              <a:buFont typeface="Arial"/>
+              <a:buChar char="•"/>
+            </a:pPr>
+            <a:r>
+              <a:rPr lang="en-US" dirty="0">
+                <a:latin typeface="Calibri"/>
+                <a:cs typeface="Calibri"/>
+              </a:rPr>
+              <a:t>We used a time lapse video of  grocery shelf available on YouTube and extracted relevant frames to generate training data. </a:t>
+            </a:r>
+          </a:p>
+          <a:p>
+            <a:pPr marL="285750" indent="-285750">
+              <a:buFont typeface="Arial"/>
+              <a:buChar char="•"/>
+            </a:pPr>
+            <a:r>
+              <a:rPr lang="en-US" dirty="0">
+                <a:latin typeface="Calibri"/>
+                <a:cs typeface="Calibri"/>
+              </a:rPr>
+              <a:t>We labeled the data using </a:t>
+            </a:r>
+            <a:r>
+              <a:rPr lang="en-US" dirty="0" err="1">
+                <a:latin typeface="Calibri"/>
+                <a:cs typeface="Calibri"/>
+              </a:rPr>
+              <a:t>LableImg</a:t>
+            </a:r>
+            <a:r>
+              <a:rPr lang="en-US" dirty="0">
+                <a:latin typeface="Calibri"/>
+                <a:cs typeface="Calibri"/>
+              </a:rPr>
+              <a:t> tool  and trained the YOLO layers to detect empty voids till 4000 Iterations on GPU.</a:t>
+            </a:r>
+          </a:p>
+          <a:p>
+            <a:pPr marL="285750" indent="-285750">
+              <a:buFont typeface="Arial"/>
+              <a:buChar char="•"/>
+            </a:pPr>
+            <a:r>
+              <a:rPr lang="en-US" dirty="0">
+                <a:latin typeface="Calibri"/>
+                <a:cs typeface="Calibri"/>
+              </a:rPr>
+              <a:t>If more </a:t>
+            </a:r>
+            <a:r>
+              <a:rPr lang="en-US" dirty="0" err="1">
+                <a:latin typeface="Calibri"/>
+                <a:cs typeface="Calibri"/>
+              </a:rPr>
+              <a:t>customised</a:t>
+            </a:r>
+            <a:r>
+              <a:rPr lang="en-US" dirty="0">
+                <a:latin typeface="Calibri"/>
+                <a:cs typeface="Calibri"/>
+              </a:rPr>
+              <a:t>  and quality data is available the model could perform even better.</a:t>
+            </a:r>
+          </a:p>
+          <a:p>
+            <a:pPr marL="285750" indent="-285750">
+              <a:buFont typeface="Arial"/>
+              <a:buChar char="•"/>
+            </a:pPr>
+            <a:endParaRPr lang="en-US" dirty="0">
+              <a:latin typeface="Calibri"/>
+              <a:cs typeface="Calibri"/>
+            </a:endParaRPr>
+          </a:p>
+        </p:txBody>
+      </p:sp>
+    </p:spTree>
+    <p:extLst>
+      <p:ext uri="{BB962C8B-B14F-4D97-AF65-F5344CB8AC3E}">
+        <p14:creationId xmlns:p14="http://schemas.microsoft.com/office/powerpoint/2010/main" val="1028063956"/>
+      </p:ext>
+    </p:extLst>
+  </p:cSld>
+  <p:clrMapOvr>
+    <a:masterClrMapping/>
+  </p:clrMapOvr>
+</p:sld>
+</file>
+
+<file path=ppt/slides/slide4.xml><?xml version="1.0" encoding="utf-8"?>
+<p:sld xmlns:a="http://schemas.openxmlformats.org/drawingml/2006/main" xmlns:r="http://schemas.openxmlformats.org/officeDocument/2006/relationships" xmlns:p="http://schemas.openxmlformats.org/presentationml/2006/main">
+  <p:cSld>
+    <p:spTree>
+      <p:nvGrpSpPr>
+        <p:cNvPr id="1" name=""/>
+        <p:cNvGrpSpPr/>
+        <p:nvPr/>
+      </p:nvGrpSpPr>
+      <p:grpSpPr>
+        <a:xfrm>
+          <a:off x="0" y="0"/>
+          <a:ext cx="0" cy="0"/>
+          <a:chOff x="0" y="0"/>
+          <a:chExt cx="0" cy="0"/>
+        </a:xfrm>
+      </p:grpSpPr>
+      <p:pic>
+        <p:nvPicPr>
+          <p:cNvPr id="6" name="Picture 6" descr="A picture containing indoor, shelf, sitting, library&#10;&#10;Description generated with very high confidence">
+            <a:extLst>
+              <a:ext uri="{FF2B5EF4-FFF2-40B4-BE49-F238E27FC236}">
+                <a16:creationId xmlns:a16="http://schemas.microsoft.com/office/drawing/2014/main" id="{064C4CCB-20F2-4144-8EA7-3097B2A8BAAA}"/>
+              </a:ext>
+            </a:extLst>
+          </p:cNvPr>
+          <p:cNvPicPr>
+            <a:picLocks noChangeAspect="1"/>
+          </p:cNvPicPr>
+          <p:nvPr/>
+        </p:nvPicPr>
+        <p:blipFill>
+          <a:blip r:embed="rId2"/>
+          <a:stretch>
+            <a:fillRect/>
+          </a:stretch>
+        </p:blipFill>
+        <p:spPr>
+          <a:xfrm>
+            <a:off x="7639879" y="2978655"/>
+            <a:ext cx="4366590" cy="3771995"/>
+          </a:xfrm>
+          <a:prstGeom prst="rect">
+            <a:avLst/>
+          </a:prstGeom>
+        </p:spPr>
+      </p:pic>
+      <p:pic>
+        <p:nvPicPr>
+          <p:cNvPr id="2" name="Picture 2" descr="A picture containing drawing&#10;&#10;Description generated with very high confidence">
+            <a:extLst>
+              <a:ext uri="{FF2B5EF4-FFF2-40B4-BE49-F238E27FC236}">
+                <a16:creationId xmlns:a16="http://schemas.microsoft.com/office/drawing/2014/main" id="{C93E87B6-FC87-4665-B258-CAF8D4E5E83E}"/>
+              </a:ext>
+            </a:extLst>
+          </p:cNvPr>
+          <p:cNvPicPr>
+            <a:picLocks noChangeAspect="1"/>
+          </p:cNvPicPr>
+          <p:nvPr/>
+        </p:nvPicPr>
+        <p:blipFill>
+          <a:blip r:embed="rId3"/>
+          <a:stretch>
+            <a:fillRect/>
+          </a:stretch>
+        </p:blipFill>
+        <p:spPr>
+          <a:xfrm>
+            <a:off x="10820537" y="6216649"/>
+            <a:ext cx="1373533" cy="642179"/>
+          </a:xfrm>
+          <a:prstGeom prst="rect">
+            <a:avLst/>
+          </a:prstGeom>
+        </p:spPr>
+      </p:pic>
+      <p:sp>
+        <p:nvSpPr>
+          <p:cNvPr id="3" name="TextBox 2">
+            <a:extLst>
+              <a:ext uri="{FF2B5EF4-FFF2-40B4-BE49-F238E27FC236}">
+                <a16:creationId xmlns:a16="http://schemas.microsoft.com/office/drawing/2014/main" id="{DD6CA0AB-CFD2-47EB-8F8A-A6E7478526BA}"/>
+              </a:ext>
+            </a:extLst>
+          </p:cNvPr>
+          <p:cNvSpPr txBox="1"/>
+          <p:nvPr/>
+        </p:nvSpPr>
+        <p:spPr>
+          <a:xfrm>
+            <a:off x="373271" y="108226"/>
+            <a:ext cx="11346067" cy="461665"/>
+          </a:xfrm>
+          <a:prstGeom prst="rect">
+            <a:avLst/>
+          </a:prstGeom>
+          <a:noFill/>
+        </p:spPr>
+        <p:txBody>
+          <a:bodyPr rot="0" spcFirstLastPara="0" vertOverflow="overflow" horzOverflow="overflow" vert="horz" wrap="square" lIns="91440" tIns="45720" rIns="91440" bIns="45720" numCol="1" spcCol="0" rtlCol="0" fromWordArt="0" anchor="t" anchorCtr="0" forceAA="0" compatLnSpc="1">
+            <a:prstTxWarp prst="textNoShape">
+              <a:avLst/>
+            </a:prstTxWarp>
+            <a:spAutoFit/>
+          </a:bodyPr>
+          <a:lstStyle/>
+          <a:p>
+            <a:r>
+              <a:rPr lang="en-US" sz="2400" b="1" dirty="0">
+                <a:solidFill>
+                  <a:schemeClr val="bg2">
+                    <a:lumMod val="25000"/>
+                  </a:schemeClr>
+                </a:solidFill>
+                <a:latin typeface="Arial"/>
+                <a:cs typeface="Calibri"/>
+              </a:rPr>
+              <a:t>Shelf Health Monitoring Pipeline</a:t>
+            </a:r>
+          </a:p>
+        </p:txBody>
+      </p:sp>
+      <p:cxnSp>
+        <p:nvCxnSpPr>
+          <p:cNvPr id="4" name="Straight Arrow Connector 3">
+            <a:extLst>
+              <a:ext uri="{FF2B5EF4-FFF2-40B4-BE49-F238E27FC236}">
+                <a16:creationId xmlns:a16="http://schemas.microsoft.com/office/drawing/2014/main" id="{F270D943-2A8D-45DB-852A-EE284A3C29B8}"/>
+              </a:ext>
+            </a:extLst>
+          </p:cNvPr>
+          <p:cNvCxnSpPr/>
+          <p:nvPr/>
+        </p:nvCxnSpPr>
+        <p:spPr>
+          <a:xfrm flipV="1">
+            <a:off x="193676" y="563631"/>
+            <a:ext cx="11672954" cy="1"/>
+          </a:xfrm>
+          <a:prstGeom prst="straightConnector1">
+            <a:avLst/>
+          </a:prstGeom>
+          <a:ln w="12700">
+            <a:solidFill>
+              <a:schemeClr val="accent4"/>
+            </a:solidFill>
+          </a:ln>
+        </p:spPr>
+        <p:style>
+          <a:lnRef idx="1">
+            <a:schemeClr val="accent1"/>
+          </a:lnRef>
+          <a:fillRef idx="0">
+            <a:schemeClr val="accent1"/>
+          </a:fillRef>
+          <a:effectRef idx="0">
+            <a:schemeClr val="accent1"/>
+          </a:effectRef>
+          <a:fontRef idx="minor">
+            <a:schemeClr val="tx1"/>
+          </a:fontRef>
+        </p:style>
+      </p:cxnSp>
+      <p:pic>
+        <p:nvPicPr>
+          <p:cNvPr id="5" name="Picture 5" descr="A picture containing indoor, library, scene, shelf&#10;&#10;Description generated with very high confidence">
+            <a:extLst>
+              <a:ext uri="{FF2B5EF4-FFF2-40B4-BE49-F238E27FC236}">
+                <a16:creationId xmlns:a16="http://schemas.microsoft.com/office/drawing/2014/main" id="{2C22EEC7-A563-45C2-829D-6082B1B2B314}"/>
+              </a:ext>
+            </a:extLst>
+          </p:cNvPr>
+          <p:cNvPicPr>
+            <a:picLocks noChangeAspect="1"/>
+          </p:cNvPicPr>
+          <p:nvPr/>
+        </p:nvPicPr>
+        <p:blipFill>
+          <a:blip r:embed="rId4"/>
+          <a:stretch>
+            <a:fillRect/>
+          </a:stretch>
+        </p:blipFill>
+        <p:spPr>
+          <a:xfrm>
+            <a:off x="240747" y="3065928"/>
+            <a:ext cx="4090504" cy="3553274"/>
+          </a:xfrm>
+          <a:prstGeom prst="rect">
+            <a:avLst/>
+          </a:prstGeom>
+        </p:spPr>
+      </p:pic>
+      <p:sp>
+        <p:nvSpPr>
+          <p:cNvPr id="8" name="TextBox 7">
+            <a:extLst>
+              <a:ext uri="{FF2B5EF4-FFF2-40B4-BE49-F238E27FC236}">
+                <a16:creationId xmlns:a16="http://schemas.microsoft.com/office/drawing/2014/main" id="{D6AA5210-A040-4E76-9CE6-E5D9B1846FBA}"/>
+              </a:ext>
+            </a:extLst>
+          </p:cNvPr>
+          <p:cNvSpPr txBox="1"/>
+          <p:nvPr/>
+        </p:nvSpPr>
+        <p:spPr>
+          <a:xfrm>
+            <a:off x="74406" y="670752"/>
+            <a:ext cx="12041806" cy="2554545"/>
+          </a:xfrm>
+          <a:prstGeom prst="rect">
+            <a:avLst/>
+          </a:prstGeom>
+          <a:noFill/>
+        </p:spPr>
+        <p:txBody>
+          <a:bodyPr rot="0" spcFirstLastPara="0" vertOverflow="overflow" horzOverflow="overflow" vert="horz" wrap="square" lIns="91440" tIns="45720" rIns="91440" bIns="45720" numCol="1" spcCol="0" rtlCol="0" fromWordArt="0" anchor="t" anchorCtr="0" forceAA="0" compatLnSpc="1">
+            <a:prstTxWarp prst="textNoShape">
+              <a:avLst/>
+            </a:prstTxWarp>
+            <a:spAutoFit/>
+          </a:bodyPr>
+          <a:lstStyle/>
+          <a:p>
+            <a:pPr marL="285750" indent="-285750">
+              <a:buFont typeface="Arial"/>
+              <a:buChar char="•"/>
+            </a:pPr>
+            <a:r>
+              <a:rPr lang="en-US" sz="1600" dirty="0">
+                <a:latin typeface="Calibri"/>
+                <a:cs typeface="Calibri"/>
+              </a:rPr>
+              <a:t>Using Open CV we created a Shelf health monitoring system to keep track of each row's health in real time.</a:t>
+            </a:r>
+          </a:p>
+          <a:p>
+            <a:pPr marL="285750" indent="-285750">
+              <a:buFont typeface="Arial"/>
+              <a:buChar char="•"/>
+            </a:pPr>
+            <a:r>
+              <a:rPr lang="en-US" sz="1600" dirty="0">
+                <a:latin typeface="Calibri"/>
+                <a:cs typeface="Calibri"/>
+              </a:rPr>
+              <a:t>We estimated the area of the rows for each product and keep subtracting the empty void area to estimate the product availability and health of the row.</a:t>
+            </a:r>
+          </a:p>
+          <a:p>
+            <a:pPr marL="285750" indent="-285750">
+              <a:buFont typeface="Arial"/>
+              <a:buChar char="•"/>
+            </a:pPr>
+            <a:r>
+              <a:rPr lang="en-US" sz="1600" dirty="0">
+                <a:latin typeface="Calibri"/>
+                <a:cs typeface="Calibri"/>
+              </a:rPr>
+              <a:t>We continuously monitor and track the Percentage of area covered with products and display in real time and maintains a database of change in area at the backend.</a:t>
+            </a:r>
+          </a:p>
+          <a:p>
+            <a:pPr marL="285750" indent="-285750">
+              <a:buFont typeface="Arial"/>
+              <a:buChar char="•"/>
+            </a:pPr>
+            <a:r>
+              <a:rPr lang="en-US" sz="1600" dirty="0">
+                <a:latin typeface="Calibri"/>
+                <a:cs typeface="Calibri"/>
+              </a:rPr>
+              <a:t>As soon as the area drops below a certain estimated threshold value, It triggers a notification to the staff that a specific product is going to of Out of stock soon and replenishment of inventory is </a:t>
+            </a:r>
+            <a:r>
+              <a:rPr lang="en-US" sz="1600" dirty="0" err="1">
+                <a:latin typeface="Calibri"/>
+                <a:cs typeface="Calibri"/>
+              </a:rPr>
+              <a:t>requiired</a:t>
+            </a:r>
+            <a:r>
+              <a:rPr lang="en-US" sz="1600" dirty="0">
+                <a:latin typeface="Calibri"/>
+                <a:cs typeface="Calibri"/>
+              </a:rPr>
+              <a:t>.</a:t>
+            </a:r>
+          </a:p>
+          <a:p>
+            <a:pPr marL="285750" indent="-285750">
+              <a:buFont typeface="Arial"/>
+              <a:buChar char="•"/>
+            </a:pPr>
+            <a:r>
+              <a:rPr lang="en-US" sz="1600" dirty="0">
+                <a:latin typeface="Calibri"/>
+                <a:cs typeface="Calibri"/>
+              </a:rPr>
+              <a:t>The solution also notifies the location of shelf , row and the product information about to be Out of stock along with the estimated time of out of stock.</a:t>
+            </a:r>
+          </a:p>
+          <a:p>
+            <a:pPr marL="285750" indent="-285750">
+              <a:buFont typeface="Arial"/>
+              <a:buChar char="•"/>
+            </a:pPr>
+            <a:endParaRPr lang="en-US" sz="1600" dirty="0">
+              <a:latin typeface="Calibri"/>
+              <a:cs typeface="Calibri"/>
+            </a:endParaRPr>
+          </a:p>
+        </p:txBody>
+      </p:sp>
+      <p:graphicFrame>
+        <p:nvGraphicFramePr>
+          <p:cNvPr id="9" name="Diagram 9">
+            <a:extLst>
+              <a:ext uri="{FF2B5EF4-FFF2-40B4-BE49-F238E27FC236}">
+                <a16:creationId xmlns:a16="http://schemas.microsoft.com/office/drawing/2014/main" id="{B26F19FB-C649-404B-BEA3-D7A26F5D5C24}"/>
+              </a:ext>
+            </a:extLst>
+          </p:cNvPr>
+          <p:cNvGraphicFramePr/>
+          <p:nvPr>
+            <p:extLst>
+              <p:ext uri="{D42A27DB-BD31-4B8C-83A1-F6EECF244321}">
+                <p14:modId xmlns:p14="http://schemas.microsoft.com/office/powerpoint/2010/main" val="1900044685"/>
+              </p:ext>
+            </p:extLst>
+          </p:nvPr>
+        </p:nvGraphicFramePr>
+        <p:xfrm>
+          <a:off x="4627217" y="3930374"/>
+          <a:ext cx="2363305" cy="1437861"/>
+        </p:xfrm>
+        <a:graphic>
+          <a:graphicData uri="http://schemas.openxmlformats.org/drawingml/2006/diagram">
+            <dgm:relIds xmlns:dgm="http://schemas.openxmlformats.org/drawingml/2006/diagram" xmlns:r="http://schemas.openxmlformats.org/officeDocument/2006/relationships" r:dm="rId5" r:lo="rId6" r:qs="rId7" r:cs="rId8"/>
+          </a:graphicData>
+        </a:graphic>
+      </p:graphicFrame>
+      <p:sp>
+        <p:nvSpPr>
+          <p:cNvPr id="132" name="TextBox 131">
+            <a:extLst>
+              <a:ext uri="{FF2B5EF4-FFF2-40B4-BE49-F238E27FC236}">
+                <a16:creationId xmlns:a16="http://schemas.microsoft.com/office/drawing/2014/main" id="{87429CEF-B9B0-4FC8-8BD6-AF2D1862E478}"/>
+              </a:ext>
+            </a:extLst>
+          </p:cNvPr>
+          <p:cNvSpPr txBox="1"/>
+          <p:nvPr/>
+        </p:nvSpPr>
+        <p:spPr>
+          <a:xfrm>
+            <a:off x="4492485" y="5530571"/>
+            <a:ext cx="3284330" cy="369332"/>
+          </a:xfrm>
+          <a:prstGeom prst="rect">
+            <a:avLst/>
+          </a:prstGeom>
+          <a:noFill/>
+        </p:spPr>
+        <p:txBody>
+          <a:bodyPr rot="0" spcFirstLastPara="0" vertOverflow="overflow" horzOverflow="overflow" vert="horz" wrap="square" lIns="91440" tIns="45720" rIns="91440" bIns="45720" numCol="1" spcCol="0" rtlCol="0" fromWordArt="0" anchor="t" anchorCtr="0" forceAA="0" compatLnSpc="1">
+            <a:prstTxWarp prst="textNoShape">
+              <a:avLst/>
+            </a:prstTxWarp>
+            <a:spAutoFit/>
+          </a:bodyPr>
+          <a:lstStyle/>
+          <a:p>
+            <a:r>
+              <a:rPr lang="en-US" b="1" dirty="0">
+                <a:cs typeface="Calibri"/>
+              </a:rPr>
+              <a:t>Computer Vision and OpenCV</a:t>
+            </a:r>
+          </a:p>
+        </p:txBody>
+      </p:sp>
     </p:spTree>
     <p:extLst>
       <p:ext uri="{BB962C8B-B14F-4D97-AF65-F5344CB8AC3E}">
         <p14:creationId xmlns:p14="http://schemas.microsoft.com/office/powerpoint/2010/main" val="3465415125"/>
+      </p:ext>
+    </p:extLst>
+  </p:cSld>
+  <p:clrMapOvr>
+    <a:masterClrMapping/>
+  </p:clrMapOvr>
+</p:sld>
+</file>
+
+<file path=ppt/slides/slide5.xml><?xml version="1.0" encoding="utf-8"?>
+<p:sld xmlns:a="http://schemas.openxmlformats.org/drawingml/2006/main" xmlns:r="http://schemas.openxmlformats.org/officeDocument/2006/relationships" xmlns:p="http://schemas.openxmlformats.org/presentationml/2006/main">
+  <p:cSld>
+    <p:spTree>
+      <p:nvGrpSpPr>
+        <p:cNvPr id="1" name=""/>
+        <p:cNvGrpSpPr/>
+        <p:nvPr/>
+      </p:nvGrpSpPr>
+      <p:grpSpPr>
+        <a:xfrm>
+          <a:off x="0" y="0"/>
+          <a:ext cx="0" cy="0"/>
+          <a:chOff x="0" y="0"/>
+          <a:chExt cx="0" cy="0"/>
+        </a:xfrm>
+      </p:grpSpPr>
+      <p:pic>
+        <p:nvPicPr>
+          <p:cNvPr id="2" name="Picture 2" descr="A picture containing drawing&#10;&#10;Description generated with very high confidence">
+            <a:extLst>
+              <a:ext uri="{FF2B5EF4-FFF2-40B4-BE49-F238E27FC236}">
+                <a16:creationId xmlns:a16="http://schemas.microsoft.com/office/drawing/2014/main" id="{C93E87B6-FC87-4665-B258-CAF8D4E5E83E}"/>
+              </a:ext>
+            </a:extLst>
+          </p:cNvPr>
+          <p:cNvPicPr>
+            <a:picLocks noChangeAspect="1"/>
+          </p:cNvPicPr>
+          <p:nvPr/>
+        </p:nvPicPr>
+        <p:blipFill>
+          <a:blip r:embed="rId2"/>
+          <a:stretch>
+            <a:fillRect/>
+          </a:stretch>
+        </p:blipFill>
+        <p:spPr>
+          <a:xfrm>
+            <a:off x="10986188" y="6227692"/>
+            <a:ext cx="1252056" cy="631135"/>
+          </a:xfrm>
+          <a:prstGeom prst="rect">
+            <a:avLst/>
+          </a:prstGeom>
+        </p:spPr>
+      </p:pic>
+      <p:sp>
+        <p:nvSpPr>
+          <p:cNvPr id="3" name="TextBox 2">
+            <a:extLst>
+              <a:ext uri="{FF2B5EF4-FFF2-40B4-BE49-F238E27FC236}">
+                <a16:creationId xmlns:a16="http://schemas.microsoft.com/office/drawing/2014/main" id="{DD6CA0AB-CFD2-47EB-8F8A-A6E7478526BA}"/>
+              </a:ext>
+            </a:extLst>
+          </p:cNvPr>
+          <p:cNvSpPr txBox="1"/>
+          <p:nvPr/>
+        </p:nvSpPr>
+        <p:spPr>
+          <a:xfrm>
+            <a:off x="4558749" y="2118139"/>
+            <a:ext cx="3085547" cy="584775"/>
+          </a:xfrm>
+          <a:prstGeom prst="rect">
+            <a:avLst/>
+          </a:prstGeom>
+          <a:noFill/>
+        </p:spPr>
+        <p:txBody>
+          <a:bodyPr rot="0" spcFirstLastPara="0" vertOverflow="overflow" horzOverflow="overflow" vert="horz" wrap="square" lIns="91440" tIns="45720" rIns="91440" bIns="45720" numCol="1" spcCol="0" rtlCol="0" fromWordArt="0" anchor="t" anchorCtr="0" forceAA="0" compatLnSpc="1">
+            <a:prstTxWarp prst="textNoShape">
+              <a:avLst/>
+            </a:prstTxWarp>
+            <a:spAutoFit/>
+          </a:bodyPr>
+          <a:lstStyle/>
+          <a:p>
+            <a:r>
+              <a:rPr lang="en-US" sz="3200" b="1" dirty="0">
+                <a:solidFill>
+                  <a:schemeClr val="bg2">
+                    <a:lumMod val="25000"/>
+                  </a:schemeClr>
+                </a:solidFill>
+                <a:latin typeface="Arial"/>
+                <a:cs typeface="Calibri"/>
+              </a:rPr>
+              <a:t>THANK YOU</a:t>
+            </a:r>
+          </a:p>
+        </p:txBody>
+      </p:sp>
+      <p:cxnSp>
+        <p:nvCxnSpPr>
+          <p:cNvPr id="4" name="Straight Arrow Connector 3">
+            <a:extLst>
+              <a:ext uri="{FF2B5EF4-FFF2-40B4-BE49-F238E27FC236}">
+                <a16:creationId xmlns:a16="http://schemas.microsoft.com/office/drawing/2014/main" id="{F270D943-2A8D-45DB-852A-EE284A3C29B8}"/>
+              </a:ext>
+            </a:extLst>
+          </p:cNvPr>
+          <p:cNvCxnSpPr/>
+          <p:nvPr/>
+        </p:nvCxnSpPr>
+        <p:spPr>
+          <a:xfrm flipV="1">
+            <a:off x="193676" y="563631"/>
+            <a:ext cx="11672954" cy="1"/>
+          </a:xfrm>
+          <a:prstGeom prst="straightConnector1">
+            <a:avLst/>
+          </a:prstGeom>
+          <a:ln w="12700">
+            <a:solidFill>
+              <a:schemeClr val="accent4"/>
+            </a:solidFill>
+          </a:ln>
+        </p:spPr>
+        <p:style>
+          <a:lnRef idx="1">
+            <a:schemeClr val="accent1"/>
+          </a:lnRef>
+          <a:fillRef idx="0">
+            <a:schemeClr val="accent1"/>
+          </a:fillRef>
+          <a:effectRef idx="0">
+            <a:schemeClr val="accent1"/>
+          </a:effectRef>
+          <a:fontRef idx="minor">
+            <a:schemeClr val="tx1"/>
+          </a:fontRef>
+        </p:style>
+      </p:cxnSp>
+      <p:pic>
+        <p:nvPicPr>
+          <p:cNvPr id="7" name="Picture 2" descr="A picture containing drawing&#10;&#10;Description generated with very high confidence">
+            <a:extLst>
+              <a:ext uri="{FF2B5EF4-FFF2-40B4-BE49-F238E27FC236}">
+                <a16:creationId xmlns:a16="http://schemas.microsoft.com/office/drawing/2014/main" id="{528D81A6-65F5-4CC8-97FD-1E029E9ADDCA}"/>
+              </a:ext>
+            </a:extLst>
+          </p:cNvPr>
+          <p:cNvPicPr>
+            <a:picLocks noChangeAspect="1"/>
+          </p:cNvPicPr>
+          <p:nvPr/>
+        </p:nvPicPr>
+        <p:blipFill>
+          <a:blip r:embed="rId2"/>
+          <a:stretch>
+            <a:fillRect/>
+          </a:stretch>
+        </p:blipFill>
+        <p:spPr>
+          <a:xfrm>
+            <a:off x="4492623" y="3477865"/>
+            <a:ext cx="2952751" cy="1492526"/>
+          </a:xfrm>
+          <a:prstGeom prst="rect">
+            <a:avLst/>
+          </a:prstGeom>
+        </p:spPr>
+      </p:pic>
+    </p:spTree>
+    <p:extLst>
+      <p:ext uri="{BB962C8B-B14F-4D97-AF65-F5344CB8AC3E}">
+        <p14:creationId xmlns:p14="http://schemas.microsoft.com/office/powerpoint/2010/main" val="1417212117"/>
       </p:ext>
     </p:extLst>
   </p:cSld>
